--- a/javascript_basics/Javascript Basics - basics.pptx
+++ b/javascript_basics/Javascript Basics - basics.pptx
@@ -5,38 +5,39 @@
     <p:sldMasterId id="2147483648" r:id="rId1"/>
   </p:sldMasterIdLst>
   <p:notesMasterIdLst>
-    <p:notesMasterId r:id="rId16"/>
+    <p:notesMasterId r:id="rId17"/>
   </p:notesMasterIdLst>
   <p:handoutMasterIdLst>
-    <p:handoutMasterId r:id="rId17"/>
+    <p:handoutMasterId r:id="rId18"/>
   </p:handoutMasterIdLst>
   <p:sldIdLst>
     <p:sldId id="256" r:id="rId2"/>
-    <p:sldId id="257" r:id="rId3"/>
-    <p:sldId id="258" r:id="rId4"/>
-    <p:sldId id="264" r:id="rId5"/>
-    <p:sldId id="265" r:id="rId6"/>
-    <p:sldId id="259" r:id="rId7"/>
-    <p:sldId id="266" r:id="rId8"/>
-    <p:sldId id="267" r:id="rId9"/>
-    <p:sldId id="268" r:id="rId10"/>
-    <p:sldId id="269" r:id="rId11"/>
-    <p:sldId id="260" r:id="rId12"/>
-    <p:sldId id="261" r:id="rId13"/>
-    <p:sldId id="262" r:id="rId14"/>
-    <p:sldId id="263" r:id="rId15"/>
+    <p:sldId id="258" r:id="rId3"/>
+    <p:sldId id="264" r:id="rId4"/>
+    <p:sldId id="265" r:id="rId5"/>
+    <p:sldId id="259" r:id="rId6"/>
+    <p:sldId id="266" r:id="rId7"/>
+    <p:sldId id="267" r:id="rId8"/>
+    <p:sldId id="268" r:id="rId9"/>
+    <p:sldId id="269" r:id="rId10"/>
+    <p:sldId id="270" r:id="rId11"/>
+    <p:sldId id="271" r:id="rId12"/>
+    <p:sldId id="272" r:id="rId13"/>
+    <p:sldId id="274" r:id="rId14"/>
+    <p:sldId id="273" r:id="rId15"/>
+    <p:sldId id="275" r:id="rId16"/>
   </p:sldIdLst>
   <p:sldSz cx="9144000" cy="6858000" type="screen4x3"/>
   <p:notesSz cx="6858000" cy="9144000"/>
   <p:embeddedFontLst>
     <p:embeddedFont>
       <p:font typeface="AA Zuehlke" panose="02000503060000020004" pitchFamily="2" charset="0"/>
-      <p:regular r:id="rId18"/>
-      <p:italic r:id="rId19"/>
+      <p:regular r:id="rId19"/>
+      <p:italic r:id="rId20"/>
     </p:embeddedFont>
   </p:embeddedFontLst>
   <p:custDataLst>
-    <p:tags r:id="rId20"/>
+    <p:tags r:id="rId21"/>
   </p:custDataLst>
   <p:defaultTextStyle>
     <a:defPPr>
@@ -139,23 +140,36 @@
         <p14:section name="Default Section" id="{3901B320-B04B-46E1-8380-17ACC93F6A05}">
           <p14:sldIdLst>
             <p14:sldId id="256"/>
-            <p14:sldId id="257"/>
             <p14:sldId id="258"/>
+          </p14:sldIdLst>
+        </p14:section>
+        <p14:section name="Types" id="{163AC601-3CA3-4FE1-B276-1E050665EA92}">
+          <p14:sldIdLst>
             <p14:sldId id="264"/>
             <p14:sldId id="265"/>
             <p14:sldId id="259"/>
+          </p14:sldIdLst>
+        </p14:section>
+        <p14:section name="Operators" id="{CC907239-0754-4E88-8BB6-22DC90CDEDA8}">
+          <p14:sldIdLst>
             <p14:sldId id="266"/>
             <p14:sldId id="267"/>
+            <p14:sldId id="268"/>
+            <p14:sldId id="269"/>
+            <p14:sldId id="270"/>
           </p14:sldIdLst>
         </p14:section>
-        <p14:section name="Untitled Section" id="{EDD43BE8-DE00-4ED0-9916-496207BE0BE7}">
+        <p14:section name="Flow control &amp; loops" id="{6D024B85-BF05-478C-810C-E5EE583A4C3C}">
           <p14:sldIdLst>
-            <p14:sldId id="268"/>
-            <p14:sldId id="269"/>
-            <p14:sldId id="260"/>
-            <p14:sldId id="261"/>
-            <p14:sldId id="262"/>
-            <p14:sldId id="263"/>
+            <p14:sldId id="271"/>
+            <p14:sldId id="272"/>
+            <p14:sldId id="274"/>
+          </p14:sldIdLst>
+        </p14:section>
+        <p14:section name="Scopes of variables" id="{B5E0EBA1-03E9-4B5F-BF84-B03920EDED8D}">
+          <p14:sldIdLst>
+            <p14:sldId id="273"/>
+            <p14:sldId id="275"/>
           </p14:sldIdLst>
         </p14:section>
       </p14:sectionLst>
@@ -303,7 +317,7 @@
               <a:rPr lang="de-DE" smtClean="0">
                 <a:latin typeface="AA Zuehlke" pitchFamily="2" charset="0"/>
               </a:rPr>
-              <a:t>14.08.2015</a:t>
+              <a:t>18.08.2015</a:t>
             </a:fld>
             <a:endParaRPr lang="de-DE">
               <a:latin typeface="AA Zuehlke" pitchFamily="2" charset="0"/>
@@ -481,7 +495,7 @@
             <a:fld id="{A6966AE6-B72D-4967-9CA3-8469D2863705}" type="datetimeFigureOut">
               <a:rPr lang="en-US" smtClean="0"/>
               <a:pPr/>
-              <a:t>8/14/2015</a:t>
+              <a:t>8/18/2015</a:t>
             </a:fld>
             <a:endParaRPr lang="en-US" dirty="0"/>
           </a:p>
@@ -5389,11 +5403,7 @@
           <a:p>
             <a:r>
               <a:rPr lang="en-US" dirty="0" smtClean="0"/>
-              <a:t>JavaScript </a:t>
-            </a:r>
-            <a:r>
-              <a:rPr lang="en-US" dirty="0" smtClean="0"/>
-              <a:t>Basics</a:t>
+              <a:t>JavaScript Basics</a:t>
             </a:r>
             <a:endParaRPr lang="en-US" dirty="0"/>
           </a:p>
@@ -5427,8 +5437,12 @@
           <a:lstStyle/>
           <a:p>
             <a:r>
+              <a:rPr lang="de-CH" dirty="0" err="1" smtClean="0"/>
+              <a:t>Javascript</a:t>
+            </a:r>
+            <a:r>
               <a:rPr lang="de-CH" smtClean="0"/>
-              <a:t>Javascript Basics | nesp, stmi, mabo</a:t>
+              <a:t> Basics | nesp, stmi, mabo</a:t>
             </a:r>
             <a:endParaRPr lang="de-CH" dirty="0"/>
           </a:p>
@@ -5530,43 +5544,176 @@
           <a:lstStyle/>
           <a:p>
             <a:r>
-              <a:rPr lang="en-US" dirty="0" smtClean="0"/>
-              <a:t>delete, in</a:t>
-            </a:r>
+              <a:rPr lang="en-US" b="1" dirty="0" err="1" smtClean="0"/>
+              <a:t>instanceof</a:t>
+            </a:r>
+            <a:endParaRPr lang="en-US" b="1" dirty="0"/>
+          </a:p>
+        </p:txBody>
+      </p:sp>
+      <p:sp>
+        <p:nvSpPr>
+          <p:cNvPr id="3" name="Content Placeholder 2"/>
+          <p:cNvSpPr>
+            <a:spLocks noGrp="1"/>
+          </p:cNvSpPr>
+          <p:nvPr>
+            <p:ph idx="1"/>
+          </p:nvPr>
+        </p:nvSpPr>
+        <p:spPr/>
+        <p:txBody>
+          <a:bodyPr/>
+          <a:lstStyle/>
+          <a:p>
+            <a:pPr marL="342900" indent="-342900">
+              <a:buFont typeface="Arial" panose="020B0604020202020204" pitchFamily="34" charset="0"/>
+              <a:buChar char="•"/>
+            </a:pPr>
+            <a:r>
+              <a:rPr lang="en-US" dirty="0" smtClean="0"/>
+              <a:t>Checks if an object is in the prototype chain of a constructor</a:t>
+            </a:r>
+          </a:p>
+          <a:p>
+            <a:pPr marL="342900" indent="-342900">
+              <a:buFont typeface="Arial" panose="020B0604020202020204" pitchFamily="34" charset="0"/>
+              <a:buChar char="•"/>
+            </a:pPr>
+            <a:r>
+              <a:rPr lang="en-US" dirty="0" smtClean="0"/>
+              <a:t>If an object inherits a certain (anywhere in hierarchy)</a:t>
+            </a:r>
+          </a:p>
+          <a:p>
+            <a:pPr marL="342900" indent="-342900">
+              <a:buFont typeface="Arial" panose="020B0604020202020204" pitchFamily="34" charset="0"/>
+              <a:buChar char="•"/>
+            </a:pPr>
+            <a:endParaRPr lang="en-US" dirty="0" smtClean="0"/>
+          </a:p>
+          <a:p>
+            <a:pPr marL="342900" indent="-342900">
+              <a:buFont typeface="Arial" panose="020B0604020202020204" pitchFamily="34" charset="0"/>
+              <a:buChar char="•"/>
+            </a:pPr>
+            <a:r>
+              <a:rPr lang="en-US" dirty="0" smtClean="0"/>
+              <a:t>object </a:t>
+            </a:r>
+            <a:r>
+              <a:rPr lang="en-US" b="1" dirty="0" err="1"/>
+              <a:t>instanceof</a:t>
+            </a:r>
+            <a:r>
+              <a:rPr lang="en-US" dirty="0"/>
+              <a:t> </a:t>
+            </a:r>
+            <a:r>
+              <a:rPr lang="en-US" dirty="0" smtClean="0"/>
+              <a:t>constructor</a:t>
+            </a:r>
+          </a:p>
+          <a:p>
             <a:endParaRPr lang="en-US" dirty="0"/>
           </a:p>
-        </p:txBody>
-      </p:sp>
-      <p:sp>
-        <p:nvSpPr>
-          <p:cNvPr id="3" name="Content Placeholder 2"/>
-          <p:cNvSpPr>
-            <a:spLocks noGrp="1"/>
-          </p:cNvSpPr>
-          <p:nvPr>
-            <p:ph idx="1"/>
-          </p:nvPr>
-        </p:nvSpPr>
-        <p:spPr/>
-        <p:txBody>
-          <a:bodyPr/>
-          <a:lstStyle/>
-          <a:p>
+          <a:p>
+            <a:pPr>
+              <a:spcBef>
+                <a:spcPts val="0"/>
+              </a:spcBef>
+            </a:pPr>
+            <a:r>
+              <a:rPr lang="en-US" dirty="0" err="1"/>
+              <a:t>var</a:t>
+            </a:r>
             <a:r>
               <a:rPr lang="en-US" dirty="0"/>
-              <a:t>delete </a:t>
+              <a:t> </a:t>
             </a:r>
             <a:r>
               <a:rPr lang="en-US" dirty="0" err="1"/>
-              <a:t>object.property</a:t>
-            </a:r>
+              <a:t>myDate</a:t>
+            </a:r>
+            <a:r>
+              <a:rPr lang="en-US" dirty="0"/>
+              <a:t> </a:t>
+            </a:r>
+            <a:r>
+              <a:rPr lang="en-US" dirty="0" smtClean="0"/>
+              <a:t> </a:t>
+            </a:r>
+            <a:r>
+              <a:rPr lang="en-US" dirty="0"/>
+              <a:t>= new Date</a:t>
+            </a:r>
+            <a:r>
+              <a:rPr lang="en-US" dirty="0" smtClean="0"/>
+              <a:t>();</a:t>
+            </a:r>
+          </a:p>
+          <a:p>
+            <a:pPr>
+              <a:spcBef>
+                <a:spcPts val="0"/>
+              </a:spcBef>
+            </a:pPr>
+            <a:r>
+              <a:rPr lang="en-US" dirty="0" smtClean="0"/>
+              <a:t>if (</a:t>
+            </a:r>
+            <a:r>
+              <a:rPr lang="en-US" dirty="0" err="1" smtClean="0"/>
+              <a:t>myDate</a:t>
+            </a:r>
+            <a:r>
+              <a:rPr lang="en-US" dirty="0" smtClean="0"/>
+              <a:t> </a:t>
+            </a:r>
+            <a:r>
+              <a:rPr lang="en-US" dirty="0" err="1"/>
+              <a:t>instanceof</a:t>
+            </a:r>
+            <a:r>
+              <a:rPr lang="en-US" dirty="0"/>
+              <a:t> </a:t>
+            </a:r>
+            <a:r>
+              <a:rPr lang="en-US" dirty="0" smtClean="0"/>
+              <a:t>Date) {</a:t>
+            </a:r>
+          </a:p>
+          <a:p>
+            <a:pPr>
+              <a:spcBef>
+                <a:spcPts val="0"/>
+              </a:spcBef>
+            </a:pPr>
+            <a:r>
+              <a:rPr lang="en-US" dirty="0"/>
+              <a:t>	</a:t>
+            </a:r>
+            <a:r>
+              <a:rPr lang="en-US" dirty="0" smtClean="0"/>
+              <a:t>// is true</a:t>
+            </a:r>
+          </a:p>
+          <a:p>
+            <a:pPr>
+              <a:spcBef>
+                <a:spcPts val="0"/>
+              </a:spcBef>
+            </a:pPr>
+            <a:r>
+              <a:rPr lang="en-US" dirty="0"/>
+              <a:t>}</a:t>
+            </a:r>
+            <a:endParaRPr lang="en-US" dirty="0" smtClean="0"/>
+          </a:p>
+          <a:p>
             <a:endParaRPr lang="en-US" dirty="0"/>
           </a:p>
           <a:p>
-            <a:r>
-              <a:rPr lang="en-US"/>
-              <a:t>delete object['property']</a:t>
-            </a:r>
             <a:endParaRPr lang="en-US" dirty="0"/>
           </a:p>
         </p:txBody>
@@ -5733,18 +5880,145 @@
           <a:bodyPr/>
           <a:lstStyle/>
           <a:p>
+            <a:r>
+              <a:rPr lang="en-US" dirty="0" smtClean="0"/>
+              <a:t>Flow control &amp; loops</a:t>
+            </a:r>
             <a:endParaRPr lang="en-US" dirty="0"/>
           </a:p>
         </p:txBody>
       </p:sp>
       <p:sp>
         <p:nvSpPr>
-          <p:cNvPr id="5" name="Text Placeholder 4"/>
-          <p:cNvSpPr>
-            <a:spLocks noGrp="1"/>
-          </p:cNvSpPr>
-          <p:nvPr>
-            <p:ph type="body" sz="quarter" idx="13"/>
+          <p:cNvPr id="3" name="Content Placeholder 2"/>
+          <p:cNvSpPr>
+            <a:spLocks noGrp="1"/>
+          </p:cNvSpPr>
+          <p:nvPr>
+            <p:ph idx="1"/>
+          </p:nvPr>
+        </p:nvSpPr>
+        <p:spPr>
+          <a:xfrm>
+            <a:off x="579438" y="1052737"/>
+            <a:ext cx="8412161" cy="5513164"/>
+          </a:xfrm>
+        </p:spPr>
+        <p:txBody>
+          <a:bodyPr/>
+          <a:lstStyle/>
+          <a:p>
+            <a:pPr marL="342900" indent="-342900">
+              <a:buFont typeface="Arial" panose="020B0604020202020204" pitchFamily="34" charset="0"/>
+              <a:buChar char="•"/>
+            </a:pPr>
+            <a:r>
+              <a:rPr lang="en-US" dirty="0" smtClean="0"/>
+              <a:t>Flow control:</a:t>
+            </a:r>
+          </a:p>
+          <a:p>
+            <a:pPr marL="608013" lvl="1" indent="-342900">
+              <a:buFont typeface="Arial" panose="020B0604020202020204" pitchFamily="34" charset="0"/>
+              <a:buChar char="•"/>
+            </a:pPr>
+            <a:r>
+              <a:rPr lang="en-US" dirty="0" smtClean="0"/>
+              <a:t>if…else (remember == vs ===)</a:t>
+            </a:r>
+          </a:p>
+          <a:p>
+            <a:pPr marL="608013" lvl="1" indent="-342900">
+              <a:buFont typeface="Arial" panose="020B0604020202020204" pitchFamily="34" charset="0"/>
+              <a:buChar char="•"/>
+            </a:pPr>
+            <a:r>
+              <a:rPr lang="en-US" dirty="0" smtClean="0"/>
+              <a:t>switch</a:t>
+            </a:r>
+          </a:p>
+          <a:p>
+            <a:pPr marL="608013" lvl="1" indent="-342900">
+              <a:buFont typeface="Arial" panose="020B0604020202020204" pitchFamily="34" charset="0"/>
+              <a:buChar char="•"/>
+            </a:pPr>
+            <a:r>
+              <a:rPr lang="en-US" dirty="0" smtClean="0"/>
+              <a:t>?:</a:t>
+            </a:r>
+          </a:p>
+          <a:p>
+            <a:pPr marL="608013" lvl="1" indent="-342900">
+              <a:buFont typeface="Arial" panose="020B0604020202020204" pitchFamily="34" charset="0"/>
+              <a:buChar char="•"/>
+            </a:pPr>
+            <a:endParaRPr lang="en-US" dirty="0" smtClean="0"/>
+          </a:p>
+          <a:p>
+            <a:pPr marL="342900" indent="-342900">
+              <a:buFont typeface="Arial" panose="020B0604020202020204" pitchFamily="34" charset="0"/>
+              <a:buChar char="•"/>
+            </a:pPr>
+            <a:r>
+              <a:rPr lang="en-US" dirty="0" smtClean="0"/>
+              <a:t>Loops: for, while, do…while</a:t>
+            </a:r>
+          </a:p>
+          <a:p>
+            <a:pPr marL="342900" indent="-342900">
+              <a:buFont typeface="Arial" panose="020B0604020202020204" pitchFamily="34" charset="0"/>
+              <a:buChar char="•"/>
+            </a:pPr>
+            <a:endParaRPr lang="en-US" dirty="0" smtClean="0"/>
+          </a:p>
+          <a:p>
+            <a:pPr marL="342900" indent="-342900">
+              <a:buFont typeface="Arial" panose="020B0604020202020204" pitchFamily="34" charset="0"/>
+              <a:buChar char="•"/>
+            </a:pPr>
+            <a:r>
+              <a:rPr lang="en-US" dirty="0" smtClean="0"/>
+              <a:t>Exception handling:</a:t>
+            </a:r>
+          </a:p>
+          <a:p>
+            <a:pPr marL="608013" lvl="1" indent="-342900">
+              <a:buFont typeface="Arial" panose="020B0604020202020204" pitchFamily="34" charset="0"/>
+              <a:buChar char="•"/>
+            </a:pPr>
+            <a:r>
+              <a:rPr lang="en-US" dirty="0" smtClean="0"/>
+              <a:t>throw, try…catch…finally</a:t>
+            </a:r>
+          </a:p>
+          <a:p>
+            <a:pPr marL="608013" lvl="1" indent="-342900">
+              <a:buFont typeface="Arial" panose="020B0604020202020204" pitchFamily="34" charset="0"/>
+              <a:buChar char="•"/>
+            </a:pPr>
+            <a:endParaRPr lang="en-US" dirty="0"/>
+          </a:p>
+          <a:p>
+            <a:pPr marL="342900" indent="-342900">
+              <a:buFont typeface="Arial" panose="020B0604020202020204" pitchFamily="34" charset="0"/>
+              <a:buChar char="•"/>
+            </a:pPr>
+            <a:r>
+              <a:rPr lang="en-US" dirty="0" smtClean="0"/>
+              <a:t>Promises (when doing asynchronous work)</a:t>
+            </a:r>
+            <a:endParaRPr lang="en-US" dirty="0"/>
+          </a:p>
+        </p:txBody>
+      </p:sp>
+      <p:sp>
+        <p:nvSpPr>
+          <p:cNvPr id="4" name="Date Placeholder 3"/>
+          <p:cNvSpPr>
+            <a:spLocks noGrp="1"/>
+          </p:cNvSpPr>
+          <p:nvPr>
+            <p:ph type="dt" sz="half" idx="10"/>
           </p:nvPr>
         </p:nvSpPr>
         <p:spPr/>
@@ -5752,142 +6026,93 @@
           <a:bodyPr/>
           <a:lstStyle/>
           <a:p>
+            <a:r>
+              <a:rPr lang="en-US" dirty="0" smtClean="0"/>
+              <a:t>14. August 2015</a:t>
+            </a:r>
             <a:endParaRPr lang="en-US" dirty="0"/>
           </a:p>
         </p:txBody>
       </p:sp>
       <p:sp>
         <p:nvSpPr>
-          <p:cNvPr id="6" name="Picture Placeholder 5"/>
-          <p:cNvSpPr>
-            <a:spLocks noGrp="1"/>
-          </p:cNvSpPr>
-          <p:nvPr>
-            <p:ph type="pic" sz="quarter" idx="14"/>
+          <p:cNvPr id="7" name="Footer Placeholder 6"/>
+          <p:cNvSpPr>
+            <a:spLocks noGrp="1"/>
+          </p:cNvSpPr>
+          <p:nvPr>
+            <p:ph type="ftr" sz="quarter" idx="11"/>
           </p:nvPr>
         </p:nvSpPr>
         <p:spPr/>
-      </p:sp>
-      <p:sp>
-        <p:nvSpPr>
-          <p:cNvPr id="7" name="Picture Placeholder 6"/>
-          <p:cNvSpPr>
-            <a:spLocks noGrp="1"/>
-          </p:cNvSpPr>
-          <p:nvPr>
-            <p:ph type="pic" sz="quarter" idx="15"/>
+        <p:txBody>
+          <a:bodyPr/>
+          <a:lstStyle/>
+          <a:p>
+            <a:r>
+              <a:rPr lang="en-US" dirty="0" err="1" smtClean="0"/>
+              <a:t>Javascript</a:t>
+            </a:r>
+            <a:r>
+              <a:rPr lang="en-US" dirty="0" smtClean="0"/>
+              <a:t> Basics | </a:t>
+            </a:r>
+            <a:r>
+              <a:rPr lang="en-US" dirty="0" err="1" smtClean="0"/>
+              <a:t>nesp</a:t>
+            </a:r>
+            <a:r>
+              <a:rPr lang="en-US" dirty="0" smtClean="0"/>
+              <a:t>, </a:t>
+            </a:r>
+            <a:r>
+              <a:rPr lang="en-US" dirty="0" err="1" smtClean="0"/>
+              <a:t>stmi</a:t>
+            </a:r>
+            <a:r>
+              <a:rPr lang="en-US" dirty="0" smtClean="0"/>
+              <a:t>, </a:t>
+            </a:r>
+            <a:r>
+              <a:rPr lang="en-US" dirty="0" err="1" smtClean="0"/>
+              <a:t>mabo</a:t>
+            </a:r>
+            <a:endParaRPr lang="en-US" dirty="0"/>
+          </a:p>
+        </p:txBody>
+      </p:sp>
+      <p:sp>
+        <p:nvSpPr>
+          <p:cNvPr id="9" name="Slide Number Placeholder 8"/>
+          <p:cNvSpPr>
+            <a:spLocks noGrp="1"/>
+          </p:cNvSpPr>
+          <p:nvPr>
+            <p:ph type="sldNum" sz="quarter" idx="12"/>
           </p:nvPr>
         </p:nvSpPr>
         <p:spPr/>
-      </p:sp>
-      <p:sp>
-        <p:nvSpPr>
-          <p:cNvPr id="8" name="Picture Placeholder 7"/>
-          <p:cNvSpPr>
-            <a:spLocks noGrp="1"/>
-          </p:cNvSpPr>
-          <p:nvPr>
-            <p:ph type="pic" sz="quarter" idx="16"/>
-          </p:nvPr>
-        </p:nvSpPr>
-        <p:spPr/>
-      </p:sp>
-      <p:sp>
-        <p:nvSpPr>
-          <p:cNvPr id="9" name="Content Placeholder 8"/>
-          <p:cNvSpPr>
-            <a:spLocks noGrp="1"/>
-          </p:cNvSpPr>
-          <p:nvPr>
-            <p:ph idx="1"/>
-          </p:nvPr>
-        </p:nvSpPr>
-        <p:spPr/>
         <p:txBody>
           <a:bodyPr/>
           <a:lstStyle/>
           <a:p>
-            <a:endParaRPr lang="en-US" dirty="0"/>
-          </a:p>
-        </p:txBody>
-      </p:sp>
-      <p:sp>
-        <p:nvSpPr>
-          <p:cNvPr id="12" name="Footer Placeholder 11"/>
-          <p:cNvSpPr>
-            <a:spLocks noGrp="1"/>
-          </p:cNvSpPr>
-          <p:nvPr>
-            <p:ph type="ftr" sz="quarter" idx="11"/>
-          </p:nvPr>
-        </p:nvSpPr>
-        <p:spPr/>
-        <p:txBody>
-          <a:bodyPr/>
-          <a:lstStyle/>
-          <a:p>
-            <a:r>
-              <a:rPr lang="de-CH" smtClean="0"/>
-              <a:t>Javascript Basics | nesp, stmi, mabo</a:t>
-            </a:r>
-            <a:endParaRPr lang="de-CH" dirty="0"/>
-          </a:p>
-        </p:txBody>
-      </p:sp>
-      <p:sp>
-        <p:nvSpPr>
-          <p:cNvPr id="13" name="Date Placeholder 12"/>
-          <p:cNvSpPr>
-            <a:spLocks noGrp="1"/>
-          </p:cNvSpPr>
-          <p:nvPr>
-            <p:ph type="dt" sz="half" idx="10"/>
-          </p:nvPr>
-        </p:nvSpPr>
-        <p:spPr/>
-        <p:txBody>
-          <a:bodyPr/>
-          <a:lstStyle/>
-          <a:p>
-            <a:r>
-              <a:rPr lang="de-CH" smtClean="0"/>
-              <a:t>14. August 2015</a:t>
-            </a:r>
-            <a:endParaRPr lang="de-CH" dirty="0"/>
-          </a:p>
-        </p:txBody>
-      </p:sp>
-      <p:sp>
-        <p:nvSpPr>
-          <p:cNvPr id="14" name="Slide Number Placeholder 13"/>
-          <p:cNvSpPr>
-            <a:spLocks noGrp="1"/>
-          </p:cNvSpPr>
-          <p:nvPr>
-            <p:ph type="sldNum" sz="quarter" idx="12"/>
-          </p:nvPr>
-        </p:nvSpPr>
-        <p:spPr/>
-        <p:txBody>
-          <a:bodyPr/>
-          <a:lstStyle/>
-          <a:p>
-            <a:r>
-              <a:rPr lang="de-CH" smtClean="0"/>
+            <a:r>
+              <a:rPr lang="en-GB" smtClean="0"/>
               <a:t>Slide </a:t>
             </a:r>
-            <a:fld id="{D8C597D2-6297-4098-AF78-F6D132CC1ED5}" type="slidenum">
-              <a:rPr lang="de-CH" smtClean="0"/>
+            <a:fld id="{B945A87F-2CE4-4B6D-B6BF-F6BF6C5CB292}" type="slidenum">
+              <a:rPr smtClean="0"/>
+              <a:pPr/>
               <a:t>11</a:t>
             </a:fld>
-            <a:endParaRPr lang="de-CH" dirty="0"/>
+            <a:endParaRPr dirty="0"/>
           </a:p>
         </p:txBody>
       </p:sp>
     </p:spTree>
     <p:extLst>
       <p:ext uri="{BB962C8B-B14F-4D97-AF65-F5344CB8AC3E}">
-        <p14:creationId xmlns:p14="http://schemas.microsoft.com/office/powerpoint/2010/main" val="3821337236"/>
+        <p14:creationId xmlns:p14="http://schemas.microsoft.com/office/powerpoint/2010/main" val="2884851122"/>
       </p:ext>
     </p:extLst>
   </p:cSld>
@@ -5929,18 +6154,272 @@
           <a:bodyPr/>
           <a:lstStyle/>
           <a:p>
+            <a:r>
+              <a:rPr lang="en-US" b="1" dirty="0"/>
+              <a:t>f</a:t>
+            </a:r>
+            <a:r>
+              <a:rPr lang="en-US" b="1" dirty="0" smtClean="0"/>
+              <a:t>or</a:t>
+            </a:r>
+            <a:r>
+              <a:rPr lang="en-US" dirty="0" smtClean="0"/>
+              <a:t> vs </a:t>
+            </a:r>
+            <a:r>
+              <a:rPr lang="en-US" b="1" dirty="0" err="1" smtClean="0"/>
+              <a:t>forEach</a:t>
+            </a:r>
+            <a:r>
+              <a:rPr lang="en-US" b="1" dirty="0" smtClean="0"/>
+              <a:t>()</a:t>
+            </a:r>
+            <a:r>
+              <a:rPr lang="en-US" dirty="0" smtClean="0"/>
+              <a:t> vs </a:t>
+            </a:r>
+            <a:r>
+              <a:rPr lang="en-US" b="1" dirty="0" smtClean="0"/>
+              <a:t>for</a:t>
+            </a:r>
+            <a:r>
+              <a:rPr lang="en-US" dirty="0" smtClean="0"/>
+              <a:t>-</a:t>
+            </a:r>
+            <a:r>
+              <a:rPr lang="en-US" b="1" dirty="0" smtClean="0"/>
+              <a:t>in</a:t>
+            </a:r>
+            <a:endParaRPr lang="en-US" b="1" dirty="0"/>
+          </a:p>
+        </p:txBody>
+      </p:sp>
+      <p:sp>
+        <p:nvSpPr>
+          <p:cNvPr id="3" name="Content Placeholder 2"/>
+          <p:cNvSpPr>
+            <a:spLocks noGrp="1"/>
+          </p:cNvSpPr>
+          <p:nvPr>
+            <p:ph idx="1"/>
+          </p:nvPr>
+        </p:nvSpPr>
+        <p:spPr/>
+        <p:txBody>
+          <a:bodyPr/>
+          <a:lstStyle/>
+          <a:p>
+            <a:r>
+              <a:rPr lang="en-GB" dirty="0"/>
+              <a:t>for (</a:t>
+            </a:r>
+            <a:r>
+              <a:rPr lang="en-GB" dirty="0" err="1"/>
+              <a:t>i</a:t>
+            </a:r>
+            <a:r>
+              <a:rPr lang="en-GB" dirty="0"/>
+              <a:t> = 0; </a:t>
+            </a:r>
+            <a:r>
+              <a:rPr lang="en-GB" dirty="0" err="1"/>
+              <a:t>i</a:t>
+            </a:r>
+            <a:r>
+              <a:rPr lang="en-GB" dirty="0"/>
+              <a:t> &lt; </a:t>
+            </a:r>
+            <a:r>
+              <a:rPr lang="en-GB" dirty="0" err="1" smtClean="0"/>
+              <a:t>array.length</a:t>
+            </a:r>
+            <a:r>
+              <a:rPr lang="en-GB" dirty="0"/>
+              <a:t>; </a:t>
+            </a:r>
+            <a:r>
+              <a:rPr lang="en-GB" dirty="0" err="1"/>
+              <a:t>i</a:t>
+            </a:r>
+            <a:r>
+              <a:rPr lang="en-GB" dirty="0"/>
+              <a:t>++) { </a:t>
+            </a:r>
+            <a:r>
+              <a:rPr lang="en-GB" dirty="0"/>
+              <a:t/>
+            </a:r>
+            <a:br>
+              <a:rPr lang="en-GB" dirty="0"/>
+            </a:br>
+            <a:r>
+              <a:rPr lang="en-GB" dirty="0"/>
+              <a:t>    text += </a:t>
+            </a:r>
+            <a:r>
+              <a:rPr lang="en-GB" dirty="0" smtClean="0"/>
+              <a:t>array[</a:t>
+            </a:r>
+            <a:r>
+              <a:rPr lang="en-GB" dirty="0" err="1" smtClean="0"/>
+              <a:t>i</a:t>
+            </a:r>
+            <a:r>
+              <a:rPr lang="en-GB" dirty="0" smtClean="0"/>
+              <a:t>];</a:t>
+            </a:r>
+            <a:r>
+              <a:rPr lang="en-GB" dirty="0"/>
+              <a:t/>
+            </a:r>
+            <a:br>
+              <a:rPr lang="en-GB" dirty="0"/>
+            </a:br>
+            <a:r>
+              <a:rPr lang="en-GB" dirty="0" smtClean="0"/>
+              <a:t>}</a:t>
+            </a:r>
+          </a:p>
+          <a:p>
+            <a:endParaRPr lang="en-GB" dirty="0" smtClean="0"/>
+          </a:p>
+          <a:p>
+            <a:pPr>
+              <a:spcBef>
+                <a:spcPts val="0"/>
+              </a:spcBef>
+            </a:pPr>
+            <a:r>
+              <a:rPr lang="en-GB" dirty="0" smtClean="0"/>
+              <a:t>array.</a:t>
+            </a:r>
+            <a:r>
+              <a:rPr lang="en-US" dirty="0" err="1" smtClean="0"/>
+              <a:t>forEach</a:t>
+            </a:r>
+            <a:r>
+              <a:rPr lang="en-US" dirty="0" smtClean="0"/>
+              <a:t>(</a:t>
+            </a:r>
+            <a:r>
+              <a:rPr lang="en-GB" dirty="0"/>
+              <a:t>function (value, index, </a:t>
+            </a:r>
+            <a:r>
+              <a:rPr lang="en-GB" dirty="0" err="1" smtClean="0"/>
+              <a:t>arr</a:t>
+            </a:r>
+            <a:r>
+              <a:rPr lang="en-GB" dirty="0" smtClean="0"/>
+              <a:t>) </a:t>
+            </a:r>
+            <a:r>
+              <a:rPr lang="en-GB" dirty="0"/>
+              <a:t>{</a:t>
+            </a:r>
+          </a:p>
+          <a:p>
+            <a:pPr>
+              <a:spcBef>
+                <a:spcPts val="0"/>
+              </a:spcBef>
+            </a:pPr>
+            <a:r>
+              <a:rPr lang="en-GB" dirty="0"/>
+              <a:t> </a:t>
+            </a:r>
+            <a:r>
+              <a:rPr lang="en-GB" dirty="0" smtClean="0"/>
+              <a:t>     text </a:t>
+            </a:r>
+            <a:r>
+              <a:rPr lang="en-GB" dirty="0"/>
+              <a:t>+= value</a:t>
+            </a:r>
+            <a:r>
+              <a:rPr lang="en-GB" dirty="0" smtClean="0"/>
+              <a:t>;</a:t>
+            </a:r>
+            <a:endParaRPr lang="en-GB" dirty="0"/>
+          </a:p>
+          <a:p>
+            <a:pPr>
+              <a:spcBef>
+                <a:spcPts val="0"/>
+              </a:spcBef>
+            </a:pPr>
+            <a:r>
+              <a:rPr lang="en-GB" dirty="0" smtClean="0"/>
+              <a:t>}</a:t>
+            </a:r>
+            <a:r>
+              <a:rPr lang="en-US" dirty="0" smtClean="0"/>
+              <a:t>);</a:t>
+            </a:r>
+          </a:p>
+          <a:p>
+            <a:pPr>
+              <a:spcBef>
+                <a:spcPts val="0"/>
+              </a:spcBef>
+            </a:pPr>
             <a:endParaRPr lang="en-US" dirty="0"/>
           </a:p>
-        </p:txBody>
-      </p:sp>
-      <p:sp>
-        <p:nvSpPr>
-          <p:cNvPr id="3" name="Content Placeholder 2"/>
-          <p:cNvSpPr>
-            <a:spLocks noGrp="1"/>
-          </p:cNvSpPr>
-          <p:nvPr>
-            <p:ph idx="1"/>
+          <a:p>
+            <a:pPr>
+              <a:spcBef>
+                <a:spcPts val="0"/>
+              </a:spcBef>
+            </a:pPr>
+            <a:endParaRPr lang="en-US" dirty="0" smtClean="0"/>
+          </a:p>
+          <a:p>
+            <a:pPr marL="342900" indent="-342900">
+              <a:spcBef>
+                <a:spcPts val="0"/>
+              </a:spcBef>
+              <a:buFont typeface="Arial" panose="020B0604020202020204" pitchFamily="34" charset="0"/>
+              <a:buChar char="•"/>
+            </a:pPr>
+            <a:r>
+              <a:rPr lang="en-US" dirty="0" smtClean="0"/>
+              <a:t>for…in iterating through properties on an object</a:t>
+            </a:r>
+          </a:p>
+          <a:p>
+            <a:pPr>
+              <a:spcBef>
+                <a:spcPts val="0"/>
+              </a:spcBef>
+            </a:pPr>
+            <a:r>
+              <a:rPr lang="en-US" dirty="0"/>
+              <a:t>for </a:t>
+            </a:r>
+            <a:r>
+              <a:rPr lang="en-US" dirty="0" smtClean="0"/>
+              <a:t>(property in </a:t>
+            </a:r>
+            <a:r>
+              <a:rPr lang="en-US" dirty="0"/>
+              <a:t>object) </a:t>
+            </a:r>
+            <a:r>
+              <a:rPr lang="en-US" dirty="0" smtClean="0"/>
+              <a:t>{}</a:t>
+            </a:r>
+            <a:endParaRPr lang="en-US" dirty="0"/>
+          </a:p>
+        </p:txBody>
+      </p:sp>
+      <p:sp>
+        <p:nvSpPr>
+          <p:cNvPr id="4" name="Date Placeholder 3"/>
+          <p:cNvSpPr>
+            <a:spLocks noGrp="1"/>
+          </p:cNvSpPr>
+          <p:nvPr>
+            <p:ph type="dt" sz="half" idx="10"/>
           </p:nvPr>
         </p:nvSpPr>
         <p:spPr/>
@@ -5948,6 +6427,10 @@
           <a:bodyPr/>
           <a:lstStyle/>
           <a:p>
+            <a:r>
+              <a:rPr lang="en-US" dirty="0" smtClean="0"/>
+              <a:t>14. August 2015</a:t>
+            </a:r>
             <a:endParaRPr lang="en-US" dirty="0"/>
           </a:p>
         </p:txBody>
@@ -5973,105 +6456,83 @@
       </p:sp>
       <p:sp>
         <p:nvSpPr>
-          <p:cNvPr id="7" name="Picture Placeholder 6"/>
-          <p:cNvSpPr>
-            <a:spLocks noGrp="1"/>
-          </p:cNvSpPr>
-          <p:nvPr>
-            <p:ph type="pic" sz="quarter" idx="14"/>
+          <p:cNvPr id="7" name="Footer Placeholder 6"/>
+          <p:cNvSpPr>
+            <a:spLocks noGrp="1"/>
+          </p:cNvSpPr>
+          <p:nvPr>
+            <p:ph type="ftr" sz="quarter" idx="11"/>
           </p:nvPr>
         </p:nvSpPr>
         <p:spPr/>
-      </p:sp>
-      <p:sp>
-        <p:nvSpPr>
-          <p:cNvPr id="8" name="Picture Placeholder 7"/>
-          <p:cNvSpPr>
-            <a:spLocks noGrp="1"/>
-          </p:cNvSpPr>
-          <p:nvPr>
-            <p:ph type="pic" sz="quarter" idx="15"/>
+        <p:txBody>
+          <a:bodyPr/>
+          <a:lstStyle/>
+          <a:p>
+            <a:r>
+              <a:rPr lang="en-US" dirty="0" err="1" smtClean="0"/>
+              <a:t>Javascript</a:t>
+            </a:r>
+            <a:r>
+              <a:rPr lang="en-US" dirty="0" smtClean="0"/>
+              <a:t> Basics | </a:t>
+            </a:r>
+            <a:r>
+              <a:rPr lang="en-US" dirty="0" err="1" smtClean="0"/>
+              <a:t>nesp</a:t>
+            </a:r>
+            <a:r>
+              <a:rPr lang="en-US" dirty="0" smtClean="0"/>
+              <a:t>, </a:t>
+            </a:r>
+            <a:r>
+              <a:rPr lang="en-US" dirty="0" err="1" smtClean="0"/>
+              <a:t>stmi</a:t>
+            </a:r>
+            <a:r>
+              <a:rPr lang="en-US" dirty="0" smtClean="0"/>
+              <a:t>, </a:t>
+            </a:r>
+            <a:r>
+              <a:rPr lang="en-US" dirty="0" err="1" smtClean="0"/>
+              <a:t>mabo</a:t>
+            </a:r>
+            <a:endParaRPr lang="en-US" dirty="0"/>
+          </a:p>
+        </p:txBody>
+      </p:sp>
+      <p:sp>
+        <p:nvSpPr>
+          <p:cNvPr id="9" name="Slide Number Placeholder 8"/>
+          <p:cNvSpPr>
+            <a:spLocks noGrp="1"/>
+          </p:cNvSpPr>
+          <p:nvPr>
+            <p:ph type="sldNum" sz="quarter" idx="12"/>
           </p:nvPr>
         </p:nvSpPr>
         <p:spPr/>
-      </p:sp>
-      <p:sp>
-        <p:nvSpPr>
-          <p:cNvPr id="11" name="Footer Placeholder 10"/>
-          <p:cNvSpPr>
-            <a:spLocks noGrp="1"/>
-          </p:cNvSpPr>
-          <p:nvPr>
-            <p:ph type="ftr" sz="quarter" idx="11"/>
-          </p:nvPr>
-        </p:nvSpPr>
-        <p:spPr/>
         <p:txBody>
           <a:bodyPr/>
           <a:lstStyle/>
           <a:p>
             <a:r>
-              <a:rPr lang="de-CH" smtClean="0"/>
-              <a:t>Javascript Basics | nesp, stmi, mabo</a:t>
-            </a:r>
-            <a:endParaRPr lang="de-CH" dirty="0"/>
-          </a:p>
-        </p:txBody>
-      </p:sp>
-      <p:sp>
-        <p:nvSpPr>
-          <p:cNvPr id="12" name="Date Placeholder 11"/>
-          <p:cNvSpPr>
-            <a:spLocks noGrp="1"/>
-          </p:cNvSpPr>
-          <p:nvPr>
-            <p:ph type="dt" sz="half" idx="10"/>
-          </p:nvPr>
-        </p:nvSpPr>
-        <p:spPr/>
-        <p:txBody>
-          <a:bodyPr/>
-          <a:lstStyle/>
-          <a:p>
-            <a:r>
-              <a:rPr lang="de-CH" smtClean="0"/>
-              <a:t>14. August 2015</a:t>
-            </a:r>
-            <a:endParaRPr lang="de-CH" dirty="0"/>
-          </a:p>
-        </p:txBody>
-      </p:sp>
-      <p:sp>
-        <p:nvSpPr>
-          <p:cNvPr id="13" name="Slide Number Placeholder 12"/>
-          <p:cNvSpPr>
-            <a:spLocks noGrp="1"/>
-          </p:cNvSpPr>
-          <p:nvPr>
-            <p:ph type="sldNum" sz="quarter" idx="12"/>
-          </p:nvPr>
-        </p:nvSpPr>
-        <p:spPr/>
-        <p:txBody>
-          <a:bodyPr/>
-          <a:lstStyle/>
-          <a:p>
-            <a:r>
-              <a:rPr lang="de-CH" smtClean="0"/>
+              <a:rPr lang="en-GB" smtClean="0"/>
               <a:t>Slide </a:t>
             </a:r>
-            <a:fld id="{442A4CAA-BD91-44B4-B6AE-6417EEF2B0E2}" type="slidenum">
-              <a:rPr lang="de-CH" smtClean="0"/>
+            <a:fld id="{B945A87F-2CE4-4B6D-B6BF-F6BF6C5CB292}" type="slidenum">
+              <a:rPr smtClean="0"/>
+              <a:pPr/>
               <a:t>12</a:t>
             </a:fld>
-            <a:endParaRPr lang="de-CH" dirty="0"/>
+            <a:endParaRPr dirty="0"/>
           </a:p>
         </p:txBody>
       </p:sp>
     </p:spTree>
     <p:extLst>
       <p:ext uri="{BB962C8B-B14F-4D97-AF65-F5344CB8AC3E}">
-        <p14:creationId xmlns:p14="http://schemas.microsoft.com/office/powerpoint/2010/main" val="1889840885"/>
+        <p14:creationId xmlns:p14="http://schemas.microsoft.com/office/powerpoint/2010/main" val="2884851122"/>
       </p:ext>
     </p:extLst>
   </p:cSld>
@@ -6113,6 +6574,10 @@
           <a:bodyPr/>
           <a:lstStyle/>
           <a:p>
+            <a:r>
+              <a:rPr lang="en-US" dirty="0" smtClean="0"/>
+              <a:t>Exception handling</a:t>
+            </a:r>
             <a:endParaRPr lang="en-US" dirty="0"/>
           </a:p>
         </p:txBody>
@@ -6127,23 +6592,289 @@
             <p:ph idx="1"/>
           </p:nvPr>
         </p:nvSpPr>
+        <p:spPr>
+          <a:xfrm>
+            <a:off x="579438" y="933885"/>
+            <a:ext cx="8412161" cy="5632015"/>
+          </a:xfrm>
+        </p:spPr>
+        <p:txBody>
+          <a:bodyPr/>
+          <a:lstStyle/>
+          <a:p>
+            <a:pPr marL="342900" indent="-342900">
+              <a:spcBef>
+                <a:spcPts val="0"/>
+              </a:spcBef>
+              <a:buFont typeface="Arial" panose="020B0604020202020204" pitchFamily="34" charset="0"/>
+              <a:buChar char="•"/>
+            </a:pPr>
+            <a:r>
+              <a:rPr lang="en-US" dirty="0" smtClean="0"/>
+              <a:t>Throw short circuits the code and “bubbles up” through code until it reaches a catch.</a:t>
+            </a:r>
+          </a:p>
+          <a:p>
+            <a:pPr marL="342900" indent="-342900">
+              <a:spcBef>
+                <a:spcPts val="0"/>
+              </a:spcBef>
+              <a:buFont typeface="Arial" panose="020B0604020202020204" pitchFamily="34" charset="0"/>
+              <a:buChar char="•"/>
+            </a:pPr>
+            <a:endParaRPr lang="en-US" dirty="0" smtClean="0"/>
+          </a:p>
+          <a:p>
+            <a:pPr>
+              <a:spcBef>
+                <a:spcPts val="0"/>
+              </a:spcBef>
+            </a:pPr>
+            <a:endParaRPr lang="en-US" dirty="0" smtClean="0"/>
+          </a:p>
+          <a:p>
+            <a:pPr>
+              <a:spcBef>
+                <a:spcPts val="0"/>
+              </a:spcBef>
+            </a:pPr>
+            <a:r>
+              <a:rPr lang="en-US" dirty="0" smtClean="0"/>
+              <a:t>try </a:t>
+            </a:r>
+            <a:r>
+              <a:rPr lang="en-US" dirty="0"/>
+              <a:t>{</a:t>
+            </a:r>
+            <a:r>
+              <a:rPr lang="en-US" dirty="0"/>
+              <a:t/>
+            </a:r>
+            <a:br>
+              <a:rPr lang="en-US" dirty="0"/>
+            </a:br>
+            <a:r>
+              <a:rPr lang="en-US" dirty="0"/>
+              <a:t>    </a:t>
+            </a:r>
+            <a:r>
+              <a:rPr lang="en-US" dirty="0" smtClean="0"/>
+              <a:t>// </a:t>
+            </a:r>
+            <a:r>
+              <a:rPr lang="en-US" i="1" dirty="0" smtClean="0"/>
+              <a:t>Block </a:t>
+            </a:r>
+            <a:r>
+              <a:rPr lang="en-US" i="1" dirty="0"/>
+              <a:t>of code to </a:t>
+            </a:r>
+            <a:r>
+              <a:rPr lang="en-US" i="1" dirty="0" smtClean="0"/>
+              <a:t>try execute. Throws an error object.</a:t>
+            </a:r>
+          </a:p>
+          <a:p>
+            <a:pPr>
+              <a:spcBef>
+                <a:spcPts val="0"/>
+              </a:spcBef>
+            </a:pPr>
+            <a:r>
+              <a:rPr lang="en-US" dirty="0" smtClean="0"/>
+              <a:t>    throw </a:t>
+            </a:r>
+            <a:r>
+              <a:rPr lang="en-US" dirty="0"/>
+              <a:t>new Error(message, </a:t>
+            </a:r>
+            <a:r>
+              <a:rPr lang="en-US" dirty="0" err="1"/>
+              <a:t>fileName</a:t>
+            </a:r>
+            <a:r>
+              <a:rPr lang="en-US" dirty="0"/>
+              <a:t>, </a:t>
+            </a:r>
+            <a:r>
+              <a:rPr lang="en-US" dirty="0" err="1"/>
+              <a:t>lineNumber</a:t>
+            </a:r>
+            <a:r>
+              <a:rPr lang="en-US" dirty="0" smtClean="0"/>
+              <a:t>)</a:t>
+            </a:r>
+            <a:r>
+              <a:rPr lang="en-US" i="1" dirty="0"/>
+              <a:t/>
+            </a:r>
+            <a:br>
+              <a:rPr lang="en-US" i="1" dirty="0"/>
+            </a:br>
+            <a:r>
+              <a:rPr lang="en-US" dirty="0"/>
+              <a:t>}</a:t>
+            </a:r>
+            <a:r>
+              <a:rPr lang="en-US" dirty="0"/>
+              <a:t/>
+            </a:r>
+            <a:br>
+              <a:rPr lang="en-US" dirty="0"/>
+            </a:br>
+            <a:r>
+              <a:rPr lang="en-US" dirty="0"/>
+              <a:t>catch(err) {</a:t>
+            </a:r>
+            <a:r>
+              <a:rPr lang="en-US" dirty="0"/>
+              <a:t/>
+            </a:r>
+            <a:br>
+              <a:rPr lang="en-US" dirty="0"/>
+            </a:br>
+            <a:r>
+              <a:rPr lang="en-US" dirty="0"/>
+              <a:t>   </a:t>
+            </a:r>
+            <a:r>
+              <a:rPr lang="en-US" dirty="0" smtClean="0"/>
+              <a:t>// </a:t>
+            </a:r>
+            <a:r>
+              <a:rPr lang="en-US" i="1" dirty="0" smtClean="0"/>
+              <a:t>Block </a:t>
+            </a:r>
+            <a:r>
+              <a:rPr lang="en-US" i="1" dirty="0"/>
+              <a:t>of code to handle </a:t>
+            </a:r>
+            <a:r>
+              <a:rPr lang="en-US" i="1" dirty="0" smtClean="0"/>
+              <a:t>errors. Executes only if block in </a:t>
+            </a:r>
+            <a:r>
+              <a:rPr lang="en-US" b="1" i="1" dirty="0" smtClean="0"/>
+              <a:t>try</a:t>
+            </a:r>
+            <a:r>
+              <a:rPr lang="en-US" i="1" dirty="0" smtClean="0"/>
+              <a:t> </a:t>
+            </a:r>
+            <a:r>
+              <a:rPr lang="en-US" b="1" i="1" dirty="0" smtClean="0"/>
+              <a:t>throws</a:t>
+            </a:r>
+            <a:r>
+              <a:rPr lang="en-US" i="1" dirty="0" smtClean="0"/>
+              <a:t>.</a:t>
+            </a:r>
+            <a:r>
+              <a:rPr lang="en-US" i="1" dirty="0"/>
+              <a:t/>
+            </a:r>
+            <a:br>
+              <a:rPr lang="en-US" i="1" dirty="0"/>
+            </a:br>
+            <a:r>
+              <a:rPr lang="en-US" dirty="0" smtClean="0"/>
+              <a:t>}</a:t>
+            </a:r>
+          </a:p>
+          <a:p>
+            <a:pPr>
+              <a:spcBef>
+                <a:spcPts val="0"/>
+              </a:spcBef>
+            </a:pPr>
+            <a:r>
+              <a:rPr lang="en-US" dirty="0"/>
+              <a:t>finally {</a:t>
+            </a:r>
+          </a:p>
+          <a:p>
+            <a:pPr>
+              <a:spcBef>
+                <a:spcPts val="0"/>
+              </a:spcBef>
+            </a:pPr>
+            <a:r>
+              <a:rPr lang="en-US" i="1" dirty="0"/>
+              <a:t>    </a:t>
+            </a:r>
+            <a:r>
+              <a:rPr lang="en-US" i="1" dirty="0" smtClean="0"/>
+              <a:t>// Block </a:t>
+            </a:r>
+            <a:r>
+              <a:rPr lang="en-US" i="1" dirty="0"/>
+              <a:t>of code to be executed regardless of the </a:t>
+            </a:r>
+            <a:r>
+              <a:rPr lang="en-US" b="1" i="1" dirty="0" smtClean="0"/>
+              <a:t>try</a:t>
+            </a:r>
+            <a:r>
+              <a:rPr lang="en-US" i="1" dirty="0" smtClean="0"/>
+              <a:t>/</a:t>
+            </a:r>
+            <a:r>
+              <a:rPr lang="en-US" b="1" i="1" dirty="0" smtClean="0"/>
+              <a:t>catch</a:t>
+            </a:r>
+            <a:r>
+              <a:rPr lang="en-US" i="1" dirty="0" smtClean="0"/>
+              <a:t> </a:t>
+            </a:r>
+            <a:r>
+              <a:rPr lang="en-US" i="1" dirty="0"/>
+              <a:t>result</a:t>
+            </a:r>
+          </a:p>
+          <a:p>
+            <a:pPr>
+              <a:spcBef>
+                <a:spcPts val="0"/>
+              </a:spcBef>
+            </a:pPr>
+            <a:r>
+              <a:rPr lang="en-US" dirty="0" smtClean="0"/>
+              <a:t>}</a:t>
+            </a:r>
+          </a:p>
+        </p:txBody>
+      </p:sp>
+      <p:sp>
+        <p:nvSpPr>
+          <p:cNvPr id="4" name="Date Placeholder 3"/>
+          <p:cNvSpPr>
+            <a:spLocks noGrp="1"/>
+          </p:cNvSpPr>
+          <p:nvPr>
+            <p:ph type="dt" sz="half" idx="10"/>
+          </p:nvPr>
+        </p:nvSpPr>
         <p:spPr/>
         <p:txBody>
           <a:bodyPr/>
           <a:lstStyle/>
           <a:p>
+            <a:r>
+              <a:rPr lang="en-US" dirty="0" smtClean="0"/>
+              <a:t>14. August 2015</a:t>
+            </a:r>
             <a:endParaRPr lang="en-US" dirty="0"/>
           </a:p>
         </p:txBody>
       </p:sp>
       <p:sp>
         <p:nvSpPr>
-          <p:cNvPr id="6" name="Text Placeholder 5"/>
-          <p:cNvSpPr>
-            <a:spLocks noGrp="1"/>
-          </p:cNvSpPr>
-          <p:nvPr>
-            <p:ph type="body" sz="quarter" idx="13"/>
+          <p:cNvPr id="7" name="Footer Placeholder 6"/>
+          <p:cNvSpPr>
+            <a:spLocks noGrp="1"/>
+          </p:cNvSpPr>
+          <p:nvPr>
+            <p:ph type="ftr" sz="quarter" idx="11"/>
           </p:nvPr>
         </p:nvSpPr>
         <p:spPr/>
@@ -6151,99 +6882,70 @@
           <a:bodyPr/>
           <a:lstStyle/>
           <a:p>
+            <a:r>
+              <a:rPr lang="en-US" dirty="0" err="1" smtClean="0"/>
+              <a:t>Javascript</a:t>
+            </a:r>
+            <a:r>
+              <a:rPr lang="en-US" dirty="0" smtClean="0"/>
+              <a:t> Basics | </a:t>
+            </a:r>
+            <a:r>
+              <a:rPr lang="en-US" dirty="0" err="1" smtClean="0"/>
+              <a:t>nesp</a:t>
+            </a:r>
+            <a:r>
+              <a:rPr lang="en-US" dirty="0" smtClean="0"/>
+              <a:t>, </a:t>
+            </a:r>
+            <a:r>
+              <a:rPr lang="en-US" dirty="0" err="1" smtClean="0"/>
+              <a:t>stmi</a:t>
+            </a:r>
+            <a:r>
+              <a:rPr lang="en-US" dirty="0" smtClean="0"/>
+              <a:t>, </a:t>
+            </a:r>
+            <a:r>
+              <a:rPr lang="en-US" dirty="0" err="1" smtClean="0"/>
+              <a:t>mabo</a:t>
+            </a:r>
             <a:endParaRPr lang="en-US" dirty="0"/>
           </a:p>
         </p:txBody>
       </p:sp>
       <p:sp>
         <p:nvSpPr>
-          <p:cNvPr id="7" name="Picture Placeholder 6"/>
-          <p:cNvSpPr>
-            <a:spLocks noGrp="1"/>
-          </p:cNvSpPr>
-          <p:nvPr>
-            <p:ph type="pic" sz="quarter" idx="14"/>
+          <p:cNvPr id="9" name="Slide Number Placeholder 8"/>
+          <p:cNvSpPr>
+            <a:spLocks noGrp="1"/>
+          </p:cNvSpPr>
+          <p:nvPr>
+            <p:ph type="sldNum" sz="quarter" idx="12"/>
           </p:nvPr>
         </p:nvSpPr>
         <p:spPr/>
-      </p:sp>
-      <p:sp>
-        <p:nvSpPr>
-          <p:cNvPr id="10" name="Footer Placeholder 9"/>
-          <p:cNvSpPr>
-            <a:spLocks noGrp="1"/>
-          </p:cNvSpPr>
-          <p:nvPr>
-            <p:ph type="ftr" sz="quarter" idx="11"/>
-          </p:nvPr>
-        </p:nvSpPr>
-        <p:spPr/>
         <p:txBody>
           <a:bodyPr/>
           <a:lstStyle/>
           <a:p>
             <a:r>
-              <a:rPr lang="de-CH" smtClean="0"/>
-              <a:t>Javascript Basics | nesp, stmi, mabo</a:t>
-            </a:r>
-            <a:endParaRPr lang="de-CH" dirty="0"/>
-          </a:p>
-        </p:txBody>
-      </p:sp>
-      <p:sp>
-        <p:nvSpPr>
-          <p:cNvPr id="11" name="Date Placeholder 10"/>
-          <p:cNvSpPr>
-            <a:spLocks noGrp="1"/>
-          </p:cNvSpPr>
-          <p:nvPr>
-            <p:ph type="dt" sz="half" idx="10"/>
-          </p:nvPr>
-        </p:nvSpPr>
-        <p:spPr/>
-        <p:txBody>
-          <a:bodyPr/>
-          <a:lstStyle/>
-          <a:p>
-            <a:r>
-              <a:rPr lang="de-CH" smtClean="0"/>
-              <a:t>14. August 2015</a:t>
-            </a:r>
-            <a:endParaRPr lang="de-CH" dirty="0"/>
-          </a:p>
-        </p:txBody>
-      </p:sp>
-      <p:sp>
-        <p:nvSpPr>
-          <p:cNvPr id="12" name="Slide Number Placeholder 11"/>
-          <p:cNvSpPr>
-            <a:spLocks noGrp="1"/>
-          </p:cNvSpPr>
-          <p:nvPr>
-            <p:ph type="sldNum" sz="quarter" idx="12"/>
-          </p:nvPr>
-        </p:nvSpPr>
-        <p:spPr/>
-        <p:txBody>
-          <a:bodyPr/>
-          <a:lstStyle/>
-          <a:p>
-            <a:r>
-              <a:rPr lang="de-CH" smtClean="0"/>
+              <a:rPr lang="en-GB" smtClean="0"/>
               <a:t>Slide </a:t>
             </a:r>
-            <a:fld id="{72ACB5FB-31BB-4A6B-B507-45C1CAF85B0F}" type="slidenum">
-              <a:rPr lang="de-CH" smtClean="0"/>
+            <a:fld id="{B945A87F-2CE4-4B6D-B6BF-F6BF6C5CB292}" type="slidenum">
+              <a:rPr smtClean="0"/>
+              <a:pPr/>
               <a:t>13</a:t>
             </a:fld>
-            <a:endParaRPr lang="de-CH" dirty="0"/>
+            <a:endParaRPr dirty="0"/>
           </a:p>
         </p:txBody>
       </p:sp>
     </p:spTree>
     <p:extLst>
       <p:ext uri="{BB962C8B-B14F-4D97-AF65-F5344CB8AC3E}">
-        <p14:creationId xmlns:p14="http://schemas.microsoft.com/office/powerpoint/2010/main" val="2546209599"/>
+        <p14:creationId xmlns:p14="http://schemas.microsoft.com/office/powerpoint/2010/main" val="2884851122"/>
       </p:ext>
     </p:extLst>
   </p:cSld>
@@ -6277,7 +6979,7 @@
             <a:spLocks noGrp="1"/>
           </p:cNvSpPr>
           <p:nvPr>
-            <p:ph type="ctrTitle"/>
+            <p:ph type="title"/>
           </p:nvPr>
         </p:nvSpPr>
         <p:spPr/>
@@ -6285,21 +6987,217 @@
           <a:bodyPr/>
           <a:lstStyle/>
           <a:p>
+            <a:r>
+              <a:rPr lang="en-US" dirty="0" smtClean="0"/>
+              <a:t>Scopes of variables</a:t>
+            </a:r>
             <a:endParaRPr lang="en-US" dirty="0"/>
           </a:p>
         </p:txBody>
       </p:sp>
       <p:sp>
         <p:nvSpPr>
-          <p:cNvPr id="5" name="Picture Placeholder 4"/>
-          <p:cNvSpPr>
-            <a:spLocks noGrp="1"/>
-          </p:cNvSpPr>
-          <p:nvPr>
-            <p:ph type="pic" sz="quarter" idx="10"/>
+          <p:cNvPr id="3" name="Content Placeholder 2"/>
+          <p:cNvSpPr>
+            <a:spLocks noGrp="1"/>
+          </p:cNvSpPr>
+          <p:nvPr>
+            <p:ph idx="1"/>
+          </p:nvPr>
+        </p:nvSpPr>
+        <p:spPr>
+          <a:xfrm>
+            <a:off x="539552" y="1052736"/>
+            <a:ext cx="8412161" cy="4776787"/>
+          </a:xfrm>
+        </p:spPr>
+        <p:txBody>
+          <a:bodyPr/>
+          <a:lstStyle/>
+          <a:p>
+            <a:pPr marL="342900" indent="-342900">
+              <a:spcAft>
+                <a:spcPts val="1800"/>
+              </a:spcAft>
+              <a:buFont typeface="Arial" panose="020B0604020202020204" pitchFamily="34" charset="0"/>
+              <a:buChar char="•"/>
+            </a:pPr>
+            <a:r>
+              <a:rPr lang="en-US" dirty="0" smtClean="0"/>
+              <a:t>Global scope is reachable everywhere.</a:t>
+            </a:r>
+          </a:p>
+          <a:p>
+            <a:pPr>
+              <a:spcBef>
+                <a:spcPts val="0"/>
+              </a:spcBef>
+            </a:pPr>
+            <a:r>
+              <a:rPr lang="en-US" dirty="0" err="1"/>
+              <a:t>var</a:t>
+            </a:r>
+            <a:r>
+              <a:rPr lang="en-US" dirty="0"/>
+              <a:t> a = 1</a:t>
+            </a:r>
+            <a:r>
+              <a:rPr lang="en-US" dirty="0" smtClean="0"/>
+              <a:t>;</a:t>
+            </a:r>
+          </a:p>
+          <a:p>
+            <a:pPr>
+              <a:spcBef>
+                <a:spcPts val="0"/>
+              </a:spcBef>
+            </a:pPr>
+            <a:endParaRPr lang="en-US" dirty="0"/>
+          </a:p>
+          <a:p>
+            <a:pPr>
+              <a:spcBef>
+                <a:spcPts val="0"/>
+              </a:spcBef>
+            </a:pPr>
+            <a:r>
+              <a:rPr lang="en-US" dirty="0" smtClean="0"/>
+              <a:t>function </a:t>
+            </a:r>
+            <a:r>
+              <a:rPr lang="en-US" dirty="0"/>
+              <a:t>one() {</a:t>
+            </a:r>
+          </a:p>
+          <a:p>
+            <a:pPr>
+              <a:spcBef>
+                <a:spcPts val="0"/>
+              </a:spcBef>
+            </a:pPr>
+            <a:r>
+              <a:rPr lang="en-US" dirty="0" smtClean="0"/>
+              <a:t>     console.log(a);</a:t>
+            </a:r>
+          </a:p>
+          <a:p>
+            <a:pPr>
+              <a:spcBef>
+                <a:spcPts val="0"/>
+              </a:spcBef>
+            </a:pPr>
+            <a:r>
+              <a:rPr lang="en-US" dirty="0" smtClean="0"/>
+              <a:t>     a++;</a:t>
+            </a:r>
+            <a:endParaRPr lang="en-US" dirty="0"/>
+          </a:p>
+          <a:p>
+            <a:pPr>
+              <a:spcBef>
+                <a:spcPts val="0"/>
+              </a:spcBef>
+            </a:pPr>
+            <a:r>
+              <a:rPr lang="en-US" dirty="0" smtClean="0"/>
+              <a:t>}</a:t>
+            </a:r>
+          </a:p>
+          <a:p>
+            <a:pPr>
+              <a:spcBef>
+                <a:spcPts val="0"/>
+              </a:spcBef>
+            </a:pPr>
+            <a:endParaRPr lang="en-US" dirty="0"/>
+          </a:p>
+          <a:p>
+            <a:pPr>
+              <a:spcBef>
+                <a:spcPts val="0"/>
+              </a:spcBef>
+            </a:pPr>
+            <a:r>
+              <a:rPr lang="en-US" dirty="0" smtClean="0"/>
+              <a:t>Function two() {</a:t>
+            </a:r>
+          </a:p>
+          <a:p>
+            <a:pPr>
+              <a:spcBef>
+                <a:spcPts val="0"/>
+              </a:spcBef>
+            </a:pPr>
+            <a:r>
+              <a:rPr lang="en-US" dirty="0" smtClean="0"/>
+              <a:t>    console.log(a);</a:t>
+            </a:r>
+          </a:p>
+          <a:p>
+            <a:pPr>
+              <a:spcBef>
+                <a:spcPts val="0"/>
+              </a:spcBef>
+            </a:pPr>
+            <a:r>
+              <a:rPr lang="en-US" dirty="0" smtClean="0"/>
+              <a:t>}</a:t>
+            </a:r>
+          </a:p>
+          <a:p>
+            <a:pPr>
+              <a:spcBef>
+                <a:spcPts val="0"/>
+              </a:spcBef>
+            </a:pPr>
+            <a:endParaRPr lang="en-US" dirty="0"/>
+          </a:p>
+          <a:p>
+            <a:pPr>
+              <a:spcBef>
+                <a:spcPts val="0"/>
+              </a:spcBef>
+            </a:pPr>
+            <a:r>
+              <a:rPr lang="en-US" dirty="0" smtClean="0"/>
+              <a:t>one(); // outputs 1</a:t>
+            </a:r>
+          </a:p>
+          <a:p>
+            <a:pPr>
+              <a:spcBef>
+                <a:spcPts val="0"/>
+              </a:spcBef>
+            </a:pPr>
+            <a:r>
+              <a:rPr lang="en-US" dirty="0" smtClean="0"/>
+              <a:t>two(); // outputs 2</a:t>
+            </a:r>
+          </a:p>
+        </p:txBody>
+      </p:sp>
+      <p:sp>
+        <p:nvSpPr>
+          <p:cNvPr id="4" name="Date Placeholder 3"/>
+          <p:cNvSpPr>
+            <a:spLocks noGrp="1"/>
+          </p:cNvSpPr>
+          <p:nvPr>
+            <p:ph type="dt" sz="half" idx="10"/>
           </p:nvPr>
         </p:nvSpPr>
         <p:spPr/>
+        <p:txBody>
+          <a:bodyPr/>
+          <a:lstStyle/>
+          <a:p>
+            <a:r>
+              <a:rPr lang="en-US" dirty="0" smtClean="0"/>
+              <a:t>14. August 2015</a:t>
+            </a:r>
+            <a:endParaRPr lang="en-US" dirty="0"/>
+          </a:p>
+        </p:txBody>
       </p:sp>
       <p:sp>
         <p:nvSpPr>
@@ -6308,7 +7206,7 @@
             <a:spLocks noGrp="1"/>
           </p:cNvSpPr>
           <p:nvPr>
-            <p:ph type="ftr" sz="quarter" idx="3"/>
+            <p:ph type="ftr" sz="quarter" idx="11"/>
           </p:nvPr>
         </p:nvSpPr>
         <p:spPr/>
@@ -6317,44 +7215,45 @@
           <a:lstStyle/>
           <a:p>
             <a:r>
-              <a:rPr lang="de-CH" smtClean="0"/>
-              <a:t>Javascript Basics | nesp, stmi, mabo</a:t>
-            </a:r>
-            <a:endParaRPr lang="de-CH" dirty="0"/>
-          </a:p>
-        </p:txBody>
-      </p:sp>
-      <p:sp>
-        <p:nvSpPr>
-          <p:cNvPr id="8" name="Date Placeholder 7"/>
-          <p:cNvSpPr>
-            <a:spLocks noGrp="1"/>
-          </p:cNvSpPr>
-          <p:nvPr>
-            <p:ph type="dt" sz="half" idx="2"/>
-          </p:nvPr>
-        </p:nvSpPr>
-        <p:spPr/>
-        <p:txBody>
-          <a:bodyPr/>
-          <a:lstStyle/>
-          <a:p>
-            <a:r>
-              <a:rPr lang="de-CH" smtClean="0"/>
-              <a:t>14. August 2015</a:t>
-            </a:r>
-            <a:endParaRPr lang="de-CH" dirty="0"/>
-          </a:p>
-        </p:txBody>
-      </p:sp>
-      <p:sp>
-        <p:nvSpPr>
-          <p:cNvPr id="10" name="Slide Number Placeholder 9"/>
-          <p:cNvSpPr>
-            <a:spLocks noGrp="1"/>
-          </p:cNvSpPr>
-          <p:nvPr>
-            <p:ph type="sldNum" sz="quarter" idx="4"/>
+              <a:rPr lang="en-US" dirty="0" err="1" smtClean="0"/>
+              <a:t>Javascript</a:t>
+            </a:r>
+            <a:r>
+              <a:rPr lang="en-US" dirty="0" smtClean="0"/>
+              <a:t> Basics | </a:t>
+            </a:r>
+            <a:r>
+              <a:rPr lang="en-US" dirty="0" err="1" smtClean="0"/>
+              <a:t>nesp</a:t>
+            </a:r>
+            <a:r>
+              <a:rPr lang="en-US" dirty="0" smtClean="0"/>
+              <a:t>, </a:t>
+            </a:r>
+            <a:r>
+              <a:rPr lang="en-US" dirty="0" err="1" smtClean="0"/>
+              <a:t>stmi</a:t>
+            </a:r>
+            <a:r>
+              <a:rPr lang="en-US" dirty="0" smtClean="0"/>
+              <a:t>, </a:t>
+            </a:r>
+            <a:r>
+              <a:rPr lang="en-US" dirty="0" err="1" smtClean="0"/>
+              <a:t>mabo</a:t>
+            </a:r>
+            <a:endParaRPr lang="en-US" dirty="0"/>
+          </a:p>
+        </p:txBody>
+      </p:sp>
+      <p:sp>
+        <p:nvSpPr>
+          <p:cNvPr id="9" name="Slide Number Placeholder 8"/>
+          <p:cNvSpPr>
+            <a:spLocks noGrp="1"/>
+          </p:cNvSpPr>
+          <p:nvPr>
+            <p:ph type="sldNum" sz="quarter" idx="12"/>
           </p:nvPr>
         </p:nvSpPr>
         <p:spPr/>
@@ -6366,7 +7265,7 @@
               <a:rPr lang="en-GB" smtClean="0"/>
               <a:t>Slide </a:t>
             </a:r>
-            <a:fld id="{194A03B6-8724-4C6B-85DC-8A3C67F14C54}" type="slidenum">
+            <a:fld id="{B945A87F-2CE4-4B6D-B6BF-F6BF6C5CB292}" type="slidenum">
               <a:rPr smtClean="0"/>
               <a:pPr/>
               <a:t>14</a:t>
@@ -6378,7 +7277,334 @@
     </p:spTree>
     <p:extLst>
       <p:ext uri="{BB962C8B-B14F-4D97-AF65-F5344CB8AC3E}">
-        <p14:creationId xmlns:p14="http://schemas.microsoft.com/office/powerpoint/2010/main" val="3279471758"/>
+        <p14:creationId xmlns:p14="http://schemas.microsoft.com/office/powerpoint/2010/main" val="2884851122"/>
+      </p:ext>
+    </p:extLst>
+  </p:cSld>
+  <p:clrMapOvr>
+    <a:masterClrMapping/>
+  </p:clrMapOvr>
+</p:sld>
+</file>
+
+<file path=ppt/slides/slide15.xml><?xml version="1.0" encoding="utf-8"?>
+<p:sld xmlns:a="http://schemas.openxmlformats.org/drawingml/2006/main" xmlns:r="http://schemas.openxmlformats.org/officeDocument/2006/relationships" xmlns:p="http://schemas.openxmlformats.org/presentationml/2006/main">
+  <p:cSld>
+    <p:spTree>
+      <p:nvGrpSpPr>
+        <p:cNvPr id="1" name=""/>
+        <p:cNvGrpSpPr/>
+        <p:nvPr/>
+      </p:nvGrpSpPr>
+      <p:grpSpPr>
+        <a:xfrm>
+          <a:off x="0" y="0"/>
+          <a:ext cx="0" cy="0"/>
+          <a:chOff x="0" y="0"/>
+          <a:chExt cx="0" cy="0"/>
+        </a:xfrm>
+      </p:grpSpPr>
+      <p:sp>
+        <p:nvSpPr>
+          <p:cNvPr id="2" name="Title 1"/>
+          <p:cNvSpPr>
+            <a:spLocks noGrp="1"/>
+          </p:cNvSpPr>
+          <p:nvPr>
+            <p:ph type="title"/>
+          </p:nvPr>
+        </p:nvSpPr>
+        <p:spPr/>
+        <p:txBody>
+          <a:bodyPr/>
+          <a:lstStyle/>
+          <a:p>
+            <a:r>
+              <a:rPr lang="en-US" dirty="0"/>
+              <a:t>Scopes of variables</a:t>
+            </a:r>
+          </a:p>
+        </p:txBody>
+      </p:sp>
+      <p:sp>
+        <p:nvSpPr>
+          <p:cNvPr id="3" name="Content Placeholder 2"/>
+          <p:cNvSpPr>
+            <a:spLocks noGrp="1"/>
+          </p:cNvSpPr>
+          <p:nvPr>
+            <p:ph idx="1"/>
+          </p:nvPr>
+        </p:nvSpPr>
+        <p:spPr/>
+        <p:txBody>
+          <a:bodyPr/>
+          <a:lstStyle/>
+          <a:p>
+            <a:pPr marL="342900" indent="-342900">
+              <a:spcAft>
+                <a:spcPts val="1800"/>
+              </a:spcAft>
+              <a:buFont typeface="Arial" panose="020B0604020202020204" pitchFamily="34" charset="0"/>
+              <a:buChar char="•"/>
+            </a:pPr>
+            <a:r>
+              <a:rPr lang="en-US" dirty="0" smtClean="0"/>
+              <a:t>Local is </a:t>
+            </a:r>
+            <a:r>
+              <a:rPr lang="en-US" dirty="0"/>
+              <a:t>reachable</a:t>
+            </a:r>
+            <a:r>
+              <a:rPr lang="en-US" dirty="0" smtClean="0"/>
+              <a:t> (only </a:t>
+            </a:r>
+            <a:r>
+              <a:rPr lang="en-US" dirty="0"/>
+              <a:t>in a function</a:t>
+            </a:r>
+            <a:r>
+              <a:rPr lang="en-US" dirty="0" smtClean="0"/>
+              <a:t>):</a:t>
+            </a:r>
+          </a:p>
+          <a:p>
+            <a:pPr marL="342900" indent="-342900">
+              <a:spcAft>
+                <a:spcPts val="1800"/>
+              </a:spcAft>
+              <a:buFont typeface="Arial" panose="020B0604020202020204" pitchFamily="34" charset="0"/>
+              <a:buChar char="•"/>
+            </a:pPr>
+            <a:r>
+              <a:rPr lang="en-US" dirty="0" smtClean="0"/>
+              <a:t>Hides a global variable if it has the same name.</a:t>
+            </a:r>
+          </a:p>
+          <a:p>
+            <a:pPr>
+              <a:spcBef>
+                <a:spcPts val="0"/>
+              </a:spcBef>
+            </a:pPr>
+            <a:r>
+              <a:rPr lang="en-US" dirty="0" smtClean="0"/>
+              <a:t>function </a:t>
+            </a:r>
+            <a:r>
+              <a:rPr lang="en-US" dirty="0"/>
+              <a:t>three() {</a:t>
+            </a:r>
+          </a:p>
+          <a:p>
+            <a:pPr>
+              <a:spcBef>
+                <a:spcPts val="0"/>
+              </a:spcBef>
+            </a:pPr>
+            <a:r>
+              <a:rPr lang="en-US" dirty="0"/>
+              <a:t>  </a:t>
+            </a:r>
+            <a:r>
+              <a:rPr lang="en-US" dirty="0" err="1"/>
+              <a:t>var</a:t>
+            </a:r>
+            <a:r>
+              <a:rPr lang="en-US" dirty="0"/>
+              <a:t> a = 3;</a:t>
+            </a:r>
+          </a:p>
+          <a:p>
+            <a:pPr>
+              <a:spcBef>
+                <a:spcPts val="0"/>
+              </a:spcBef>
+            </a:pPr>
+            <a:r>
+              <a:rPr lang="en-US" dirty="0"/>
+              <a:t>  alert(a</a:t>
+            </a:r>
+            <a:r>
+              <a:rPr lang="en-US" dirty="0" smtClean="0"/>
+              <a:t>); // outputs 3 always</a:t>
+            </a:r>
+            <a:endParaRPr lang="en-US" dirty="0"/>
+          </a:p>
+          <a:p>
+            <a:pPr>
+              <a:spcBef>
+                <a:spcPts val="0"/>
+              </a:spcBef>
+            </a:pPr>
+            <a:r>
+              <a:rPr lang="en-US" dirty="0"/>
+              <a:t>}</a:t>
+            </a:r>
+          </a:p>
+          <a:p>
+            <a:pPr>
+              <a:spcBef>
+                <a:spcPts val="0"/>
+              </a:spcBef>
+            </a:pPr>
+            <a:endParaRPr lang="en-US" dirty="0" smtClean="0"/>
+          </a:p>
+          <a:p>
+            <a:pPr>
+              <a:spcBef>
+                <a:spcPts val="0"/>
+              </a:spcBef>
+            </a:pPr>
+            <a:endParaRPr lang="en-US" dirty="0"/>
+          </a:p>
+          <a:p>
+            <a:pPr marL="342900" indent="-342900">
+              <a:spcBef>
+                <a:spcPts val="0"/>
+              </a:spcBef>
+              <a:buFont typeface="Arial" panose="020B0604020202020204" pitchFamily="34" charset="0"/>
+              <a:buChar char="•"/>
+            </a:pPr>
+            <a:r>
+              <a:rPr lang="en-US" dirty="0"/>
+              <a:t>Careful: No new scope for blocks of </a:t>
+            </a:r>
+            <a:r>
+              <a:rPr lang="en-US" b="1" dirty="0"/>
+              <a:t>if</a:t>
+            </a:r>
+            <a:r>
+              <a:rPr lang="en-US" dirty="0"/>
+              <a:t>,</a:t>
+            </a:r>
+            <a:r>
+              <a:rPr lang="en-US" b="1" dirty="0"/>
+              <a:t> for</a:t>
+            </a:r>
+            <a:r>
+              <a:rPr lang="en-US" dirty="0"/>
+              <a:t>,</a:t>
+            </a:r>
+            <a:r>
+              <a:rPr lang="en-US" b="1" dirty="0"/>
+              <a:t> </a:t>
+            </a:r>
+            <a:r>
+              <a:rPr lang="en-US" b="1" dirty="0" smtClean="0"/>
+              <a:t>while…</a:t>
+            </a:r>
+          </a:p>
+          <a:p>
+            <a:pPr marL="342900" indent="-342900">
+              <a:spcBef>
+                <a:spcPts val="0"/>
+              </a:spcBef>
+              <a:buFont typeface="Arial" panose="020B0604020202020204" pitchFamily="34" charset="0"/>
+              <a:buChar char="•"/>
+            </a:pPr>
+            <a:endParaRPr lang="en-US" b="1" dirty="0" smtClean="0"/>
+          </a:p>
+        </p:txBody>
+      </p:sp>
+      <p:sp>
+        <p:nvSpPr>
+          <p:cNvPr id="4" name="Date Placeholder 3"/>
+          <p:cNvSpPr>
+            <a:spLocks noGrp="1"/>
+          </p:cNvSpPr>
+          <p:nvPr>
+            <p:ph type="dt" sz="half" idx="10"/>
+          </p:nvPr>
+        </p:nvSpPr>
+        <p:spPr/>
+        <p:txBody>
+          <a:bodyPr/>
+          <a:lstStyle/>
+          <a:p>
+            <a:r>
+              <a:rPr lang="de-CH" smtClean="0"/>
+              <a:t>14. August 2015</a:t>
+            </a:r>
+            <a:endParaRPr lang="de-CH" dirty="0"/>
+          </a:p>
+        </p:txBody>
+      </p:sp>
+      <p:sp>
+        <p:nvSpPr>
+          <p:cNvPr id="5" name="Footer Placeholder 4"/>
+          <p:cNvSpPr>
+            <a:spLocks noGrp="1"/>
+          </p:cNvSpPr>
+          <p:nvPr>
+            <p:ph type="ftr" sz="quarter" idx="11"/>
+          </p:nvPr>
+        </p:nvSpPr>
+        <p:spPr/>
+        <p:txBody>
+          <a:bodyPr/>
+          <a:lstStyle/>
+          <a:p>
+            <a:r>
+              <a:rPr lang="de-CH" smtClean="0"/>
+              <a:t>Javascript Basics | nesp, stmi, mabo</a:t>
+            </a:r>
+            <a:endParaRPr lang="de-CH" dirty="0"/>
+          </a:p>
+        </p:txBody>
+      </p:sp>
+      <p:sp>
+        <p:nvSpPr>
+          <p:cNvPr id="7" name="Text Placeholder 6"/>
+          <p:cNvSpPr>
+            <a:spLocks noGrp="1"/>
+          </p:cNvSpPr>
+          <p:nvPr>
+            <p:ph type="body" sz="quarter" idx="13"/>
+          </p:nvPr>
+        </p:nvSpPr>
+        <p:spPr/>
+        <p:txBody>
+          <a:bodyPr/>
+          <a:lstStyle/>
+          <a:p>
+            <a:endParaRPr lang="en-US"/>
+          </a:p>
+        </p:txBody>
+      </p:sp>
+      <p:sp>
+        <p:nvSpPr>
+          <p:cNvPr id="8" name="Slide Number Placeholder 7"/>
+          <p:cNvSpPr>
+            <a:spLocks noGrp="1"/>
+          </p:cNvSpPr>
+          <p:nvPr>
+            <p:ph type="sldNum" sz="quarter" idx="12"/>
+          </p:nvPr>
+        </p:nvSpPr>
+        <p:spPr/>
+        <p:txBody>
+          <a:bodyPr/>
+          <a:lstStyle/>
+          <a:p>
+            <a:r>
+              <a:rPr lang="en-GB" smtClean="0"/>
+              <a:t>Slide </a:t>
+            </a:r>
+            <a:fld id="{B945A87F-2CE4-4B6D-B6BF-F6BF6C5CB292}" type="slidenum">
+              <a:rPr smtClean="0"/>
+              <a:pPr/>
+              <a:t>15</a:t>
+            </a:fld>
+            <a:endParaRPr dirty="0"/>
+          </a:p>
+        </p:txBody>
+      </p:sp>
+    </p:spTree>
+    <p:extLst>
+      <p:ext uri="{BB962C8B-B14F-4D97-AF65-F5344CB8AC3E}">
+        <p14:creationId xmlns:p14="http://schemas.microsoft.com/office/powerpoint/2010/main" val="3322228320"/>
       </p:ext>
     </p:extLst>
   </p:cSld>
@@ -6420,18 +7646,30 @@
           <a:bodyPr/>
           <a:lstStyle/>
           <a:p>
+            <a:r>
+              <a:rPr lang="en-US" dirty="0" smtClean="0"/>
+              <a:t>What is JavaScript (</a:t>
+            </a:r>
+            <a:r>
+              <a:rPr lang="en-US" dirty="0" err="1" smtClean="0"/>
+              <a:t>EcmaScript</a:t>
+            </a:r>
+            <a:r>
+              <a:rPr lang="en-US" dirty="0" smtClean="0"/>
+              <a:t>)?</a:t>
+            </a:r>
             <a:endParaRPr lang="en-US" dirty="0"/>
           </a:p>
         </p:txBody>
       </p:sp>
       <p:sp>
         <p:nvSpPr>
-          <p:cNvPr id="3" name="Text Placeholder 2"/>
-          <p:cNvSpPr>
-            <a:spLocks noGrp="1"/>
-          </p:cNvSpPr>
-          <p:nvPr>
-            <p:ph type="body" idx="1"/>
+          <p:cNvPr id="3" name="Content Placeholder 2"/>
+          <p:cNvSpPr>
+            <a:spLocks noGrp="1"/>
+          </p:cNvSpPr>
+          <p:nvPr>
+            <p:ph idx="1"/>
           </p:nvPr>
         </p:nvSpPr>
         <p:spPr/>
@@ -6439,54 +7677,163 @@
           <a:bodyPr/>
           <a:lstStyle/>
           <a:p>
+            <a:pPr marL="342900" indent="-342900">
+              <a:buFont typeface="Arial" panose="020B0604020202020204" pitchFamily="34" charset="0"/>
+              <a:buChar char="•"/>
+            </a:pPr>
+            <a:r>
+              <a:rPr lang="en-US" dirty="0" smtClean="0"/>
+              <a:t>Characteristics:</a:t>
+            </a:r>
+          </a:p>
+          <a:p>
+            <a:pPr marL="608013" lvl="1" indent="-342900">
+              <a:buFont typeface="Arial" panose="020B0604020202020204" pitchFamily="34" charset="0"/>
+              <a:buChar char="•"/>
+            </a:pPr>
+            <a:r>
+              <a:rPr lang="en-US" dirty="0" smtClean="0"/>
+              <a:t>Dynamic (types of variables can be changed)</a:t>
+            </a:r>
+          </a:p>
+          <a:p>
+            <a:pPr marL="608013" lvl="1" indent="-342900">
+              <a:buFont typeface="Arial" panose="020B0604020202020204" pitchFamily="34" charset="0"/>
+              <a:buChar char="•"/>
+            </a:pPr>
+            <a:r>
+              <a:rPr lang="en-US" dirty="0" smtClean="0"/>
+              <a:t>Imperative</a:t>
+            </a:r>
+          </a:p>
+          <a:p>
+            <a:pPr marL="608013" lvl="1" indent="-342900">
+              <a:buFont typeface="Arial" panose="020B0604020202020204" pitchFamily="34" charset="0"/>
+              <a:buChar char="•"/>
+            </a:pPr>
+            <a:r>
+              <a:rPr lang="en-US" dirty="0" smtClean="0"/>
+              <a:t>Object-oriented (prototype based)</a:t>
+            </a:r>
+          </a:p>
+          <a:p>
+            <a:pPr marL="881063" lvl="2" indent="-342900">
+              <a:buFont typeface="Arial" panose="020B0604020202020204" pitchFamily="34" charset="0"/>
+              <a:buChar char="•"/>
+            </a:pPr>
+            <a:r>
+              <a:rPr lang="en-US" dirty="0" smtClean="0"/>
+              <a:t>Objects created by cloning existing objects and extending them</a:t>
+            </a:r>
+          </a:p>
+          <a:p>
+            <a:pPr marL="608013" lvl="1" indent="-342900">
+              <a:buFont typeface="Arial" panose="020B0604020202020204" pitchFamily="34" charset="0"/>
+              <a:buChar char="•"/>
+            </a:pPr>
+            <a:r>
+              <a:rPr lang="en-US" dirty="0"/>
+              <a:t>Functional</a:t>
+            </a:r>
+          </a:p>
+          <a:p>
+            <a:pPr marL="881063" lvl="2" indent="-342900">
+              <a:buFont typeface="Arial" panose="020B0604020202020204" pitchFamily="34" charset="0"/>
+              <a:buChar char="•"/>
+            </a:pPr>
+            <a:r>
+              <a:rPr lang="en-US" dirty="0"/>
+              <a:t>Everything is a function (even objects)</a:t>
+            </a:r>
+          </a:p>
+          <a:p>
+            <a:pPr marL="881063" lvl="2" indent="-342900">
+              <a:buFont typeface="Arial" panose="020B0604020202020204" pitchFamily="34" charset="0"/>
+              <a:buChar char="•"/>
+            </a:pPr>
+            <a:r>
+              <a:rPr lang="en-US" dirty="0"/>
+              <a:t>Function is a </a:t>
+            </a:r>
+            <a:r>
+              <a:rPr lang="en-US" dirty="0" smtClean="0"/>
+              <a:t>“base type” </a:t>
+            </a:r>
+            <a:r>
+              <a:rPr lang="en-US" dirty="0"/>
+              <a:t>(like </a:t>
+            </a:r>
+            <a:r>
+              <a:rPr lang="en-US" b="1" dirty="0"/>
+              <a:t>object</a:t>
+            </a:r>
+            <a:r>
+              <a:rPr lang="en-US" dirty="0"/>
+              <a:t> in C# &amp; JAVA</a:t>
+            </a:r>
+            <a:r>
+              <a:rPr lang="en-US" dirty="0" smtClean="0"/>
+              <a:t>)</a:t>
+            </a:r>
+          </a:p>
+          <a:p>
+            <a:pPr marL="881063" lvl="2" indent="-342900">
+              <a:buFont typeface="Arial" panose="020B0604020202020204" pitchFamily="34" charset="0"/>
+              <a:buChar char="•"/>
+            </a:pPr>
             <a:endParaRPr lang="en-US" dirty="0"/>
           </a:p>
-        </p:txBody>
-      </p:sp>
-      <p:sp>
-        <p:nvSpPr>
-          <p:cNvPr id="6" name="Picture Placeholder 5"/>
-          <p:cNvSpPr>
-            <a:spLocks noGrp="1"/>
-          </p:cNvSpPr>
-          <p:nvPr>
-            <p:ph type="pic" sz="quarter" idx="10"/>
+          <a:p>
+            <a:pPr marL="608013" lvl="1" indent="-342900">
+              <a:buFont typeface="Arial" panose="020B0604020202020204" pitchFamily="34" charset="0"/>
+              <a:buChar char="•"/>
+            </a:pPr>
+            <a:r>
+              <a:rPr lang="en-US" dirty="0" smtClean="0"/>
+              <a:t>Run in web browser script engine</a:t>
+            </a:r>
+            <a:endParaRPr lang="en-US" dirty="0"/>
+          </a:p>
+        </p:txBody>
+      </p:sp>
+      <p:sp>
+        <p:nvSpPr>
+          <p:cNvPr id="6" name="Text Placeholder 5"/>
+          <p:cNvSpPr>
+            <a:spLocks noGrp="1"/>
+          </p:cNvSpPr>
+          <p:nvPr>
+            <p:ph type="body" sz="quarter" idx="13"/>
           </p:nvPr>
         </p:nvSpPr>
         <p:spPr/>
-      </p:sp>
-      <p:sp>
-        <p:nvSpPr>
-          <p:cNvPr id="7" name="Picture Placeholder 6"/>
-          <p:cNvSpPr>
-            <a:spLocks noGrp="1"/>
-          </p:cNvSpPr>
-          <p:nvPr>
-            <p:ph type="pic" sz="quarter" idx="11"/>
-          </p:nvPr>
-        </p:nvSpPr>
-        <p:spPr/>
-      </p:sp>
-      <p:sp>
-        <p:nvSpPr>
-          <p:cNvPr id="8" name="Picture Placeholder 7"/>
-          <p:cNvSpPr>
-            <a:spLocks noGrp="1"/>
-          </p:cNvSpPr>
-          <p:nvPr>
-            <p:ph type="pic" sz="quarter" idx="12"/>
-          </p:nvPr>
-        </p:nvSpPr>
-        <p:spPr/>
-      </p:sp>
-      <p:sp>
-        <p:nvSpPr>
-          <p:cNvPr id="11" name="Footer Placeholder 10"/>
-          <p:cNvSpPr>
-            <a:spLocks noGrp="1"/>
-          </p:cNvSpPr>
-          <p:nvPr>
-            <p:ph type="ftr" sz="quarter" idx="3"/>
+        <p:txBody>
+          <a:bodyPr/>
+          <a:lstStyle/>
+          <a:p>
+            <a:r>
+              <a:rPr lang="en-US" dirty="0"/>
+              <a:t>JavaScript is the </a:t>
+            </a:r>
+            <a:r>
+              <a:rPr lang="en-US" dirty="0" smtClean="0"/>
+              <a:t>programming (script) </a:t>
+            </a:r>
+            <a:r>
+              <a:rPr lang="en-US" dirty="0"/>
+              <a:t>language of HTML and the Web.</a:t>
+            </a:r>
+          </a:p>
+        </p:txBody>
+      </p:sp>
+      <p:sp>
+        <p:nvSpPr>
+          <p:cNvPr id="9" name="Footer Placeholder 8"/>
+          <p:cNvSpPr>
+            <a:spLocks noGrp="1"/>
+          </p:cNvSpPr>
+          <p:nvPr>
+            <p:ph type="ftr" sz="quarter" idx="11"/>
           </p:nvPr>
         </p:nvSpPr>
         <p:spPr/>
@@ -6504,12 +7851,12 @@
       </p:sp>
       <p:sp>
         <p:nvSpPr>
-          <p:cNvPr id="12" name="Date Placeholder 11"/>
-          <p:cNvSpPr>
-            <a:spLocks noGrp="1"/>
-          </p:cNvSpPr>
-          <p:nvPr>
-            <p:ph type="dt" sz="half" idx="2"/>
+          <p:cNvPr id="10" name="Date Placeholder 9"/>
+          <p:cNvSpPr>
+            <a:spLocks noGrp="1"/>
+          </p:cNvSpPr>
+          <p:nvPr>
+            <p:ph type="dt" sz="half" idx="10"/>
           </p:nvPr>
         </p:nvSpPr>
         <p:spPr/>
@@ -6527,12 +7874,12 @@
       </p:sp>
       <p:sp>
         <p:nvSpPr>
-          <p:cNvPr id="13" name="Slide Number Placeholder 12"/>
-          <p:cNvSpPr>
-            <a:spLocks noGrp="1"/>
-          </p:cNvSpPr>
-          <p:nvPr>
-            <p:ph type="sldNum" sz="quarter" idx="4"/>
+          <p:cNvPr id="11" name="Slide Number Placeholder 10"/>
+          <p:cNvSpPr>
+            <a:spLocks noGrp="1"/>
+          </p:cNvSpPr>
+          <p:nvPr>
+            <p:ph type="sldNum" sz="quarter" idx="12"/>
           </p:nvPr>
         </p:nvSpPr>
         <p:spPr/>
@@ -6544,7 +7891,7 @@
               <a:rPr lang="de-CH" smtClean="0"/>
               <a:t>Slide </a:t>
             </a:r>
-            <a:fld id="{D7FD8659-BE5B-432F-9F87-46366268B90E}" type="slidenum">
+            <a:fld id="{82695712-81D7-44C7-8097-285E2E69108D}" type="slidenum">
               <a:rPr lang="de-CH" smtClean="0"/>
               <a:t>2</a:t>
             </a:fld>
@@ -6555,7 +7902,7 @@
     </p:spTree>
     <p:extLst>
       <p:ext uri="{BB962C8B-B14F-4D97-AF65-F5344CB8AC3E}">
-        <p14:creationId xmlns:p14="http://schemas.microsoft.com/office/powerpoint/2010/main" val="3454182098"/>
+        <p14:creationId xmlns:p14="http://schemas.microsoft.com/office/powerpoint/2010/main" val="2884851122"/>
       </p:ext>
     </p:extLst>
   </p:cSld>
@@ -6599,15 +7946,7 @@
           <a:p>
             <a:r>
               <a:rPr lang="en-US" dirty="0" smtClean="0"/>
-              <a:t>What is JavaScript (</a:t>
-            </a:r>
-            <a:r>
-              <a:rPr lang="en-US" dirty="0" err="1" smtClean="0"/>
-              <a:t>EcmaScript</a:t>
-            </a:r>
-            <a:r>
-              <a:rPr lang="en-US" dirty="0" smtClean="0"/>
-              <a:t>)?</a:t>
+              <a:t>Data types</a:t>
             </a:r>
             <a:endParaRPr lang="en-US" dirty="0"/>
           </a:p>
@@ -6634,7 +7973,7 @@
             </a:pPr>
             <a:r>
               <a:rPr lang="en-US" dirty="0" smtClean="0"/>
-              <a:t>Characteristics:</a:t>
+              <a:t>Primitives:</a:t>
             </a:r>
           </a:p>
           <a:p>
@@ -6644,7 +7983,7 @@
             </a:pPr>
             <a:r>
               <a:rPr lang="en-US" dirty="0" smtClean="0"/>
-              <a:t>Dynamic (types of variables can be changed)</a:t>
+              <a:t>Boolean</a:t>
             </a:r>
           </a:p>
           <a:p>
@@ -6654,9 +7993,8 @@
             </a:pPr>
             <a:r>
               <a:rPr lang="en-US" dirty="0" smtClean="0"/>
-              <a:t>Imperative</a:t>
-            </a:r>
-            <a:endParaRPr lang="en-US" dirty="0" smtClean="0"/>
+              <a:t>Number</a:t>
+            </a:r>
           </a:p>
           <a:p>
             <a:pPr marL="608013" lvl="1" indent="-342900">
@@ -6665,17 +8003,7 @@
             </a:pPr>
             <a:r>
               <a:rPr lang="en-US" dirty="0" smtClean="0"/>
-              <a:t>Object-oriented (prototype based)</a:t>
-            </a:r>
-          </a:p>
-          <a:p>
-            <a:pPr marL="881063" lvl="2" indent="-342900">
-              <a:buFont typeface="Arial" panose="020B0604020202020204" pitchFamily="34" charset="0"/>
-              <a:buChar char="•"/>
-            </a:pPr>
-            <a:r>
-              <a:rPr lang="en-US" dirty="0" smtClean="0"/>
-              <a:t>Objects created by cloning existing objects and extending them</a:t>
+              <a:t>String</a:t>
             </a:r>
           </a:p>
           <a:p>
@@ -6684,65 +8012,67 @@
               <a:buChar char="•"/>
             </a:pPr>
             <a:r>
-              <a:rPr lang="en-US" dirty="0"/>
-              <a:t>Functional</a:t>
-            </a:r>
-          </a:p>
-          <a:p>
-            <a:pPr marL="881063" lvl="2" indent="-342900">
+              <a:rPr lang="en-US" dirty="0" smtClean="0"/>
+              <a:t>Null</a:t>
+            </a:r>
+          </a:p>
+          <a:p>
+            <a:pPr marL="608013" lvl="1" indent="-342900">
               <a:buFont typeface="Arial" panose="020B0604020202020204" pitchFamily="34" charset="0"/>
               <a:buChar char="•"/>
             </a:pPr>
             <a:r>
-              <a:rPr lang="en-US" dirty="0"/>
-              <a:t>Everything is a function (even objects)</a:t>
-            </a:r>
-          </a:p>
-          <a:p>
-            <a:pPr marL="881063" lvl="2" indent="-342900">
+              <a:rPr lang="en-US" dirty="0" smtClean="0"/>
+              <a:t>Undefined</a:t>
+            </a:r>
+          </a:p>
+          <a:p>
+            <a:pPr marL="342900" indent="-342900">
               <a:buFont typeface="Arial" panose="020B0604020202020204" pitchFamily="34" charset="0"/>
               <a:buChar char="•"/>
             </a:pPr>
             <a:r>
-              <a:rPr lang="en-US" dirty="0"/>
-              <a:t>Function is a </a:t>
-            </a:r>
-            <a:r>
-              <a:rPr lang="en-US" dirty="0" smtClean="0"/>
-              <a:t>“base type” </a:t>
-            </a:r>
-            <a:r>
-              <a:rPr lang="en-US" dirty="0"/>
-              <a:t>(like </a:t>
-            </a:r>
-            <a:r>
-              <a:rPr lang="en-US" b="1" dirty="0"/>
-              <a:t>object</a:t>
-            </a:r>
-            <a:r>
-              <a:rPr lang="en-US" dirty="0"/>
-              <a:t> in C# &amp; JAVA</a:t>
-            </a:r>
-            <a:r>
-              <a:rPr lang="en-US" dirty="0" smtClean="0"/>
-              <a:t>)</a:t>
-            </a:r>
-          </a:p>
-          <a:p>
-            <a:pPr marL="881063" lvl="2" indent="-342900">
+              <a:rPr lang="en-US" dirty="0" smtClean="0"/>
+              <a:t>Function</a:t>
+            </a:r>
+          </a:p>
+          <a:p>
+            <a:pPr marL="342900" indent="-342900">
+              <a:buFont typeface="Arial" panose="020B0604020202020204" pitchFamily="34" charset="0"/>
+              <a:buChar char="•"/>
+            </a:pPr>
+            <a:r>
+              <a:rPr lang="en-US" dirty="0" smtClean="0"/>
+              <a:t>Object</a:t>
+            </a:r>
+          </a:p>
+          <a:p>
+            <a:pPr marL="342900" indent="-342900">
               <a:buFont typeface="Arial" panose="020B0604020202020204" pitchFamily="34" charset="0"/>
               <a:buChar char="•"/>
             </a:pPr>
             <a:endParaRPr lang="en-US" dirty="0"/>
           </a:p>
-          <a:p>
-            <a:pPr marL="608013" lvl="1" indent="-342900">
-              <a:buFont typeface="Arial" panose="020B0604020202020204" pitchFamily="34" charset="0"/>
-              <a:buChar char="•"/>
-            </a:pPr>
-            <a:r>
-              <a:rPr lang="en-US" dirty="0" smtClean="0"/>
-              <a:t>Run in web browser script engine</a:t>
+        </p:txBody>
+      </p:sp>
+      <p:sp>
+        <p:nvSpPr>
+          <p:cNvPr id="4" name="Date Placeholder 3"/>
+          <p:cNvSpPr>
+            <a:spLocks noGrp="1"/>
+          </p:cNvSpPr>
+          <p:nvPr>
+            <p:ph type="dt" sz="half" idx="10"/>
+          </p:nvPr>
+        </p:nvSpPr>
+        <p:spPr/>
+        <p:txBody>
+          <a:bodyPr/>
+          <a:lstStyle/>
+          <a:p>
+            <a:r>
+              <a:rPr lang="en-US" dirty="0" smtClean="0"/>
+              <a:t>14. August 2015</a:t>
             </a:r>
             <a:endParaRPr lang="en-US" dirty="0"/>
           </a:p>
@@ -6763,25 +8093,13 @@
           <a:bodyPr/>
           <a:lstStyle/>
           <a:p>
-            <a:r>
-              <a:rPr lang="en-US" dirty="0"/>
-              <a:t>JavaScript is the </a:t>
-            </a:r>
-            <a:r>
-              <a:rPr lang="en-US" dirty="0" smtClean="0"/>
-              <a:t>programming (script) </a:t>
-            </a:r>
-            <a:r>
-              <a:rPr lang="en-US" dirty="0"/>
-              <a:t>language of HTML and the Web.</a:t>
-            </a:r>
             <a:endParaRPr lang="en-US" dirty="0"/>
           </a:p>
         </p:txBody>
       </p:sp>
       <p:sp>
         <p:nvSpPr>
-          <p:cNvPr id="9" name="Footer Placeholder 8"/>
+          <p:cNvPr id="7" name="Footer Placeholder 6"/>
           <p:cNvSpPr>
             <a:spLocks noGrp="1"/>
           </p:cNvSpPr>
@@ -6795,21 +8113,45 @@
           <a:lstStyle/>
           <a:p>
             <a:r>
-              <a:rPr lang="de-CH" smtClean="0"/>
-              <a:t>Javascript Basics | nesp, stmi, mabo</a:t>
-            </a:r>
-            <a:endParaRPr lang="de-CH" dirty="0"/>
-          </a:p>
-        </p:txBody>
-      </p:sp>
-      <p:sp>
-        <p:nvSpPr>
-          <p:cNvPr id="10" name="Date Placeholder 9"/>
-          <p:cNvSpPr>
-            <a:spLocks noGrp="1"/>
-          </p:cNvSpPr>
-          <p:nvPr>
-            <p:ph type="dt" sz="half" idx="10"/>
+              <a:rPr lang="en-US" dirty="0" err="1" smtClean="0"/>
+              <a:t>Javascript</a:t>
+            </a:r>
+            <a:r>
+              <a:rPr lang="en-US" dirty="0" smtClean="0"/>
+              <a:t> Basics | </a:t>
+            </a:r>
+            <a:r>
+              <a:rPr lang="en-US" dirty="0" err="1" smtClean="0"/>
+              <a:t>nesp</a:t>
+            </a:r>
+            <a:r>
+              <a:rPr lang="en-US" dirty="0" smtClean="0"/>
+              <a:t>, </a:t>
+            </a:r>
+            <a:r>
+              <a:rPr lang="en-US" dirty="0" err="1" smtClean="0"/>
+              <a:t>stmi</a:t>
+            </a:r>
+            <a:r>
+              <a:rPr lang="en-US" dirty="0" smtClean="0"/>
+              <a:t>, </a:t>
+            </a:r>
+            <a:r>
+              <a:rPr lang="en-US" dirty="0" err="1" smtClean="0"/>
+              <a:t>mabo</a:t>
+            </a:r>
+            <a:endParaRPr lang="en-US" dirty="0"/>
+          </a:p>
+        </p:txBody>
+      </p:sp>
+      <p:sp>
+        <p:nvSpPr>
+          <p:cNvPr id="9" name="Slide Number Placeholder 8"/>
+          <p:cNvSpPr>
+            <a:spLocks noGrp="1"/>
+          </p:cNvSpPr>
+          <p:nvPr>
+            <p:ph type="sldNum" sz="quarter" idx="12"/>
           </p:nvPr>
         </p:nvSpPr>
         <p:spPr/>
@@ -6818,37 +8160,15 @@
           <a:lstStyle/>
           <a:p>
             <a:r>
-              <a:rPr lang="de-CH" smtClean="0"/>
-              <a:t>14. August 2015</a:t>
-            </a:r>
-            <a:endParaRPr lang="de-CH" dirty="0"/>
-          </a:p>
-        </p:txBody>
-      </p:sp>
-      <p:sp>
-        <p:nvSpPr>
-          <p:cNvPr id="11" name="Slide Number Placeholder 10"/>
-          <p:cNvSpPr>
-            <a:spLocks noGrp="1"/>
-          </p:cNvSpPr>
-          <p:nvPr>
-            <p:ph type="sldNum" sz="quarter" idx="12"/>
-          </p:nvPr>
-        </p:nvSpPr>
-        <p:spPr/>
-        <p:txBody>
-          <a:bodyPr/>
-          <a:lstStyle/>
-          <a:p>
-            <a:r>
-              <a:rPr lang="de-CH" smtClean="0"/>
+              <a:rPr lang="en-GB" smtClean="0"/>
               <a:t>Slide </a:t>
             </a:r>
-            <a:fld id="{82695712-81D7-44C7-8097-285E2E69108D}" type="slidenum">
-              <a:rPr lang="de-CH" smtClean="0"/>
+            <a:fld id="{B945A87F-2CE4-4B6D-B6BF-F6BF6C5CB292}" type="slidenum">
+              <a:rPr smtClean="0"/>
+              <a:pPr/>
               <a:t>3</a:t>
             </a:fld>
-            <a:endParaRPr lang="de-CH" dirty="0"/>
+            <a:endParaRPr dirty="0"/>
           </a:p>
         </p:txBody>
       </p:sp>
@@ -6899,11 +8219,7 @@
           <a:p>
             <a:r>
               <a:rPr lang="en-US" dirty="0" smtClean="0"/>
-              <a:t>Data t</a:t>
-            </a:r>
-            <a:r>
-              <a:rPr lang="en-US" dirty="0" smtClean="0"/>
-              <a:t>ypes</a:t>
+              <a:t>Equality &amp; casting</a:t>
             </a:r>
             <a:endParaRPr lang="en-US" dirty="0"/>
           </a:p>
@@ -6929,58 +8245,12 @@
               <a:buChar char="•"/>
             </a:pPr>
             <a:r>
-              <a:rPr lang="en-US" dirty="0" smtClean="0"/>
-              <a:t>Primitives:</a:t>
-            </a:r>
-          </a:p>
-          <a:p>
-            <a:pPr marL="608013" lvl="1" indent="-342900">
-              <a:buFont typeface="Arial" panose="020B0604020202020204" pitchFamily="34" charset="0"/>
-              <a:buChar char="•"/>
-            </a:pPr>
-            <a:r>
-              <a:rPr lang="en-US" dirty="0" smtClean="0"/>
-              <a:t>Boolean</a:t>
-            </a:r>
-          </a:p>
-          <a:p>
-            <a:pPr marL="608013" lvl="1" indent="-342900">
-              <a:buFont typeface="Arial" panose="020B0604020202020204" pitchFamily="34" charset="0"/>
-              <a:buChar char="•"/>
-            </a:pPr>
-            <a:r>
-              <a:rPr lang="en-US" dirty="0" smtClean="0"/>
-              <a:t>Number</a:t>
-            </a:r>
-          </a:p>
-          <a:p>
-            <a:pPr marL="608013" lvl="1" indent="-342900">
-              <a:buFont typeface="Arial" panose="020B0604020202020204" pitchFamily="34" charset="0"/>
-              <a:buChar char="•"/>
-            </a:pPr>
-            <a:r>
-              <a:rPr lang="en-US" dirty="0" smtClean="0"/>
-              <a:t>String</a:t>
-            </a:r>
-          </a:p>
-          <a:p>
-            <a:pPr marL="608013" lvl="1" indent="-342900">
-              <a:buFont typeface="Arial" panose="020B0604020202020204" pitchFamily="34" charset="0"/>
-              <a:buChar char="•"/>
-            </a:pPr>
-            <a:r>
-              <a:rPr lang="en-US" dirty="0" smtClean="0"/>
-              <a:t>Null</a:t>
-            </a:r>
-          </a:p>
-          <a:p>
-            <a:pPr marL="608013" lvl="1" indent="-342900">
-              <a:buFont typeface="Arial" panose="020B0604020202020204" pitchFamily="34" charset="0"/>
-              <a:buChar char="•"/>
-            </a:pPr>
-            <a:r>
-              <a:rPr lang="en-US" dirty="0" smtClean="0"/>
-              <a:t>Undefined</a:t>
+              <a:rPr lang="en-US" dirty="0"/>
+              <a:t>T</a:t>
+            </a:r>
+            <a:r>
+              <a:rPr lang="en-US" dirty="0" smtClean="0"/>
+              <a:t>rue: 4 == “4”</a:t>
             </a:r>
           </a:p>
           <a:p>
@@ -6990,19 +8260,8 @@
             </a:pPr>
             <a:r>
               <a:rPr lang="en-US" dirty="0" smtClean="0"/>
-              <a:t>Function</a:t>
-            </a:r>
-          </a:p>
-          <a:p>
-            <a:pPr marL="342900" indent="-342900">
-              <a:buFont typeface="Arial" panose="020B0604020202020204" pitchFamily="34" charset="0"/>
-              <a:buChar char="•"/>
-            </a:pPr>
-            <a:r>
-              <a:rPr lang="en-US" dirty="0" smtClean="0"/>
-              <a:t>Object</a:t>
-            </a:r>
-            <a:endParaRPr lang="en-US" dirty="0" smtClean="0"/>
+              <a:t>False: 4 === “4”</a:t>
+            </a:r>
           </a:p>
           <a:p>
             <a:pPr marL="342900" indent="-342900">
@@ -7011,6 +8270,37 @@
             </a:pPr>
             <a:endParaRPr lang="en-US" dirty="0"/>
           </a:p>
+          <a:p>
+            <a:pPr marL="342900" indent="-342900">
+              <a:buFont typeface="Arial" panose="020B0604020202020204" pitchFamily="34" charset="0"/>
+              <a:buChar char="•"/>
+            </a:pPr>
+            <a:r>
+              <a:rPr lang="en-US" dirty="0" err="1" smtClean="0"/>
+              <a:t>var</a:t>
+            </a:r>
+            <a:r>
+              <a:rPr lang="en-US" dirty="0" smtClean="0"/>
+              <a:t> a = Number(“4”)</a:t>
+            </a:r>
+          </a:p>
+          <a:p>
+            <a:pPr marL="342900" indent="-342900">
+              <a:buFont typeface="Arial" panose="020B0604020202020204" pitchFamily="34" charset="0"/>
+              <a:buChar char="•"/>
+            </a:pPr>
+            <a:r>
+              <a:rPr lang="en-US" dirty="0" smtClean="0"/>
+              <a:t>a === 4</a:t>
+            </a:r>
+          </a:p>
+          <a:p>
+            <a:pPr marL="342900" indent="-342900">
+              <a:buFont typeface="Arial" panose="020B0604020202020204" pitchFamily="34" charset="0"/>
+              <a:buChar char="•"/>
+            </a:pPr>
+            <a:endParaRPr lang="en-US" dirty="0"/>
+          </a:p>
         </p:txBody>
       </p:sp>
       <p:sp>
@@ -7029,82 +8319,62 @@
           <a:lstStyle/>
           <a:p>
             <a:r>
-              <a:rPr lang="en-US" dirty="0" smtClean="0"/>
+              <a:rPr lang="de-CH" smtClean="0"/>
               <a:t>14. August 2015</a:t>
             </a:r>
+            <a:endParaRPr lang="de-CH" dirty="0"/>
+          </a:p>
+        </p:txBody>
+      </p:sp>
+      <p:sp>
+        <p:nvSpPr>
+          <p:cNvPr id="5" name="Footer Placeholder 4"/>
+          <p:cNvSpPr>
+            <a:spLocks noGrp="1"/>
+          </p:cNvSpPr>
+          <p:nvPr>
+            <p:ph type="ftr" sz="quarter" idx="11"/>
+          </p:nvPr>
+        </p:nvSpPr>
+        <p:spPr/>
+        <p:txBody>
+          <a:bodyPr/>
+          <a:lstStyle/>
+          <a:p>
+            <a:r>
+              <a:rPr lang="de-CH" smtClean="0"/>
+              <a:t>Javascript Basics | nesp, stmi, mabo</a:t>
+            </a:r>
+            <a:endParaRPr lang="de-CH" dirty="0"/>
+          </a:p>
+        </p:txBody>
+      </p:sp>
+      <p:sp>
+        <p:nvSpPr>
+          <p:cNvPr id="7" name="Text Placeholder 6"/>
+          <p:cNvSpPr>
+            <a:spLocks noGrp="1"/>
+          </p:cNvSpPr>
+          <p:nvPr>
+            <p:ph type="body" sz="quarter" idx="13"/>
+          </p:nvPr>
+        </p:nvSpPr>
+        <p:spPr/>
+        <p:txBody>
+          <a:bodyPr/>
+          <a:lstStyle/>
+          <a:p>
+            <a:r>
+              <a:rPr lang="en-US" dirty="0" smtClean="0"/>
+              <a:t>Strict “===“ vs Loose “==“</a:t>
+            </a:r>
             <a:endParaRPr lang="en-US" dirty="0"/>
           </a:p>
         </p:txBody>
       </p:sp>
       <p:sp>
         <p:nvSpPr>
-          <p:cNvPr id="6" name="Text Placeholder 5"/>
-          <p:cNvSpPr>
-            <a:spLocks noGrp="1"/>
-          </p:cNvSpPr>
-          <p:nvPr>
-            <p:ph type="body" sz="quarter" idx="13"/>
-          </p:nvPr>
-        </p:nvSpPr>
-        <p:spPr/>
-        <p:txBody>
-          <a:bodyPr/>
-          <a:lstStyle/>
-          <a:p>
-            <a:endParaRPr lang="en-US" dirty="0"/>
-          </a:p>
-        </p:txBody>
-      </p:sp>
-      <p:sp>
-        <p:nvSpPr>
-          <p:cNvPr id="7" name="Footer Placeholder 6"/>
-          <p:cNvSpPr>
-            <a:spLocks noGrp="1"/>
-          </p:cNvSpPr>
-          <p:nvPr>
-            <p:ph type="ftr" sz="quarter" idx="11"/>
-          </p:nvPr>
-        </p:nvSpPr>
-        <p:spPr/>
-        <p:txBody>
-          <a:bodyPr/>
-          <a:lstStyle/>
-          <a:p>
-            <a:r>
-              <a:rPr lang="en-US" dirty="0" err="1" smtClean="0"/>
-              <a:t>Javascript</a:t>
-            </a:r>
-            <a:r>
-              <a:rPr lang="en-US" dirty="0" smtClean="0"/>
-              <a:t> Basics | </a:t>
-            </a:r>
-            <a:r>
-              <a:rPr lang="en-US" dirty="0" err="1" smtClean="0"/>
-              <a:t>nesp</a:t>
-            </a:r>
-            <a:r>
-              <a:rPr lang="en-US" dirty="0" smtClean="0"/>
-              <a:t>, </a:t>
-            </a:r>
-            <a:r>
-              <a:rPr lang="en-US" dirty="0" err="1" smtClean="0"/>
-              <a:t>stmi</a:t>
-            </a:r>
-            <a:r>
-              <a:rPr lang="en-US" dirty="0" smtClean="0"/>
-              <a:t>, </a:t>
-            </a:r>
-            <a:r>
-              <a:rPr lang="en-US" dirty="0" err="1" smtClean="0"/>
-              <a:t>mabo</a:t>
-            </a:r>
-            <a:endParaRPr lang="en-US" dirty="0"/>
-          </a:p>
-        </p:txBody>
-      </p:sp>
-      <p:sp>
-        <p:nvSpPr>
-          <p:cNvPr id="9" name="Slide Number Placeholder 8"/>
+          <p:cNvPr id="8" name="Slide Number Placeholder 7"/>
           <p:cNvSpPr>
             <a:spLocks noGrp="1"/>
           </p:cNvSpPr>
@@ -7133,7 +8403,7 @@
     </p:spTree>
     <p:extLst>
       <p:ext uri="{BB962C8B-B14F-4D97-AF65-F5344CB8AC3E}">
-        <p14:creationId xmlns:p14="http://schemas.microsoft.com/office/powerpoint/2010/main" val="2884851122"/>
+        <p14:creationId xmlns:p14="http://schemas.microsoft.com/office/powerpoint/2010/main" val="4036073287"/>
       </p:ext>
     </p:extLst>
   </p:cSld>
@@ -7176,234 +8446,6 @@
           <a:lstStyle/>
           <a:p>
             <a:r>
-              <a:rPr lang="en-US" dirty="0" smtClean="0"/>
-              <a:t>Equality &amp; casting</a:t>
-            </a:r>
-            <a:endParaRPr lang="en-US" dirty="0"/>
-          </a:p>
-        </p:txBody>
-      </p:sp>
-      <p:sp>
-        <p:nvSpPr>
-          <p:cNvPr id="3" name="Content Placeholder 2"/>
-          <p:cNvSpPr>
-            <a:spLocks noGrp="1"/>
-          </p:cNvSpPr>
-          <p:nvPr>
-            <p:ph idx="1"/>
-          </p:nvPr>
-        </p:nvSpPr>
-        <p:spPr/>
-        <p:txBody>
-          <a:bodyPr/>
-          <a:lstStyle/>
-          <a:p>
-            <a:pPr marL="342900" indent="-342900">
-              <a:buFont typeface="Arial" panose="020B0604020202020204" pitchFamily="34" charset="0"/>
-              <a:buChar char="•"/>
-            </a:pPr>
-            <a:r>
-              <a:rPr lang="en-US" dirty="0"/>
-              <a:t>T</a:t>
-            </a:r>
-            <a:r>
-              <a:rPr lang="en-US" dirty="0" smtClean="0"/>
-              <a:t>rue: 4 == “4”</a:t>
-            </a:r>
-          </a:p>
-          <a:p>
-            <a:pPr marL="342900" indent="-342900">
-              <a:buFont typeface="Arial" panose="020B0604020202020204" pitchFamily="34" charset="0"/>
-              <a:buChar char="•"/>
-            </a:pPr>
-            <a:r>
-              <a:rPr lang="en-US" dirty="0" smtClean="0"/>
-              <a:t>False: 4 === “4”</a:t>
-            </a:r>
-          </a:p>
-          <a:p>
-            <a:pPr marL="342900" indent="-342900">
-              <a:buFont typeface="Arial" panose="020B0604020202020204" pitchFamily="34" charset="0"/>
-              <a:buChar char="•"/>
-            </a:pPr>
-            <a:endParaRPr lang="en-US" dirty="0"/>
-          </a:p>
-          <a:p>
-            <a:pPr marL="342900" indent="-342900">
-              <a:buFont typeface="Arial" panose="020B0604020202020204" pitchFamily="34" charset="0"/>
-              <a:buChar char="•"/>
-            </a:pPr>
-            <a:r>
-              <a:rPr lang="en-US" dirty="0" err="1" smtClean="0"/>
-              <a:t>var</a:t>
-            </a:r>
-            <a:r>
-              <a:rPr lang="en-US" dirty="0" smtClean="0"/>
-              <a:t> a = Number(“4”)</a:t>
-            </a:r>
-          </a:p>
-          <a:p>
-            <a:pPr marL="342900" indent="-342900">
-              <a:buFont typeface="Arial" panose="020B0604020202020204" pitchFamily="34" charset="0"/>
-              <a:buChar char="•"/>
-            </a:pPr>
-            <a:r>
-              <a:rPr lang="en-US" dirty="0" smtClean="0"/>
-              <a:t>a === 4</a:t>
-            </a:r>
-          </a:p>
-          <a:p>
-            <a:pPr marL="342900" indent="-342900">
-              <a:buFont typeface="Arial" panose="020B0604020202020204" pitchFamily="34" charset="0"/>
-              <a:buChar char="•"/>
-            </a:pPr>
-            <a:endParaRPr lang="en-US" dirty="0"/>
-          </a:p>
-        </p:txBody>
-      </p:sp>
-      <p:sp>
-        <p:nvSpPr>
-          <p:cNvPr id="4" name="Date Placeholder 3"/>
-          <p:cNvSpPr>
-            <a:spLocks noGrp="1"/>
-          </p:cNvSpPr>
-          <p:nvPr>
-            <p:ph type="dt" sz="half" idx="10"/>
-          </p:nvPr>
-        </p:nvSpPr>
-        <p:spPr/>
-        <p:txBody>
-          <a:bodyPr/>
-          <a:lstStyle/>
-          <a:p>
-            <a:r>
-              <a:rPr lang="de-CH" smtClean="0"/>
-              <a:t>14. August 2015</a:t>
-            </a:r>
-            <a:endParaRPr lang="de-CH" dirty="0"/>
-          </a:p>
-        </p:txBody>
-      </p:sp>
-      <p:sp>
-        <p:nvSpPr>
-          <p:cNvPr id="5" name="Footer Placeholder 4"/>
-          <p:cNvSpPr>
-            <a:spLocks noGrp="1"/>
-          </p:cNvSpPr>
-          <p:nvPr>
-            <p:ph type="ftr" sz="quarter" idx="11"/>
-          </p:nvPr>
-        </p:nvSpPr>
-        <p:spPr/>
-        <p:txBody>
-          <a:bodyPr/>
-          <a:lstStyle/>
-          <a:p>
-            <a:r>
-              <a:rPr lang="de-CH" smtClean="0"/>
-              <a:t>Javascript Basics | nesp, stmi, mabo</a:t>
-            </a:r>
-            <a:endParaRPr lang="de-CH" dirty="0"/>
-          </a:p>
-        </p:txBody>
-      </p:sp>
-      <p:sp>
-        <p:nvSpPr>
-          <p:cNvPr id="7" name="Text Placeholder 6"/>
-          <p:cNvSpPr>
-            <a:spLocks noGrp="1"/>
-          </p:cNvSpPr>
-          <p:nvPr>
-            <p:ph type="body" sz="quarter" idx="13"/>
-          </p:nvPr>
-        </p:nvSpPr>
-        <p:spPr/>
-        <p:txBody>
-          <a:bodyPr/>
-          <a:lstStyle/>
-          <a:p>
-            <a:r>
-              <a:rPr lang="en-US" dirty="0" smtClean="0"/>
-              <a:t>Strict “===“ vs Loose “==“</a:t>
-            </a:r>
-            <a:endParaRPr lang="en-US" dirty="0"/>
-          </a:p>
-        </p:txBody>
-      </p:sp>
-      <p:sp>
-        <p:nvSpPr>
-          <p:cNvPr id="8" name="Slide Number Placeholder 7"/>
-          <p:cNvSpPr>
-            <a:spLocks noGrp="1"/>
-          </p:cNvSpPr>
-          <p:nvPr>
-            <p:ph type="sldNum" sz="quarter" idx="12"/>
-          </p:nvPr>
-        </p:nvSpPr>
-        <p:spPr/>
-        <p:txBody>
-          <a:bodyPr/>
-          <a:lstStyle/>
-          <a:p>
-            <a:r>
-              <a:rPr lang="en-GB" smtClean="0"/>
-              <a:t>Slide </a:t>
-            </a:r>
-            <a:fld id="{B945A87F-2CE4-4B6D-B6BF-F6BF6C5CB292}" type="slidenum">
-              <a:rPr smtClean="0"/>
-              <a:pPr/>
-              <a:t>5</a:t>
-            </a:fld>
-            <a:endParaRPr dirty="0"/>
-          </a:p>
-        </p:txBody>
-      </p:sp>
-    </p:spTree>
-    <p:extLst>
-      <p:ext uri="{BB962C8B-B14F-4D97-AF65-F5344CB8AC3E}">
-        <p14:creationId xmlns:p14="http://schemas.microsoft.com/office/powerpoint/2010/main" val="4036073287"/>
-      </p:ext>
-    </p:extLst>
-  </p:cSld>
-  <p:clrMapOvr>
-    <a:masterClrMapping/>
-  </p:clrMapOvr>
-</p:sld>
-</file>
-
-<file path=ppt/slides/slide6.xml><?xml version="1.0" encoding="utf-8"?>
-<p:sld xmlns:a="http://schemas.openxmlformats.org/drawingml/2006/main" xmlns:r="http://schemas.openxmlformats.org/officeDocument/2006/relationships" xmlns:p="http://schemas.openxmlformats.org/presentationml/2006/main">
-  <p:cSld>
-    <p:spTree>
-      <p:nvGrpSpPr>
-        <p:cNvPr id="1" name=""/>
-        <p:cNvGrpSpPr/>
-        <p:nvPr/>
-      </p:nvGrpSpPr>
-      <p:grpSpPr>
-        <a:xfrm>
-          <a:off x="0" y="0"/>
-          <a:ext cx="0" cy="0"/>
-          <a:chOff x="0" y="0"/>
-          <a:chExt cx="0" cy="0"/>
-        </a:xfrm>
-      </p:grpSpPr>
-      <p:sp>
-        <p:nvSpPr>
-          <p:cNvPr id="2" name="Title 1"/>
-          <p:cNvSpPr>
-            <a:spLocks noGrp="1"/>
-          </p:cNvSpPr>
-          <p:nvPr>
-            <p:ph type="title"/>
-          </p:nvPr>
-        </p:nvSpPr>
-        <p:spPr/>
-        <p:txBody>
-          <a:bodyPr/>
-          <a:lstStyle/>
-          <a:p>
-            <a:r>
               <a:rPr lang="en-US" dirty="0" err="1" smtClean="0"/>
               <a:t>Truthy</a:t>
             </a:r>
@@ -7505,11 +8547,7 @@
             </a:pPr>
             <a:r>
               <a:rPr lang="en-US" dirty="0" smtClean="0"/>
-              <a:t>0 &amp; </a:t>
-            </a:r>
-            <a:r>
-              <a:rPr lang="en-US" dirty="0" smtClean="0"/>
-              <a:t>-0</a:t>
+              <a:t>0 &amp; -0</a:t>
             </a:r>
           </a:p>
           <a:p>
@@ -7529,11 +8567,7 @@
             </a:pPr>
             <a:r>
               <a:rPr lang="en-US" dirty="0" smtClean="0"/>
-              <a:t>null &amp; </a:t>
-            </a:r>
-            <a:r>
-              <a:rPr lang="en-US" dirty="0" smtClean="0"/>
-              <a:t>undefined</a:t>
+              <a:t>null &amp; undefined</a:t>
             </a:r>
           </a:p>
           <a:p>
@@ -7649,7 +8683,7 @@
             </a:r>
             <a:fld id="{FB565871-C227-4467-8A69-9EBAF738B0FF}" type="slidenum">
               <a:rPr lang="de-CH" smtClean="0"/>
-              <a:t>6</a:t>
+              <a:t>5</a:t>
             </a:fld>
             <a:endParaRPr lang="de-CH" dirty="0"/>
           </a:p>
@@ -7933,7 +8967,7 @@
 </p:sld>
 </file>
 
-<file path=ppt/slides/slide7.xml><?xml version="1.0" encoding="utf-8"?>
+<file path=ppt/slides/slide6.xml><?xml version="1.0" encoding="utf-8"?>
 <p:sld xmlns:a="http://schemas.openxmlformats.org/drawingml/2006/main" xmlns:r="http://schemas.openxmlformats.org/officeDocument/2006/relationships" xmlns:p="http://schemas.openxmlformats.org/presentationml/2006/main">
   <p:cSld>
     <p:spTree>
@@ -9683,7 +10717,7 @@
                     <a:p>
                       <a:pPr algn="l"/>
                       <a:r>
-                        <a:rPr lang="en-GB" sz="1300">
+                        <a:rPr lang="en-GB" sz="1300" dirty="0">
                           <a:effectLst/>
                         </a:rPr>
                         <a:t>?:</a:t>
@@ -9984,6 +11018,270 @@
               <a:rPr lang="en-US" dirty="0" smtClean="0"/>
               <a:t>14. August 2015</a:t>
             </a:r>
+            <a:endParaRPr lang="en-US" dirty="0"/>
+          </a:p>
+        </p:txBody>
+      </p:sp>
+      <p:sp>
+        <p:nvSpPr>
+          <p:cNvPr id="7" name="Footer Placeholder 6"/>
+          <p:cNvSpPr>
+            <a:spLocks noGrp="1"/>
+          </p:cNvSpPr>
+          <p:nvPr>
+            <p:ph type="ftr" sz="quarter" idx="11"/>
+          </p:nvPr>
+        </p:nvSpPr>
+        <p:spPr/>
+        <p:txBody>
+          <a:bodyPr/>
+          <a:lstStyle/>
+          <a:p>
+            <a:r>
+              <a:rPr lang="en-US" dirty="0" err="1" smtClean="0"/>
+              <a:t>Javascript</a:t>
+            </a:r>
+            <a:r>
+              <a:rPr lang="en-US" dirty="0" smtClean="0"/>
+              <a:t> Basics | </a:t>
+            </a:r>
+            <a:r>
+              <a:rPr lang="en-US" dirty="0" err="1" smtClean="0"/>
+              <a:t>nesp</a:t>
+            </a:r>
+            <a:r>
+              <a:rPr lang="en-US" dirty="0" smtClean="0"/>
+              <a:t>, </a:t>
+            </a:r>
+            <a:r>
+              <a:rPr lang="en-US" dirty="0" err="1" smtClean="0"/>
+              <a:t>stmi</a:t>
+            </a:r>
+            <a:r>
+              <a:rPr lang="en-US" dirty="0" smtClean="0"/>
+              <a:t>, </a:t>
+            </a:r>
+            <a:r>
+              <a:rPr lang="en-US" dirty="0" err="1" smtClean="0"/>
+              <a:t>mabo</a:t>
+            </a:r>
+            <a:endParaRPr lang="en-US" dirty="0"/>
+          </a:p>
+        </p:txBody>
+      </p:sp>
+      <p:sp>
+        <p:nvSpPr>
+          <p:cNvPr id="9" name="Slide Number Placeholder 8"/>
+          <p:cNvSpPr>
+            <a:spLocks noGrp="1"/>
+          </p:cNvSpPr>
+          <p:nvPr>
+            <p:ph type="sldNum" sz="quarter" idx="12"/>
+          </p:nvPr>
+        </p:nvSpPr>
+        <p:spPr/>
+        <p:txBody>
+          <a:bodyPr/>
+          <a:lstStyle/>
+          <a:p>
+            <a:r>
+              <a:rPr lang="en-GB" smtClean="0"/>
+              <a:t>Slide </a:t>
+            </a:r>
+            <a:fld id="{B945A87F-2CE4-4B6D-B6BF-F6BF6C5CB292}" type="slidenum">
+              <a:rPr smtClean="0"/>
+              <a:pPr/>
+              <a:t>6</a:t>
+            </a:fld>
+            <a:endParaRPr dirty="0"/>
+          </a:p>
+        </p:txBody>
+      </p:sp>
+    </p:spTree>
+    <p:extLst>
+      <p:ext uri="{BB962C8B-B14F-4D97-AF65-F5344CB8AC3E}">
+        <p14:creationId xmlns:p14="http://schemas.microsoft.com/office/powerpoint/2010/main" val="2884851122"/>
+      </p:ext>
+    </p:extLst>
+  </p:cSld>
+  <p:clrMapOvr>
+    <a:masterClrMapping/>
+  </p:clrMapOvr>
+</p:sld>
+</file>
+
+<file path=ppt/slides/slide7.xml><?xml version="1.0" encoding="utf-8"?>
+<p:sld xmlns:a="http://schemas.openxmlformats.org/drawingml/2006/main" xmlns:r="http://schemas.openxmlformats.org/officeDocument/2006/relationships" xmlns:p="http://schemas.openxmlformats.org/presentationml/2006/main">
+  <p:cSld>
+    <p:spTree>
+      <p:nvGrpSpPr>
+        <p:cNvPr id="1" name=""/>
+        <p:cNvGrpSpPr/>
+        <p:nvPr/>
+      </p:nvGrpSpPr>
+      <p:grpSpPr>
+        <a:xfrm>
+          <a:off x="0" y="0"/>
+          <a:ext cx="0" cy="0"/>
+          <a:chOff x="0" y="0"/>
+          <a:chExt cx="0" cy="0"/>
+        </a:xfrm>
+      </p:grpSpPr>
+      <p:sp>
+        <p:nvSpPr>
+          <p:cNvPr id="2" name="Title 1"/>
+          <p:cNvSpPr>
+            <a:spLocks noGrp="1"/>
+          </p:cNvSpPr>
+          <p:nvPr>
+            <p:ph type="title"/>
+          </p:nvPr>
+        </p:nvSpPr>
+        <p:spPr/>
+        <p:txBody>
+          <a:bodyPr/>
+          <a:lstStyle/>
+          <a:p>
+            <a:r>
+              <a:rPr lang="en-US" dirty="0" smtClean="0"/>
+              <a:t>Member operator</a:t>
+            </a:r>
+            <a:endParaRPr lang="en-US" dirty="0"/>
+          </a:p>
+        </p:txBody>
+      </p:sp>
+      <p:sp>
+        <p:nvSpPr>
+          <p:cNvPr id="3" name="Content Placeholder 2"/>
+          <p:cNvSpPr>
+            <a:spLocks noGrp="1"/>
+          </p:cNvSpPr>
+          <p:nvPr>
+            <p:ph idx="1"/>
+          </p:nvPr>
+        </p:nvSpPr>
+        <p:spPr/>
+        <p:txBody>
+          <a:bodyPr/>
+          <a:lstStyle/>
+          <a:p>
+            <a:pPr marL="342900" indent="-342900">
+              <a:buFont typeface="Arial" panose="020B0604020202020204" pitchFamily="34" charset="0"/>
+              <a:buChar char="•"/>
+            </a:pPr>
+            <a:r>
+              <a:rPr lang="en-US" dirty="0" smtClean="0"/>
+              <a:t>In array: </a:t>
+            </a:r>
+            <a:r>
+              <a:rPr lang="en-US" dirty="0" err="1" smtClean="0"/>
+              <a:t>arr</a:t>
+            </a:r>
+            <a:r>
+              <a:rPr lang="en-US" dirty="0" smtClean="0"/>
+              <a:t>[4]</a:t>
+            </a:r>
+          </a:p>
+          <a:p>
+            <a:pPr marL="342900" indent="-342900">
+              <a:buFont typeface="Arial" panose="020B0604020202020204" pitchFamily="34" charset="0"/>
+              <a:buChar char="•"/>
+            </a:pPr>
+            <a:endParaRPr lang="en-US" dirty="0"/>
+          </a:p>
+          <a:p>
+            <a:pPr marL="342900" indent="-342900">
+              <a:buFont typeface="Arial" panose="020B0604020202020204" pitchFamily="34" charset="0"/>
+              <a:buChar char="•"/>
+            </a:pPr>
+            <a:r>
+              <a:rPr lang="en-US" dirty="0" smtClean="0"/>
+              <a:t>In object:</a:t>
+            </a:r>
+          </a:p>
+          <a:p>
+            <a:pPr marL="608013" lvl="1" indent="-342900">
+              <a:buFont typeface="Arial" panose="020B0604020202020204" pitchFamily="34" charset="0"/>
+              <a:buChar char="•"/>
+            </a:pPr>
+            <a:r>
+              <a:rPr lang="en-US" dirty="0" err="1" smtClean="0"/>
+              <a:t>obj.someProperty</a:t>
+            </a:r>
+            <a:endParaRPr lang="en-US" dirty="0" smtClean="0"/>
+          </a:p>
+          <a:p>
+            <a:pPr marL="608013" lvl="1" indent="-342900">
+              <a:buFont typeface="Arial" panose="020B0604020202020204" pitchFamily="34" charset="0"/>
+              <a:buChar char="•"/>
+            </a:pPr>
+            <a:r>
+              <a:rPr lang="en-US" dirty="0" err="1" smtClean="0"/>
+              <a:t>obj</a:t>
+            </a:r>
+            <a:r>
+              <a:rPr lang="en-US" dirty="0" smtClean="0"/>
+              <a:t>[“</a:t>
+            </a:r>
+            <a:r>
+              <a:rPr lang="en-US" dirty="0" err="1" smtClean="0"/>
+              <a:t>someProperty</a:t>
+            </a:r>
+            <a:r>
+              <a:rPr lang="en-US" dirty="0" smtClean="0"/>
+              <a:t>”]</a:t>
+            </a:r>
+          </a:p>
+          <a:p>
+            <a:pPr marL="608013" lvl="1" indent="-342900">
+              <a:buFont typeface="Arial" panose="020B0604020202020204" pitchFamily="34" charset="0"/>
+              <a:buChar char="•"/>
+            </a:pPr>
+            <a:r>
+              <a:rPr lang="en-US" dirty="0" smtClean="0"/>
+              <a:t>Objects are hash maps as well</a:t>
+            </a:r>
+          </a:p>
+        </p:txBody>
+      </p:sp>
+      <p:sp>
+        <p:nvSpPr>
+          <p:cNvPr id="4" name="Date Placeholder 3"/>
+          <p:cNvSpPr>
+            <a:spLocks noGrp="1"/>
+          </p:cNvSpPr>
+          <p:nvPr>
+            <p:ph type="dt" sz="half" idx="10"/>
+          </p:nvPr>
+        </p:nvSpPr>
+        <p:spPr/>
+        <p:txBody>
+          <a:bodyPr/>
+          <a:lstStyle/>
+          <a:p>
+            <a:r>
+              <a:rPr lang="en-US" dirty="0" smtClean="0"/>
+              <a:t>14. August 2015</a:t>
+            </a:r>
+            <a:endParaRPr lang="en-US" dirty="0"/>
+          </a:p>
+        </p:txBody>
+      </p:sp>
+      <p:sp>
+        <p:nvSpPr>
+          <p:cNvPr id="6" name="Text Placeholder 5"/>
+          <p:cNvSpPr>
+            <a:spLocks noGrp="1"/>
+          </p:cNvSpPr>
+          <p:nvPr>
+            <p:ph type="body" sz="quarter" idx="13"/>
+          </p:nvPr>
+        </p:nvSpPr>
+        <p:spPr/>
+        <p:txBody>
+          <a:bodyPr/>
+          <a:lstStyle/>
+          <a:p>
             <a:endParaRPr lang="en-US" dirty="0"/>
           </a:p>
         </p:txBody>
@@ -10109,10 +11407,18 @@
           <a:lstStyle/>
           <a:p>
             <a:r>
-              <a:rPr lang="en-US" dirty="0" smtClean="0"/>
-              <a:t>Member</a:t>
-            </a:r>
-            <a:endParaRPr lang="en-US" dirty="0"/>
+              <a:rPr lang="en-GB" b="1" dirty="0" err="1" smtClean="0"/>
+              <a:t>typeof</a:t>
+            </a:r>
+            <a:r>
+              <a:rPr lang="en-GB" b="1" dirty="0" smtClean="0"/>
+              <a:t>  </a:t>
+            </a:r>
+            <a:r>
+              <a:rPr lang="en-GB" dirty="0" smtClean="0"/>
+              <a:t>operator</a:t>
+            </a:r>
+            <a:endParaRPr lang="en-US" b="1" dirty="0"/>
           </a:p>
         </p:txBody>
       </p:sp>
@@ -10137,81 +11443,40 @@
             </a:pPr>
             <a:r>
               <a:rPr lang="en-US" dirty="0" smtClean="0"/>
-              <a:t>In array</a:t>
-            </a:r>
-            <a:r>
-              <a:rPr lang="en-US" dirty="0" smtClean="0"/>
-              <a:t>: </a:t>
-            </a:r>
-            <a:r>
-              <a:rPr lang="en-US" dirty="0" err="1" smtClean="0"/>
-              <a:t>arr</a:t>
-            </a:r>
-            <a:r>
-              <a:rPr lang="en-US" dirty="0" smtClean="0"/>
-              <a:t>[4]</a:t>
-            </a:r>
+              <a:t>Returns a string</a:t>
+            </a:r>
+            <a:endParaRPr lang="en-US" dirty="0"/>
           </a:p>
           <a:p>
             <a:pPr marL="342900" indent="-342900">
               <a:buFont typeface="Arial" panose="020B0604020202020204" pitchFamily="34" charset="0"/>
               <a:buChar char="•"/>
             </a:pPr>
+            <a:r>
+              <a:rPr lang="en-US" dirty="0" err="1" smtClean="0"/>
+              <a:t>typeof</a:t>
+            </a:r>
+            <a:r>
+              <a:rPr lang="en-US" dirty="0" smtClean="0"/>
+              <a:t> </a:t>
+            </a:r>
+            <a:r>
+              <a:rPr lang="en-US" dirty="0"/>
+              <a:t>37 === 'number</a:t>
+            </a:r>
+            <a:r>
+              <a:rPr lang="en-US" dirty="0" smtClean="0"/>
+              <a:t>';</a:t>
+            </a:r>
+          </a:p>
+          <a:p>
+            <a:endParaRPr lang="en-US" dirty="0" smtClean="0"/>
+          </a:p>
+          <a:p>
             <a:endParaRPr lang="en-US" dirty="0"/>
           </a:p>
           <a:p>
-            <a:pPr marL="342900" indent="-342900">
-              <a:buFont typeface="Arial" panose="020B0604020202020204" pitchFamily="34" charset="0"/>
-              <a:buChar char="•"/>
-            </a:pPr>
-            <a:r>
-              <a:rPr lang="en-US" dirty="0" smtClean="0"/>
-              <a:t>In object:</a:t>
-            </a:r>
-          </a:p>
-          <a:p>
-            <a:pPr marL="608013" lvl="1" indent="-342900">
-              <a:buFont typeface="Arial" panose="020B0604020202020204" pitchFamily="34" charset="0"/>
-              <a:buChar char="•"/>
-            </a:pPr>
-            <a:r>
-              <a:rPr lang="en-US" dirty="0" err="1" smtClean="0"/>
-              <a:t>obj.someProperty</a:t>
-            </a:r>
-            <a:endParaRPr lang="en-US" dirty="0" smtClean="0"/>
-          </a:p>
-          <a:p>
-            <a:pPr marL="608013" lvl="1" indent="-342900">
-              <a:buFont typeface="Arial" panose="020B0604020202020204" pitchFamily="34" charset="0"/>
-              <a:buChar char="•"/>
-            </a:pPr>
-            <a:r>
-              <a:rPr lang="en-US" dirty="0" err="1" smtClean="0"/>
-              <a:t>obj</a:t>
-            </a:r>
-            <a:r>
-              <a:rPr lang="en-US" dirty="0" smtClean="0"/>
-              <a:t>[“</a:t>
-            </a:r>
-            <a:r>
-              <a:rPr lang="en-US" dirty="0" err="1" smtClean="0"/>
-              <a:t>someProperty</a:t>
-            </a:r>
-            <a:r>
-              <a:rPr lang="en-US" dirty="0" smtClean="0"/>
-              <a:t>”]</a:t>
-            </a:r>
-          </a:p>
-          <a:p>
-            <a:pPr marL="608013" lvl="1" indent="-342900">
-              <a:buFont typeface="Arial" panose="020B0604020202020204" pitchFamily="34" charset="0"/>
-              <a:buChar char="•"/>
-            </a:pPr>
-            <a:r>
-              <a:rPr lang="en-US" dirty="0" smtClean="0"/>
-              <a:t>Objects are hash maps as well</a:t>
-            </a:r>
-            <a:endParaRPr lang="en-US" dirty="0" smtClean="0"/>
+            <a:endParaRPr lang="en-US" dirty="0"/>
           </a:p>
         </p:txBody>
       </p:sp>
@@ -10327,238 +11592,6 @@
               <a:rPr smtClean="0"/>
               <a:pPr/>
               <a:t>8</a:t>
-            </a:fld>
-            <a:endParaRPr dirty="0"/>
-          </a:p>
-        </p:txBody>
-      </p:sp>
-    </p:spTree>
-    <p:extLst>
-      <p:ext uri="{BB962C8B-B14F-4D97-AF65-F5344CB8AC3E}">
-        <p14:creationId xmlns:p14="http://schemas.microsoft.com/office/powerpoint/2010/main" val="2884851122"/>
-      </p:ext>
-    </p:extLst>
-  </p:cSld>
-  <p:clrMapOvr>
-    <a:masterClrMapping/>
-  </p:clrMapOvr>
-</p:sld>
-</file>
-
-<file path=ppt/slides/slide9.xml><?xml version="1.0" encoding="utf-8"?>
-<p:sld xmlns:a="http://schemas.openxmlformats.org/drawingml/2006/main" xmlns:r="http://schemas.openxmlformats.org/officeDocument/2006/relationships" xmlns:p="http://schemas.openxmlformats.org/presentationml/2006/main">
-  <p:cSld>
-    <p:spTree>
-      <p:nvGrpSpPr>
-        <p:cNvPr id="1" name=""/>
-        <p:cNvGrpSpPr/>
-        <p:nvPr/>
-      </p:nvGrpSpPr>
-      <p:grpSpPr>
-        <a:xfrm>
-          <a:off x="0" y="0"/>
-          <a:ext cx="0" cy="0"/>
-          <a:chOff x="0" y="0"/>
-          <a:chExt cx="0" cy="0"/>
-        </a:xfrm>
-      </p:grpSpPr>
-      <p:sp>
-        <p:nvSpPr>
-          <p:cNvPr id="2" name="Title 1"/>
-          <p:cNvSpPr>
-            <a:spLocks noGrp="1"/>
-          </p:cNvSpPr>
-          <p:nvPr>
-            <p:ph type="title"/>
-          </p:nvPr>
-        </p:nvSpPr>
-        <p:spPr/>
-        <p:txBody>
-          <a:bodyPr/>
-          <a:lstStyle/>
-          <a:p>
-            <a:r>
-              <a:rPr lang="en-GB" dirty="0" err="1" smtClean="0"/>
-              <a:t>typeof</a:t>
-            </a:r>
-            <a:r>
-              <a:rPr lang="en-GB" dirty="0" smtClean="0"/>
-              <a:t> </a:t>
-            </a:r>
-            <a:endParaRPr lang="en-US" dirty="0"/>
-          </a:p>
-        </p:txBody>
-      </p:sp>
-      <p:sp>
-        <p:nvSpPr>
-          <p:cNvPr id="3" name="Content Placeholder 2"/>
-          <p:cNvSpPr>
-            <a:spLocks noGrp="1"/>
-          </p:cNvSpPr>
-          <p:nvPr>
-            <p:ph idx="1"/>
-          </p:nvPr>
-        </p:nvSpPr>
-        <p:spPr/>
-        <p:txBody>
-          <a:bodyPr/>
-          <a:lstStyle/>
-          <a:p>
-            <a:pPr marL="342900" indent="-342900">
-              <a:buFont typeface="Arial" panose="020B0604020202020204" pitchFamily="34" charset="0"/>
-              <a:buChar char="•"/>
-            </a:pPr>
-            <a:r>
-              <a:rPr lang="en-US" dirty="0" smtClean="0"/>
-              <a:t>Returns a string</a:t>
-            </a:r>
-            <a:endParaRPr lang="en-US" dirty="0"/>
-          </a:p>
-          <a:p>
-            <a:pPr marL="342900" indent="-342900">
-              <a:buFont typeface="Arial" panose="020B0604020202020204" pitchFamily="34" charset="0"/>
-              <a:buChar char="•"/>
-            </a:pPr>
-            <a:r>
-              <a:rPr lang="en-US" dirty="0" err="1" smtClean="0"/>
-              <a:t>typeof</a:t>
-            </a:r>
-            <a:r>
-              <a:rPr lang="en-US" dirty="0" smtClean="0"/>
-              <a:t> </a:t>
-            </a:r>
-            <a:r>
-              <a:rPr lang="en-US" dirty="0"/>
-              <a:t>37 === 'number</a:t>
-            </a:r>
-            <a:r>
-              <a:rPr lang="en-US" dirty="0" smtClean="0"/>
-              <a:t>';</a:t>
-            </a:r>
-          </a:p>
-          <a:p>
-            <a:endParaRPr lang="en-US" dirty="0" smtClean="0"/>
-          </a:p>
-          <a:p>
-            <a:endParaRPr lang="en-US" dirty="0"/>
-          </a:p>
-          <a:p>
-            <a:endParaRPr lang="en-US" dirty="0"/>
-          </a:p>
-        </p:txBody>
-      </p:sp>
-      <p:sp>
-        <p:nvSpPr>
-          <p:cNvPr id="4" name="Date Placeholder 3"/>
-          <p:cNvSpPr>
-            <a:spLocks noGrp="1"/>
-          </p:cNvSpPr>
-          <p:nvPr>
-            <p:ph type="dt" sz="half" idx="10"/>
-          </p:nvPr>
-        </p:nvSpPr>
-        <p:spPr/>
-        <p:txBody>
-          <a:bodyPr/>
-          <a:lstStyle/>
-          <a:p>
-            <a:r>
-              <a:rPr lang="en-US" dirty="0" smtClean="0"/>
-              <a:t>14. August 2015</a:t>
-            </a:r>
-            <a:endParaRPr lang="en-US" dirty="0"/>
-          </a:p>
-        </p:txBody>
-      </p:sp>
-      <p:sp>
-        <p:nvSpPr>
-          <p:cNvPr id="6" name="Text Placeholder 5"/>
-          <p:cNvSpPr>
-            <a:spLocks noGrp="1"/>
-          </p:cNvSpPr>
-          <p:nvPr>
-            <p:ph type="body" sz="quarter" idx="13"/>
-          </p:nvPr>
-        </p:nvSpPr>
-        <p:spPr/>
-        <p:txBody>
-          <a:bodyPr/>
-          <a:lstStyle/>
-          <a:p>
-            <a:endParaRPr lang="en-US" dirty="0"/>
-          </a:p>
-        </p:txBody>
-      </p:sp>
-      <p:sp>
-        <p:nvSpPr>
-          <p:cNvPr id="7" name="Footer Placeholder 6"/>
-          <p:cNvSpPr>
-            <a:spLocks noGrp="1"/>
-          </p:cNvSpPr>
-          <p:nvPr>
-            <p:ph type="ftr" sz="quarter" idx="11"/>
-          </p:nvPr>
-        </p:nvSpPr>
-        <p:spPr/>
-        <p:txBody>
-          <a:bodyPr/>
-          <a:lstStyle/>
-          <a:p>
-            <a:r>
-              <a:rPr lang="en-US" dirty="0" err="1" smtClean="0"/>
-              <a:t>Javascript</a:t>
-            </a:r>
-            <a:r>
-              <a:rPr lang="en-US" dirty="0" smtClean="0"/>
-              <a:t> Basics | </a:t>
-            </a:r>
-            <a:r>
-              <a:rPr lang="en-US" dirty="0" err="1" smtClean="0"/>
-              <a:t>nesp</a:t>
-            </a:r>
-            <a:r>
-              <a:rPr lang="en-US" dirty="0" smtClean="0"/>
-              <a:t>, </a:t>
-            </a:r>
-            <a:r>
-              <a:rPr lang="en-US" dirty="0" err="1" smtClean="0"/>
-              <a:t>stmi</a:t>
-            </a:r>
-            <a:r>
-              <a:rPr lang="en-US" dirty="0" smtClean="0"/>
-              <a:t>, </a:t>
-            </a:r>
-            <a:r>
-              <a:rPr lang="en-US" dirty="0" err="1" smtClean="0"/>
-              <a:t>mabo</a:t>
-            </a:r>
-            <a:endParaRPr lang="en-US" dirty="0"/>
-          </a:p>
-        </p:txBody>
-      </p:sp>
-      <p:sp>
-        <p:nvSpPr>
-          <p:cNvPr id="9" name="Slide Number Placeholder 8"/>
-          <p:cNvSpPr>
-            <a:spLocks noGrp="1"/>
-          </p:cNvSpPr>
-          <p:nvPr>
-            <p:ph type="sldNum" sz="quarter" idx="12"/>
-          </p:nvPr>
-        </p:nvSpPr>
-        <p:spPr/>
-        <p:txBody>
-          <a:bodyPr/>
-          <a:lstStyle/>
-          <a:p>
-            <a:r>
-              <a:rPr lang="en-GB" smtClean="0"/>
-              <a:t>Slide </a:t>
-            </a:r>
-            <a:fld id="{B945A87F-2CE4-4B6D-B6BF-F6BF6C5CB292}" type="slidenum">
-              <a:rPr smtClean="0"/>
-              <a:pPr/>
-              <a:t>9</a:t>
             </a:fld>
             <a:endParaRPr dirty="0"/>
           </a:p>
@@ -11533,6 +12566,286 @@
           </a:graphicData>
         </a:graphic>
       </p:graphicFrame>
+    </p:spTree>
+    <p:extLst>
+      <p:ext uri="{BB962C8B-B14F-4D97-AF65-F5344CB8AC3E}">
+        <p14:creationId xmlns:p14="http://schemas.microsoft.com/office/powerpoint/2010/main" val="2884851122"/>
+      </p:ext>
+    </p:extLst>
+  </p:cSld>
+  <p:clrMapOvr>
+    <a:masterClrMapping/>
+  </p:clrMapOvr>
+</p:sld>
+</file>
+
+<file path=ppt/slides/slide9.xml><?xml version="1.0" encoding="utf-8"?>
+<p:sld xmlns:a="http://schemas.openxmlformats.org/drawingml/2006/main" xmlns:r="http://schemas.openxmlformats.org/officeDocument/2006/relationships" xmlns:p="http://schemas.openxmlformats.org/presentationml/2006/main">
+  <p:cSld>
+    <p:spTree>
+      <p:nvGrpSpPr>
+        <p:cNvPr id="1" name=""/>
+        <p:cNvGrpSpPr/>
+        <p:nvPr/>
+      </p:nvGrpSpPr>
+      <p:grpSpPr>
+        <a:xfrm>
+          <a:off x="0" y="0"/>
+          <a:ext cx="0" cy="0"/>
+          <a:chOff x="0" y="0"/>
+          <a:chExt cx="0" cy="0"/>
+        </a:xfrm>
+      </p:grpSpPr>
+      <p:sp>
+        <p:nvSpPr>
+          <p:cNvPr id="2" name="Title 1"/>
+          <p:cNvSpPr>
+            <a:spLocks noGrp="1"/>
+          </p:cNvSpPr>
+          <p:nvPr>
+            <p:ph type="title"/>
+          </p:nvPr>
+        </p:nvSpPr>
+        <p:spPr/>
+        <p:txBody>
+          <a:bodyPr/>
+          <a:lstStyle/>
+          <a:p>
+            <a:r>
+              <a:rPr lang="en-US" b="1" dirty="0" smtClean="0"/>
+              <a:t>delete</a:t>
+            </a:r>
+            <a:r>
+              <a:rPr lang="en-US" dirty="0" smtClean="0"/>
+              <a:t>, </a:t>
+            </a:r>
+            <a:r>
+              <a:rPr lang="en-US" b="1" dirty="0" smtClean="0"/>
+              <a:t>in</a:t>
+            </a:r>
+            <a:endParaRPr lang="en-US" b="1" dirty="0"/>
+          </a:p>
+        </p:txBody>
+      </p:sp>
+      <p:sp>
+        <p:nvSpPr>
+          <p:cNvPr id="3" name="Content Placeholder 2"/>
+          <p:cNvSpPr>
+            <a:spLocks noGrp="1"/>
+          </p:cNvSpPr>
+          <p:nvPr>
+            <p:ph idx="1"/>
+          </p:nvPr>
+        </p:nvSpPr>
+        <p:spPr/>
+        <p:txBody>
+          <a:bodyPr/>
+          <a:lstStyle/>
+          <a:p>
+            <a:pPr marL="342900" indent="-342900">
+              <a:buFont typeface="Arial" panose="020B0604020202020204" pitchFamily="34" charset="0"/>
+              <a:buChar char="•"/>
+            </a:pPr>
+            <a:r>
+              <a:rPr lang="en-US" b="1" dirty="0" smtClean="0"/>
+              <a:t>delete</a:t>
+            </a:r>
+            <a:r>
+              <a:rPr lang="en-US" dirty="0" smtClean="0"/>
+              <a:t> removes a property or an element from the array</a:t>
+            </a:r>
+            <a:endParaRPr lang="en-US" b="1" dirty="0" smtClean="0"/>
+          </a:p>
+          <a:p>
+            <a:pPr marL="608013" lvl="1" indent="-342900">
+              <a:buFont typeface="Arial" panose="020B0604020202020204" pitchFamily="34" charset="0"/>
+              <a:buChar char="•"/>
+            </a:pPr>
+            <a:r>
+              <a:rPr lang="en-US" dirty="0" smtClean="0"/>
+              <a:t>delete </a:t>
+            </a:r>
+            <a:r>
+              <a:rPr lang="en-US" dirty="0" err="1"/>
+              <a:t>object.property</a:t>
+            </a:r>
+            <a:endParaRPr lang="en-US" dirty="0"/>
+          </a:p>
+          <a:p>
+            <a:pPr marL="608013" lvl="1" indent="-342900">
+              <a:buFont typeface="Arial" panose="020B0604020202020204" pitchFamily="34" charset="0"/>
+              <a:buChar char="•"/>
+            </a:pPr>
+            <a:r>
+              <a:rPr lang="en-US" dirty="0"/>
+              <a:t>delete object['property</a:t>
+            </a:r>
+            <a:r>
+              <a:rPr lang="en-US" dirty="0" smtClean="0"/>
+              <a:t>']</a:t>
+            </a:r>
+          </a:p>
+          <a:p>
+            <a:endParaRPr lang="en-US" dirty="0"/>
+          </a:p>
+          <a:p>
+            <a:pPr marL="342900" indent="-342900">
+              <a:buFont typeface="Arial" panose="020B0604020202020204" pitchFamily="34" charset="0"/>
+              <a:buChar char="•"/>
+            </a:pPr>
+            <a:r>
+              <a:rPr lang="en-US" b="1" dirty="0" smtClean="0"/>
+              <a:t>in</a:t>
+            </a:r>
+            <a:r>
+              <a:rPr lang="en-US" dirty="0" smtClean="0"/>
+              <a:t> checks if a property exists </a:t>
+            </a:r>
+            <a:r>
+              <a:rPr lang="en-US" dirty="0" smtClean="0"/>
+              <a:t>on an object, or if an element exists in an array</a:t>
+            </a:r>
+          </a:p>
+          <a:p>
+            <a:pPr marL="608013" lvl="1" indent="-342900">
+              <a:buFont typeface="Arial" panose="020B0604020202020204" pitchFamily="34" charset="0"/>
+              <a:buChar char="•"/>
+            </a:pPr>
+            <a:r>
+              <a:rPr lang="en-US" dirty="0" smtClean="0"/>
+              <a:t>if (property in object)</a:t>
+            </a:r>
+          </a:p>
+          <a:p>
+            <a:pPr marL="608013" lvl="1" indent="-342900">
+              <a:buFont typeface="Arial" panose="020B0604020202020204" pitchFamily="34" charset="0"/>
+              <a:buChar char="•"/>
+            </a:pPr>
+            <a:r>
+              <a:rPr lang="en-US" dirty="0" smtClean="0"/>
+              <a:t>if (item in array)</a:t>
+            </a:r>
+            <a:endParaRPr lang="en-US" dirty="0"/>
+          </a:p>
+        </p:txBody>
+      </p:sp>
+      <p:sp>
+        <p:nvSpPr>
+          <p:cNvPr id="4" name="Date Placeholder 3"/>
+          <p:cNvSpPr>
+            <a:spLocks noGrp="1"/>
+          </p:cNvSpPr>
+          <p:nvPr>
+            <p:ph type="dt" sz="half" idx="10"/>
+          </p:nvPr>
+        </p:nvSpPr>
+        <p:spPr/>
+        <p:txBody>
+          <a:bodyPr/>
+          <a:lstStyle/>
+          <a:p>
+            <a:r>
+              <a:rPr lang="en-US" dirty="0" smtClean="0"/>
+              <a:t>14. August 2015</a:t>
+            </a:r>
+            <a:endParaRPr lang="en-US" dirty="0"/>
+          </a:p>
+        </p:txBody>
+      </p:sp>
+      <p:sp>
+        <p:nvSpPr>
+          <p:cNvPr id="6" name="Text Placeholder 5"/>
+          <p:cNvSpPr>
+            <a:spLocks noGrp="1"/>
+          </p:cNvSpPr>
+          <p:nvPr>
+            <p:ph type="body" sz="quarter" idx="13"/>
+          </p:nvPr>
+        </p:nvSpPr>
+        <p:spPr/>
+        <p:txBody>
+          <a:bodyPr/>
+          <a:lstStyle/>
+          <a:p>
+            <a:endParaRPr lang="en-US" dirty="0"/>
+          </a:p>
+        </p:txBody>
+      </p:sp>
+      <p:sp>
+        <p:nvSpPr>
+          <p:cNvPr id="7" name="Footer Placeholder 6"/>
+          <p:cNvSpPr>
+            <a:spLocks noGrp="1"/>
+          </p:cNvSpPr>
+          <p:nvPr>
+            <p:ph type="ftr" sz="quarter" idx="11"/>
+          </p:nvPr>
+        </p:nvSpPr>
+        <p:spPr/>
+        <p:txBody>
+          <a:bodyPr/>
+          <a:lstStyle/>
+          <a:p>
+            <a:r>
+              <a:rPr lang="en-US" dirty="0" err="1" smtClean="0"/>
+              <a:t>Javascript</a:t>
+            </a:r>
+            <a:r>
+              <a:rPr lang="en-US" dirty="0" smtClean="0"/>
+              <a:t> Basics | </a:t>
+            </a:r>
+            <a:r>
+              <a:rPr lang="en-US" dirty="0" err="1" smtClean="0"/>
+              <a:t>nesp</a:t>
+            </a:r>
+            <a:r>
+              <a:rPr lang="en-US" dirty="0" smtClean="0"/>
+              <a:t>, </a:t>
+            </a:r>
+            <a:r>
+              <a:rPr lang="en-US" dirty="0" err="1" smtClean="0"/>
+              <a:t>stmi</a:t>
+            </a:r>
+            <a:r>
+              <a:rPr lang="en-US" dirty="0" smtClean="0"/>
+              <a:t>, </a:t>
+            </a:r>
+            <a:r>
+              <a:rPr lang="en-US" dirty="0" err="1" smtClean="0"/>
+              <a:t>mabo</a:t>
+            </a:r>
+            <a:endParaRPr lang="en-US" dirty="0"/>
+          </a:p>
+        </p:txBody>
+      </p:sp>
+      <p:sp>
+        <p:nvSpPr>
+          <p:cNvPr id="9" name="Slide Number Placeholder 8"/>
+          <p:cNvSpPr>
+            <a:spLocks noGrp="1"/>
+          </p:cNvSpPr>
+          <p:nvPr>
+            <p:ph type="sldNum" sz="quarter" idx="12"/>
+          </p:nvPr>
+        </p:nvSpPr>
+        <p:spPr/>
+        <p:txBody>
+          <a:bodyPr/>
+          <a:lstStyle/>
+          <a:p>
+            <a:r>
+              <a:rPr lang="en-GB" smtClean="0"/>
+              <a:t>Slide </a:t>
+            </a:r>
+            <a:fld id="{B945A87F-2CE4-4B6D-B6BF-F6BF6C5CB292}" type="slidenum">
+              <a:rPr smtClean="0"/>
+              <a:pPr/>
+              <a:t>9</a:t>
+            </a:fld>
+            <a:endParaRPr dirty="0"/>
+          </a:p>
+        </p:txBody>
+      </p:sp>
     </p:spTree>
     <p:extLst>
       <p:ext uri="{BB962C8B-B14F-4D97-AF65-F5344CB8AC3E}">

--- a/javascript_basics/Javascript Basics - basics.pptx
+++ b/javascript_basics/Javascript Basics - basics.pptx
@@ -5,39 +5,43 @@
     <p:sldMasterId id="2147483648" r:id="rId1"/>
   </p:sldMasterIdLst>
   <p:notesMasterIdLst>
-    <p:notesMasterId r:id="rId17"/>
+    <p:notesMasterId r:id="rId21"/>
   </p:notesMasterIdLst>
   <p:handoutMasterIdLst>
-    <p:handoutMasterId r:id="rId18"/>
+    <p:handoutMasterId r:id="rId22"/>
   </p:handoutMasterIdLst>
   <p:sldIdLst>
     <p:sldId id="256" r:id="rId2"/>
     <p:sldId id="258" r:id="rId3"/>
-    <p:sldId id="264" r:id="rId4"/>
-    <p:sldId id="265" r:id="rId5"/>
-    <p:sldId id="259" r:id="rId6"/>
-    <p:sldId id="266" r:id="rId7"/>
-    <p:sldId id="267" r:id="rId8"/>
-    <p:sldId id="268" r:id="rId9"/>
-    <p:sldId id="269" r:id="rId10"/>
-    <p:sldId id="270" r:id="rId11"/>
-    <p:sldId id="271" r:id="rId12"/>
-    <p:sldId id="272" r:id="rId13"/>
-    <p:sldId id="274" r:id="rId14"/>
-    <p:sldId id="273" r:id="rId15"/>
-    <p:sldId id="275" r:id="rId16"/>
+    <p:sldId id="278" r:id="rId4"/>
+    <p:sldId id="264" r:id="rId5"/>
+    <p:sldId id="265" r:id="rId6"/>
+    <p:sldId id="279" r:id="rId7"/>
+    <p:sldId id="259" r:id="rId8"/>
+    <p:sldId id="266" r:id="rId9"/>
+    <p:sldId id="267" r:id="rId10"/>
+    <p:sldId id="268" r:id="rId11"/>
+    <p:sldId id="269" r:id="rId12"/>
+    <p:sldId id="270" r:id="rId13"/>
+    <p:sldId id="271" r:id="rId14"/>
+    <p:sldId id="272" r:id="rId15"/>
+    <p:sldId id="274" r:id="rId16"/>
+    <p:sldId id="276" r:id="rId17"/>
+    <p:sldId id="273" r:id="rId18"/>
+    <p:sldId id="275" r:id="rId19"/>
+    <p:sldId id="277" r:id="rId20"/>
   </p:sldIdLst>
   <p:sldSz cx="9144000" cy="6858000" type="screen4x3"/>
   <p:notesSz cx="6858000" cy="9144000"/>
   <p:embeddedFontLst>
     <p:embeddedFont>
       <p:font typeface="AA Zuehlke" panose="02000503060000020004" pitchFamily="2" charset="0"/>
-      <p:regular r:id="rId19"/>
-      <p:italic r:id="rId20"/>
+      <p:regular r:id="rId23"/>
+      <p:italic r:id="rId24"/>
     </p:embeddedFont>
   </p:embeddedFontLst>
   <p:custDataLst>
-    <p:tags r:id="rId21"/>
+    <p:tags r:id="rId25"/>
   </p:custDataLst>
   <p:defaultTextStyle>
     <a:defPPr>
@@ -145,8 +149,10 @@
         </p14:section>
         <p14:section name="Types" id="{163AC601-3CA3-4FE1-B276-1E050665EA92}">
           <p14:sldIdLst>
+            <p14:sldId id="278"/>
             <p14:sldId id="264"/>
             <p14:sldId id="265"/>
+            <p14:sldId id="279"/>
             <p14:sldId id="259"/>
           </p14:sldIdLst>
         </p14:section>
@@ -164,12 +170,14 @@
             <p14:sldId id="271"/>
             <p14:sldId id="272"/>
             <p14:sldId id="274"/>
+            <p14:sldId id="276"/>
           </p14:sldIdLst>
         </p14:section>
         <p14:section name="Scopes of variables" id="{B5E0EBA1-03E9-4B5F-BF84-B03920EDED8D}">
           <p14:sldIdLst>
             <p14:sldId id="273"/>
             <p14:sldId id="275"/>
+            <p14:sldId id="277"/>
           </p14:sldIdLst>
         </p14:section>
       </p14:sectionLst>
@@ -5544,8 +5552,16 @@
           <a:lstStyle/>
           <a:p>
             <a:r>
-              <a:rPr lang="en-US" b="1" dirty="0" err="1" smtClean="0"/>
-              <a:t>instanceof</a:t>
+              <a:rPr lang="en-GB" b="1" dirty="0" err="1" smtClean="0"/>
+              <a:t>typeof</a:t>
+            </a:r>
+            <a:r>
+              <a:rPr lang="en-GB" b="1" dirty="0" smtClean="0"/>
+              <a:t>  </a:t>
+            </a:r>
+            <a:r>
+              <a:rPr lang="en-GB" dirty="0" smtClean="0"/>
+              <a:t>operator</a:t>
             </a:r>
             <a:endParaRPr lang="en-US" b="1" dirty="0"/>
           </a:p>
@@ -5572,8 +5588,9 @@
             </a:pPr>
             <a:r>
               <a:rPr lang="en-US" dirty="0" smtClean="0"/>
-              <a:t>Checks if an object is in the prototype chain of a constructor</a:t>
-            </a:r>
+              <a:t>Returns a string</a:t>
+            </a:r>
+            <a:endParaRPr lang="en-US" dirty="0"/>
           </a:p>
           <a:p>
             <a:pPr marL="342900" indent="-342900">
@@ -5581,133 +5598,23 @@
               <a:buChar char="•"/>
             </a:pPr>
             <a:r>
-              <a:rPr lang="en-US" dirty="0" smtClean="0"/>
-              <a:t>If an object inherits a certain (anywhere in hierarchy)</a:t>
-            </a:r>
-          </a:p>
-          <a:p>
-            <a:pPr marL="342900" indent="-342900">
-              <a:buFont typeface="Arial" panose="020B0604020202020204" pitchFamily="34" charset="0"/>
-              <a:buChar char="•"/>
-            </a:pPr>
-            <a:endParaRPr lang="en-US" dirty="0" smtClean="0"/>
-          </a:p>
-          <a:p>
-            <a:pPr marL="342900" indent="-342900">
-              <a:buFont typeface="Arial" panose="020B0604020202020204" pitchFamily="34" charset="0"/>
-              <a:buChar char="•"/>
-            </a:pPr>
-            <a:r>
-              <a:rPr lang="en-US" dirty="0" smtClean="0"/>
-              <a:t>object </a:t>
-            </a:r>
-            <a:r>
-              <a:rPr lang="en-US" b="1" dirty="0" err="1"/>
-              <a:t>instanceof</a:t>
+              <a:rPr lang="en-US" dirty="0" err="1" smtClean="0"/>
+              <a:t>typeof</a:t>
+            </a:r>
+            <a:r>
+              <a:rPr lang="en-US" dirty="0" smtClean="0"/>
+              <a:t> </a:t>
             </a:r>
             <a:r>
               <a:rPr lang="en-US" dirty="0"/>
-              <a:t> </a:t>
-            </a:r>
-            <a:r>
-              <a:rPr lang="en-US" dirty="0" smtClean="0"/>
-              <a:t>constructor</a:t>
-            </a:r>
-          </a:p>
-          <a:p>
-            <a:endParaRPr lang="en-US" dirty="0"/>
-          </a:p>
-          <a:p>
-            <a:pPr>
-              <a:spcBef>
-                <a:spcPts val="0"/>
-              </a:spcBef>
-            </a:pPr>
-            <a:r>
-              <a:rPr lang="en-US" dirty="0" err="1"/>
-              <a:t>var</a:t>
-            </a:r>
-            <a:r>
-              <a:rPr lang="en-US" dirty="0"/>
-              <a:t> </a:t>
-            </a:r>
-            <a:r>
-              <a:rPr lang="en-US" dirty="0" err="1"/>
-              <a:t>myDate</a:t>
-            </a:r>
-            <a:r>
-              <a:rPr lang="en-US" dirty="0"/>
-              <a:t> </a:t>
-            </a:r>
-            <a:r>
-              <a:rPr lang="en-US" dirty="0" smtClean="0"/>
-              <a:t> </a:t>
-            </a:r>
-            <a:r>
-              <a:rPr lang="en-US" dirty="0"/>
-              <a:t>= new Date</a:t>
-            </a:r>
-            <a:r>
-              <a:rPr lang="en-US" dirty="0" smtClean="0"/>
-              <a:t>();</a:t>
-            </a:r>
-          </a:p>
-          <a:p>
-            <a:pPr>
-              <a:spcBef>
-                <a:spcPts val="0"/>
-              </a:spcBef>
-            </a:pPr>
-            <a:r>
-              <a:rPr lang="en-US" dirty="0" smtClean="0"/>
-              <a:t>if (</a:t>
-            </a:r>
-            <a:r>
-              <a:rPr lang="en-US" dirty="0" err="1" smtClean="0"/>
-              <a:t>myDate</a:t>
-            </a:r>
-            <a:r>
-              <a:rPr lang="en-US" dirty="0" smtClean="0"/>
-              <a:t> </a:t>
-            </a:r>
-            <a:r>
-              <a:rPr lang="en-US" dirty="0" err="1"/>
-              <a:t>instanceof</a:t>
-            </a:r>
-            <a:r>
-              <a:rPr lang="en-US" dirty="0"/>
-              <a:t> </a:t>
-            </a:r>
-            <a:r>
-              <a:rPr lang="en-US" dirty="0" smtClean="0"/>
-              <a:t>Date) {</a:t>
-            </a:r>
-          </a:p>
-          <a:p>
-            <a:pPr>
-              <a:spcBef>
-                <a:spcPts val="0"/>
-              </a:spcBef>
-            </a:pPr>
-            <a:r>
-              <a:rPr lang="en-US" dirty="0"/>
-              <a:t>	</a:t>
-            </a:r>
-            <a:r>
-              <a:rPr lang="en-US" dirty="0" smtClean="0"/>
-              <a:t>// is true</a:t>
-            </a:r>
-          </a:p>
-          <a:p>
-            <a:pPr>
-              <a:spcBef>
-                <a:spcPts val="0"/>
-              </a:spcBef>
-            </a:pPr>
-            <a:r>
-              <a:rPr lang="en-US" dirty="0"/>
-              <a:t>}</a:t>
-            </a:r>
+              <a:t>37 === 'number</a:t>
+            </a:r>
+            <a:r>
+              <a:rPr lang="en-US" dirty="0" smtClean="0"/>
+              <a:t>';</a:t>
+            </a:r>
+          </a:p>
+          <a:p>
             <a:endParaRPr lang="en-US" dirty="0" smtClean="0"/>
           </a:p>
           <a:p>
@@ -5835,6 +5742,975 @@
           </a:p>
         </p:txBody>
       </p:sp>
+      <p:graphicFrame>
+        <p:nvGraphicFramePr>
+          <p:cNvPr id="11" name="Table 10"/>
+          <p:cNvGraphicFramePr>
+            <a:graphicFrameLocks noGrp="1"/>
+          </p:cNvGraphicFramePr>
+          <p:nvPr>
+            <p:extLst>
+              <p:ext uri="{D42A27DB-BD31-4B8C-83A1-F6EECF244321}">
+                <p14:modId xmlns:p14="http://schemas.microsoft.com/office/powerpoint/2010/main" val="2858567720"/>
+              </p:ext>
+            </p:extLst>
+          </p:nvPr>
+        </p:nvGraphicFramePr>
+        <p:xfrm>
+          <a:off x="4142805" y="2996952"/>
+          <a:ext cx="4563616" cy="3114154"/>
+        </p:xfrm>
+        <a:graphic>
+          <a:graphicData uri="http://schemas.openxmlformats.org/drawingml/2006/table">
+            <a:tbl>
+              <a:tblPr/>
+              <a:tblGrid>
+                <a:gridCol w="2281808"/>
+                <a:gridCol w="2281808"/>
+              </a:tblGrid>
+              <a:tr h="298651">
+                <a:tc>
+                  <a:txBody>
+                    <a:bodyPr/>
+                    <a:lstStyle/>
+                    <a:p>
+                      <a:pPr algn="l"/>
+                      <a:r>
+                        <a:rPr lang="en-GB" b="1" dirty="0" smtClean="0">
+                          <a:effectLst/>
+                          <a:latin typeface="Open Sans Light"/>
+                        </a:rPr>
+                        <a:t>Type</a:t>
+                      </a:r>
+                      <a:endParaRPr lang="en-GB" b="1" dirty="0">
+                        <a:effectLst/>
+                        <a:latin typeface="Open Sans Light"/>
+                      </a:endParaRPr>
+                    </a:p>
+                  </a:txBody>
+                  <a:tcPr marL="76200" marR="76200" marT="19050" marB="38100" anchor="ctr">
+                    <a:lnL w="19050" cap="flat" cmpd="sng" algn="ctr">
+                      <a:solidFill>
+                        <a:srgbClr val="FFFFFF"/>
+                      </a:solidFill>
+                      <a:prstDash val="solid"/>
+                      <a:round/>
+                      <a:headEnd type="none" w="med" len="med"/>
+                      <a:tailEnd type="none" w="med" len="med"/>
+                    </a:lnL>
+                    <a:lnR w="19050" cap="flat" cmpd="sng" algn="ctr">
+                      <a:solidFill>
+                        <a:srgbClr val="FFFFFF"/>
+                      </a:solidFill>
+                      <a:prstDash val="solid"/>
+                      <a:round/>
+                      <a:headEnd type="none" w="med" len="med"/>
+                      <a:tailEnd type="none" w="med" len="med"/>
+                    </a:lnR>
+                    <a:lnT w="19050" cap="flat" cmpd="sng" algn="ctr">
+                      <a:solidFill>
+                        <a:srgbClr val="FFFFFF"/>
+                      </a:solidFill>
+                      <a:prstDash val="solid"/>
+                      <a:round/>
+                      <a:headEnd type="none" w="med" len="med"/>
+                      <a:tailEnd type="none" w="med" len="med"/>
+                    </a:lnT>
+                    <a:lnB w="19050" cap="flat" cmpd="sng" algn="ctr">
+                      <a:solidFill>
+                        <a:srgbClr val="FFFFFF"/>
+                      </a:solidFill>
+                      <a:prstDash val="solid"/>
+                      <a:round/>
+                      <a:headEnd type="none" w="med" len="med"/>
+                      <a:tailEnd type="none" w="med" len="med"/>
+                    </a:lnB>
+                    <a:solidFill>
+                      <a:srgbClr val="FFFFFF"/>
+                    </a:solidFill>
+                  </a:tcPr>
+                </a:tc>
+                <a:tc>
+                  <a:txBody>
+                    <a:bodyPr/>
+                    <a:lstStyle/>
+                    <a:p>
+                      <a:pPr algn="l"/>
+                      <a:r>
+                        <a:rPr lang="en-GB" b="1" dirty="0">
+                          <a:effectLst/>
+                          <a:latin typeface="Open Sans Light"/>
+                        </a:rPr>
+                        <a:t>Result</a:t>
+                      </a:r>
+                    </a:p>
+                  </a:txBody>
+                  <a:tcPr marL="76200" marR="76200" marT="19050" marB="38100" anchor="ctr">
+                    <a:lnL w="19050" cap="flat" cmpd="sng" algn="ctr">
+                      <a:solidFill>
+                        <a:srgbClr val="FFFFFF"/>
+                      </a:solidFill>
+                      <a:prstDash val="solid"/>
+                      <a:round/>
+                      <a:headEnd type="none" w="med" len="med"/>
+                      <a:tailEnd type="none" w="med" len="med"/>
+                    </a:lnL>
+                    <a:lnR w="19050" cap="flat" cmpd="sng" algn="ctr">
+                      <a:solidFill>
+                        <a:srgbClr val="FFFFFF"/>
+                      </a:solidFill>
+                      <a:prstDash val="solid"/>
+                      <a:round/>
+                      <a:headEnd type="none" w="med" len="med"/>
+                      <a:tailEnd type="none" w="med" len="med"/>
+                    </a:lnR>
+                    <a:lnT w="19050" cap="flat" cmpd="sng" algn="ctr">
+                      <a:solidFill>
+                        <a:srgbClr val="FFFFFF"/>
+                      </a:solidFill>
+                      <a:prstDash val="solid"/>
+                      <a:round/>
+                      <a:headEnd type="none" w="med" len="med"/>
+                      <a:tailEnd type="none" w="med" len="med"/>
+                    </a:lnT>
+                    <a:lnB w="19050" cap="flat" cmpd="sng" algn="ctr">
+                      <a:solidFill>
+                        <a:srgbClr val="FFFFFF"/>
+                      </a:solidFill>
+                      <a:prstDash val="solid"/>
+                      <a:round/>
+                      <a:headEnd type="none" w="med" len="med"/>
+                      <a:tailEnd type="none" w="med" len="med"/>
+                    </a:lnB>
+                    <a:solidFill>
+                      <a:srgbClr val="FFFFFF"/>
+                    </a:solidFill>
+                  </a:tcPr>
+                </a:tc>
+              </a:tr>
+              <a:tr h="350142">
+                <a:tc>
+                  <a:txBody>
+                    <a:bodyPr/>
+                    <a:lstStyle/>
+                    <a:p>
+                      <a:pPr algn="l"/>
+                      <a:r>
+                        <a:rPr lang="en-GB">
+                          <a:effectLst/>
+                        </a:rPr>
+                        <a:t>Undefined</a:t>
+                      </a:r>
+                    </a:p>
+                  </a:txBody>
+                  <a:tcPr marL="76200" marR="76200" marT="57150" marB="57150" anchor="ctr">
+                    <a:lnL w="19050" cap="flat" cmpd="sng" algn="ctr">
+                      <a:solidFill>
+                        <a:srgbClr val="FFFFFF"/>
+                      </a:solidFill>
+                      <a:prstDash val="solid"/>
+                      <a:round/>
+                      <a:headEnd type="none" w="med" len="med"/>
+                      <a:tailEnd type="none" w="med" len="med"/>
+                    </a:lnL>
+                    <a:lnR w="19050" cap="flat" cmpd="sng" algn="ctr">
+                      <a:solidFill>
+                        <a:srgbClr val="FFFFFF"/>
+                      </a:solidFill>
+                      <a:prstDash val="solid"/>
+                      <a:round/>
+                      <a:headEnd type="none" w="med" len="med"/>
+                      <a:tailEnd type="none" w="med" len="med"/>
+                    </a:lnR>
+                    <a:lnT w="19050" cap="flat" cmpd="sng" algn="ctr">
+                      <a:solidFill>
+                        <a:srgbClr val="FFFFFF"/>
+                      </a:solidFill>
+                      <a:prstDash val="solid"/>
+                      <a:round/>
+                      <a:headEnd type="none" w="med" len="med"/>
+                      <a:tailEnd type="none" w="med" len="med"/>
+                    </a:lnT>
+                    <a:lnB w="19050" cap="flat" cmpd="sng" algn="ctr">
+                      <a:solidFill>
+                        <a:srgbClr val="FFFFFF"/>
+                      </a:solidFill>
+                      <a:prstDash val="solid"/>
+                      <a:round/>
+                      <a:headEnd type="none" w="med" len="med"/>
+                      <a:tailEnd type="none" w="med" len="med"/>
+                    </a:lnB>
+                    <a:solidFill>
+                      <a:srgbClr val="FFFFFF"/>
+                    </a:solidFill>
+                  </a:tcPr>
+                </a:tc>
+                <a:tc>
+                  <a:txBody>
+                    <a:bodyPr/>
+                    <a:lstStyle/>
+                    <a:p>
+                      <a:pPr algn="l"/>
+                      <a:r>
+                        <a:rPr lang="en-GB" dirty="0">
+                          <a:effectLst/>
+                        </a:rPr>
+                        <a:t>"undefined"</a:t>
+                      </a:r>
+                    </a:p>
+                  </a:txBody>
+                  <a:tcPr marL="76200" marR="76200" marT="57150" marB="57150" anchor="ctr">
+                    <a:lnL w="19050" cap="flat" cmpd="sng" algn="ctr">
+                      <a:solidFill>
+                        <a:srgbClr val="FFFFFF"/>
+                      </a:solidFill>
+                      <a:prstDash val="solid"/>
+                      <a:round/>
+                      <a:headEnd type="none" w="med" len="med"/>
+                      <a:tailEnd type="none" w="med" len="med"/>
+                    </a:lnL>
+                    <a:lnR w="19050" cap="flat" cmpd="sng" algn="ctr">
+                      <a:solidFill>
+                        <a:srgbClr val="FFFFFF"/>
+                      </a:solidFill>
+                      <a:prstDash val="solid"/>
+                      <a:round/>
+                      <a:headEnd type="none" w="med" len="med"/>
+                      <a:tailEnd type="none" w="med" len="med"/>
+                    </a:lnR>
+                    <a:lnT w="19050" cap="flat" cmpd="sng" algn="ctr">
+                      <a:solidFill>
+                        <a:srgbClr val="FFFFFF"/>
+                      </a:solidFill>
+                      <a:prstDash val="solid"/>
+                      <a:round/>
+                      <a:headEnd type="none" w="med" len="med"/>
+                      <a:tailEnd type="none" w="med" len="med"/>
+                    </a:lnT>
+                    <a:lnB w="19050" cap="flat" cmpd="sng" algn="ctr">
+                      <a:solidFill>
+                        <a:srgbClr val="FFFFFF"/>
+                      </a:solidFill>
+                      <a:prstDash val="solid"/>
+                      <a:round/>
+                      <a:headEnd type="none" w="med" len="med"/>
+                      <a:tailEnd type="none" w="med" len="med"/>
+                    </a:lnB>
+                    <a:solidFill>
+                      <a:srgbClr val="FFFFFF"/>
+                    </a:solidFill>
+                  </a:tcPr>
+                </a:tc>
+              </a:tr>
+              <a:tr h="350142">
+                <a:tc>
+                  <a:txBody>
+                    <a:bodyPr/>
+                    <a:lstStyle/>
+                    <a:p>
+                      <a:pPr algn="l"/>
+                      <a:r>
+                        <a:rPr lang="en-GB" dirty="0">
+                          <a:effectLst/>
+                        </a:rPr>
+                        <a:t>Null</a:t>
+                      </a:r>
+                    </a:p>
+                  </a:txBody>
+                  <a:tcPr marL="76200" marR="76200" marT="57150" marB="57150" anchor="ctr">
+                    <a:lnL w="19050" cap="flat" cmpd="sng" algn="ctr">
+                      <a:solidFill>
+                        <a:srgbClr val="FFFFFF"/>
+                      </a:solidFill>
+                      <a:prstDash val="solid"/>
+                      <a:round/>
+                      <a:headEnd type="none" w="med" len="med"/>
+                      <a:tailEnd type="none" w="med" len="med"/>
+                    </a:lnL>
+                    <a:lnR w="19050" cap="flat" cmpd="sng" algn="ctr">
+                      <a:solidFill>
+                        <a:srgbClr val="FFFFFF"/>
+                      </a:solidFill>
+                      <a:prstDash val="solid"/>
+                      <a:round/>
+                      <a:headEnd type="none" w="med" len="med"/>
+                      <a:tailEnd type="none" w="med" len="med"/>
+                    </a:lnR>
+                    <a:lnT w="19050" cap="flat" cmpd="sng" algn="ctr">
+                      <a:solidFill>
+                        <a:srgbClr val="FFFFFF"/>
+                      </a:solidFill>
+                      <a:prstDash val="solid"/>
+                      <a:round/>
+                      <a:headEnd type="none" w="med" len="med"/>
+                      <a:tailEnd type="none" w="med" len="med"/>
+                    </a:lnT>
+                    <a:lnB w="19050" cap="flat" cmpd="sng" algn="ctr">
+                      <a:solidFill>
+                        <a:srgbClr val="FFFFFF"/>
+                      </a:solidFill>
+                      <a:prstDash val="solid"/>
+                      <a:round/>
+                      <a:headEnd type="none" w="med" len="med"/>
+                      <a:tailEnd type="none" w="med" len="med"/>
+                    </a:lnB>
+                    <a:solidFill>
+                      <a:srgbClr val="FFFFFF"/>
+                    </a:solidFill>
+                  </a:tcPr>
+                </a:tc>
+                <a:tc>
+                  <a:txBody>
+                    <a:bodyPr/>
+                    <a:lstStyle/>
+                    <a:p>
+                      <a:pPr algn="l"/>
+                      <a:r>
+                        <a:rPr lang="en-GB" dirty="0">
+                          <a:effectLst/>
+                        </a:rPr>
+                        <a:t>"object</a:t>
+                      </a:r>
+                      <a:r>
+                        <a:rPr lang="en-GB" dirty="0" smtClean="0">
+                          <a:effectLst/>
+                        </a:rPr>
+                        <a:t>"</a:t>
+                      </a:r>
+                      <a:endParaRPr lang="en-GB" dirty="0">
+                        <a:effectLst/>
+                      </a:endParaRPr>
+                    </a:p>
+                  </a:txBody>
+                  <a:tcPr marL="76200" marR="76200" marT="57150" marB="57150" anchor="ctr">
+                    <a:lnL w="19050" cap="flat" cmpd="sng" algn="ctr">
+                      <a:solidFill>
+                        <a:srgbClr val="FFFFFF"/>
+                      </a:solidFill>
+                      <a:prstDash val="solid"/>
+                      <a:round/>
+                      <a:headEnd type="none" w="med" len="med"/>
+                      <a:tailEnd type="none" w="med" len="med"/>
+                    </a:lnL>
+                    <a:lnR w="19050" cap="flat" cmpd="sng" algn="ctr">
+                      <a:solidFill>
+                        <a:srgbClr val="FFFFFF"/>
+                      </a:solidFill>
+                      <a:prstDash val="solid"/>
+                      <a:round/>
+                      <a:headEnd type="none" w="med" len="med"/>
+                      <a:tailEnd type="none" w="med" len="med"/>
+                    </a:lnR>
+                    <a:lnT w="19050" cap="flat" cmpd="sng" algn="ctr">
+                      <a:solidFill>
+                        <a:srgbClr val="FFFFFF"/>
+                      </a:solidFill>
+                      <a:prstDash val="solid"/>
+                      <a:round/>
+                      <a:headEnd type="none" w="med" len="med"/>
+                      <a:tailEnd type="none" w="med" len="med"/>
+                    </a:lnT>
+                    <a:lnB w="19050" cap="flat" cmpd="sng" algn="ctr">
+                      <a:solidFill>
+                        <a:srgbClr val="FFFFFF"/>
+                      </a:solidFill>
+                      <a:prstDash val="solid"/>
+                      <a:round/>
+                      <a:headEnd type="none" w="med" len="med"/>
+                      <a:tailEnd type="none" w="med" len="med"/>
+                    </a:lnB>
+                    <a:solidFill>
+                      <a:srgbClr val="FFFFFF"/>
+                    </a:solidFill>
+                  </a:tcPr>
+                </a:tc>
+              </a:tr>
+              <a:tr h="350142">
+                <a:tc>
+                  <a:txBody>
+                    <a:bodyPr/>
+                    <a:lstStyle/>
+                    <a:p>
+                      <a:pPr algn="l"/>
+                      <a:r>
+                        <a:rPr lang="en-GB">
+                          <a:effectLst/>
+                        </a:rPr>
+                        <a:t>Boolean</a:t>
+                      </a:r>
+                    </a:p>
+                  </a:txBody>
+                  <a:tcPr marL="76200" marR="76200" marT="57150" marB="57150" anchor="ctr">
+                    <a:lnL w="19050" cap="flat" cmpd="sng" algn="ctr">
+                      <a:solidFill>
+                        <a:srgbClr val="FFFFFF"/>
+                      </a:solidFill>
+                      <a:prstDash val="solid"/>
+                      <a:round/>
+                      <a:headEnd type="none" w="med" len="med"/>
+                      <a:tailEnd type="none" w="med" len="med"/>
+                    </a:lnL>
+                    <a:lnR w="19050" cap="flat" cmpd="sng" algn="ctr">
+                      <a:solidFill>
+                        <a:srgbClr val="FFFFFF"/>
+                      </a:solidFill>
+                      <a:prstDash val="solid"/>
+                      <a:round/>
+                      <a:headEnd type="none" w="med" len="med"/>
+                      <a:tailEnd type="none" w="med" len="med"/>
+                    </a:lnR>
+                    <a:lnT w="19050" cap="flat" cmpd="sng" algn="ctr">
+                      <a:solidFill>
+                        <a:srgbClr val="FFFFFF"/>
+                      </a:solidFill>
+                      <a:prstDash val="solid"/>
+                      <a:round/>
+                      <a:headEnd type="none" w="med" len="med"/>
+                      <a:tailEnd type="none" w="med" len="med"/>
+                    </a:lnT>
+                    <a:lnB w="19050" cap="flat" cmpd="sng" algn="ctr">
+                      <a:solidFill>
+                        <a:srgbClr val="FFFFFF"/>
+                      </a:solidFill>
+                      <a:prstDash val="solid"/>
+                      <a:round/>
+                      <a:headEnd type="none" w="med" len="med"/>
+                      <a:tailEnd type="none" w="med" len="med"/>
+                    </a:lnB>
+                    <a:solidFill>
+                      <a:srgbClr val="FFFFFF"/>
+                    </a:solidFill>
+                  </a:tcPr>
+                </a:tc>
+                <a:tc>
+                  <a:txBody>
+                    <a:bodyPr/>
+                    <a:lstStyle/>
+                    <a:p>
+                      <a:pPr algn="l"/>
+                      <a:r>
+                        <a:rPr lang="en-GB">
+                          <a:effectLst/>
+                        </a:rPr>
+                        <a:t>"boolean"</a:t>
+                      </a:r>
+                    </a:p>
+                  </a:txBody>
+                  <a:tcPr marL="76200" marR="76200" marT="57150" marB="57150" anchor="ctr">
+                    <a:lnL w="19050" cap="flat" cmpd="sng" algn="ctr">
+                      <a:solidFill>
+                        <a:srgbClr val="FFFFFF"/>
+                      </a:solidFill>
+                      <a:prstDash val="solid"/>
+                      <a:round/>
+                      <a:headEnd type="none" w="med" len="med"/>
+                      <a:tailEnd type="none" w="med" len="med"/>
+                    </a:lnL>
+                    <a:lnR w="19050" cap="flat" cmpd="sng" algn="ctr">
+                      <a:solidFill>
+                        <a:srgbClr val="FFFFFF"/>
+                      </a:solidFill>
+                      <a:prstDash val="solid"/>
+                      <a:round/>
+                      <a:headEnd type="none" w="med" len="med"/>
+                      <a:tailEnd type="none" w="med" len="med"/>
+                    </a:lnR>
+                    <a:lnT w="19050" cap="flat" cmpd="sng" algn="ctr">
+                      <a:solidFill>
+                        <a:srgbClr val="FFFFFF"/>
+                      </a:solidFill>
+                      <a:prstDash val="solid"/>
+                      <a:round/>
+                      <a:headEnd type="none" w="med" len="med"/>
+                      <a:tailEnd type="none" w="med" len="med"/>
+                    </a:lnT>
+                    <a:lnB w="19050" cap="flat" cmpd="sng" algn="ctr">
+                      <a:solidFill>
+                        <a:srgbClr val="FFFFFF"/>
+                      </a:solidFill>
+                      <a:prstDash val="solid"/>
+                      <a:round/>
+                      <a:headEnd type="none" w="med" len="med"/>
+                      <a:tailEnd type="none" w="med" len="med"/>
+                    </a:lnB>
+                    <a:solidFill>
+                      <a:srgbClr val="FFFFFF"/>
+                    </a:solidFill>
+                  </a:tcPr>
+                </a:tc>
+              </a:tr>
+              <a:tr h="350142">
+                <a:tc>
+                  <a:txBody>
+                    <a:bodyPr/>
+                    <a:lstStyle/>
+                    <a:p>
+                      <a:pPr algn="l"/>
+                      <a:r>
+                        <a:rPr lang="en-GB">
+                          <a:effectLst/>
+                        </a:rPr>
+                        <a:t>Number</a:t>
+                      </a:r>
+                    </a:p>
+                  </a:txBody>
+                  <a:tcPr marL="76200" marR="76200" marT="57150" marB="57150" anchor="ctr">
+                    <a:lnL w="19050" cap="flat" cmpd="sng" algn="ctr">
+                      <a:solidFill>
+                        <a:srgbClr val="FFFFFF"/>
+                      </a:solidFill>
+                      <a:prstDash val="solid"/>
+                      <a:round/>
+                      <a:headEnd type="none" w="med" len="med"/>
+                      <a:tailEnd type="none" w="med" len="med"/>
+                    </a:lnL>
+                    <a:lnR w="19050" cap="flat" cmpd="sng" algn="ctr">
+                      <a:solidFill>
+                        <a:srgbClr val="FFFFFF"/>
+                      </a:solidFill>
+                      <a:prstDash val="solid"/>
+                      <a:round/>
+                      <a:headEnd type="none" w="med" len="med"/>
+                      <a:tailEnd type="none" w="med" len="med"/>
+                    </a:lnR>
+                    <a:lnT w="19050" cap="flat" cmpd="sng" algn="ctr">
+                      <a:solidFill>
+                        <a:srgbClr val="FFFFFF"/>
+                      </a:solidFill>
+                      <a:prstDash val="solid"/>
+                      <a:round/>
+                      <a:headEnd type="none" w="med" len="med"/>
+                      <a:tailEnd type="none" w="med" len="med"/>
+                    </a:lnT>
+                    <a:lnB w="19050" cap="flat" cmpd="sng" algn="ctr">
+                      <a:solidFill>
+                        <a:srgbClr val="FFFFFF"/>
+                      </a:solidFill>
+                      <a:prstDash val="solid"/>
+                      <a:round/>
+                      <a:headEnd type="none" w="med" len="med"/>
+                      <a:tailEnd type="none" w="med" len="med"/>
+                    </a:lnB>
+                    <a:solidFill>
+                      <a:srgbClr val="FFFFFF"/>
+                    </a:solidFill>
+                  </a:tcPr>
+                </a:tc>
+                <a:tc>
+                  <a:txBody>
+                    <a:bodyPr/>
+                    <a:lstStyle/>
+                    <a:p>
+                      <a:pPr algn="l"/>
+                      <a:r>
+                        <a:rPr lang="en-GB">
+                          <a:effectLst/>
+                        </a:rPr>
+                        <a:t>"number"</a:t>
+                      </a:r>
+                    </a:p>
+                  </a:txBody>
+                  <a:tcPr marL="76200" marR="76200" marT="57150" marB="57150" anchor="ctr">
+                    <a:lnL w="19050" cap="flat" cmpd="sng" algn="ctr">
+                      <a:solidFill>
+                        <a:srgbClr val="FFFFFF"/>
+                      </a:solidFill>
+                      <a:prstDash val="solid"/>
+                      <a:round/>
+                      <a:headEnd type="none" w="med" len="med"/>
+                      <a:tailEnd type="none" w="med" len="med"/>
+                    </a:lnL>
+                    <a:lnR w="19050" cap="flat" cmpd="sng" algn="ctr">
+                      <a:solidFill>
+                        <a:srgbClr val="FFFFFF"/>
+                      </a:solidFill>
+                      <a:prstDash val="solid"/>
+                      <a:round/>
+                      <a:headEnd type="none" w="med" len="med"/>
+                      <a:tailEnd type="none" w="med" len="med"/>
+                    </a:lnR>
+                    <a:lnT w="19050" cap="flat" cmpd="sng" algn="ctr">
+                      <a:solidFill>
+                        <a:srgbClr val="FFFFFF"/>
+                      </a:solidFill>
+                      <a:prstDash val="solid"/>
+                      <a:round/>
+                      <a:headEnd type="none" w="med" len="med"/>
+                      <a:tailEnd type="none" w="med" len="med"/>
+                    </a:lnT>
+                    <a:lnB w="19050" cap="flat" cmpd="sng" algn="ctr">
+                      <a:solidFill>
+                        <a:srgbClr val="FFFFFF"/>
+                      </a:solidFill>
+                      <a:prstDash val="solid"/>
+                      <a:round/>
+                      <a:headEnd type="none" w="med" len="med"/>
+                      <a:tailEnd type="none" w="med" len="med"/>
+                    </a:lnB>
+                    <a:solidFill>
+                      <a:srgbClr val="FFFFFF"/>
+                    </a:solidFill>
+                  </a:tcPr>
+                </a:tc>
+              </a:tr>
+              <a:tr h="407536">
+                <a:tc>
+                  <a:txBody>
+                    <a:bodyPr/>
+                    <a:lstStyle/>
+                    <a:p>
+                      <a:pPr algn="l"/>
+                      <a:r>
+                        <a:rPr lang="en-GB" dirty="0" smtClean="0">
+                          <a:effectLst/>
+                        </a:rPr>
+                        <a:t>String</a:t>
+                      </a:r>
+                      <a:endParaRPr lang="en-GB" dirty="0">
+                        <a:effectLst/>
+                      </a:endParaRPr>
+                    </a:p>
+                  </a:txBody>
+                  <a:tcPr marL="76200" marR="76200" marT="57150" marB="57150" anchor="ctr">
+                    <a:lnL w="19050" cap="flat" cmpd="sng" algn="ctr">
+                      <a:solidFill>
+                        <a:srgbClr val="FFFFFF"/>
+                      </a:solidFill>
+                      <a:prstDash val="solid"/>
+                      <a:round/>
+                      <a:headEnd type="none" w="med" len="med"/>
+                      <a:tailEnd type="none" w="med" len="med"/>
+                    </a:lnL>
+                    <a:lnR w="19050" cap="flat" cmpd="sng" algn="ctr">
+                      <a:solidFill>
+                        <a:srgbClr val="FFFFFF"/>
+                      </a:solidFill>
+                      <a:prstDash val="solid"/>
+                      <a:round/>
+                      <a:headEnd type="none" w="med" len="med"/>
+                      <a:tailEnd type="none" w="med" len="med"/>
+                    </a:lnR>
+                    <a:lnT w="19050" cap="flat" cmpd="sng" algn="ctr">
+                      <a:solidFill>
+                        <a:srgbClr val="FFFFFF"/>
+                      </a:solidFill>
+                      <a:prstDash val="solid"/>
+                      <a:round/>
+                      <a:headEnd type="none" w="med" len="med"/>
+                      <a:tailEnd type="none" w="med" len="med"/>
+                    </a:lnT>
+                    <a:lnB w="19050" cap="flat" cmpd="sng" algn="ctr">
+                      <a:solidFill>
+                        <a:srgbClr val="FFFFFF"/>
+                      </a:solidFill>
+                      <a:prstDash val="solid"/>
+                      <a:round/>
+                      <a:headEnd type="none" w="med" len="med"/>
+                      <a:tailEnd type="none" w="med" len="med"/>
+                    </a:lnB>
+                    <a:solidFill>
+                      <a:srgbClr val="FFFFFF"/>
+                    </a:solidFill>
+                  </a:tcPr>
+                </a:tc>
+                <a:tc>
+                  <a:txBody>
+                    <a:bodyPr/>
+                    <a:lstStyle/>
+                    <a:p>
+                      <a:pPr algn="l"/>
+                      <a:r>
+                        <a:rPr lang="en-GB" dirty="0">
+                          <a:effectLst/>
+                        </a:rPr>
+                        <a:t>"string"</a:t>
+                      </a:r>
+                    </a:p>
+                  </a:txBody>
+                  <a:tcPr marL="76200" marR="76200" marT="57150" marB="57150" anchor="ctr">
+                    <a:lnL w="19050" cap="flat" cmpd="sng" algn="ctr">
+                      <a:solidFill>
+                        <a:srgbClr val="FFFFFF"/>
+                      </a:solidFill>
+                      <a:prstDash val="solid"/>
+                      <a:round/>
+                      <a:headEnd type="none" w="med" len="med"/>
+                      <a:tailEnd type="none" w="med" len="med"/>
+                    </a:lnL>
+                    <a:lnR w="19050" cap="flat" cmpd="sng" algn="ctr">
+                      <a:solidFill>
+                        <a:srgbClr val="FFFFFF"/>
+                      </a:solidFill>
+                      <a:prstDash val="solid"/>
+                      <a:round/>
+                      <a:headEnd type="none" w="med" len="med"/>
+                      <a:tailEnd type="none" w="med" len="med"/>
+                    </a:lnR>
+                    <a:lnT w="19050" cap="flat" cmpd="sng" algn="ctr">
+                      <a:solidFill>
+                        <a:srgbClr val="FFFFFF"/>
+                      </a:solidFill>
+                      <a:prstDash val="solid"/>
+                      <a:round/>
+                      <a:headEnd type="none" w="med" len="med"/>
+                      <a:tailEnd type="none" w="med" len="med"/>
+                    </a:lnT>
+                    <a:lnB w="19050" cap="flat" cmpd="sng" algn="ctr">
+                      <a:solidFill>
+                        <a:srgbClr val="FFFFFF"/>
+                      </a:solidFill>
+                      <a:prstDash val="solid"/>
+                      <a:round/>
+                      <a:headEnd type="none" w="med" len="med"/>
+                      <a:tailEnd type="none" w="med" len="med"/>
+                    </a:lnB>
+                    <a:solidFill>
+                      <a:srgbClr val="FFFFFF"/>
+                    </a:solidFill>
+                  </a:tcPr>
+                </a:tc>
+              </a:tr>
+              <a:tr h="432048">
+                <a:tc>
+                  <a:txBody>
+                    <a:bodyPr/>
+                    <a:lstStyle/>
+                    <a:p>
+                      <a:pPr algn="l"/>
+                      <a:r>
+                        <a:rPr lang="en-US" dirty="0">
+                          <a:effectLst/>
+                        </a:rPr>
+                        <a:t>Function </a:t>
+                      </a:r>
+                      <a:r>
+                        <a:rPr lang="en-US" dirty="0" smtClean="0">
+                          <a:effectLst/>
+                        </a:rPr>
+                        <a:t>object</a:t>
+                      </a:r>
+                      <a:endParaRPr lang="en-US" dirty="0">
+                        <a:effectLst/>
+                      </a:endParaRPr>
+                    </a:p>
+                  </a:txBody>
+                  <a:tcPr marL="76200" marR="76200" marT="57150" marB="57150" anchor="ctr">
+                    <a:lnL w="19050" cap="flat" cmpd="sng" algn="ctr">
+                      <a:solidFill>
+                        <a:srgbClr val="FFFFFF"/>
+                      </a:solidFill>
+                      <a:prstDash val="solid"/>
+                      <a:round/>
+                      <a:headEnd type="none" w="med" len="med"/>
+                      <a:tailEnd type="none" w="med" len="med"/>
+                    </a:lnL>
+                    <a:lnR w="19050" cap="flat" cmpd="sng" algn="ctr">
+                      <a:solidFill>
+                        <a:srgbClr val="FFFFFF"/>
+                      </a:solidFill>
+                      <a:prstDash val="solid"/>
+                      <a:round/>
+                      <a:headEnd type="none" w="med" len="med"/>
+                      <a:tailEnd type="none" w="med" len="med"/>
+                    </a:lnR>
+                    <a:lnT w="19050" cap="flat" cmpd="sng" algn="ctr">
+                      <a:solidFill>
+                        <a:srgbClr val="FFFFFF"/>
+                      </a:solidFill>
+                      <a:prstDash val="solid"/>
+                      <a:round/>
+                      <a:headEnd type="none" w="med" len="med"/>
+                      <a:tailEnd type="none" w="med" len="med"/>
+                    </a:lnT>
+                    <a:lnB w="19050" cap="flat" cmpd="sng" algn="ctr">
+                      <a:solidFill>
+                        <a:srgbClr val="FFFFFF"/>
+                      </a:solidFill>
+                      <a:prstDash val="solid"/>
+                      <a:round/>
+                      <a:headEnd type="none" w="med" len="med"/>
+                      <a:tailEnd type="none" w="med" len="med"/>
+                    </a:lnB>
+                    <a:solidFill>
+                      <a:srgbClr val="FFFFFF"/>
+                    </a:solidFill>
+                  </a:tcPr>
+                </a:tc>
+                <a:tc>
+                  <a:txBody>
+                    <a:bodyPr/>
+                    <a:lstStyle/>
+                    <a:p>
+                      <a:pPr algn="l"/>
+                      <a:r>
+                        <a:rPr lang="en-GB" dirty="0">
+                          <a:effectLst/>
+                        </a:rPr>
+                        <a:t>"function"</a:t>
+                      </a:r>
+                    </a:p>
+                  </a:txBody>
+                  <a:tcPr marL="76200" marR="76200" marT="57150" marB="57150" anchor="ctr">
+                    <a:lnL w="19050" cap="flat" cmpd="sng" algn="ctr">
+                      <a:solidFill>
+                        <a:srgbClr val="FFFFFF"/>
+                      </a:solidFill>
+                      <a:prstDash val="solid"/>
+                      <a:round/>
+                      <a:headEnd type="none" w="med" len="med"/>
+                      <a:tailEnd type="none" w="med" len="med"/>
+                    </a:lnL>
+                    <a:lnR w="19050" cap="flat" cmpd="sng" algn="ctr">
+                      <a:solidFill>
+                        <a:srgbClr val="FFFFFF"/>
+                      </a:solidFill>
+                      <a:prstDash val="solid"/>
+                      <a:round/>
+                      <a:headEnd type="none" w="med" len="med"/>
+                      <a:tailEnd type="none" w="med" len="med"/>
+                    </a:lnR>
+                    <a:lnT w="19050" cap="flat" cmpd="sng" algn="ctr">
+                      <a:solidFill>
+                        <a:srgbClr val="FFFFFF"/>
+                      </a:solidFill>
+                      <a:prstDash val="solid"/>
+                      <a:round/>
+                      <a:headEnd type="none" w="med" len="med"/>
+                      <a:tailEnd type="none" w="med" len="med"/>
+                    </a:lnT>
+                    <a:lnB w="19050" cap="flat" cmpd="sng" algn="ctr">
+                      <a:solidFill>
+                        <a:srgbClr val="FFFFFF"/>
+                      </a:solidFill>
+                      <a:prstDash val="solid"/>
+                      <a:round/>
+                      <a:headEnd type="none" w="med" len="med"/>
+                      <a:tailEnd type="none" w="med" len="med"/>
+                    </a:lnB>
+                    <a:solidFill>
+                      <a:srgbClr val="FFFFFF"/>
+                    </a:solidFill>
+                  </a:tcPr>
+                </a:tc>
+              </a:tr>
+              <a:tr h="350142">
+                <a:tc>
+                  <a:txBody>
+                    <a:bodyPr/>
+                    <a:lstStyle/>
+                    <a:p>
+                      <a:pPr algn="l"/>
+                      <a:r>
+                        <a:rPr lang="en-GB" dirty="0">
+                          <a:effectLst/>
+                        </a:rPr>
+                        <a:t>Any other object</a:t>
+                      </a:r>
+                    </a:p>
+                  </a:txBody>
+                  <a:tcPr marL="76200" marR="76200" marT="57150" marB="57150" anchor="ctr">
+                    <a:lnL w="19050" cap="flat" cmpd="sng" algn="ctr">
+                      <a:solidFill>
+                        <a:srgbClr val="FFFFFF"/>
+                      </a:solidFill>
+                      <a:prstDash val="solid"/>
+                      <a:round/>
+                      <a:headEnd type="none" w="med" len="med"/>
+                      <a:tailEnd type="none" w="med" len="med"/>
+                    </a:lnL>
+                    <a:lnR w="19050" cap="flat" cmpd="sng" algn="ctr">
+                      <a:solidFill>
+                        <a:srgbClr val="FFFFFF"/>
+                      </a:solidFill>
+                      <a:prstDash val="solid"/>
+                      <a:round/>
+                      <a:headEnd type="none" w="med" len="med"/>
+                      <a:tailEnd type="none" w="med" len="med"/>
+                    </a:lnR>
+                    <a:lnT w="19050" cap="flat" cmpd="sng" algn="ctr">
+                      <a:solidFill>
+                        <a:srgbClr val="FFFFFF"/>
+                      </a:solidFill>
+                      <a:prstDash val="solid"/>
+                      <a:round/>
+                      <a:headEnd type="none" w="med" len="med"/>
+                      <a:tailEnd type="none" w="med" len="med"/>
+                    </a:lnT>
+                    <a:lnB w="19050" cap="flat" cmpd="sng" algn="ctr">
+                      <a:solidFill>
+                        <a:srgbClr val="FFFFFF"/>
+                      </a:solidFill>
+                      <a:prstDash val="solid"/>
+                      <a:round/>
+                      <a:headEnd type="none" w="med" len="med"/>
+                      <a:tailEnd type="none" w="med" len="med"/>
+                    </a:lnB>
+                    <a:solidFill>
+                      <a:srgbClr val="FFFFFF"/>
+                    </a:solidFill>
+                  </a:tcPr>
+                </a:tc>
+                <a:tc>
+                  <a:txBody>
+                    <a:bodyPr/>
+                    <a:lstStyle/>
+                    <a:p>
+                      <a:pPr algn="l"/>
+                      <a:r>
+                        <a:rPr lang="en-GB" dirty="0">
+                          <a:effectLst/>
+                        </a:rPr>
+                        <a:t>"object"</a:t>
+                      </a:r>
+                    </a:p>
+                  </a:txBody>
+                  <a:tcPr marL="76200" marR="76200" marT="57150" marB="57150" anchor="ctr">
+                    <a:lnL w="19050" cap="flat" cmpd="sng" algn="ctr">
+                      <a:solidFill>
+                        <a:srgbClr val="FFFFFF"/>
+                      </a:solidFill>
+                      <a:prstDash val="solid"/>
+                      <a:round/>
+                      <a:headEnd type="none" w="med" len="med"/>
+                      <a:tailEnd type="none" w="med" len="med"/>
+                    </a:lnL>
+                    <a:lnR w="19050" cap="flat" cmpd="sng" algn="ctr">
+                      <a:solidFill>
+                        <a:srgbClr val="FFFFFF"/>
+                      </a:solidFill>
+                      <a:prstDash val="solid"/>
+                      <a:round/>
+                      <a:headEnd type="none" w="med" len="med"/>
+                      <a:tailEnd type="none" w="med" len="med"/>
+                    </a:lnR>
+                    <a:lnT w="19050" cap="flat" cmpd="sng" algn="ctr">
+                      <a:solidFill>
+                        <a:srgbClr val="FFFFFF"/>
+                      </a:solidFill>
+                      <a:prstDash val="solid"/>
+                      <a:round/>
+                      <a:headEnd type="none" w="med" len="med"/>
+                      <a:tailEnd type="none" w="med" len="med"/>
+                    </a:lnT>
+                    <a:lnB w="19050" cap="flat" cmpd="sng" algn="ctr">
+                      <a:solidFill>
+                        <a:srgbClr val="FFFFFF"/>
+                      </a:solidFill>
+                      <a:prstDash val="solid"/>
+                      <a:round/>
+                      <a:headEnd type="none" w="med" len="med"/>
+                      <a:tailEnd type="none" w="med" len="med"/>
+                    </a:lnB>
+                    <a:solidFill>
+                      <a:srgbClr val="FFFFFF"/>
+                    </a:solidFill>
+                  </a:tcPr>
+                </a:tc>
+              </a:tr>
+            </a:tbl>
+          </a:graphicData>
+        </a:graphic>
+      </p:graphicFrame>
     </p:spTree>
     <p:extLst>
       <p:ext uri="{BB962C8B-B14F-4D97-AF65-F5344CB8AC3E}">
@@ -5881,10 +6757,18 @@
           <a:lstStyle/>
           <a:p>
             <a:r>
-              <a:rPr lang="en-US" dirty="0" smtClean="0"/>
-              <a:t>Flow control &amp; loops</a:t>
-            </a:r>
-            <a:endParaRPr lang="en-US" dirty="0"/>
+              <a:rPr lang="en-US" b="1" dirty="0" smtClean="0"/>
+              <a:t>delete</a:t>
+            </a:r>
+            <a:r>
+              <a:rPr lang="en-US" dirty="0" smtClean="0"/>
+              <a:t>, </a:t>
+            </a:r>
+            <a:r>
+              <a:rPr lang="en-US" b="1" dirty="0" smtClean="0"/>
+              <a:t>in</a:t>
+            </a:r>
+            <a:endParaRPr lang="en-US" b="1" dirty="0"/>
           </a:p>
         </p:txBody>
       </p:sp>
@@ -5898,12 +6782,7 @@
             <p:ph idx="1"/>
           </p:nvPr>
         </p:nvSpPr>
-        <p:spPr>
-          <a:xfrm>
-            <a:off x="579438" y="1052737"/>
-            <a:ext cx="8412161" cy="5513164"/>
-          </a:xfrm>
-        </p:spPr>
+        <p:spPr/>
         <p:txBody>
           <a:bodyPr/>
           <a:lstStyle/>
@@ -5913,9 +6792,14 @@
               <a:buChar char="•"/>
             </a:pPr>
             <a:r>
-              <a:rPr lang="en-US" dirty="0" smtClean="0"/>
-              <a:t>Flow control:</a:t>
-            </a:r>
+              <a:rPr lang="en-US" b="1" dirty="0" smtClean="0"/>
+              <a:t>delete</a:t>
+            </a:r>
+            <a:r>
+              <a:rPr lang="en-US" dirty="0" smtClean="0"/>
+              <a:t> removes a property or an element from the array</a:t>
+            </a:r>
+            <a:endParaRPr lang="en-US" b="1" dirty="0" smtClean="0"/>
           </a:p>
           <a:p>
             <a:pPr marL="608013" lvl="1" indent="-342900">
@@ -5923,9 +6807,18 @@
               <a:buChar char="•"/>
             </a:pPr>
             <a:r>
-              <a:rPr lang="en-US" dirty="0" smtClean="0"/>
-              <a:t>if…else (remember == vs ===)</a:t>
-            </a:r>
+              <a:rPr lang="en-US" b="1" dirty="0" smtClean="0"/>
+              <a:t>delete</a:t>
+            </a:r>
+            <a:r>
+              <a:rPr lang="en-US" dirty="0" smtClean="0"/>
+              <a:t> </a:t>
+            </a:r>
+            <a:r>
+              <a:rPr lang="en-US" dirty="0" err="1"/>
+              <a:t>object.property</a:t>
+            </a:r>
+            <a:endParaRPr lang="en-US" dirty="0"/>
           </a:p>
           <a:p>
             <a:pPr marL="608013" lvl="1" indent="-342900">
@@ -5933,8 +6826,33 @@
               <a:buChar char="•"/>
             </a:pPr>
             <a:r>
-              <a:rPr lang="en-US" dirty="0" smtClean="0"/>
-              <a:t>switch</a:t>
+              <a:rPr lang="en-US" b="1" dirty="0"/>
+              <a:t>delete</a:t>
+            </a:r>
+            <a:r>
+              <a:rPr lang="en-US" dirty="0"/>
+              <a:t> object['property</a:t>
+            </a:r>
+            <a:r>
+              <a:rPr lang="en-US" dirty="0" smtClean="0"/>
+              <a:t>']</a:t>
+            </a:r>
+          </a:p>
+          <a:p>
+            <a:endParaRPr lang="en-US" dirty="0"/>
+          </a:p>
+          <a:p>
+            <a:pPr marL="342900" indent="-342900">
+              <a:buFont typeface="Arial" panose="020B0604020202020204" pitchFamily="34" charset="0"/>
+              <a:buChar char="•"/>
+            </a:pPr>
+            <a:r>
+              <a:rPr lang="en-US" b="1" dirty="0" smtClean="0"/>
+              <a:t>in</a:t>
+            </a:r>
+            <a:r>
+              <a:rPr lang="en-US" dirty="0" smtClean="0"/>
+              <a:t> checks if a property exists on an object, or if an element exists in an array</a:t>
             </a:r>
           </a:p>
           <a:p>
@@ -5944,7 +6862,15 @@
             </a:pPr>
             <a:r>
               <a:rPr lang="en-US" dirty="0" smtClean="0"/>
-              <a:t>?:</a:t>
+              <a:t>if (property </a:t>
+            </a:r>
+            <a:r>
+              <a:rPr lang="en-US" b="1" dirty="0" smtClean="0"/>
+              <a:t>in</a:t>
+            </a:r>
+            <a:r>
+              <a:rPr lang="en-US" dirty="0" smtClean="0"/>
+              <a:t> object)</a:t>
             </a:r>
           </a:p>
           <a:p>
@@ -5952,60 +6878,40 @@
               <a:buFont typeface="Arial" panose="020B0604020202020204" pitchFamily="34" charset="0"/>
               <a:buChar char="•"/>
             </a:pPr>
-            <a:endParaRPr lang="en-US" dirty="0" smtClean="0"/>
-          </a:p>
-          <a:p>
-            <a:pPr marL="342900" indent="-342900">
-              <a:buFont typeface="Arial" panose="020B0604020202020204" pitchFamily="34" charset="0"/>
-              <a:buChar char="•"/>
-            </a:pPr>
-            <a:r>
-              <a:rPr lang="en-US" dirty="0" smtClean="0"/>
-              <a:t>Loops: for, while, do…while</a:t>
-            </a:r>
-          </a:p>
-          <a:p>
-            <a:pPr marL="342900" indent="-342900">
-              <a:buFont typeface="Arial" panose="020B0604020202020204" pitchFamily="34" charset="0"/>
-              <a:buChar char="•"/>
-            </a:pPr>
-            <a:endParaRPr lang="en-US" dirty="0" smtClean="0"/>
-          </a:p>
-          <a:p>
-            <a:pPr marL="342900" indent="-342900">
-              <a:buFont typeface="Arial" panose="020B0604020202020204" pitchFamily="34" charset="0"/>
-              <a:buChar char="•"/>
-            </a:pPr>
-            <a:r>
-              <a:rPr lang="en-US" dirty="0" smtClean="0"/>
-              <a:t>Exception handling:</a:t>
-            </a:r>
-          </a:p>
-          <a:p>
-            <a:pPr marL="608013" lvl="1" indent="-342900">
-              <a:buFont typeface="Arial" panose="020B0604020202020204" pitchFamily="34" charset="0"/>
-              <a:buChar char="•"/>
-            </a:pPr>
-            <a:r>
-              <a:rPr lang="en-US" dirty="0" smtClean="0"/>
-              <a:t>throw, try…catch…finally</a:t>
-            </a:r>
-          </a:p>
-          <a:p>
-            <a:pPr marL="608013" lvl="1" indent="-342900">
-              <a:buFont typeface="Arial" panose="020B0604020202020204" pitchFamily="34" charset="0"/>
-              <a:buChar char="•"/>
-            </a:pPr>
+            <a:r>
+              <a:rPr lang="en-US" dirty="0" smtClean="0"/>
+              <a:t>if (item </a:t>
+            </a:r>
+            <a:r>
+              <a:rPr lang="en-US" b="1" dirty="0" smtClean="0"/>
+              <a:t>in</a:t>
+            </a:r>
+            <a:r>
+              <a:rPr lang="en-US" dirty="0" smtClean="0"/>
+              <a:t> array)</a:t>
+            </a:r>
             <a:endParaRPr lang="en-US" dirty="0"/>
           </a:p>
-          <a:p>
-            <a:pPr marL="342900" indent="-342900">
-              <a:buFont typeface="Arial" panose="020B0604020202020204" pitchFamily="34" charset="0"/>
-              <a:buChar char="•"/>
-            </a:pPr>
-            <a:r>
-              <a:rPr lang="en-US" dirty="0" smtClean="0"/>
-              <a:t>Promises (when doing asynchronous work)</a:t>
+        </p:txBody>
+      </p:sp>
+      <p:sp>
+        <p:nvSpPr>
+          <p:cNvPr id="4" name="Date Placeholder 3"/>
+          <p:cNvSpPr>
+            <a:spLocks noGrp="1"/>
+          </p:cNvSpPr>
+          <p:nvPr>
+            <p:ph type="dt" sz="half" idx="10"/>
+          </p:nvPr>
+        </p:nvSpPr>
+        <p:spPr/>
+        <p:txBody>
+          <a:bodyPr/>
+          <a:lstStyle/>
+          <a:p>
+            <a:r>
+              <a:rPr lang="en-US" dirty="0" smtClean="0"/>
+              <a:t>14. August 2015</a:t>
             </a:r>
             <a:endParaRPr lang="en-US" dirty="0"/>
           </a:p>
@@ -6013,12 +6919,12 @@
       </p:sp>
       <p:sp>
         <p:nvSpPr>
-          <p:cNvPr id="4" name="Date Placeholder 3"/>
-          <p:cNvSpPr>
-            <a:spLocks noGrp="1"/>
-          </p:cNvSpPr>
-          <p:nvPr>
-            <p:ph type="dt" sz="half" idx="10"/>
+          <p:cNvPr id="6" name="Text Placeholder 5"/>
+          <p:cNvSpPr>
+            <a:spLocks noGrp="1"/>
+          </p:cNvSpPr>
+          <p:nvPr>
+            <p:ph type="body" sz="quarter" idx="13"/>
           </p:nvPr>
         </p:nvSpPr>
         <p:spPr/>
@@ -6026,10 +6932,6 @@
           <a:bodyPr/>
           <a:lstStyle/>
           <a:p>
-            <a:r>
-              <a:rPr lang="en-US" dirty="0" smtClean="0"/>
-              <a:t>14. August 2015</a:t>
-            </a:r>
             <a:endParaRPr lang="en-US" dirty="0"/>
           </a:p>
         </p:txBody>
@@ -6155,40 +7057,8 @@
           <a:lstStyle/>
           <a:p>
             <a:r>
-              <a:rPr lang="en-US" b="1" dirty="0"/>
-              <a:t>f</a:t>
-            </a:r>
-            <a:r>
-              <a:rPr lang="en-US" b="1" dirty="0" smtClean="0"/>
-              <a:t>or</a:t>
-            </a:r>
-            <a:r>
-              <a:rPr lang="en-US" dirty="0" smtClean="0"/>
-              <a:t> vs </a:t>
-            </a:r>
-            <a:r>
               <a:rPr lang="en-US" b="1" dirty="0" err="1" smtClean="0"/>
-              <a:t>forEach</a:t>
-            </a:r>
-            <a:r>
-              <a:rPr lang="en-US" b="1" dirty="0" smtClean="0"/>
-              <a:t>()</a:t>
-            </a:r>
-            <a:r>
-              <a:rPr lang="en-US" dirty="0" smtClean="0"/>
-              <a:t> vs </a:t>
-            </a:r>
-            <a:r>
-              <a:rPr lang="en-US" b="1" dirty="0" smtClean="0"/>
-              <a:t>for</a:t>
-            </a:r>
-            <a:r>
-              <a:rPr lang="en-US" dirty="0" smtClean="0"/>
-              <a:t>-</a:t>
-            </a:r>
-            <a:r>
-              <a:rPr lang="en-US" b="1" dirty="0" smtClean="0"/>
-              <a:t>in</a:t>
+              <a:t>instanceof</a:t>
             </a:r>
             <a:endParaRPr lang="en-US" b="1" dirty="0"/>
           </a:p>
@@ -6209,79 +7079,57 @@
           <a:bodyPr/>
           <a:lstStyle/>
           <a:p>
-            <a:r>
-              <a:rPr lang="en-GB" dirty="0"/>
-              <a:t>for (</a:t>
-            </a:r>
-            <a:r>
-              <a:rPr lang="en-GB" dirty="0" err="1"/>
-              <a:t>i</a:t>
-            </a:r>
-            <a:r>
-              <a:rPr lang="en-GB" dirty="0"/>
-              <a:t> = 0; </a:t>
-            </a:r>
-            <a:r>
-              <a:rPr lang="en-GB" dirty="0" err="1"/>
-              <a:t>i</a:t>
-            </a:r>
-            <a:r>
-              <a:rPr lang="en-GB" dirty="0"/>
-              <a:t> &lt; </a:t>
-            </a:r>
-            <a:r>
-              <a:rPr lang="en-GB" dirty="0" err="1" smtClean="0"/>
-              <a:t>array.length</a:t>
-            </a:r>
-            <a:r>
-              <a:rPr lang="en-GB" dirty="0"/>
-              <a:t>; </a:t>
-            </a:r>
-            <a:r>
-              <a:rPr lang="en-GB" dirty="0" err="1"/>
-              <a:t>i</a:t>
-            </a:r>
-            <a:r>
-              <a:rPr lang="en-GB" dirty="0"/>
-              <a:t>++) { </a:t>
-            </a:r>
-            <a:r>
-              <a:rPr lang="en-GB" dirty="0"/>
-              <a:t/>
-            </a:r>
-            <a:br>
-              <a:rPr lang="en-GB" dirty="0"/>
-            </a:br>
-            <a:r>
-              <a:rPr lang="en-GB" dirty="0"/>
-              <a:t>    text += </a:t>
-            </a:r>
-            <a:r>
-              <a:rPr lang="en-GB" dirty="0" smtClean="0"/>
-              <a:t>array[</a:t>
-            </a:r>
-            <a:r>
-              <a:rPr lang="en-GB" dirty="0" err="1" smtClean="0"/>
-              <a:t>i</a:t>
-            </a:r>
-            <a:r>
-              <a:rPr lang="en-GB" dirty="0" smtClean="0"/>
-              <a:t>];</a:t>
-            </a:r>
-            <a:r>
-              <a:rPr lang="en-GB" dirty="0"/>
-              <a:t/>
-            </a:r>
-            <a:br>
-              <a:rPr lang="en-GB" dirty="0"/>
-            </a:br>
-            <a:r>
-              <a:rPr lang="en-GB" dirty="0" smtClean="0"/>
-              <a:t>}</a:t>
-            </a:r>
-          </a:p>
-          <a:p>
-            <a:endParaRPr lang="en-GB" dirty="0" smtClean="0"/>
+            <a:pPr marL="342900" indent="-342900">
+              <a:buFont typeface="Arial" panose="020B0604020202020204" pitchFamily="34" charset="0"/>
+              <a:buChar char="•"/>
+            </a:pPr>
+            <a:r>
+              <a:rPr lang="en-US" dirty="0" smtClean="0"/>
+              <a:t>Checks if an object is in the prototype chain of a constructor</a:t>
+            </a:r>
+          </a:p>
+          <a:p>
+            <a:pPr marL="342900" indent="-342900">
+              <a:buFont typeface="Arial" panose="020B0604020202020204" pitchFamily="34" charset="0"/>
+              <a:buChar char="•"/>
+            </a:pPr>
+            <a:r>
+              <a:rPr lang="en-US" dirty="0" smtClean="0"/>
+              <a:t>If an object inherits a certain (anywhere in hierarchy)</a:t>
+            </a:r>
+          </a:p>
+          <a:p>
+            <a:pPr marL="342900" indent="-342900">
+              <a:buFont typeface="Arial" panose="020B0604020202020204" pitchFamily="34" charset="0"/>
+              <a:buChar char="•"/>
+            </a:pPr>
+            <a:endParaRPr lang="en-US" dirty="0" smtClean="0"/>
+          </a:p>
+          <a:p>
+            <a:pPr marL="342900" indent="-342900">
+              <a:buFont typeface="Arial" panose="020B0604020202020204" pitchFamily="34" charset="0"/>
+              <a:buChar char="•"/>
+            </a:pPr>
+            <a:r>
+              <a:rPr lang="en-US" dirty="0" smtClean="0"/>
+              <a:t>if (object </a:t>
+            </a:r>
+            <a:r>
+              <a:rPr lang="en-US" b="1" dirty="0" err="1"/>
+              <a:t>instanceof</a:t>
+            </a:r>
+            <a:r>
+              <a:rPr lang="en-US" dirty="0"/>
+              <a:t> </a:t>
+            </a:r>
+            <a:r>
+              <a:rPr lang="en-US" dirty="0" smtClean="0"/>
+              <a:t>constructor)</a:t>
+            </a:r>
+            <a:endParaRPr lang="en-US" dirty="0" smtClean="0"/>
+          </a:p>
+          <a:p>
+            <a:endParaRPr lang="en-US" dirty="0"/>
           </a:p>
           <a:p>
             <a:pPr>
@@ -6290,32 +7138,32 @@
               </a:spcBef>
             </a:pPr>
             <a:r>
-              <a:rPr lang="en-GB" dirty="0" smtClean="0"/>
-              <a:t>array.</a:t>
-            </a:r>
-            <a:r>
-              <a:rPr lang="en-US" dirty="0" err="1" smtClean="0"/>
-              <a:t>forEach</a:t>
-            </a:r>
-            <a:r>
-              <a:rPr lang="en-US" dirty="0" smtClean="0"/>
-              <a:t>(</a:t>
-            </a:r>
-            <a:r>
-              <a:rPr lang="en-GB" dirty="0"/>
-              <a:t>function (value, index, </a:t>
-            </a:r>
-            <a:r>
-              <a:rPr lang="en-GB" dirty="0" err="1" smtClean="0"/>
-              <a:t>arr</a:t>
-            </a:r>
-            <a:r>
-              <a:rPr lang="en-GB" dirty="0" smtClean="0"/>
-              <a:t>) </a:t>
-            </a:r>
-            <a:r>
-              <a:rPr lang="en-GB" dirty="0"/>
-              <a:t>{</a:t>
+              <a:rPr lang="en-US" dirty="0" err="1"/>
+              <a:t>var</a:t>
+            </a:r>
+            <a:r>
+              <a:rPr lang="en-US" dirty="0"/>
+              <a:t> </a:t>
+            </a:r>
+            <a:r>
+              <a:rPr lang="en-US" dirty="0" err="1"/>
+              <a:t>myDate</a:t>
+            </a:r>
+            <a:r>
+              <a:rPr lang="en-US" dirty="0"/>
+              <a:t> </a:t>
+            </a:r>
+            <a:r>
+              <a:rPr lang="en-US" dirty="0" smtClean="0"/>
+              <a:t> </a:t>
+            </a:r>
+            <a:r>
+              <a:rPr lang="en-US" dirty="0"/>
+              <a:t>= new Date</a:t>
+            </a:r>
+            <a:r>
+              <a:rPr lang="en-US" dirty="0" smtClean="0"/>
+              <a:t>();</a:t>
             </a:r>
           </a:p>
           <a:p>
@@ -6325,22 +7173,29 @@
               </a:spcBef>
             </a:pPr>
             <a:r>
-              <a:rPr lang="en-GB" dirty="0"/>
+              <a:rPr lang="en-US" dirty="0" smtClean="0"/>
+              <a:t>if (</a:t>
+            </a:r>
+            <a:r>
+              <a:rPr lang="en-US" dirty="0" err="1" smtClean="0"/>
+              <a:t>myDate</a:t>
+            </a:r>
+            <a:r>
+              <a:rPr lang="en-US" dirty="0" smtClean="0"/>
               <a:t> </a:t>
             </a:r>
             <a:r>
-              <a:rPr lang="en-GB" dirty="0" smtClean="0"/>
-              <a:t>     text </a:t>
-            </a:r>
-            <a:r>
-              <a:rPr lang="en-GB" dirty="0"/>
-              <a:t>+= value</a:t>
-            </a:r>
-            <a:r>
-              <a:rPr lang="en-GB" dirty="0" smtClean="0"/>
-              <a:t>;</a:t>
-            </a:r>
-            <a:endParaRPr lang="en-GB" dirty="0"/>
+              <a:rPr lang="en-US" dirty="0" err="1"/>
+              <a:t>instanceof</a:t>
+            </a:r>
+            <a:r>
+              <a:rPr lang="en-US" dirty="0"/>
+              <a:t> </a:t>
+            </a:r>
+            <a:r>
+              <a:rPr lang="en-US" dirty="0" smtClean="0"/>
+              <a:t>Date) {</a:t>
+            </a:r>
           </a:p>
           <a:p>
             <a:pPr>
@@ -6349,13 +7204,18 @@
               </a:spcBef>
             </a:pPr>
             <a:r>
-              <a:rPr lang="en-GB" dirty="0" smtClean="0"/>
-              <a:t>}</a:t>
-            </a:r>
-            <a:r>
-              <a:rPr lang="en-US" dirty="0" smtClean="0"/>
-              <a:t>);</a:t>
-            </a:r>
+              <a:rPr lang="en-US" dirty="0"/>
+              <a:t>	</a:t>
+            </a:r>
+            <a:r>
+              <a:rPr lang="en-US" dirty="0" smtClean="0"/>
+              <a:t>// </a:t>
+            </a:r>
+            <a:r>
+              <a:rPr lang="en-US" dirty="0" smtClean="0"/>
+              <a:t>will execute</a:t>
+            </a:r>
+            <a:endParaRPr lang="en-US" dirty="0" smtClean="0"/>
           </a:p>
           <a:p>
             <a:pPr>
@@ -6363,51 +7223,16 @@
                 <a:spcPts val="0"/>
               </a:spcBef>
             </a:pPr>
+            <a:r>
+              <a:rPr lang="en-US" dirty="0"/>
+              <a:t>}</a:t>
+            </a:r>
+            <a:endParaRPr lang="en-US" dirty="0" smtClean="0"/>
+          </a:p>
+          <a:p>
             <a:endParaRPr lang="en-US" dirty="0"/>
           </a:p>
           <a:p>
-            <a:pPr>
-              <a:spcBef>
-                <a:spcPts val="0"/>
-              </a:spcBef>
-            </a:pPr>
-            <a:endParaRPr lang="en-US" dirty="0" smtClean="0"/>
-          </a:p>
-          <a:p>
-            <a:pPr marL="342900" indent="-342900">
-              <a:spcBef>
-                <a:spcPts val="0"/>
-              </a:spcBef>
-              <a:buFont typeface="Arial" panose="020B0604020202020204" pitchFamily="34" charset="0"/>
-              <a:buChar char="•"/>
-            </a:pPr>
-            <a:r>
-              <a:rPr lang="en-US" dirty="0" smtClean="0"/>
-              <a:t>for…in iterating through properties on an object</a:t>
-            </a:r>
-          </a:p>
-          <a:p>
-            <a:pPr>
-              <a:spcBef>
-                <a:spcPts val="0"/>
-              </a:spcBef>
-            </a:pPr>
-            <a:r>
-              <a:rPr lang="en-US" dirty="0"/>
-              <a:t>for </a:t>
-            </a:r>
-            <a:r>
-              <a:rPr lang="en-US" dirty="0" smtClean="0"/>
-              <a:t>(property in </a:t>
-            </a:r>
-            <a:r>
-              <a:rPr lang="en-US" dirty="0"/>
-              <a:t>object) </a:t>
-            </a:r>
-            <a:r>
-              <a:rPr lang="en-US" dirty="0" smtClean="0"/>
-              <a:t>{}</a:t>
-            </a:r>
             <a:endParaRPr lang="en-US" dirty="0"/>
           </a:p>
         </p:txBody>
@@ -6576,7 +7401,7 @@
           <a:p>
             <a:r>
               <a:rPr lang="en-US" dirty="0" smtClean="0"/>
-              <a:t>Exception handling</a:t>
+              <a:t>Flow control &amp; loops</a:t>
             </a:r>
             <a:endParaRPr lang="en-US" dirty="0"/>
           </a:p>
@@ -6594,8 +7419,8 @@
         </p:nvSpPr>
         <p:spPr>
           <a:xfrm>
-            <a:off x="579438" y="933885"/>
-            <a:ext cx="8412161" cy="5632015"/>
+            <a:off x="579438" y="1052737"/>
+            <a:ext cx="8412161" cy="5513164"/>
           </a:xfrm>
         </p:spPr>
         <p:txBody>
@@ -6603,244 +7428,109 @@
           <a:lstStyle/>
           <a:p>
             <a:pPr marL="342900" indent="-342900">
-              <a:spcBef>
-                <a:spcPts val="0"/>
-              </a:spcBef>
               <a:buFont typeface="Arial" panose="020B0604020202020204" pitchFamily="34" charset="0"/>
               <a:buChar char="•"/>
             </a:pPr>
             <a:r>
               <a:rPr lang="en-US" dirty="0" smtClean="0"/>
-              <a:t>Throw short circuits the code and “bubbles up” through code until it reaches a catch.</a:t>
-            </a:r>
-          </a:p>
-          <a:p>
-            <a:pPr marL="342900" indent="-342900">
-              <a:spcBef>
-                <a:spcPts val="0"/>
-              </a:spcBef>
+              <a:t>Flow control:</a:t>
+            </a:r>
+          </a:p>
+          <a:p>
+            <a:pPr marL="608013" lvl="1" indent="-342900">
+              <a:buFont typeface="Arial" panose="020B0604020202020204" pitchFamily="34" charset="0"/>
+              <a:buChar char="•"/>
+            </a:pPr>
+            <a:r>
+              <a:rPr lang="en-US" dirty="0" smtClean="0"/>
+              <a:t>if…else   </a:t>
+            </a:r>
+            <a:r>
+              <a:rPr lang="en-US" dirty="0" smtClean="0"/>
+              <a:t>(remember == vs ===)</a:t>
+            </a:r>
+          </a:p>
+          <a:p>
+            <a:pPr marL="608013" lvl="1" indent="-342900">
+              <a:buFont typeface="Arial" panose="020B0604020202020204" pitchFamily="34" charset="0"/>
+              <a:buChar char="•"/>
+            </a:pPr>
+            <a:r>
+              <a:rPr lang="en-US" dirty="0" smtClean="0"/>
+              <a:t>switch</a:t>
+            </a:r>
+          </a:p>
+          <a:p>
+            <a:pPr marL="608013" lvl="1" indent="-342900">
+              <a:buFont typeface="Arial" panose="020B0604020202020204" pitchFamily="34" charset="0"/>
+              <a:buChar char="•"/>
+            </a:pPr>
+            <a:r>
+              <a:rPr lang="en-US" dirty="0" smtClean="0"/>
+              <a:t>?:</a:t>
+            </a:r>
+          </a:p>
+          <a:p>
+            <a:pPr marL="608013" lvl="1" indent="-342900">
               <a:buFont typeface="Arial" panose="020B0604020202020204" pitchFamily="34" charset="0"/>
               <a:buChar char="•"/>
             </a:pPr>
             <a:endParaRPr lang="en-US" dirty="0" smtClean="0"/>
           </a:p>
           <a:p>
-            <a:pPr>
-              <a:spcBef>
-                <a:spcPts val="0"/>
-              </a:spcBef>
+            <a:pPr marL="342900" indent="-342900">
+              <a:buFont typeface="Arial" panose="020B0604020202020204" pitchFamily="34" charset="0"/>
+              <a:buChar char="•"/>
+            </a:pPr>
+            <a:r>
+              <a:rPr lang="en-US" dirty="0" smtClean="0"/>
+              <a:t>Loops: for, while, do…while</a:t>
+            </a:r>
+          </a:p>
+          <a:p>
+            <a:pPr marL="342900" indent="-342900">
+              <a:buFont typeface="Arial" panose="020B0604020202020204" pitchFamily="34" charset="0"/>
+              <a:buChar char="•"/>
             </a:pPr>
             <a:endParaRPr lang="en-US" dirty="0" smtClean="0"/>
           </a:p>
           <a:p>
-            <a:pPr>
-              <a:spcBef>
-                <a:spcPts val="0"/>
-              </a:spcBef>
+            <a:pPr marL="342900" indent="-342900">
+              <a:buFont typeface="Arial" panose="020B0604020202020204" pitchFamily="34" charset="0"/>
+              <a:buChar char="•"/>
             </a:pPr>
             <a:r>
               <a:rPr lang="en-US" dirty="0" smtClean="0"/>
-              <a:t>try </a:t>
-            </a:r>
-            <a:r>
-              <a:rPr lang="en-US" dirty="0"/>
-              <a:t>{</a:t>
-            </a:r>
-            <a:r>
-              <a:rPr lang="en-US" dirty="0"/>
-              <a:t/>
-            </a:r>
-            <a:br>
-              <a:rPr lang="en-US" dirty="0"/>
-            </a:br>
-            <a:r>
-              <a:rPr lang="en-US" dirty="0"/>
-              <a:t>    </a:t>
-            </a:r>
-            <a:r>
-              <a:rPr lang="en-US" dirty="0" smtClean="0"/>
-              <a:t>// </a:t>
-            </a:r>
-            <a:r>
-              <a:rPr lang="en-US" i="1" dirty="0" smtClean="0"/>
-              <a:t>Block </a:t>
-            </a:r>
-            <a:r>
-              <a:rPr lang="en-US" i="1" dirty="0"/>
-              <a:t>of code to </a:t>
-            </a:r>
-            <a:r>
-              <a:rPr lang="en-US" i="1" dirty="0" smtClean="0"/>
-              <a:t>try execute. Throws an error object.</a:t>
-            </a:r>
-          </a:p>
-          <a:p>
-            <a:pPr>
-              <a:spcBef>
-                <a:spcPts val="0"/>
-              </a:spcBef>
+              <a:t>Exception handling:</a:t>
+            </a:r>
+          </a:p>
+          <a:p>
+            <a:pPr marL="608013" lvl="1" indent="-342900">
+              <a:buFont typeface="Arial" panose="020B0604020202020204" pitchFamily="34" charset="0"/>
+              <a:buChar char="•"/>
             </a:pPr>
             <a:r>
               <a:rPr lang="en-US" dirty="0" smtClean="0"/>
-              <a:t>    throw </a:t>
-            </a:r>
-            <a:r>
-              <a:rPr lang="en-US" dirty="0"/>
-              <a:t>new Error(message, </a:t>
-            </a:r>
-            <a:r>
-              <a:rPr lang="en-US" dirty="0" err="1"/>
-              <a:t>fileName</a:t>
-            </a:r>
-            <a:r>
-              <a:rPr lang="en-US" dirty="0"/>
-              <a:t>, </a:t>
-            </a:r>
-            <a:r>
-              <a:rPr lang="en-US" dirty="0" err="1"/>
-              <a:t>lineNumber</a:t>
-            </a:r>
-            <a:r>
-              <a:rPr lang="en-US" dirty="0" smtClean="0"/>
-              <a:t>)</a:t>
-            </a:r>
-            <a:r>
-              <a:rPr lang="en-US" i="1" dirty="0"/>
-              <a:t/>
-            </a:r>
-            <a:br>
-              <a:rPr lang="en-US" i="1" dirty="0"/>
-            </a:br>
-            <a:r>
-              <a:rPr lang="en-US" dirty="0"/>
-              <a:t>}</a:t>
-            </a:r>
-            <a:r>
-              <a:rPr lang="en-US" dirty="0"/>
-              <a:t/>
-            </a:r>
-            <a:br>
-              <a:rPr lang="en-US" dirty="0"/>
-            </a:br>
-            <a:r>
-              <a:rPr lang="en-US" dirty="0"/>
-              <a:t>catch(err) {</a:t>
-            </a:r>
-            <a:r>
-              <a:rPr lang="en-US" dirty="0"/>
-              <a:t/>
-            </a:r>
-            <a:br>
-              <a:rPr lang="en-US" dirty="0"/>
-            </a:br>
-            <a:r>
-              <a:rPr lang="en-US" dirty="0"/>
-              <a:t>   </a:t>
-            </a:r>
-            <a:r>
-              <a:rPr lang="en-US" dirty="0" smtClean="0"/>
-              <a:t>// </a:t>
-            </a:r>
-            <a:r>
-              <a:rPr lang="en-US" i="1" dirty="0" smtClean="0"/>
-              <a:t>Block </a:t>
-            </a:r>
-            <a:r>
-              <a:rPr lang="en-US" i="1" dirty="0"/>
-              <a:t>of code to handle </a:t>
-            </a:r>
-            <a:r>
-              <a:rPr lang="en-US" i="1" dirty="0" smtClean="0"/>
-              <a:t>errors. Executes only if block in </a:t>
-            </a:r>
-            <a:r>
-              <a:rPr lang="en-US" b="1" i="1" dirty="0" smtClean="0"/>
-              <a:t>try</a:t>
-            </a:r>
-            <a:r>
-              <a:rPr lang="en-US" i="1" dirty="0" smtClean="0"/>
-              <a:t> </a:t>
-            </a:r>
-            <a:r>
-              <a:rPr lang="en-US" b="1" i="1" dirty="0" smtClean="0"/>
-              <a:t>throws</a:t>
-            </a:r>
-            <a:r>
-              <a:rPr lang="en-US" i="1" dirty="0" smtClean="0"/>
-              <a:t>.</a:t>
-            </a:r>
-            <a:r>
-              <a:rPr lang="en-US" i="1" dirty="0"/>
-              <a:t/>
-            </a:r>
-            <a:br>
-              <a:rPr lang="en-US" i="1" dirty="0"/>
-            </a:br>
-            <a:r>
-              <a:rPr lang="en-US" dirty="0" smtClean="0"/>
-              <a:t>}</a:t>
-            </a:r>
-          </a:p>
-          <a:p>
-            <a:pPr>
-              <a:spcBef>
-                <a:spcPts val="0"/>
-              </a:spcBef>
+              <a:t>throw, try…catch…finally</a:t>
+            </a:r>
+          </a:p>
+          <a:p>
+            <a:pPr marL="608013" lvl="1" indent="-342900">
+              <a:buFont typeface="Arial" panose="020B0604020202020204" pitchFamily="34" charset="0"/>
+              <a:buChar char="•"/>
             </a:pPr>
-            <a:r>
-              <a:rPr lang="en-US" dirty="0"/>
-              <a:t>finally {</a:t>
-            </a:r>
-          </a:p>
-          <a:p>
-            <a:pPr>
-              <a:spcBef>
-                <a:spcPts val="0"/>
-              </a:spcBef>
+            <a:endParaRPr lang="en-US" dirty="0"/>
+          </a:p>
+          <a:p>
+            <a:pPr marL="342900" indent="-342900">
+              <a:buFont typeface="Arial" panose="020B0604020202020204" pitchFamily="34" charset="0"/>
+              <a:buChar char="•"/>
             </a:pPr>
             <a:r>
-              <a:rPr lang="en-US" i="1" dirty="0"/>
-              <a:t>    </a:t>
-            </a:r>
-            <a:r>
-              <a:rPr lang="en-US" i="1" dirty="0" smtClean="0"/>
-              <a:t>// Block </a:t>
-            </a:r>
-            <a:r>
-              <a:rPr lang="en-US" i="1" dirty="0"/>
-              <a:t>of code to be executed regardless of the </a:t>
-            </a:r>
-            <a:r>
-              <a:rPr lang="en-US" b="1" i="1" dirty="0" smtClean="0"/>
-              <a:t>try</a:t>
-            </a:r>
-            <a:r>
-              <a:rPr lang="en-US" i="1" dirty="0" smtClean="0"/>
-              <a:t>/</a:t>
-            </a:r>
-            <a:r>
-              <a:rPr lang="en-US" b="1" i="1" dirty="0" smtClean="0"/>
-              <a:t>catch</a:t>
-            </a:r>
-            <a:r>
-              <a:rPr lang="en-US" i="1" dirty="0" smtClean="0"/>
-              <a:t> </a:t>
-            </a:r>
-            <a:r>
-              <a:rPr lang="en-US" i="1" dirty="0"/>
-              <a:t>result</a:t>
-            </a:r>
-          </a:p>
-          <a:p>
-            <a:pPr>
-              <a:spcBef>
-                <a:spcPts val="0"/>
-              </a:spcBef>
-            </a:pPr>
-            <a:r>
-              <a:rPr lang="en-US" dirty="0" smtClean="0"/>
-              <a:t>}</a:t>
-            </a:r>
+              <a:rPr lang="en-US" dirty="0" smtClean="0"/>
+              <a:t>Promises (when doing asynchronous work)</a:t>
+            </a:r>
+            <a:endParaRPr lang="en-US" dirty="0"/>
           </a:p>
         </p:txBody>
       </p:sp>
@@ -6988,10 +7678,42 @@
           <a:lstStyle/>
           <a:p>
             <a:r>
-              <a:rPr lang="en-US" dirty="0" smtClean="0"/>
-              <a:t>Scopes of variables</a:t>
-            </a:r>
-            <a:endParaRPr lang="en-US" dirty="0"/>
+              <a:rPr lang="en-US" b="1" dirty="0"/>
+              <a:t>f</a:t>
+            </a:r>
+            <a:r>
+              <a:rPr lang="en-US" b="1" dirty="0" smtClean="0"/>
+              <a:t>or</a:t>
+            </a:r>
+            <a:r>
+              <a:rPr lang="en-US" dirty="0" smtClean="0"/>
+              <a:t> vs </a:t>
+            </a:r>
+            <a:r>
+              <a:rPr lang="en-US" b="1" dirty="0" err="1" smtClean="0"/>
+              <a:t>forEach</a:t>
+            </a:r>
+            <a:r>
+              <a:rPr lang="en-US" b="1" dirty="0" smtClean="0"/>
+              <a:t>()</a:t>
+            </a:r>
+            <a:r>
+              <a:rPr lang="en-US" dirty="0" smtClean="0"/>
+              <a:t> vs </a:t>
+            </a:r>
+            <a:r>
+              <a:rPr lang="en-US" b="1" dirty="0" smtClean="0"/>
+              <a:t>for</a:t>
+            </a:r>
+            <a:r>
+              <a:rPr lang="en-US" dirty="0" smtClean="0"/>
+              <a:t>-</a:t>
+            </a:r>
+            <a:r>
+              <a:rPr lang="en-US" b="1" dirty="0" smtClean="0"/>
+              <a:t>in</a:t>
+            </a:r>
+            <a:endParaRPr lang="en-US" b="1" dirty="0"/>
           </a:p>
         </p:txBody>
       </p:sp>
@@ -7007,25 +7729,87 @@
         </p:nvSpPr>
         <p:spPr>
           <a:xfrm>
-            <a:off x="539552" y="1052736"/>
-            <a:ext cx="8412161" cy="4776787"/>
+            <a:off x="579438" y="933885"/>
+            <a:ext cx="8412161" cy="5632015"/>
           </a:xfrm>
         </p:spPr>
         <p:txBody>
           <a:bodyPr/>
           <a:lstStyle/>
           <a:p>
-            <a:pPr marL="342900" indent="-342900">
-              <a:spcAft>
-                <a:spcPts val="1800"/>
-              </a:spcAft>
-              <a:buFont typeface="Arial" panose="020B0604020202020204" pitchFamily="34" charset="0"/>
-              <a:buChar char="•"/>
-            </a:pPr>
-            <a:r>
-              <a:rPr lang="en-US" dirty="0" smtClean="0"/>
-              <a:t>Global scope is reachable everywhere.</a:t>
-            </a:r>
+            <a:r>
+              <a:rPr lang="en-GB" b="1" dirty="0"/>
+              <a:t>for</a:t>
+            </a:r>
+            <a:r>
+              <a:rPr lang="en-GB" dirty="0"/>
+              <a:t> (</a:t>
+            </a:r>
+            <a:r>
+              <a:rPr lang="en-GB" dirty="0" err="1"/>
+              <a:t>i</a:t>
+            </a:r>
+            <a:r>
+              <a:rPr lang="en-GB" dirty="0"/>
+              <a:t> = 0; </a:t>
+            </a:r>
+            <a:r>
+              <a:rPr lang="en-GB" dirty="0" err="1"/>
+              <a:t>i</a:t>
+            </a:r>
+            <a:r>
+              <a:rPr lang="en-GB" dirty="0"/>
+              <a:t> &lt; </a:t>
+            </a:r>
+            <a:r>
+              <a:rPr lang="en-GB" dirty="0" err="1" smtClean="0"/>
+              <a:t>array.length</a:t>
+            </a:r>
+            <a:r>
+              <a:rPr lang="en-GB" dirty="0"/>
+              <a:t>; </a:t>
+            </a:r>
+            <a:r>
+              <a:rPr lang="en-GB" dirty="0" err="1"/>
+              <a:t>i</a:t>
+            </a:r>
+            <a:r>
+              <a:rPr lang="en-GB" dirty="0"/>
+              <a:t>++) { </a:t>
+            </a:r>
+            <a:br>
+              <a:rPr lang="en-GB" dirty="0"/>
+            </a:br>
+            <a:r>
+              <a:rPr lang="en-GB" dirty="0"/>
+              <a:t>    text += </a:t>
+            </a:r>
+            <a:r>
+              <a:rPr lang="en-GB" dirty="0" smtClean="0"/>
+              <a:t>array[</a:t>
+            </a:r>
+            <a:r>
+              <a:rPr lang="en-GB" dirty="0" err="1" smtClean="0"/>
+              <a:t>i</a:t>
+            </a:r>
+            <a:r>
+              <a:rPr lang="en-GB" dirty="0" smtClean="0"/>
+              <a:t>];</a:t>
+            </a:r>
+            <a:r>
+              <a:rPr lang="en-GB" dirty="0"/>
+              <a:t/>
+            </a:r>
+            <a:br>
+              <a:rPr lang="en-GB" dirty="0"/>
+            </a:br>
+            <a:r>
+              <a:rPr lang="en-GB" dirty="0" smtClean="0"/>
+              <a:t>}</a:t>
+            </a:r>
+          </a:p>
+          <a:p>
+            <a:endParaRPr lang="en-GB" dirty="0" smtClean="0"/>
           </a:p>
           <a:p>
             <a:pPr>
@@ -7034,16 +7818,71 @@
               </a:spcBef>
             </a:pPr>
             <a:r>
-              <a:rPr lang="en-US" dirty="0" err="1"/>
-              <a:t>var</a:t>
-            </a:r>
-            <a:r>
-              <a:rPr lang="en-US" dirty="0"/>
-              <a:t> a = 1</a:t>
-            </a:r>
-            <a:r>
-              <a:rPr lang="en-US" dirty="0" smtClean="0"/>
+              <a:rPr lang="en-GB" dirty="0" smtClean="0"/>
+              <a:t>array.</a:t>
+            </a:r>
+            <a:r>
+              <a:rPr lang="en-US" b="1" dirty="0" err="1" smtClean="0"/>
+              <a:t>forEach</a:t>
+            </a:r>
+            <a:r>
+              <a:rPr lang="en-US" b="1" dirty="0" smtClean="0"/>
+              <a:t>(</a:t>
+            </a:r>
+            <a:r>
+              <a:rPr lang="en-GB" dirty="0"/>
+              <a:t>function (value, index, </a:t>
+            </a:r>
+            <a:r>
+              <a:rPr lang="en-GB" dirty="0" err="1" smtClean="0"/>
+              <a:t>arr</a:t>
+            </a:r>
+            <a:r>
+              <a:rPr lang="en-GB" dirty="0" smtClean="0"/>
+              <a:t>) </a:t>
+            </a:r>
+            <a:r>
+              <a:rPr lang="en-GB" dirty="0"/>
+              <a:t>{</a:t>
+            </a:r>
+          </a:p>
+          <a:p>
+            <a:pPr>
+              <a:spcBef>
+                <a:spcPts val="0"/>
+              </a:spcBef>
+            </a:pPr>
+            <a:r>
+              <a:rPr lang="en-GB" dirty="0"/>
+              <a:t> </a:t>
+            </a:r>
+            <a:r>
+              <a:rPr lang="en-GB" dirty="0" smtClean="0"/>
+              <a:t>     text </a:t>
+            </a:r>
+            <a:r>
+              <a:rPr lang="en-GB" dirty="0"/>
+              <a:t>+= value</a:t>
+            </a:r>
+            <a:r>
+              <a:rPr lang="en-GB" dirty="0" smtClean="0"/>
               <a:t>;</a:t>
+            </a:r>
+            <a:endParaRPr lang="en-GB" dirty="0"/>
+          </a:p>
+          <a:p>
+            <a:pPr>
+              <a:spcBef>
+                <a:spcPts val="0"/>
+              </a:spcBef>
+            </a:pPr>
+            <a:r>
+              <a:rPr lang="en-GB" dirty="0" smtClean="0"/>
+              <a:t>}</a:t>
+            </a:r>
+            <a:r>
+              <a:rPr lang="en-US" dirty="0" smtClean="0"/>
+              <a:t>);</a:t>
             </a:r>
           </a:p>
           <a:p>
@@ -7060,13 +7899,31 @@
                 <a:spcPts val="0"/>
               </a:spcBef>
             </a:pPr>
-            <a:r>
-              <a:rPr lang="en-US" dirty="0" smtClean="0"/>
-              <a:t>function </a:t>
-            </a:r>
-            <a:r>
-              <a:rPr lang="en-US" dirty="0"/>
-              <a:t>one() {</a:t>
+            <a:endParaRPr lang="en-US" dirty="0" smtClean="0"/>
+          </a:p>
+          <a:p>
+            <a:pPr marL="342900" indent="-342900">
+              <a:spcBef>
+                <a:spcPts val="0"/>
+              </a:spcBef>
+              <a:buFont typeface="Arial" panose="020B0604020202020204" pitchFamily="34" charset="0"/>
+              <a:buChar char="•"/>
+            </a:pPr>
+            <a:r>
+              <a:rPr lang="en-US" dirty="0" smtClean="0"/>
+              <a:t>for…in iterating through properties </a:t>
+            </a:r>
+            <a:r>
+              <a:rPr lang="en-US" dirty="0" smtClean="0"/>
+              <a:t>of </a:t>
+            </a:r>
+            <a:r>
+              <a:rPr lang="en-US" dirty="0" smtClean="0"/>
+              <a:t>an </a:t>
+            </a:r>
+            <a:r>
+              <a:rPr lang="en-US" dirty="0" smtClean="0"/>
+              <a:t>object</a:t>
             </a:r>
           </a:p>
           <a:p>
@@ -7075,10 +7932,7 @@
                 <a:spcPts val="0"/>
               </a:spcBef>
             </a:pPr>
-            <a:r>
-              <a:rPr lang="en-US" dirty="0" smtClean="0"/>
-              <a:t>     console.log(a);</a:t>
-            </a:r>
+            <a:endParaRPr lang="en-US" dirty="0" smtClean="0"/>
           </a:p>
           <a:p>
             <a:pPr>
@@ -7087,10 +7941,37 @@
               </a:spcBef>
             </a:pPr>
             <a:r>
-              <a:rPr lang="en-US" dirty="0" smtClean="0"/>
-              <a:t>     a++;</a:t>
-            </a:r>
-            <a:endParaRPr lang="en-US" dirty="0"/>
+              <a:rPr lang="en-US" b="1" dirty="0"/>
+              <a:t>for</a:t>
+            </a:r>
+            <a:r>
+              <a:rPr lang="en-US" dirty="0"/>
+              <a:t> </a:t>
+            </a:r>
+            <a:r>
+              <a:rPr lang="en-US" dirty="0" smtClean="0"/>
+              <a:t>(</a:t>
+            </a:r>
+            <a:r>
+              <a:rPr lang="en-US" dirty="0" smtClean="0"/>
+              <a:t>prop </a:t>
+            </a:r>
+            <a:r>
+              <a:rPr lang="en-US" b="1" dirty="0" smtClean="0"/>
+              <a:t>in</a:t>
+            </a:r>
+            <a:r>
+              <a:rPr lang="en-US" dirty="0" smtClean="0"/>
+              <a:t> </a:t>
+            </a:r>
+            <a:r>
+              <a:rPr lang="en-US" dirty="0"/>
+              <a:t>object) </a:t>
+            </a:r>
+            <a:r>
+              <a:rPr lang="en-US" dirty="0" smtClean="0"/>
+              <a:t>{</a:t>
+            </a:r>
           </a:p>
           <a:p>
             <a:pPr>
@@ -7099,8 +7980,16 @@
               </a:spcBef>
             </a:pPr>
             <a:r>
-              <a:rPr lang="en-US" dirty="0" smtClean="0"/>
-              <a:t>}</a:t>
+              <a:rPr lang="en-US" dirty="0"/>
+              <a:t> </a:t>
+            </a:r>
+            <a:r>
+              <a:rPr lang="en-US" dirty="0" smtClean="0"/>
+              <a:t>   console.log(prop); // outputs property </a:t>
+            </a:r>
+            <a:r>
+              <a:rPr lang="en-US" b="1" dirty="0" smtClean="0"/>
+              <a:t>name</a:t>
             </a:r>
           </a:p>
           <a:p>
@@ -7109,7 +7998,18 @@
                 <a:spcPts val="0"/>
               </a:spcBef>
             </a:pPr>
-            <a:endParaRPr lang="en-US" dirty="0"/>
+            <a:r>
+              <a:rPr lang="en-US" dirty="0"/>
+              <a:t> </a:t>
+            </a:r>
+            <a:r>
+              <a:rPr lang="en-US" dirty="0" smtClean="0"/>
+              <a:t>   console.log(object[prop]); // outputs property </a:t>
+            </a:r>
+            <a:r>
+              <a:rPr lang="en-US" b="1" dirty="0" smtClean="0"/>
+              <a:t>value</a:t>
+            </a:r>
           </a:p>
           <a:p>
             <a:pPr>
@@ -7119,60 +8019,9 @@
             </a:pPr>
             <a:r>
               <a:rPr lang="en-US" dirty="0" smtClean="0"/>
-              <a:t>Function two() {</a:t>
-            </a:r>
-          </a:p>
-          <a:p>
-            <a:pPr>
-              <a:spcBef>
-                <a:spcPts val="0"/>
-              </a:spcBef>
-            </a:pPr>
-            <a:r>
-              <a:rPr lang="en-US" dirty="0" smtClean="0"/>
-              <a:t>    console.log(a);</a:t>
-            </a:r>
-          </a:p>
-          <a:p>
-            <a:pPr>
-              <a:spcBef>
-                <a:spcPts val="0"/>
-              </a:spcBef>
-            </a:pPr>
-            <a:r>
-              <a:rPr lang="en-US" dirty="0" smtClean="0"/>
               <a:t>}</a:t>
             </a:r>
-          </a:p>
-          <a:p>
-            <a:pPr>
-              <a:spcBef>
-                <a:spcPts val="0"/>
-              </a:spcBef>
-            </a:pPr>
             <a:endParaRPr lang="en-US" dirty="0"/>
-          </a:p>
-          <a:p>
-            <a:pPr>
-              <a:spcBef>
-                <a:spcPts val="0"/>
-              </a:spcBef>
-            </a:pPr>
-            <a:r>
-              <a:rPr lang="en-US" dirty="0" smtClean="0"/>
-              <a:t>one(); // outputs 1</a:t>
-            </a:r>
-          </a:p>
-          <a:p>
-            <a:pPr>
-              <a:spcBef>
-                <a:spcPts val="0"/>
-              </a:spcBef>
-            </a:pPr>
-            <a:r>
-              <a:rPr lang="en-US" dirty="0" smtClean="0"/>
-              <a:t>two(); // outputs 2</a:t>
-            </a:r>
           </a:p>
         </p:txBody>
       </p:sp>
@@ -7320,9 +8169,656 @@
           <a:lstStyle/>
           <a:p>
             <a:r>
+              <a:rPr lang="en-US" dirty="0" smtClean="0"/>
+              <a:t>Exception handling</a:t>
+            </a:r>
+            <a:endParaRPr lang="en-US" dirty="0"/>
+          </a:p>
+        </p:txBody>
+      </p:sp>
+      <p:sp>
+        <p:nvSpPr>
+          <p:cNvPr id="3" name="Content Placeholder 2"/>
+          <p:cNvSpPr>
+            <a:spLocks noGrp="1"/>
+          </p:cNvSpPr>
+          <p:nvPr>
+            <p:ph idx="1"/>
+          </p:nvPr>
+        </p:nvSpPr>
+        <p:spPr>
+          <a:xfrm>
+            <a:off x="579438" y="933885"/>
+            <a:ext cx="8412161" cy="5632015"/>
+          </a:xfrm>
+        </p:spPr>
+        <p:txBody>
+          <a:bodyPr/>
+          <a:lstStyle/>
+          <a:p>
+            <a:pPr marL="342900" indent="-342900">
+              <a:spcBef>
+                <a:spcPts val="0"/>
+              </a:spcBef>
+              <a:buFont typeface="Arial" panose="020B0604020202020204" pitchFamily="34" charset="0"/>
+              <a:buChar char="•"/>
+            </a:pPr>
+            <a:r>
+              <a:rPr lang="en-US" dirty="0" smtClean="0"/>
+              <a:t>Throw short circuits the code and “bubbles up” through code until it reaches a catch.</a:t>
+            </a:r>
+          </a:p>
+          <a:p>
+            <a:pPr marL="342900" indent="-342900">
+              <a:spcBef>
+                <a:spcPts val="0"/>
+              </a:spcBef>
+              <a:buFont typeface="Arial" panose="020B0604020202020204" pitchFamily="34" charset="0"/>
+              <a:buChar char="•"/>
+            </a:pPr>
+            <a:endParaRPr lang="en-US" dirty="0" smtClean="0"/>
+          </a:p>
+          <a:p>
+            <a:pPr>
+              <a:spcBef>
+                <a:spcPts val="0"/>
+              </a:spcBef>
+            </a:pPr>
+            <a:endParaRPr lang="en-US" dirty="0" smtClean="0"/>
+          </a:p>
+          <a:p>
+            <a:pPr>
+              <a:spcBef>
+                <a:spcPts val="0"/>
+              </a:spcBef>
+            </a:pPr>
+            <a:r>
+              <a:rPr lang="en-US" dirty="0" smtClean="0"/>
+              <a:t>try </a:t>
+            </a:r>
+            <a:r>
               <a:rPr lang="en-US" dirty="0"/>
+              <a:t>{</a:t>
+            </a:r>
+            <a:br>
+              <a:rPr lang="en-US" dirty="0"/>
+            </a:br>
+            <a:r>
+              <a:rPr lang="en-US" dirty="0"/>
+              <a:t>    </a:t>
+            </a:r>
+            <a:r>
+              <a:rPr lang="en-US" dirty="0" smtClean="0"/>
+              <a:t>// </a:t>
+            </a:r>
+            <a:r>
+              <a:rPr lang="en-US" i="1" dirty="0" smtClean="0"/>
+              <a:t>Block </a:t>
+            </a:r>
+            <a:r>
+              <a:rPr lang="en-US" i="1" dirty="0"/>
+              <a:t>of code to </a:t>
+            </a:r>
+            <a:r>
+              <a:rPr lang="en-US" i="1" dirty="0" smtClean="0"/>
+              <a:t>try execute. Throws an error object.</a:t>
+            </a:r>
+          </a:p>
+          <a:p>
+            <a:pPr>
+              <a:spcBef>
+                <a:spcPts val="0"/>
+              </a:spcBef>
+            </a:pPr>
+            <a:r>
+              <a:rPr lang="en-US" dirty="0" smtClean="0"/>
+              <a:t>    throw </a:t>
+            </a:r>
+            <a:r>
+              <a:rPr lang="en-US" dirty="0"/>
+              <a:t>new Error(message, </a:t>
+            </a:r>
+            <a:r>
+              <a:rPr lang="en-US" dirty="0" err="1"/>
+              <a:t>fileName</a:t>
+            </a:r>
+            <a:r>
+              <a:rPr lang="en-US" dirty="0"/>
+              <a:t>, </a:t>
+            </a:r>
+            <a:r>
+              <a:rPr lang="en-US" dirty="0" err="1"/>
+              <a:t>lineNumber</a:t>
+            </a:r>
+            <a:r>
+              <a:rPr lang="en-US" dirty="0" smtClean="0"/>
+              <a:t>)</a:t>
+            </a:r>
+            <a:r>
+              <a:rPr lang="en-US" i="1" dirty="0"/>
+              <a:t/>
+            </a:r>
+            <a:br>
+              <a:rPr lang="en-US" i="1" dirty="0"/>
+            </a:br>
+            <a:r>
+              <a:rPr lang="en-US" dirty="0"/>
+              <a:t>}</a:t>
+            </a:r>
+            <a:br>
+              <a:rPr lang="en-US" dirty="0"/>
+            </a:br>
+            <a:r>
+              <a:rPr lang="en-US" dirty="0"/>
+              <a:t>catch(err) {</a:t>
+            </a:r>
+            <a:br>
+              <a:rPr lang="en-US" dirty="0"/>
+            </a:br>
+            <a:r>
+              <a:rPr lang="en-US" dirty="0"/>
+              <a:t>   </a:t>
+            </a:r>
+            <a:r>
+              <a:rPr lang="en-US" dirty="0" smtClean="0"/>
+              <a:t>// </a:t>
+            </a:r>
+            <a:r>
+              <a:rPr lang="en-US" i="1" dirty="0" smtClean="0"/>
+              <a:t>Block </a:t>
+            </a:r>
+            <a:r>
+              <a:rPr lang="en-US" i="1" dirty="0"/>
+              <a:t>of code to handle </a:t>
+            </a:r>
+            <a:r>
+              <a:rPr lang="en-US" i="1" dirty="0" smtClean="0"/>
+              <a:t>errors. Executes only if block in </a:t>
+            </a:r>
+            <a:r>
+              <a:rPr lang="en-US" b="1" i="1" dirty="0" smtClean="0"/>
+              <a:t>try</a:t>
+            </a:r>
+            <a:r>
+              <a:rPr lang="en-US" i="1" dirty="0" smtClean="0"/>
+              <a:t> </a:t>
+            </a:r>
+            <a:r>
+              <a:rPr lang="en-US" b="1" i="1" dirty="0" smtClean="0"/>
+              <a:t>throws</a:t>
+            </a:r>
+            <a:r>
+              <a:rPr lang="en-US" i="1" dirty="0" smtClean="0"/>
+              <a:t>.</a:t>
+            </a:r>
+            <a:r>
+              <a:rPr lang="en-US" i="1" dirty="0"/>
+              <a:t/>
+            </a:r>
+            <a:br>
+              <a:rPr lang="en-US" i="1" dirty="0"/>
+            </a:br>
+            <a:r>
+              <a:rPr lang="en-US" dirty="0" smtClean="0"/>
+              <a:t>}</a:t>
+            </a:r>
+          </a:p>
+          <a:p>
+            <a:pPr>
+              <a:spcBef>
+                <a:spcPts val="0"/>
+              </a:spcBef>
+            </a:pPr>
+            <a:r>
+              <a:rPr lang="en-US" dirty="0"/>
+              <a:t>finally {</a:t>
+            </a:r>
+          </a:p>
+          <a:p>
+            <a:pPr>
+              <a:spcBef>
+                <a:spcPts val="0"/>
+              </a:spcBef>
+            </a:pPr>
+            <a:r>
+              <a:rPr lang="en-US" i="1" dirty="0"/>
+              <a:t>    </a:t>
+            </a:r>
+            <a:r>
+              <a:rPr lang="en-US" i="1" dirty="0" smtClean="0"/>
+              <a:t>// Block </a:t>
+            </a:r>
+            <a:r>
+              <a:rPr lang="en-US" i="1" dirty="0"/>
+              <a:t>of code to be executed regardless of the </a:t>
+            </a:r>
+            <a:r>
+              <a:rPr lang="en-US" b="1" i="1" dirty="0" smtClean="0"/>
+              <a:t>try</a:t>
+            </a:r>
+            <a:r>
+              <a:rPr lang="en-US" i="1" dirty="0" smtClean="0"/>
+              <a:t>/</a:t>
+            </a:r>
+            <a:r>
+              <a:rPr lang="en-US" b="1" i="1" dirty="0" smtClean="0"/>
+              <a:t>catch</a:t>
+            </a:r>
+            <a:r>
+              <a:rPr lang="en-US" i="1" dirty="0" smtClean="0"/>
+              <a:t> </a:t>
+            </a:r>
+            <a:r>
+              <a:rPr lang="en-US" i="1" dirty="0"/>
+              <a:t>result</a:t>
+            </a:r>
+          </a:p>
+          <a:p>
+            <a:pPr>
+              <a:spcBef>
+                <a:spcPts val="0"/>
+              </a:spcBef>
+            </a:pPr>
+            <a:r>
+              <a:rPr lang="en-US" dirty="0" smtClean="0"/>
+              <a:t>}</a:t>
+            </a:r>
+          </a:p>
+        </p:txBody>
+      </p:sp>
+      <p:sp>
+        <p:nvSpPr>
+          <p:cNvPr id="4" name="Date Placeholder 3"/>
+          <p:cNvSpPr>
+            <a:spLocks noGrp="1"/>
+          </p:cNvSpPr>
+          <p:nvPr>
+            <p:ph type="dt" sz="half" idx="10"/>
+          </p:nvPr>
+        </p:nvSpPr>
+        <p:spPr/>
+        <p:txBody>
+          <a:bodyPr/>
+          <a:lstStyle/>
+          <a:p>
+            <a:r>
+              <a:rPr lang="en-US" dirty="0" smtClean="0"/>
+              <a:t>14. August 2015</a:t>
+            </a:r>
+            <a:endParaRPr lang="en-US" dirty="0"/>
+          </a:p>
+        </p:txBody>
+      </p:sp>
+      <p:sp>
+        <p:nvSpPr>
+          <p:cNvPr id="7" name="Footer Placeholder 6"/>
+          <p:cNvSpPr>
+            <a:spLocks noGrp="1"/>
+          </p:cNvSpPr>
+          <p:nvPr>
+            <p:ph type="ftr" sz="quarter" idx="11"/>
+          </p:nvPr>
+        </p:nvSpPr>
+        <p:spPr/>
+        <p:txBody>
+          <a:bodyPr/>
+          <a:lstStyle/>
+          <a:p>
+            <a:r>
+              <a:rPr lang="en-US" dirty="0" err="1" smtClean="0"/>
+              <a:t>Javascript</a:t>
+            </a:r>
+            <a:r>
+              <a:rPr lang="en-US" dirty="0" smtClean="0"/>
+              <a:t> Basics | </a:t>
+            </a:r>
+            <a:r>
+              <a:rPr lang="en-US" dirty="0" err="1" smtClean="0"/>
+              <a:t>nesp</a:t>
+            </a:r>
+            <a:r>
+              <a:rPr lang="en-US" dirty="0" smtClean="0"/>
+              <a:t>, </a:t>
+            </a:r>
+            <a:r>
+              <a:rPr lang="en-US" dirty="0" err="1" smtClean="0"/>
+              <a:t>stmi</a:t>
+            </a:r>
+            <a:r>
+              <a:rPr lang="en-US" dirty="0" smtClean="0"/>
+              <a:t>, </a:t>
+            </a:r>
+            <a:r>
+              <a:rPr lang="en-US" dirty="0" err="1" smtClean="0"/>
+              <a:t>mabo</a:t>
+            </a:r>
+            <a:endParaRPr lang="en-US" dirty="0"/>
+          </a:p>
+        </p:txBody>
+      </p:sp>
+      <p:sp>
+        <p:nvSpPr>
+          <p:cNvPr id="9" name="Slide Number Placeholder 8"/>
+          <p:cNvSpPr>
+            <a:spLocks noGrp="1"/>
+          </p:cNvSpPr>
+          <p:nvPr>
+            <p:ph type="sldNum" sz="quarter" idx="12"/>
+          </p:nvPr>
+        </p:nvSpPr>
+        <p:spPr/>
+        <p:txBody>
+          <a:bodyPr/>
+          <a:lstStyle/>
+          <a:p>
+            <a:r>
+              <a:rPr lang="en-GB" smtClean="0"/>
+              <a:t>Slide </a:t>
+            </a:r>
+            <a:fld id="{B945A87F-2CE4-4B6D-B6BF-F6BF6C5CB292}" type="slidenum">
+              <a:rPr smtClean="0"/>
+              <a:pPr/>
+              <a:t>15</a:t>
+            </a:fld>
+            <a:endParaRPr dirty="0"/>
+          </a:p>
+        </p:txBody>
+      </p:sp>
+    </p:spTree>
+    <p:extLst>
+      <p:ext uri="{BB962C8B-B14F-4D97-AF65-F5344CB8AC3E}">
+        <p14:creationId xmlns:p14="http://schemas.microsoft.com/office/powerpoint/2010/main" val="2884851122"/>
+      </p:ext>
+    </p:extLst>
+  </p:cSld>
+  <p:clrMapOvr>
+    <a:masterClrMapping/>
+  </p:clrMapOvr>
+</p:sld>
+</file>
+
+<file path=ppt/slides/slide16.xml><?xml version="1.0" encoding="utf-8"?>
+<p:sld xmlns:a="http://schemas.openxmlformats.org/drawingml/2006/main" xmlns:r="http://schemas.openxmlformats.org/officeDocument/2006/relationships" xmlns:p="http://schemas.openxmlformats.org/presentationml/2006/main">
+  <p:cSld>
+    <p:spTree>
+      <p:nvGrpSpPr>
+        <p:cNvPr id="1" name=""/>
+        <p:cNvGrpSpPr/>
+        <p:nvPr/>
+      </p:nvGrpSpPr>
+      <p:grpSpPr>
+        <a:xfrm>
+          <a:off x="0" y="0"/>
+          <a:ext cx="0" cy="0"/>
+          <a:chOff x="0" y="0"/>
+          <a:chExt cx="0" cy="0"/>
+        </a:xfrm>
+      </p:grpSpPr>
+      <p:sp>
+        <p:nvSpPr>
+          <p:cNvPr id="2" name="Title 1"/>
+          <p:cNvSpPr>
+            <a:spLocks noGrp="1"/>
+          </p:cNvSpPr>
+          <p:nvPr>
+            <p:ph type="title"/>
+          </p:nvPr>
+        </p:nvSpPr>
+        <p:spPr/>
+        <p:txBody>
+          <a:bodyPr/>
+          <a:lstStyle/>
+          <a:p>
+            <a:r>
+              <a:rPr lang="en-US" dirty="0" smtClean="0"/>
+              <a:t>Exception handling</a:t>
+            </a:r>
+            <a:endParaRPr lang="en-US" dirty="0"/>
+          </a:p>
+        </p:txBody>
+      </p:sp>
+      <p:sp>
+        <p:nvSpPr>
+          <p:cNvPr id="3" name="Content Placeholder 2"/>
+          <p:cNvSpPr>
+            <a:spLocks noGrp="1"/>
+          </p:cNvSpPr>
+          <p:nvPr>
+            <p:ph idx="1"/>
+          </p:nvPr>
+        </p:nvSpPr>
+        <p:spPr/>
+        <p:txBody>
+          <a:bodyPr/>
+          <a:lstStyle/>
+          <a:p>
+            <a:pPr marL="342900" indent="-342900">
+              <a:buFont typeface="Arial" panose="020B0604020202020204" pitchFamily="34" charset="0"/>
+              <a:buChar char="•"/>
+            </a:pPr>
+            <a:r>
+              <a:rPr lang="en-US" dirty="0" smtClean="0"/>
+              <a:t>Handle </a:t>
+            </a:r>
+            <a:r>
+              <a:rPr lang="en-US" b="1" dirty="0" smtClean="0"/>
+              <a:t>all</a:t>
+            </a:r>
+            <a:r>
+              <a:rPr lang="en-US" dirty="0" smtClean="0"/>
+              <a:t> exceptions that may occur and influence users workflow</a:t>
+            </a:r>
+          </a:p>
+          <a:p>
+            <a:pPr marL="342900" indent="-342900">
+              <a:buFont typeface="Arial" panose="020B0604020202020204" pitchFamily="34" charset="0"/>
+              <a:buChar char="•"/>
+            </a:pPr>
+            <a:r>
+              <a:rPr lang="en-US" dirty="0" smtClean="0"/>
+              <a:t>Do not use exceptions for non-exceptional control flow</a:t>
+            </a:r>
+          </a:p>
+          <a:p>
+            <a:pPr marL="342900" indent="-342900">
+              <a:buFont typeface="Arial" panose="020B0604020202020204" pitchFamily="34" charset="0"/>
+              <a:buChar char="•"/>
+            </a:pPr>
+            <a:endParaRPr lang="en-US" dirty="0"/>
+          </a:p>
+          <a:p>
+            <a:pPr marL="342900" indent="-342900">
+              <a:buFont typeface="Arial" panose="020B0604020202020204" pitchFamily="34" charset="0"/>
+              <a:buChar char="•"/>
+            </a:pPr>
+            <a:r>
+              <a:rPr lang="en-US" dirty="0" smtClean="0"/>
+              <a:t>Prefer exceptions to error codes (e.g. -1, false, 0x3343…)</a:t>
+            </a:r>
+          </a:p>
+          <a:p>
+            <a:pPr marL="342900" indent="-342900">
+              <a:buFont typeface="Arial" panose="020B0604020202020204" pitchFamily="34" charset="0"/>
+              <a:buChar char="•"/>
+            </a:pPr>
+            <a:r>
+              <a:rPr lang="en-US" dirty="0" smtClean="0"/>
+              <a:t>Create own exception type</a:t>
+            </a:r>
+          </a:p>
+        </p:txBody>
+      </p:sp>
+      <p:sp>
+        <p:nvSpPr>
+          <p:cNvPr id="4" name="Date Placeholder 3"/>
+          <p:cNvSpPr>
+            <a:spLocks noGrp="1"/>
+          </p:cNvSpPr>
+          <p:nvPr>
+            <p:ph type="dt" sz="half" idx="10"/>
+          </p:nvPr>
+        </p:nvSpPr>
+        <p:spPr/>
+        <p:txBody>
+          <a:bodyPr/>
+          <a:lstStyle/>
+          <a:p>
+            <a:r>
+              <a:rPr lang="en-US" dirty="0" smtClean="0"/>
+              <a:t>14. August 2015</a:t>
+            </a:r>
+            <a:endParaRPr lang="en-US" dirty="0"/>
+          </a:p>
+        </p:txBody>
+      </p:sp>
+      <p:sp>
+        <p:nvSpPr>
+          <p:cNvPr id="6" name="Text Placeholder 5"/>
+          <p:cNvSpPr>
+            <a:spLocks noGrp="1"/>
+          </p:cNvSpPr>
+          <p:nvPr>
+            <p:ph type="body" sz="quarter" idx="13"/>
+          </p:nvPr>
+        </p:nvSpPr>
+        <p:spPr/>
+        <p:txBody>
+          <a:bodyPr/>
+          <a:lstStyle/>
+          <a:p>
+            <a:r>
+              <a:rPr lang="en-US" dirty="0" smtClean="0"/>
+              <a:t>Best practices</a:t>
+            </a:r>
+            <a:endParaRPr lang="en-US" dirty="0"/>
+          </a:p>
+        </p:txBody>
+      </p:sp>
+      <p:sp>
+        <p:nvSpPr>
+          <p:cNvPr id="7" name="Footer Placeholder 6"/>
+          <p:cNvSpPr>
+            <a:spLocks noGrp="1"/>
+          </p:cNvSpPr>
+          <p:nvPr>
+            <p:ph type="ftr" sz="quarter" idx="11"/>
+          </p:nvPr>
+        </p:nvSpPr>
+        <p:spPr/>
+        <p:txBody>
+          <a:bodyPr/>
+          <a:lstStyle/>
+          <a:p>
+            <a:r>
+              <a:rPr lang="en-US" dirty="0" err="1" smtClean="0"/>
+              <a:t>Javascript</a:t>
+            </a:r>
+            <a:r>
+              <a:rPr lang="en-US" dirty="0" smtClean="0"/>
+              <a:t> Basics | </a:t>
+            </a:r>
+            <a:r>
+              <a:rPr lang="en-US" dirty="0" err="1" smtClean="0"/>
+              <a:t>nesp</a:t>
+            </a:r>
+            <a:r>
+              <a:rPr lang="en-US" dirty="0" smtClean="0"/>
+              <a:t>, </a:t>
+            </a:r>
+            <a:r>
+              <a:rPr lang="en-US" dirty="0" err="1" smtClean="0"/>
+              <a:t>stmi</a:t>
+            </a:r>
+            <a:r>
+              <a:rPr lang="en-US" dirty="0" smtClean="0"/>
+              <a:t>, </a:t>
+            </a:r>
+            <a:r>
+              <a:rPr lang="en-US" dirty="0" err="1" smtClean="0"/>
+              <a:t>mabo</a:t>
+            </a:r>
+            <a:endParaRPr lang="en-US" dirty="0"/>
+          </a:p>
+        </p:txBody>
+      </p:sp>
+      <p:sp>
+        <p:nvSpPr>
+          <p:cNvPr id="9" name="Slide Number Placeholder 8"/>
+          <p:cNvSpPr>
+            <a:spLocks noGrp="1"/>
+          </p:cNvSpPr>
+          <p:nvPr>
+            <p:ph type="sldNum" sz="quarter" idx="12"/>
+          </p:nvPr>
+        </p:nvSpPr>
+        <p:spPr/>
+        <p:txBody>
+          <a:bodyPr/>
+          <a:lstStyle/>
+          <a:p>
+            <a:r>
+              <a:rPr lang="en-GB" smtClean="0"/>
+              <a:t>Slide </a:t>
+            </a:r>
+            <a:fld id="{B945A87F-2CE4-4B6D-B6BF-F6BF6C5CB292}" type="slidenum">
+              <a:rPr smtClean="0"/>
+              <a:pPr/>
+              <a:t>16</a:t>
+            </a:fld>
+            <a:endParaRPr dirty="0"/>
+          </a:p>
+        </p:txBody>
+      </p:sp>
+    </p:spTree>
+    <p:extLst>
+      <p:ext uri="{BB962C8B-B14F-4D97-AF65-F5344CB8AC3E}">
+        <p14:creationId xmlns:p14="http://schemas.microsoft.com/office/powerpoint/2010/main" val="2884851122"/>
+      </p:ext>
+    </p:extLst>
+  </p:cSld>
+  <p:clrMapOvr>
+    <a:masterClrMapping/>
+  </p:clrMapOvr>
+</p:sld>
+</file>
+
+<file path=ppt/slides/slide17.xml><?xml version="1.0" encoding="utf-8"?>
+<p:sld xmlns:a="http://schemas.openxmlformats.org/drawingml/2006/main" xmlns:r="http://schemas.openxmlformats.org/officeDocument/2006/relationships" xmlns:p="http://schemas.openxmlformats.org/presentationml/2006/main">
+  <p:cSld>
+    <p:spTree>
+      <p:nvGrpSpPr>
+        <p:cNvPr id="1" name=""/>
+        <p:cNvGrpSpPr/>
+        <p:nvPr/>
+      </p:nvGrpSpPr>
+      <p:grpSpPr>
+        <a:xfrm>
+          <a:off x="0" y="0"/>
+          <a:ext cx="0" cy="0"/>
+          <a:chOff x="0" y="0"/>
+          <a:chExt cx="0" cy="0"/>
+        </a:xfrm>
+      </p:grpSpPr>
+      <p:sp>
+        <p:nvSpPr>
+          <p:cNvPr id="2" name="Title 1"/>
+          <p:cNvSpPr>
+            <a:spLocks noGrp="1"/>
+          </p:cNvSpPr>
+          <p:nvPr>
+            <p:ph type="title"/>
+          </p:nvPr>
+        </p:nvSpPr>
+        <p:spPr/>
+        <p:txBody>
+          <a:bodyPr/>
+          <a:lstStyle/>
+          <a:p>
+            <a:r>
+              <a:rPr lang="en-US" dirty="0" smtClean="0"/>
               <a:t>Scopes of variables</a:t>
             </a:r>
+            <a:endParaRPr lang="en-US" dirty="0"/>
           </a:p>
         </p:txBody>
       </p:sp>
@@ -7336,7 +8832,12 @@
             <p:ph idx="1"/>
           </p:nvPr>
         </p:nvSpPr>
-        <p:spPr/>
+        <p:spPr>
+          <a:xfrm>
+            <a:off x="539552" y="1052736"/>
+            <a:ext cx="8412161" cy="4776787"/>
+          </a:xfrm>
+        </p:spPr>
         <p:txBody>
           <a:bodyPr/>
           <a:lstStyle/>
@@ -7350,25 +8851,348 @@
             </a:pPr>
             <a:r>
               <a:rPr lang="en-US" dirty="0" smtClean="0"/>
-              <a:t>Local is </a:t>
+              <a:t>Global scope is reachable everywhere.</a:t>
+            </a:r>
+          </a:p>
+          <a:p>
+            <a:pPr>
+              <a:spcBef>
+                <a:spcPts val="0"/>
+              </a:spcBef>
+            </a:pPr>
+            <a:r>
+              <a:rPr lang="en-US" dirty="0" err="1"/>
+              <a:t>var</a:t>
             </a:r>
             <a:r>
               <a:rPr lang="en-US" dirty="0"/>
-              <a:t>reachable</a:t>
-            </a:r>
-            <a:r>
-              <a:rPr lang="en-US" dirty="0" smtClean="0"/>
-              <a:t> (only </a:t>
+              <a:t> a = 1</a:t>
+            </a:r>
+            <a:r>
+              <a:rPr lang="en-US" dirty="0" smtClean="0"/>
+              <a:t>;</a:t>
+            </a:r>
+          </a:p>
+          <a:p>
+            <a:pPr>
+              <a:spcBef>
+                <a:spcPts val="0"/>
+              </a:spcBef>
+            </a:pPr>
+            <a:endParaRPr lang="en-US" dirty="0"/>
+          </a:p>
+          <a:p>
+            <a:pPr>
+              <a:spcBef>
+                <a:spcPts val="0"/>
+              </a:spcBef>
+            </a:pPr>
+            <a:r>
+              <a:rPr lang="en-US" dirty="0" smtClean="0"/>
+              <a:t>function </a:t>
             </a:r>
             <a:r>
               <a:rPr lang="en-US" dirty="0"/>
-              <a:t>in a function</a:t>
-            </a:r>
-            <a:r>
-              <a:rPr lang="en-US" dirty="0" smtClean="0"/>
-              <a:t>):</a:t>
-            </a:r>
-          </a:p>
+              <a:t>one() {</a:t>
+            </a:r>
+          </a:p>
+          <a:p>
+            <a:pPr>
+              <a:spcBef>
+                <a:spcPts val="0"/>
+              </a:spcBef>
+            </a:pPr>
+            <a:r>
+              <a:rPr lang="en-US" dirty="0" smtClean="0"/>
+              <a:t>     console.log(a);</a:t>
+            </a:r>
+          </a:p>
+          <a:p>
+            <a:pPr>
+              <a:spcBef>
+                <a:spcPts val="0"/>
+              </a:spcBef>
+            </a:pPr>
+            <a:r>
+              <a:rPr lang="en-US" dirty="0" smtClean="0"/>
+              <a:t>     a++;</a:t>
+            </a:r>
+            <a:endParaRPr lang="en-US" dirty="0"/>
+          </a:p>
+          <a:p>
+            <a:pPr>
+              <a:spcBef>
+                <a:spcPts val="0"/>
+              </a:spcBef>
+            </a:pPr>
+            <a:r>
+              <a:rPr lang="en-US" dirty="0" smtClean="0"/>
+              <a:t>}</a:t>
+            </a:r>
+          </a:p>
+          <a:p>
+            <a:pPr>
+              <a:spcBef>
+                <a:spcPts val="0"/>
+              </a:spcBef>
+            </a:pPr>
+            <a:endParaRPr lang="en-US" dirty="0"/>
+          </a:p>
+          <a:p>
+            <a:pPr>
+              <a:spcBef>
+                <a:spcPts val="0"/>
+              </a:spcBef>
+            </a:pPr>
+            <a:r>
+              <a:rPr lang="en-US" dirty="0" smtClean="0"/>
+              <a:t>Function two() {</a:t>
+            </a:r>
+          </a:p>
+          <a:p>
+            <a:pPr>
+              <a:spcBef>
+                <a:spcPts val="0"/>
+              </a:spcBef>
+            </a:pPr>
+            <a:r>
+              <a:rPr lang="en-US" dirty="0" smtClean="0"/>
+              <a:t>    console.log(a);</a:t>
+            </a:r>
+          </a:p>
+          <a:p>
+            <a:pPr>
+              <a:spcBef>
+                <a:spcPts val="0"/>
+              </a:spcBef>
+            </a:pPr>
+            <a:r>
+              <a:rPr lang="en-US" dirty="0" smtClean="0"/>
+              <a:t>}</a:t>
+            </a:r>
+          </a:p>
+          <a:p>
+            <a:pPr>
+              <a:spcBef>
+                <a:spcPts val="0"/>
+              </a:spcBef>
+            </a:pPr>
+            <a:endParaRPr lang="en-US" dirty="0"/>
+          </a:p>
+          <a:p>
+            <a:pPr>
+              <a:spcBef>
+                <a:spcPts val="0"/>
+              </a:spcBef>
+            </a:pPr>
+            <a:r>
+              <a:rPr lang="en-US" dirty="0" smtClean="0"/>
+              <a:t>one(); // outputs 1</a:t>
+            </a:r>
+          </a:p>
+          <a:p>
+            <a:pPr>
+              <a:spcBef>
+                <a:spcPts val="0"/>
+              </a:spcBef>
+            </a:pPr>
+            <a:r>
+              <a:rPr lang="en-US" dirty="0" smtClean="0"/>
+              <a:t>two(); // outputs </a:t>
+            </a:r>
+            <a:r>
+              <a:rPr lang="en-US" dirty="0" smtClean="0"/>
+              <a:t>2</a:t>
+            </a:r>
+          </a:p>
+          <a:p>
+            <a:pPr>
+              <a:spcBef>
+                <a:spcPts val="0"/>
+              </a:spcBef>
+            </a:pPr>
+            <a:endParaRPr lang="en-US" dirty="0"/>
+          </a:p>
+          <a:p>
+            <a:pPr marL="342900" indent="-342900">
+              <a:spcBef>
+                <a:spcPts val="0"/>
+              </a:spcBef>
+              <a:buFont typeface="Arial" panose="020B0604020202020204" pitchFamily="34" charset="0"/>
+              <a:buChar char="•"/>
+            </a:pPr>
+            <a:r>
+              <a:rPr lang="en-US" b="1" u="sng" dirty="0" smtClean="0"/>
+              <a:t>Try to avoid global scope completely!</a:t>
+            </a:r>
+            <a:endParaRPr lang="en-US" b="1" u="sng" dirty="0" smtClean="0"/>
+          </a:p>
+        </p:txBody>
+      </p:sp>
+      <p:sp>
+        <p:nvSpPr>
+          <p:cNvPr id="4" name="Date Placeholder 3"/>
+          <p:cNvSpPr>
+            <a:spLocks noGrp="1"/>
+          </p:cNvSpPr>
+          <p:nvPr>
+            <p:ph type="dt" sz="half" idx="10"/>
+          </p:nvPr>
+        </p:nvSpPr>
+        <p:spPr/>
+        <p:txBody>
+          <a:bodyPr/>
+          <a:lstStyle/>
+          <a:p>
+            <a:r>
+              <a:rPr lang="en-US" dirty="0" smtClean="0"/>
+              <a:t>14. August 2015</a:t>
+            </a:r>
+            <a:endParaRPr lang="en-US" dirty="0"/>
+          </a:p>
+        </p:txBody>
+      </p:sp>
+      <p:sp>
+        <p:nvSpPr>
+          <p:cNvPr id="7" name="Footer Placeholder 6"/>
+          <p:cNvSpPr>
+            <a:spLocks noGrp="1"/>
+          </p:cNvSpPr>
+          <p:nvPr>
+            <p:ph type="ftr" sz="quarter" idx="11"/>
+          </p:nvPr>
+        </p:nvSpPr>
+        <p:spPr/>
+        <p:txBody>
+          <a:bodyPr/>
+          <a:lstStyle/>
+          <a:p>
+            <a:r>
+              <a:rPr lang="en-US" dirty="0" err="1" smtClean="0"/>
+              <a:t>Javascript</a:t>
+            </a:r>
+            <a:r>
+              <a:rPr lang="en-US" dirty="0" smtClean="0"/>
+              <a:t> Basics | </a:t>
+            </a:r>
+            <a:r>
+              <a:rPr lang="en-US" dirty="0" err="1" smtClean="0"/>
+              <a:t>nesp</a:t>
+            </a:r>
+            <a:r>
+              <a:rPr lang="en-US" dirty="0" smtClean="0"/>
+              <a:t>, </a:t>
+            </a:r>
+            <a:r>
+              <a:rPr lang="en-US" dirty="0" err="1" smtClean="0"/>
+              <a:t>stmi</a:t>
+            </a:r>
+            <a:r>
+              <a:rPr lang="en-US" dirty="0" smtClean="0"/>
+              <a:t>, </a:t>
+            </a:r>
+            <a:r>
+              <a:rPr lang="en-US" dirty="0" err="1" smtClean="0"/>
+              <a:t>mabo</a:t>
+            </a:r>
+            <a:endParaRPr lang="en-US" dirty="0"/>
+          </a:p>
+        </p:txBody>
+      </p:sp>
+      <p:sp>
+        <p:nvSpPr>
+          <p:cNvPr id="9" name="Slide Number Placeholder 8"/>
+          <p:cNvSpPr>
+            <a:spLocks noGrp="1"/>
+          </p:cNvSpPr>
+          <p:nvPr>
+            <p:ph type="sldNum" sz="quarter" idx="12"/>
+          </p:nvPr>
+        </p:nvSpPr>
+        <p:spPr/>
+        <p:txBody>
+          <a:bodyPr/>
+          <a:lstStyle/>
+          <a:p>
+            <a:r>
+              <a:rPr lang="en-GB" smtClean="0"/>
+              <a:t>Slide </a:t>
+            </a:r>
+            <a:fld id="{B945A87F-2CE4-4B6D-B6BF-F6BF6C5CB292}" type="slidenum">
+              <a:rPr smtClean="0"/>
+              <a:pPr/>
+              <a:t>17</a:t>
+            </a:fld>
+            <a:endParaRPr dirty="0"/>
+          </a:p>
+        </p:txBody>
+      </p:sp>
+    </p:spTree>
+    <p:extLst>
+      <p:ext uri="{BB962C8B-B14F-4D97-AF65-F5344CB8AC3E}">
+        <p14:creationId xmlns:p14="http://schemas.microsoft.com/office/powerpoint/2010/main" val="2884851122"/>
+      </p:ext>
+    </p:extLst>
+  </p:cSld>
+  <p:clrMapOvr>
+    <a:masterClrMapping/>
+  </p:clrMapOvr>
+</p:sld>
+</file>
+
+<file path=ppt/slides/slide18.xml><?xml version="1.0" encoding="utf-8"?>
+<p:sld xmlns:a="http://schemas.openxmlformats.org/drawingml/2006/main" xmlns:r="http://schemas.openxmlformats.org/officeDocument/2006/relationships" xmlns:p="http://schemas.openxmlformats.org/presentationml/2006/main">
+  <p:cSld>
+    <p:spTree>
+      <p:nvGrpSpPr>
+        <p:cNvPr id="1" name=""/>
+        <p:cNvGrpSpPr/>
+        <p:nvPr/>
+      </p:nvGrpSpPr>
+      <p:grpSpPr>
+        <a:xfrm>
+          <a:off x="0" y="0"/>
+          <a:ext cx="0" cy="0"/>
+          <a:chOff x="0" y="0"/>
+          <a:chExt cx="0" cy="0"/>
+        </a:xfrm>
+      </p:grpSpPr>
+      <p:sp>
+        <p:nvSpPr>
+          <p:cNvPr id="2" name="Title 1"/>
+          <p:cNvSpPr>
+            <a:spLocks noGrp="1"/>
+          </p:cNvSpPr>
+          <p:nvPr>
+            <p:ph type="title"/>
+          </p:nvPr>
+        </p:nvSpPr>
+        <p:spPr/>
+        <p:txBody>
+          <a:bodyPr/>
+          <a:lstStyle/>
+          <a:p>
+            <a:r>
+              <a:rPr lang="en-US" dirty="0"/>
+              <a:t>Scopes of variables</a:t>
+            </a:r>
+          </a:p>
+        </p:txBody>
+      </p:sp>
+      <p:sp>
+        <p:nvSpPr>
+          <p:cNvPr id="3" name="Content Placeholder 2"/>
+          <p:cNvSpPr>
+            <a:spLocks noGrp="1"/>
+          </p:cNvSpPr>
+          <p:nvPr>
+            <p:ph idx="1"/>
+          </p:nvPr>
+        </p:nvSpPr>
+        <p:spPr/>
+        <p:txBody>
+          <a:bodyPr/>
+          <a:lstStyle/>
           <a:p>
             <a:pPr marL="342900" indent="-342900">
               <a:spcAft>
@@ -7379,8 +9203,70 @@
             </a:pPr>
             <a:r>
               <a:rPr lang="en-US" dirty="0" smtClean="0"/>
-              <a:t>Hides a global variable if it has the same name.</a:t>
-            </a:r>
+              <a:t>Local scope </a:t>
+            </a:r>
+            <a:r>
+              <a:rPr lang="en-US" dirty="0" smtClean="0"/>
+              <a:t>is </a:t>
+            </a:r>
+            <a:r>
+              <a:rPr lang="en-US" dirty="0"/>
+              <a:t>reachable</a:t>
+            </a:r>
+            <a:r>
+              <a:rPr lang="en-US" dirty="0" smtClean="0"/>
+              <a:t> </a:t>
+            </a:r>
+            <a:r>
+              <a:rPr lang="en-US" dirty="0" smtClean="0"/>
+              <a:t>only </a:t>
+            </a:r>
+            <a:r>
+              <a:rPr lang="en-US" dirty="0"/>
+              <a:t>in a </a:t>
+            </a:r>
+            <a:r>
+              <a:rPr lang="en-US" dirty="0" smtClean="0"/>
+              <a:t>function (&amp; an object).</a:t>
+            </a:r>
+            <a:endParaRPr lang="en-US" dirty="0" smtClean="0"/>
+          </a:p>
+          <a:p>
+            <a:pPr marL="342900" indent="-342900">
+              <a:spcAft>
+                <a:spcPts val="1800"/>
+              </a:spcAft>
+              <a:buFont typeface="Arial" panose="020B0604020202020204" pitchFamily="34" charset="0"/>
+              <a:buChar char="•"/>
+            </a:pPr>
+            <a:r>
+              <a:rPr lang="en-US" dirty="0" smtClean="0"/>
+              <a:t>Hides a global variable if it has the same name</a:t>
+            </a:r>
+            <a:r>
+              <a:rPr lang="en-US" dirty="0" smtClean="0"/>
+              <a:t>.</a:t>
+            </a:r>
+          </a:p>
+          <a:p>
+            <a:pPr>
+              <a:spcAft>
+                <a:spcPts val="1800"/>
+              </a:spcAft>
+            </a:pPr>
+            <a:r>
+              <a:rPr lang="en-US" dirty="0" err="1"/>
+              <a:t>v</a:t>
+            </a:r>
+            <a:r>
+              <a:rPr lang="en-US" dirty="0" err="1" smtClean="0"/>
+              <a:t>ar</a:t>
+            </a:r>
+            <a:r>
+              <a:rPr lang="en-US" dirty="0" smtClean="0"/>
+              <a:t> a = 2;</a:t>
+            </a:r>
+            <a:endParaRPr lang="en-US" dirty="0" smtClean="0"/>
           </a:p>
           <a:p>
             <a:pPr>
@@ -7468,8 +9354,20 @@
               <a:buChar char="•"/>
             </a:pPr>
             <a:r>
+              <a:rPr lang="en-US" b="1" dirty="0"/>
+              <a:t>Careful</a:t>
+            </a:r>
+            <a:r>
               <a:rPr lang="en-US" dirty="0"/>
-              <a:t>Careful: No new scope for blocks of </a:t>
+              <a:t>: </a:t>
+            </a:r>
+            <a:r>
+              <a:rPr lang="en-US" dirty="0" smtClean="0"/>
+              <a:t>There are no new scopes </a:t>
+            </a:r>
+            <a:r>
+              <a:rPr lang="en-US" dirty="0"/>
+              <a:t>for blocks of </a:t>
             </a:r>
             <a:r>
               <a:rPr lang="en-US" b="1" dirty="0"/>
@@ -7493,8 +9391,9 @@
             </a:r>
             <a:r>
               <a:rPr lang="en-US" b="1" dirty="0" smtClean="0"/>
-              <a:t>while…</a:t>
-            </a:r>
+              <a:t>while, switch…</a:t>
+            </a:r>
+            <a:endParaRPr lang="en-US" b="1" dirty="0" smtClean="0"/>
           </a:p>
           <a:p>
             <a:pPr marL="342900" indent="-342900">
@@ -7595,7 +9494,7 @@
             <a:fld id="{B945A87F-2CE4-4B6D-B6BF-F6BF6C5CB292}" type="slidenum">
               <a:rPr smtClean="0"/>
               <a:pPr/>
-              <a:t>15</a:t>
+              <a:t>18</a:t>
             </a:fld>
             <a:endParaRPr dirty="0"/>
           </a:p>
@@ -7605,6 +9504,305 @@
     <p:extLst>
       <p:ext uri="{BB962C8B-B14F-4D97-AF65-F5344CB8AC3E}">
         <p14:creationId xmlns:p14="http://schemas.microsoft.com/office/powerpoint/2010/main" val="3322228320"/>
+      </p:ext>
+    </p:extLst>
+  </p:cSld>
+  <p:clrMapOvr>
+    <a:masterClrMapping/>
+  </p:clrMapOvr>
+</p:sld>
+</file>
+
+<file path=ppt/slides/slide19.xml><?xml version="1.0" encoding="utf-8"?>
+<p:sld xmlns:a="http://schemas.openxmlformats.org/drawingml/2006/main" xmlns:r="http://schemas.openxmlformats.org/officeDocument/2006/relationships" xmlns:p="http://schemas.openxmlformats.org/presentationml/2006/main">
+  <p:cSld>
+    <p:spTree>
+      <p:nvGrpSpPr>
+        <p:cNvPr id="1" name=""/>
+        <p:cNvGrpSpPr/>
+        <p:nvPr/>
+      </p:nvGrpSpPr>
+      <p:grpSpPr>
+        <a:xfrm>
+          <a:off x="0" y="0"/>
+          <a:ext cx="0" cy="0"/>
+          <a:chOff x="0" y="0"/>
+          <a:chExt cx="0" cy="0"/>
+        </a:xfrm>
+      </p:grpSpPr>
+      <p:sp>
+        <p:nvSpPr>
+          <p:cNvPr id="2" name="Title 1"/>
+          <p:cNvSpPr>
+            <a:spLocks noGrp="1"/>
+          </p:cNvSpPr>
+          <p:nvPr>
+            <p:ph type="title"/>
+          </p:nvPr>
+        </p:nvSpPr>
+        <p:spPr/>
+        <p:txBody>
+          <a:bodyPr/>
+          <a:lstStyle/>
+          <a:p>
+            <a:r>
+              <a:rPr lang="en-US" dirty="0" smtClean="0"/>
+              <a:t>Lifetime of scopes</a:t>
+            </a:r>
+            <a:endParaRPr lang="en-US" dirty="0"/>
+          </a:p>
+        </p:txBody>
+      </p:sp>
+      <p:sp>
+        <p:nvSpPr>
+          <p:cNvPr id="3" name="Content Placeholder 2"/>
+          <p:cNvSpPr>
+            <a:spLocks noGrp="1"/>
+          </p:cNvSpPr>
+          <p:nvPr>
+            <p:ph idx="1"/>
+          </p:nvPr>
+        </p:nvSpPr>
+        <p:spPr/>
+        <p:txBody>
+          <a:bodyPr/>
+          <a:lstStyle/>
+          <a:p>
+            <a:pPr marL="342900" indent="-342900">
+              <a:buFont typeface="Arial" panose="020B0604020202020204" pitchFamily="34" charset="0"/>
+              <a:buChar char="•"/>
+            </a:pPr>
+            <a:r>
+              <a:rPr lang="en-US" dirty="0"/>
+              <a:t>Local variables are deleted when the function is completed</a:t>
+            </a:r>
+            <a:r>
+              <a:rPr lang="en-US" dirty="0" smtClean="0"/>
+              <a:t>.</a:t>
+            </a:r>
+          </a:p>
+          <a:p>
+            <a:pPr marL="342900" indent="-342900">
+              <a:buFont typeface="Arial" panose="020B0604020202020204" pitchFamily="34" charset="0"/>
+              <a:buChar char="•"/>
+            </a:pPr>
+            <a:r>
+              <a:rPr lang="en-US" dirty="0"/>
+              <a:t>Global variables are deleted when you close the page</a:t>
+            </a:r>
+            <a:r>
+              <a:rPr lang="en-US" dirty="0" smtClean="0"/>
+              <a:t>.</a:t>
+            </a:r>
+          </a:p>
+          <a:p>
+            <a:pPr marL="342900" indent="-342900">
+              <a:buFont typeface="Arial" panose="020B0604020202020204" pitchFamily="34" charset="0"/>
+              <a:buChar char="•"/>
+            </a:pPr>
+            <a:endParaRPr lang="en-US" dirty="0"/>
+          </a:p>
+          <a:p>
+            <a:pPr marL="342900" indent="-342900">
+              <a:buFont typeface="Arial" panose="020B0604020202020204" pitchFamily="34" charset="0"/>
+              <a:buChar char="•"/>
+            </a:pPr>
+            <a:r>
+              <a:rPr lang="en-US" b="1" dirty="0" smtClean="0"/>
+              <a:t>Beware</a:t>
+            </a:r>
+            <a:r>
+              <a:rPr lang="en-US" b="1" dirty="0"/>
+              <a:t> </a:t>
+            </a:r>
+            <a:r>
+              <a:rPr lang="en-US" b="1" dirty="0" smtClean="0"/>
+              <a:t>of automatically global scopes.</a:t>
+            </a:r>
+          </a:p>
+          <a:p>
+            <a:pPr marL="342900" indent="-342900">
+              <a:buFont typeface="Arial" panose="020B0604020202020204" pitchFamily="34" charset="0"/>
+              <a:buChar char="•"/>
+            </a:pPr>
+            <a:endParaRPr lang="en-US" b="1" dirty="0"/>
+          </a:p>
+          <a:p>
+            <a:r>
+              <a:rPr lang="en-GB" dirty="0"/>
+              <a:t>function </a:t>
+            </a:r>
+            <a:r>
+              <a:rPr lang="en-GB" dirty="0" err="1"/>
+              <a:t>myFunction</a:t>
+            </a:r>
+            <a:r>
+              <a:rPr lang="en-GB" dirty="0"/>
+              <a:t>() {</a:t>
+            </a:r>
+            <a:r>
+              <a:rPr lang="en-GB" dirty="0"/>
+              <a:t/>
+            </a:r>
+            <a:br>
+              <a:rPr lang="en-GB" dirty="0"/>
+            </a:br>
+            <a:r>
+              <a:rPr lang="en-GB" dirty="0"/>
+              <a:t>    </a:t>
+            </a:r>
+            <a:r>
+              <a:rPr lang="en-GB" dirty="0" err="1"/>
+              <a:t>carName</a:t>
+            </a:r>
+            <a:r>
+              <a:rPr lang="en-GB" dirty="0"/>
+              <a:t> = "Volvo</a:t>
+            </a:r>
+            <a:r>
+              <a:rPr lang="en-GB" dirty="0" smtClean="0"/>
+              <a:t>"; // will be declared globally if no </a:t>
+            </a:r>
+            <a:r>
+              <a:rPr lang="en-GB" b="1" dirty="0" err="1" smtClean="0"/>
+              <a:t>var</a:t>
+            </a:r>
+            <a:r>
+              <a:rPr lang="en-GB" dirty="0"/>
+              <a:t/>
+            </a:r>
+            <a:br>
+              <a:rPr lang="en-GB" dirty="0"/>
+            </a:br>
+            <a:r>
+              <a:rPr lang="en-GB" dirty="0"/>
+              <a:t>}</a:t>
+            </a:r>
+            <a:endParaRPr lang="en-US" b="1" dirty="0"/>
+          </a:p>
+        </p:txBody>
+      </p:sp>
+      <p:sp>
+        <p:nvSpPr>
+          <p:cNvPr id="4" name="Date Placeholder 3"/>
+          <p:cNvSpPr>
+            <a:spLocks noGrp="1"/>
+          </p:cNvSpPr>
+          <p:nvPr>
+            <p:ph type="dt" sz="half" idx="10"/>
+          </p:nvPr>
+        </p:nvSpPr>
+        <p:spPr/>
+        <p:txBody>
+          <a:bodyPr/>
+          <a:lstStyle/>
+          <a:p>
+            <a:r>
+              <a:rPr lang="en-US" dirty="0" smtClean="0"/>
+              <a:t>14. August 2015</a:t>
+            </a:r>
+            <a:endParaRPr lang="en-US" dirty="0"/>
+          </a:p>
+        </p:txBody>
+      </p:sp>
+      <p:sp>
+        <p:nvSpPr>
+          <p:cNvPr id="6" name="Text Placeholder 5"/>
+          <p:cNvSpPr>
+            <a:spLocks noGrp="1"/>
+          </p:cNvSpPr>
+          <p:nvPr>
+            <p:ph type="body" sz="quarter" idx="13"/>
+          </p:nvPr>
+        </p:nvSpPr>
+        <p:spPr/>
+        <p:txBody>
+          <a:bodyPr/>
+          <a:lstStyle/>
+          <a:p>
+            <a:endParaRPr lang="en-US" dirty="0"/>
+          </a:p>
+        </p:txBody>
+      </p:sp>
+      <p:sp>
+        <p:nvSpPr>
+          <p:cNvPr id="7" name="Footer Placeholder 6"/>
+          <p:cNvSpPr>
+            <a:spLocks noGrp="1"/>
+          </p:cNvSpPr>
+          <p:nvPr>
+            <p:ph type="ftr" sz="quarter" idx="11"/>
+          </p:nvPr>
+        </p:nvSpPr>
+        <p:spPr/>
+        <p:txBody>
+          <a:bodyPr/>
+          <a:lstStyle/>
+          <a:p>
+            <a:r>
+              <a:rPr lang="en-US" dirty="0" err="1" smtClean="0"/>
+              <a:t>Javascript</a:t>
+            </a:r>
+            <a:r>
+              <a:rPr lang="en-US" dirty="0" smtClean="0"/>
+              <a:t> Basics | </a:t>
+            </a:r>
+            <a:r>
+              <a:rPr lang="en-US" dirty="0" err="1" smtClean="0"/>
+              <a:t>nesp</a:t>
+            </a:r>
+            <a:r>
+              <a:rPr lang="en-US" dirty="0" smtClean="0"/>
+              <a:t>, </a:t>
+            </a:r>
+            <a:r>
+              <a:rPr lang="en-US" dirty="0" err="1" smtClean="0"/>
+              <a:t>stmi</a:t>
+            </a:r>
+            <a:r>
+              <a:rPr lang="en-US" dirty="0" smtClean="0"/>
+              <a:t>, </a:t>
+            </a:r>
+            <a:r>
+              <a:rPr lang="en-US" dirty="0" err="1" smtClean="0"/>
+              <a:t>mabo</a:t>
+            </a:r>
+            <a:endParaRPr lang="en-US" dirty="0"/>
+          </a:p>
+        </p:txBody>
+      </p:sp>
+      <p:sp>
+        <p:nvSpPr>
+          <p:cNvPr id="9" name="Slide Number Placeholder 8"/>
+          <p:cNvSpPr>
+            <a:spLocks noGrp="1"/>
+          </p:cNvSpPr>
+          <p:nvPr>
+            <p:ph type="sldNum" sz="quarter" idx="12"/>
+          </p:nvPr>
+        </p:nvSpPr>
+        <p:spPr/>
+        <p:txBody>
+          <a:bodyPr/>
+          <a:lstStyle/>
+          <a:p>
+            <a:r>
+              <a:rPr lang="en-GB" smtClean="0"/>
+              <a:t>Slide </a:t>
+            </a:r>
+            <a:fld id="{B945A87F-2CE4-4B6D-B6BF-F6BF6C5CB292}" type="slidenum">
+              <a:rPr smtClean="0"/>
+              <a:pPr/>
+              <a:t>19</a:t>
+            </a:fld>
+            <a:endParaRPr dirty="0"/>
+          </a:p>
+        </p:txBody>
+      </p:sp>
+    </p:spTree>
+    <p:extLst>
+      <p:ext uri="{BB962C8B-B14F-4D97-AF65-F5344CB8AC3E}">
+        <p14:creationId xmlns:p14="http://schemas.microsoft.com/office/powerpoint/2010/main" val="2884851122"/>
       </p:ext>
     </p:extLst>
   </p:cSld>
@@ -7946,7 +10144,7 @@
           <a:p>
             <a:r>
               <a:rPr lang="en-US" dirty="0" smtClean="0"/>
-              <a:t>Data types</a:t>
+              <a:t>Declaring a variable</a:t>
             </a:r>
             <a:endParaRPr lang="en-US" dirty="0"/>
           </a:p>
@@ -7973,57 +10171,15 @@
             </a:pPr>
             <a:r>
               <a:rPr lang="en-US" dirty="0" smtClean="0"/>
-              <a:t>Primitives:</a:t>
-            </a:r>
-          </a:p>
-          <a:p>
-            <a:pPr marL="608013" lvl="1" indent="-342900">
-              <a:buFont typeface="Arial" panose="020B0604020202020204" pitchFamily="34" charset="0"/>
-              <a:buChar char="•"/>
-            </a:pPr>
-            <a:r>
-              <a:rPr lang="en-US" dirty="0" smtClean="0"/>
-              <a:t>Boolean</a:t>
-            </a:r>
-          </a:p>
-          <a:p>
-            <a:pPr marL="608013" lvl="1" indent="-342900">
-              <a:buFont typeface="Arial" panose="020B0604020202020204" pitchFamily="34" charset="0"/>
-              <a:buChar char="•"/>
-            </a:pPr>
-            <a:r>
-              <a:rPr lang="en-US" dirty="0" smtClean="0"/>
-              <a:t>Number</a:t>
-            </a:r>
-          </a:p>
-          <a:p>
-            <a:pPr marL="608013" lvl="1" indent="-342900">
-              <a:buFont typeface="Arial" panose="020B0604020202020204" pitchFamily="34" charset="0"/>
-              <a:buChar char="•"/>
-            </a:pPr>
-            <a:r>
-              <a:rPr lang="en-US" dirty="0" smtClean="0"/>
-              <a:t>String</a:t>
-            </a:r>
-          </a:p>
-          <a:p>
-            <a:pPr marL="608013" lvl="1" indent="-342900">
-              <a:buFont typeface="Arial" panose="020B0604020202020204" pitchFamily="34" charset="0"/>
-              <a:buChar char="•"/>
-            </a:pPr>
-            <a:r>
-              <a:rPr lang="en-US" dirty="0" smtClean="0"/>
-              <a:t>Null</a:t>
-            </a:r>
-          </a:p>
-          <a:p>
-            <a:pPr marL="608013" lvl="1" indent="-342900">
-              <a:buFont typeface="Arial" panose="020B0604020202020204" pitchFamily="34" charset="0"/>
-              <a:buChar char="•"/>
-            </a:pPr>
-            <a:r>
-              <a:rPr lang="en-US" dirty="0" smtClean="0"/>
-              <a:t>Undefined</a:t>
+              <a:t>Variables are declared using the </a:t>
+            </a:r>
+            <a:r>
+              <a:rPr lang="en-US" b="1" dirty="0" err="1" smtClean="0"/>
+              <a:t>var</a:t>
+            </a:r>
+            <a:r>
+              <a:rPr lang="en-US" dirty="0" smtClean="0"/>
+              <a:t> keyword.</a:t>
             </a:r>
           </a:p>
           <a:p>
@@ -8031,10 +10187,30 @@
               <a:buFont typeface="Arial" panose="020B0604020202020204" pitchFamily="34" charset="0"/>
               <a:buChar char="•"/>
             </a:pPr>
-            <a:r>
-              <a:rPr lang="en-US" dirty="0" smtClean="0"/>
-              <a:t>Function</a:t>
-            </a:r>
+            <a:endParaRPr lang="en-US" dirty="0"/>
+          </a:p>
+          <a:p>
+            <a:r>
+              <a:rPr lang="en-US" dirty="0" err="1" smtClean="0"/>
+              <a:t>var</a:t>
+            </a:r>
+            <a:r>
+              <a:rPr lang="en-US" dirty="0" smtClean="0"/>
+              <a:t> a = 5;</a:t>
+            </a:r>
+          </a:p>
+          <a:p>
+            <a:r>
+              <a:rPr lang="en-US" dirty="0" err="1" smtClean="0"/>
+              <a:t>var</a:t>
+            </a:r>
+            <a:r>
+              <a:rPr lang="en-US" dirty="0" smtClean="0"/>
+              <a:t> text = “Some message”;</a:t>
+            </a:r>
+          </a:p>
+          <a:p>
+            <a:endParaRPr lang="en-US" dirty="0"/>
           </a:p>
           <a:p>
             <a:pPr marL="342900" indent="-342900">
@@ -8042,8 +10218,16 @@
               <a:buChar char="•"/>
             </a:pPr>
             <a:r>
-              <a:rPr lang="en-US" dirty="0" smtClean="0"/>
-              <a:t>Object</a:t>
+              <a:rPr lang="en-US" b="1" u="sng" dirty="0" smtClean="0"/>
+              <a:t>Never declare a variable without the </a:t>
+            </a:r>
+            <a:r>
+              <a:rPr lang="en-US" b="1" u="sng" dirty="0" err="1" smtClean="0"/>
+              <a:t>var</a:t>
+            </a:r>
+            <a:r>
+              <a:rPr lang="en-US" b="1" u="sng" dirty="0" smtClean="0"/>
+              <a:t> keyword!</a:t>
             </a:r>
           </a:p>
           <a:p>
@@ -8051,6 +10235,10 @@
               <a:buFont typeface="Arial" panose="020B0604020202020204" pitchFamily="34" charset="0"/>
               <a:buChar char="•"/>
             </a:pPr>
+            <a:r>
+              <a:rPr lang="en-US" dirty="0" smtClean="0"/>
+              <a:t>It will automatically become global and can cause problems.</a:t>
+            </a:r>
             <a:endParaRPr lang="en-US" dirty="0"/>
           </a:p>
         </p:txBody>
@@ -8219,7 +10407,7 @@
           <a:p>
             <a:r>
               <a:rPr lang="en-US" dirty="0" smtClean="0"/>
-              <a:t>Equality &amp; casting</a:t>
+              <a:t>Data types</a:t>
             </a:r>
             <a:endParaRPr lang="en-US" dirty="0"/>
           </a:p>
@@ -8245,12 +10433,59 @@
               <a:buChar char="•"/>
             </a:pPr>
             <a:r>
-              <a:rPr lang="en-US" dirty="0"/>
-              <a:t>T</a:t>
-            </a:r>
-            <a:r>
-              <a:rPr lang="en-US" dirty="0" smtClean="0"/>
-              <a:t>rue: 4 == “4”</a:t>
+              <a:rPr lang="en-US" dirty="0" smtClean="0"/>
+              <a:t>Primitives:</a:t>
+            </a:r>
+          </a:p>
+          <a:p>
+            <a:pPr marL="608013" lvl="1" indent="-342900">
+              <a:buFont typeface="Arial" panose="020B0604020202020204" pitchFamily="34" charset="0"/>
+              <a:buChar char="•"/>
+            </a:pPr>
+            <a:r>
+              <a:rPr lang="en-US" dirty="0" smtClean="0"/>
+              <a:t>Boolean</a:t>
+            </a:r>
+          </a:p>
+          <a:p>
+            <a:pPr marL="608013" lvl="1" indent="-342900">
+              <a:buFont typeface="Arial" panose="020B0604020202020204" pitchFamily="34" charset="0"/>
+              <a:buChar char="•"/>
+            </a:pPr>
+            <a:r>
+              <a:rPr lang="en-US" dirty="0" smtClean="0"/>
+              <a:t>Number (float)</a:t>
+            </a:r>
+            <a:endParaRPr lang="en-US" dirty="0" smtClean="0"/>
+          </a:p>
+          <a:p>
+            <a:pPr marL="608013" lvl="1" indent="-342900">
+              <a:buFont typeface="Arial" panose="020B0604020202020204" pitchFamily="34" charset="0"/>
+              <a:buChar char="•"/>
+            </a:pPr>
+            <a:r>
+              <a:rPr lang="en-US" dirty="0" smtClean="0"/>
+              <a:t>String</a:t>
+            </a:r>
+          </a:p>
+          <a:p>
+            <a:pPr marL="608013" lvl="1" indent="-342900">
+              <a:buFont typeface="Arial" panose="020B0604020202020204" pitchFamily="34" charset="0"/>
+              <a:buChar char="•"/>
+            </a:pPr>
+            <a:r>
+              <a:rPr lang="en-US" dirty="0" smtClean="0"/>
+              <a:t>Null</a:t>
+            </a:r>
+          </a:p>
+          <a:p>
+            <a:pPr marL="608013" lvl="1" indent="-342900">
+              <a:buFont typeface="Arial" panose="020B0604020202020204" pitchFamily="34" charset="0"/>
+              <a:buChar char="•"/>
+            </a:pPr>
+            <a:r>
+              <a:rPr lang="en-US" dirty="0" smtClean="0"/>
+              <a:t>Undefined</a:t>
             </a:r>
           </a:p>
           <a:p>
@@ -8260,7 +10495,17 @@
             </a:pPr>
             <a:r>
               <a:rPr lang="en-US" dirty="0" smtClean="0"/>
-              <a:t>False: 4 === “4”</a:t>
+              <a:t>Function</a:t>
+            </a:r>
+          </a:p>
+          <a:p>
+            <a:pPr marL="342900" indent="-342900">
+              <a:buFont typeface="Arial" panose="020B0604020202020204" pitchFamily="34" charset="0"/>
+              <a:buChar char="•"/>
+            </a:pPr>
+            <a:r>
+              <a:rPr lang="en-US" dirty="0" smtClean="0"/>
+              <a:t>Object</a:t>
             </a:r>
           </a:p>
           <a:p>
@@ -8270,111 +10515,100 @@
             </a:pPr>
             <a:endParaRPr lang="en-US" dirty="0"/>
           </a:p>
-          <a:p>
-            <a:pPr marL="342900" indent="-342900">
-              <a:buFont typeface="Arial" panose="020B0604020202020204" pitchFamily="34" charset="0"/>
-              <a:buChar char="•"/>
-            </a:pPr>
+        </p:txBody>
+      </p:sp>
+      <p:sp>
+        <p:nvSpPr>
+          <p:cNvPr id="4" name="Date Placeholder 3"/>
+          <p:cNvSpPr>
+            <a:spLocks noGrp="1"/>
+          </p:cNvSpPr>
+          <p:nvPr>
+            <p:ph type="dt" sz="half" idx="10"/>
+          </p:nvPr>
+        </p:nvSpPr>
+        <p:spPr/>
+        <p:txBody>
+          <a:bodyPr/>
+          <a:lstStyle/>
+          <a:p>
+            <a:r>
+              <a:rPr lang="en-US" dirty="0" smtClean="0"/>
+              <a:t>14. August 2015</a:t>
+            </a:r>
+            <a:endParaRPr lang="en-US" dirty="0"/>
+          </a:p>
+        </p:txBody>
+      </p:sp>
+      <p:sp>
+        <p:nvSpPr>
+          <p:cNvPr id="6" name="Text Placeholder 5"/>
+          <p:cNvSpPr>
+            <a:spLocks noGrp="1"/>
+          </p:cNvSpPr>
+          <p:nvPr>
+            <p:ph type="body" sz="quarter" idx="13"/>
+          </p:nvPr>
+        </p:nvSpPr>
+        <p:spPr/>
+        <p:txBody>
+          <a:bodyPr/>
+          <a:lstStyle/>
+          <a:p>
+            <a:endParaRPr lang="en-US" dirty="0"/>
+          </a:p>
+        </p:txBody>
+      </p:sp>
+      <p:sp>
+        <p:nvSpPr>
+          <p:cNvPr id="7" name="Footer Placeholder 6"/>
+          <p:cNvSpPr>
+            <a:spLocks noGrp="1"/>
+          </p:cNvSpPr>
+          <p:nvPr>
+            <p:ph type="ftr" sz="quarter" idx="11"/>
+          </p:nvPr>
+        </p:nvSpPr>
+        <p:spPr/>
+        <p:txBody>
+          <a:bodyPr/>
+          <a:lstStyle/>
+          <a:p>
             <a:r>
               <a:rPr lang="en-US" dirty="0" err="1" smtClean="0"/>
-              <a:t>var</a:t>
-            </a:r>
-            <a:r>
-              <a:rPr lang="en-US" dirty="0" smtClean="0"/>
-              <a:t> a = Number(“4”)</a:t>
-            </a:r>
-          </a:p>
-          <a:p>
-            <a:pPr marL="342900" indent="-342900">
-              <a:buFont typeface="Arial" panose="020B0604020202020204" pitchFamily="34" charset="0"/>
-              <a:buChar char="•"/>
-            </a:pPr>
-            <a:r>
-              <a:rPr lang="en-US" dirty="0" smtClean="0"/>
-              <a:t>a === 4</a:t>
-            </a:r>
-          </a:p>
-          <a:p>
-            <a:pPr marL="342900" indent="-342900">
-              <a:buFont typeface="Arial" panose="020B0604020202020204" pitchFamily="34" charset="0"/>
-              <a:buChar char="•"/>
-            </a:pPr>
+              <a:t>Javascript</a:t>
+            </a:r>
+            <a:r>
+              <a:rPr lang="en-US" dirty="0" smtClean="0"/>
+              <a:t> Basics | </a:t>
+            </a:r>
+            <a:r>
+              <a:rPr lang="en-US" dirty="0" err="1" smtClean="0"/>
+              <a:t>nesp</a:t>
+            </a:r>
+            <a:r>
+              <a:rPr lang="en-US" dirty="0" smtClean="0"/>
+              <a:t>, </a:t>
+            </a:r>
+            <a:r>
+              <a:rPr lang="en-US" dirty="0" err="1" smtClean="0"/>
+              <a:t>stmi</a:t>
+            </a:r>
+            <a:r>
+              <a:rPr lang="en-US" dirty="0" smtClean="0"/>
+              <a:t>, </a:t>
+            </a:r>
+            <a:r>
+              <a:rPr lang="en-US" dirty="0" err="1" smtClean="0"/>
+              <a:t>mabo</a:t>
+            </a:r>
             <a:endParaRPr lang="en-US" dirty="0"/>
           </a:p>
         </p:txBody>
       </p:sp>
       <p:sp>
         <p:nvSpPr>
-          <p:cNvPr id="4" name="Date Placeholder 3"/>
-          <p:cNvSpPr>
-            <a:spLocks noGrp="1"/>
-          </p:cNvSpPr>
-          <p:nvPr>
-            <p:ph type="dt" sz="half" idx="10"/>
-          </p:nvPr>
-        </p:nvSpPr>
-        <p:spPr/>
-        <p:txBody>
-          <a:bodyPr/>
-          <a:lstStyle/>
-          <a:p>
-            <a:r>
-              <a:rPr lang="de-CH" smtClean="0"/>
-              <a:t>14. August 2015</a:t>
-            </a:r>
-            <a:endParaRPr lang="de-CH" dirty="0"/>
-          </a:p>
-        </p:txBody>
-      </p:sp>
-      <p:sp>
-        <p:nvSpPr>
-          <p:cNvPr id="5" name="Footer Placeholder 4"/>
-          <p:cNvSpPr>
-            <a:spLocks noGrp="1"/>
-          </p:cNvSpPr>
-          <p:nvPr>
-            <p:ph type="ftr" sz="quarter" idx="11"/>
-          </p:nvPr>
-        </p:nvSpPr>
-        <p:spPr/>
-        <p:txBody>
-          <a:bodyPr/>
-          <a:lstStyle/>
-          <a:p>
-            <a:r>
-              <a:rPr lang="de-CH" smtClean="0"/>
-              <a:t>Javascript Basics | nesp, stmi, mabo</a:t>
-            </a:r>
-            <a:endParaRPr lang="de-CH" dirty="0"/>
-          </a:p>
-        </p:txBody>
-      </p:sp>
-      <p:sp>
-        <p:nvSpPr>
-          <p:cNvPr id="7" name="Text Placeholder 6"/>
-          <p:cNvSpPr>
-            <a:spLocks noGrp="1"/>
-          </p:cNvSpPr>
-          <p:nvPr>
-            <p:ph type="body" sz="quarter" idx="13"/>
-          </p:nvPr>
-        </p:nvSpPr>
-        <p:spPr/>
-        <p:txBody>
-          <a:bodyPr/>
-          <a:lstStyle/>
-          <a:p>
-            <a:r>
-              <a:rPr lang="en-US" dirty="0" smtClean="0"/>
-              <a:t>Strict “===“ vs Loose “==“</a:t>
-            </a:r>
-            <a:endParaRPr lang="en-US" dirty="0"/>
-          </a:p>
-        </p:txBody>
-      </p:sp>
-      <p:sp>
-        <p:nvSpPr>
-          <p:cNvPr id="8" name="Slide Number Placeholder 7"/>
+          <p:cNvPr id="9" name="Slide Number Placeholder 8"/>
           <p:cNvSpPr>
             <a:spLocks noGrp="1"/>
           </p:cNvSpPr>
@@ -8403,7 +10637,7 @@
     </p:spTree>
     <p:extLst>
       <p:ext uri="{BB962C8B-B14F-4D97-AF65-F5344CB8AC3E}">
-        <p14:creationId xmlns:p14="http://schemas.microsoft.com/office/powerpoint/2010/main" val="4036073287"/>
+        <p14:creationId xmlns:p14="http://schemas.microsoft.com/office/powerpoint/2010/main" val="2884851122"/>
       </p:ext>
     </p:extLst>
   </p:cSld>
@@ -8446,6 +10680,529 @@
           <a:lstStyle/>
           <a:p>
             <a:r>
+              <a:rPr lang="en-US" dirty="0" smtClean="0"/>
+              <a:t>Equality</a:t>
+            </a:r>
+            <a:endParaRPr lang="en-US" dirty="0"/>
+          </a:p>
+        </p:txBody>
+      </p:sp>
+      <p:sp>
+        <p:nvSpPr>
+          <p:cNvPr id="3" name="Content Placeholder 2"/>
+          <p:cNvSpPr>
+            <a:spLocks noGrp="1"/>
+          </p:cNvSpPr>
+          <p:nvPr>
+            <p:ph idx="1"/>
+          </p:nvPr>
+        </p:nvSpPr>
+        <p:spPr/>
+        <p:txBody>
+          <a:bodyPr/>
+          <a:lstStyle/>
+          <a:p>
+            <a:pPr marL="342900" indent="-342900">
+              <a:buFont typeface="Arial" panose="020B0604020202020204" pitchFamily="34" charset="0"/>
+              <a:buChar char="•"/>
+            </a:pPr>
+            <a:r>
+              <a:rPr lang="en-US" dirty="0" smtClean="0"/>
+              <a:t>Equality</a:t>
+            </a:r>
+          </a:p>
+          <a:p>
+            <a:pPr marL="608013" lvl="1" indent="-342900">
+              <a:buFont typeface="Arial" panose="020B0604020202020204" pitchFamily="34" charset="0"/>
+              <a:buChar char="•"/>
+            </a:pPr>
+            <a:r>
+              <a:rPr lang="en-US" dirty="0" smtClean="0"/>
+              <a:t>True</a:t>
+            </a:r>
+            <a:r>
+              <a:rPr lang="en-US" dirty="0" smtClean="0"/>
+              <a:t>: 4 == “4”</a:t>
+            </a:r>
+          </a:p>
+          <a:p>
+            <a:pPr marL="608013" lvl="1" indent="-342900">
+              <a:buFont typeface="Arial" panose="020B0604020202020204" pitchFamily="34" charset="0"/>
+              <a:buChar char="•"/>
+            </a:pPr>
+            <a:r>
+              <a:rPr lang="en-US" dirty="0" smtClean="0"/>
+              <a:t>False: 4 === “4</a:t>
+            </a:r>
+            <a:r>
+              <a:rPr lang="en-US" dirty="0" smtClean="0"/>
+              <a:t>”</a:t>
+            </a:r>
+          </a:p>
+          <a:p>
+            <a:pPr marL="608013" lvl="1" indent="-342900">
+              <a:buFont typeface="Arial" panose="020B0604020202020204" pitchFamily="34" charset="0"/>
+              <a:buChar char="•"/>
+            </a:pPr>
+            <a:r>
+              <a:rPr lang="en-US" dirty="0" smtClean="0"/>
+              <a:t>True: 4 !== “4”</a:t>
+            </a:r>
+          </a:p>
+          <a:p>
+            <a:pPr marL="342900" indent="-342900">
+              <a:buFont typeface="Arial" panose="020B0604020202020204" pitchFamily="34" charset="0"/>
+              <a:buChar char="•"/>
+            </a:pPr>
+            <a:r>
+              <a:rPr lang="en-US" b="1" u="sng" dirty="0" smtClean="0"/>
+              <a:t>Always try to use triple equals === !</a:t>
+            </a:r>
+            <a:endParaRPr lang="en-US" b="1" u="sng" dirty="0" smtClean="0"/>
+          </a:p>
+          <a:p>
+            <a:pPr marL="342900" indent="-342900">
+              <a:buFont typeface="Arial" panose="020B0604020202020204" pitchFamily="34" charset="0"/>
+              <a:buChar char="•"/>
+            </a:pPr>
+            <a:endParaRPr lang="en-US" dirty="0" smtClean="0"/>
+          </a:p>
+          <a:p>
+            <a:pPr marL="342900" indent="-342900">
+              <a:buFont typeface="Arial" panose="020B0604020202020204" pitchFamily="34" charset="0"/>
+              <a:buChar char="•"/>
+            </a:pPr>
+            <a:endParaRPr lang="en-US" dirty="0"/>
+          </a:p>
+        </p:txBody>
+      </p:sp>
+      <p:sp>
+        <p:nvSpPr>
+          <p:cNvPr id="4" name="Date Placeholder 3"/>
+          <p:cNvSpPr>
+            <a:spLocks noGrp="1"/>
+          </p:cNvSpPr>
+          <p:nvPr>
+            <p:ph type="dt" sz="half" idx="10"/>
+          </p:nvPr>
+        </p:nvSpPr>
+        <p:spPr/>
+        <p:txBody>
+          <a:bodyPr/>
+          <a:lstStyle/>
+          <a:p>
+            <a:r>
+              <a:rPr lang="de-CH" smtClean="0"/>
+              <a:t>14. August 2015</a:t>
+            </a:r>
+            <a:endParaRPr lang="de-CH" dirty="0"/>
+          </a:p>
+        </p:txBody>
+      </p:sp>
+      <p:sp>
+        <p:nvSpPr>
+          <p:cNvPr id="5" name="Footer Placeholder 4"/>
+          <p:cNvSpPr>
+            <a:spLocks noGrp="1"/>
+          </p:cNvSpPr>
+          <p:nvPr>
+            <p:ph type="ftr" sz="quarter" idx="11"/>
+          </p:nvPr>
+        </p:nvSpPr>
+        <p:spPr/>
+        <p:txBody>
+          <a:bodyPr/>
+          <a:lstStyle/>
+          <a:p>
+            <a:r>
+              <a:rPr lang="de-CH" smtClean="0"/>
+              <a:t>Javascript Basics | nesp, stmi, mabo</a:t>
+            </a:r>
+            <a:endParaRPr lang="de-CH" dirty="0"/>
+          </a:p>
+        </p:txBody>
+      </p:sp>
+      <p:sp>
+        <p:nvSpPr>
+          <p:cNvPr id="7" name="Text Placeholder 6"/>
+          <p:cNvSpPr>
+            <a:spLocks noGrp="1"/>
+          </p:cNvSpPr>
+          <p:nvPr>
+            <p:ph type="body" sz="quarter" idx="13"/>
+          </p:nvPr>
+        </p:nvSpPr>
+        <p:spPr/>
+        <p:txBody>
+          <a:bodyPr/>
+          <a:lstStyle/>
+          <a:p>
+            <a:r>
+              <a:rPr lang="en-US" dirty="0" smtClean="0"/>
+              <a:t>Strict “===“ vs Loose “==“</a:t>
+            </a:r>
+            <a:endParaRPr lang="en-US" dirty="0"/>
+          </a:p>
+        </p:txBody>
+      </p:sp>
+      <p:sp>
+        <p:nvSpPr>
+          <p:cNvPr id="8" name="Slide Number Placeholder 7"/>
+          <p:cNvSpPr>
+            <a:spLocks noGrp="1"/>
+          </p:cNvSpPr>
+          <p:nvPr>
+            <p:ph type="sldNum" sz="quarter" idx="12"/>
+          </p:nvPr>
+        </p:nvSpPr>
+        <p:spPr/>
+        <p:txBody>
+          <a:bodyPr/>
+          <a:lstStyle/>
+          <a:p>
+            <a:r>
+              <a:rPr lang="en-GB" smtClean="0"/>
+              <a:t>Slide </a:t>
+            </a:r>
+            <a:fld id="{B945A87F-2CE4-4B6D-B6BF-F6BF6C5CB292}" type="slidenum">
+              <a:rPr smtClean="0"/>
+              <a:pPr/>
+              <a:t>5</a:t>
+            </a:fld>
+            <a:endParaRPr dirty="0"/>
+          </a:p>
+        </p:txBody>
+      </p:sp>
+    </p:spTree>
+    <p:extLst>
+      <p:ext uri="{BB962C8B-B14F-4D97-AF65-F5344CB8AC3E}">
+        <p14:creationId xmlns:p14="http://schemas.microsoft.com/office/powerpoint/2010/main" val="4036073287"/>
+      </p:ext>
+    </p:extLst>
+  </p:cSld>
+  <p:clrMapOvr>
+    <a:masterClrMapping/>
+  </p:clrMapOvr>
+</p:sld>
+</file>
+
+<file path=ppt/slides/slide6.xml><?xml version="1.0" encoding="utf-8"?>
+<p:sld xmlns:a="http://schemas.openxmlformats.org/drawingml/2006/main" xmlns:r="http://schemas.openxmlformats.org/officeDocument/2006/relationships" xmlns:p="http://schemas.openxmlformats.org/presentationml/2006/main">
+  <p:cSld>
+    <p:spTree>
+      <p:nvGrpSpPr>
+        <p:cNvPr id="1" name=""/>
+        <p:cNvGrpSpPr/>
+        <p:nvPr/>
+      </p:nvGrpSpPr>
+      <p:grpSpPr>
+        <a:xfrm>
+          <a:off x="0" y="0"/>
+          <a:ext cx="0" cy="0"/>
+          <a:chOff x="0" y="0"/>
+          <a:chExt cx="0" cy="0"/>
+        </a:xfrm>
+      </p:grpSpPr>
+      <p:sp>
+        <p:nvSpPr>
+          <p:cNvPr id="2" name="Title 1"/>
+          <p:cNvSpPr>
+            <a:spLocks noGrp="1"/>
+          </p:cNvSpPr>
+          <p:nvPr>
+            <p:ph type="title"/>
+          </p:nvPr>
+        </p:nvSpPr>
+        <p:spPr/>
+        <p:txBody>
+          <a:bodyPr/>
+          <a:lstStyle/>
+          <a:p>
+            <a:r>
+              <a:rPr lang="en-US" dirty="0" smtClean="0"/>
+              <a:t>Casting</a:t>
+            </a:r>
+            <a:endParaRPr lang="en-US" dirty="0"/>
+          </a:p>
+        </p:txBody>
+      </p:sp>
+      <p:sp>
+        <p:nvSpPr>
+          <p:cNvPr id="3" name="Content Placeholder 2"/>
+          <p:cNvSpPr>
+            <a:spLocks noGrp="1"/>
+          </p:cNvSpPr>
+          <p:nvPr>
+            <p:ph idx="1"/>
+          </p:nvPr>
+        </p:nvSpPr>
+        <p:spPr>
+          <a:xfrm>
+            <a:off x="579440" y="1095071"/>
+            <a:ext cx="8412161" cy="5472607"/>
+          </a:xfrm>
+        </p:spPr>
+        <p:txBody>
+          <a:bodyPr/>
+          <a:lstStyle/>
+          <a:p>
+            <a:pPr marL="342900" indent="-342900">
+              <a:buFont typeface="Arial" panose="020B0604020202020204" pitchFamily="34" charset="0"/>
+              <a:buChar char="•"/>
+            </a:pPr>
+            <a:r>
+              <a:rPr lang="en-US" dirty="0" smtClean="0"/>
+              <a:t>Explicit casting is done with corresponding functions.</a:t>
+            </a:r>
+          </a:p>
+          <a:p>
+            <a:r>
+              <a:rPr lang="en-US" dirty="0" err="1" smtClean="0"/>
+              <a:t>var</a:t>
+            </a:r>
+            <a:r>
+              <a:rPr lang="en-US" dirty="0" smtClean="0"/>
+              <a:t> </a:t>
+            </a:r>
+            <a:r>
+              <a:rPr lang="en-US" dirty="0"/>
+              <a:t>a = Number(“</a:t>
+            </a:r>
+            <a:r>
+              <a:rPr lang="en-US" dirty="0" smtClean="0"/>
+              <a:t>4”)</a:t>
+            </a:r>
+          </a:p>
+          <a:p>
+            <a:r>
+              <a:rPr lang="en-US" dirty="0" smtClean="0"/>
+              <a:t>if (a === 4) { // will execute }</a:t>
+            </a:r>
+          </a:p>
+          <a:p>
+            <a:endParaRPr lang="en-US" dirty="0" smtClean="0"/>
+          </a:p>
+          <a:p>
+            <a:pPr marL="342900" indent="-342900">
+              <a:buFont typeface="Arial" panose="020B0604020202020204" pitchFamily="34" charset="0"/>
+              <a:buChar char="•"/>
+            </a:pPr>
+            <a:r>
+              <a:rPr lang="en-US" dirty="0" smtClean="0"/>
+              <a:t>Implicit casting is done </a:t>
+            </a:r>
+            <a:r>
+              <a:rPr lang="en-US" b="1" dirty="0" smtClean="0"/>
+              <a:t>whenever</a:t>
+            </a:r>
+            <a:r>
+              <a:rPr lang="en-US" dirty="0" smtClean="0"/>
+              <a:t> possible.</a:t>
+            </a:r>
+          </a:p>
+          <a:p>
+            <a:r>
+              <a:rPr lang="en-US" dirty="0" err="1" smtClean="0"/>
+              <a:t>var</a:t>
+            </a:r>
+            <a:r>
+              <a:rPr lang="en-US" dirty="0" smtClean="0"/>
+              <a:t> no = 42;</a:t>
+            </a:r>
+          </a:p>
+          <a:p>
+            <a:r>
+              <a:rPr lang="en-US" dirty="0" err="1" smtClean="0"/>
+              <a:t>var</a:t>
+            </a:r>
+            <a:r>
+              <a:rPr lang="en-US" dirty="0" smtClean="0"/>
+              <a:t> text = “Answer to everything: “ + no;</a:t>
+            </a:r>
+          </a:p>
+          <a:p>
+            <a:endParaRPr lang="en-US" dirty="0"/>
+          </a:p>
+          <a:p>
+            <a:pPr marL="342900" indent="-342900">
+              <a:buFont typeface="Arial" panose="020B0604020202020204" pitchFamily="34" charset="0"/>
+              <a:buChar char="•"/>
+            </a:pPr>
+            <a:r>
+              <a:rPr lang="en-US" b="1" dirty="0" smtClean="0"/>
+              <a:t>Careful</a:t>
+            </a:r>
+            <a:r>
+              <a:rPr lang="en-US" dirty="0" smtClean="0"/>
+              <a:t>:</a:t>
+            </a:r>
+          </a:p>
+          <a:p>
+            <a:r>
+              <a:rPr lang="en-US" dirty="0" smtClean="0"/>
+              <a:t>“Sum: ” + 4 + 6; // will result in “Sum: 46”</a:t>
+            </a:r>
+          </a:p>
+          <a:p>
+            <a:pPr marL="342900" indent="-342900">
+              <a:buFont typeface="Arial" panose="020B0604020202020204" pitchFamily="34" charset="0"/>
+              <a:buChar char="•"/>
+            </a:pPr>
+            <a:r>
+              <a:rPr lang="en-US" b="1" dirty="0" smtClean="0"/>
+              <a:t>Use brackets</a:t>
+            </a:r>
+            <a:r>
+              <a:rPr lang="en-US" dirty="0" smtClean="0"/>
+              <a:t>: “Sum: “ + (4 + 6)</a:t>
+            </a:r>
+          </a:p>
+        </p:txBody>
+      </p:sp>
+      <p:sp>
+        <p:nvSpPr>
+          <p:cNvPr id="4" name="Date Placeholder 3"/>
+          <p:cNvSpPr>
+            <a:spLocks noGrp="1"/>
+          </p:cNvSpPr>
+          <p:nvPr>
+            <p:ph type="dt" sz="half" idx="10"/>
+          </p:nvPr>
+        </p:nvSpPr>
+        <p:spPr/>
+        <p:txBody>
+          <a:bodyPr/>
+          <a:lstStyle/>
+          <a:p>
+            <a:r>
+              <a:rPr lang="en-US" dirty="0" smtClean="0"/>
+              <a:t>14. August 2015</a:t>
+            </a:r>
+            <a:endParaRPr lang="en-US" dirty="0"/>
+          </a:p>
+        </p:txBody>
+      </p:sp>
+      <p:sp>
+        <p:nvSpPr>
+          <p:cNvPr id="7" name="Footer Placeholder 6"/>
+          <p:cNvSpPr>
+            <a:spLocks noGrp="1"/>
+          </p:cNvSpPr>
+          <p:nvPr>
+            <p:ph type="ftr" sz="quarter" idx="11"/>
+          </p:nvPr>
+        </p:nvSpPr>
+        <p:spPr/>
+        <p:txBody>
+          <a:bodyPr/>
+          <a:lstStyle/>
+          <a:p>
+            <a:r>
+              <a:rPr lang="en-US" dirty="0" err="1" smtClean="0"/>
+              <a:t>Javascript</a:t>
+            </a:r>
+            <a:r>
+              <a:rPr lang="en-US" dirty="0" smtClean="0"/>
+              <a:t> Basics | </a:t>
+            </a:r>
+            <a:r>
+              <a:rPr lang="en-US" dirty="0" err="1" smtClean="0"/>
+              <a:t>nesp</a:t>
+            </a:r>
+            <a:r>
+              <a:rPr lang="en-US" dirty="0" smtClean="0"/>
+              <a:t>, </a:t>
+            </a:r>
+            <a:r>
+              <a:rPr lang="en-US" dirty="0" err="1" smtClean="0"/>
+              <a:t>stmi</a:t>
+            </a:r>
+            <a:r>
+              <a:rPr lang="en-US" dirty="0" smtClean="0"/>
+              <a:t>, </a:t>
+            </a:r>
+            <a:r>
+              <a:rPr lang="en-US" dirty="0" err="1" smtClean="0"/>
+              <a:t>mabo</a:t>
+            </a:r>
+            <a:endParaRPr lang="en-US" dirty="0"/>
+          </a:p>
+        </p:txBody>
+      </p:sp>
+      <p:sp>
+        <p:nvSpPr>
+          <p:cNvPr id="9" name="Slide Number Placeholder 8"/>
+          <p:cNvSpPr>
+            <a:spLocks noGrp="1"/>
+          </p:cNvSpPr>
+          <p:nvPr>
+            <p:ph type="sldNum" sz="quarter" idx="12"/>
+          </p:nvPr>
+        </p:nvSpPr>
+        <p:spPr/>
+        <p:txBody>
+          <a:bodyPr/>
+          <a:lstStyle/>
+          <a:p>
+            <a:r>
+              <a:rPr lang="en-GB" smtClean="0"/>
+              <a:t>Slide </a:t>
+            </a:r>
+            <a:fld id="{B945A87F-2CE4-4B6D-B6BF-F6BF6C5CB292}" type="slidenum">
+              <a:rPr smtClean="0"/>
+              <a:pPr/>
+              <a:t>6</a:t>
+            </a:fld>
+            <a:endParaRPr dirty="0"/>
+          </a:p>
+        </p:txBody>
+      </p:sp>
+    </p:spTree>
+    <p:extLst>
+      <p:ext uri="{BB962C8B-B14F-4D97-AF65-F5344CB8AC3E}">
+        <p14:creationId xmlns:p14="http://schemas.microsoft.com/office/powerpoint/2010/main" val="2884851122"/>
+      </p:ext>
+    </p:extLst>
+  </p:cSld>
+  <p:clrMapOvr>
+    <a:masterClrMapping/>
+  </p:clrMapOvr>
+</p:sld>
+</file>
+
+<file path=ppt/slides/slide7.xml><?xml version="1.0" encoding="utf-8"?>
+<p:sld xmlns:a="http://schemas.openxmlformats.org/drawingml/2006/main" xmlns:r="http://schemas.openxmlformats.org/officeDocument/2006/relationships" xmlns:p="http://schemas.openxmlformats.org/presentationml/2006/main">
+  <p:cSld>
+    <p:spTree>
+      <p:nvGrpSpPr>
+        <p:cNvPr id="1" name=""/>
+        <p:cNvGrpSpPr/>
+        <p:nvPr/>
+      </p:nvGrpSpPr>
+      <p:grpSpPr>
+        <a:xfrm>
+          <a:off x="0" y="0"/>
+          <a:ext cx="0" cy="0"/>
+          <a:chOff x="0" y="0"/>
+          <a:chExt cx="0" cy="0"/>
+        </a:xfrm>
+      </p:grpSpPr>
+      <p:sp>
+        <p:nvSpPr>
+          <p:cNvPr id="2" name="Title 1"/>
+          <p:cNvSpPr>
+            <a:spLocks noGrp="1"/>
+          </p:cNvSpPr>
+          <p:nvPr>
+            <p:ph type="title"/>
+          </p:nvPr>
+        </p:nvSpPr>
+        <p:spPr/>
+        <p:txBody>
+          <a:bodyPr/>
+          <a:lstStyle/>
+          <a:p>
+            <a:r>
               <a:rPr lang="en-US" dirty="0" err="1" smtClean="0"/>
               <a:t>Truthy</a:t>
             </a:r>
@@ -8683,7 +11440,7 @@
             </a:r>
             <a:fld id="{FB565871-C227-4467-8A69-9EBAF738B0FF}" type="slidenum">
               <a:rPr lang="de-CH" smtClean="0"/>
-              <a:t>5</a:t>
+              <a:t>7</a:t>
             </a:fld>
             <a:endParaRPr lang="de-CH" dirty="0"/>
           </a:p>
@@ -8882,14 +11639,16 @@
               </a:spcBef>
               <a:buNone/>
             </a:pPr>
-            <a:r>
-              <a:rPr lang="en-US" dirty="0" err="1" smtClean="0"/>
-              <a:t>var</a:t>
-            </a:r>
-            <a:r>
-              <a:rPr lang="en-US" dirty="0" smtClean="0"/>
-              <a:t> a = null;</a:t>
-            </a:r>
+            <a:endParaRPr lang="en-US" dirty="0" smtClean="0"/>
+          </a:p>
+          <a:p>
+            <a:pPr lvl="1" indent="0">
+              <a:spcBef>
+                <a:spcPts val="0"/>
+              </a:spcBef>
+              <a:buNone/>
+            </a:pPr>
+            <a:endParaRPr lang="en-US" dirty="0"/>
           </a:p>
           <a:p>
             <a:pPr lvl="1" indent="0">
@@ -8908,8 +11667,8 @@
               <a:buNone/>
             </a:pPr>
             <a:r>
-              <a:rPr lang="en-US" dirty="0" smtClean="0"/>
-              <a:t>if (!a) {</a:t>
+              <a:rPr lang="en-US" b="1" dirty="0" smtClean="0"/>
+              <a:t>Usually used to check if null or undefined:</a:t>
             </a:r>
           </a:p>
           <a:p>
@@ -8919,10 +11678,7 @@
               </a:spcBef>
               <a:buNone/>
             </a:pPr>
-            <a:r>
-              <a:rPr lang="en-US" dirty="0" smtClean="0"/>
-              <a:t>    console.log(“true”);</a:t>
-            </a:r>
+            <a:endParaRPr lang="en-US" b="1" dirty="0"/>
           </a:p>
           <a:p>
             <a:pPr lvl="1" indent="0">
@@ -8932,25 +11688,68 @@
               <a:buNone/>
             </a:pPr>
             <a:r>
-              <a:rPr lang="en-US" dirty="0" smtClean="0"/>
-              <a:t>}</a:t>
+              <a:rPr lang="en-US" dirty="0" err="1" smtClean="0"/>
+              <a:t>var</a:t>
+            </a:r>
+            <a:r>
+              <a:rPr lang="en-US" dirty="0" smtClean="0"/>
+              <a:t> </a:t>
+            </a:r>
+            <a:r>
+              <a:rPr lang="en-US" dirty="0" smtClean="0"/>
+              <a:t>a = null;</a:t>
             </a:r>
           </a:p>
           <a:p>
             <a:pPr lvl="1" indent="0">
+              <a:spcBef>
+                <a:spcPts val="0"/>
+              </a:spcBef>
               <a:buNone/>
             </a:pPr>
-            <a:endParaRPr lang="en-US" dirty="0"/>
+            <a:endParaRPr lang="en-US" dirty="0" smtClean="0"/>
           </a:p>
           <a:p>
             <a:pPr lvl="1" indent="0">
+              <a:spcBef>
+                <a:spcPts val="0"/>
+              </a:spcBef>
               <a:buNone/>
             </a:pPr>
             <a:r>
               <a:rPr lang="en-US" dirty="0" smtClean="0"/>
-              <a:t>Not executed</a:t>
-            </a:r>
-            <a:endParaRPr lang="en-US" dirty="0"/>
+              <a:t>if (!a) {</a:t>
+            </a:r>
+          </a:p>
+          <a:p>
+            <a:pPr lvl="1" indent="0">
+              <a:spcBef>
+                <a:spcPts val="0"/>
+              </a:spcBef>
+              <a:buNone/>
+            </a:pPr>
+            <a:r>
+              <a:rPr lang="en-US" dirty="0" smtClean="0"/>
+              <a:t>    </a:t>
+            </a:r>
+            <a:r>
+              <a:rPr lang="en-US" dirty="0" smtClean="0"/>
+              <a:t>// will not execute</a:t>
+            </a:r>
+            <a:endParaRPr lang="en-US" dirty="0" smtClean="0"/>
+          </a:p>
+          <a:p>
+            <a:pPr lvl="1" indent="0">
+              <a:spcBef>
+                <a:spcPts val="0"/>
+              </a:spcBef>
+              <a:buNone/>
+            </a:pPr>
+            <a:r>
+              <a:rPr lang="en-US" dirty="0" smtClean="0"/>
+              <a:t>}</a:t>
+            </a:r>
+            <a:endParaRPr lang="en-US" dirty="0" smtClean="0"/>
           </a:p>
         </p:txBody>
       </p:sp>
@@ -8967,7 +11766,7 @@
 </p:sld>
 </file>
 
-<file path=ppt/slides/slide6.xml><?xml version="1.0" encoding="utf-8"?>
+<file path=ppt/slides/slide8.xml><?xml version="1.0" encoding="utf-8"?>
 <p:sld xmlns:a="http://schemas.openxmlformats.org/drawingml/2006/main" xmlns:r="http://schemas.openxmlformats.org/officeDocument/2006/relationships" xmlns:p="http://schemas.openxmlformats.org/presentationml/2006/main">
   <p:cSld>
     <p:spTree>
@@ -11091,1481 +13890,12 @@
             <a:fld id="{B945A87F-2CE4-4B6D-B6BF-F6BF6C5CB292}" type="slidenum">
               <a:rPr smtClean="0"/>
               <a:pPr/>
-              <a:t>6</a:t>
-            </a:fld>
-            <a:endParaRPr dirty="0"/>
-          </a:p>
-        </p:txBody>
-      </p:sp>
-    </p:spTree>
-    <p:extLst>
-      <p:ext uri="{BB962C8B-B14F-4D97-AF65-F5344CB8AC3E}">
-        <p14:creationId xmlns:p14="http://schemas.microsoft.com/office/powerpoint/2010/main" val="2884851122"/>
-      </p:ext>
-    </p:extLst>
-  </p:cSld>
-  <p:clrMapOvr>
-    <a:masterClrMapping/>
-  </p:clrMapOvr>
-</p:sld>
-</file>
-
-<file path=ppt/slides/slide7.xml><?xml version="1.0" encoding="utf-8"?>
-<p:sld xmlns:a="http://schemas.openxmlformats.org/drawingml/2006/main" xmlns:r="http://schemas.openxmlformats.org/officeDocument/2006/relationships" xmlns:p="http://schemas.openxmlformats.org/presentationml/2006/main">
-  <p:cSld>
-    <p:spTree>
-      <p:nvGrpSpPr>
-        <p:cNvPr id="1" name=""/>
-        <p:cNvGrpSpPr/>
-        <p:nvPr/>
-      </p:nvGrpSpPr>
-      <p:grpSpPr>
-        <a:xfrm>
-          <a:off x="0" y="0"/>
-          <a:ext cx="0" cy="0"/>
-          <a:chOff x="0" y="0"/>
-          <a:chExt cx="0" cy="0"/>
-        </a:xfrm>
-      </p:grpSpPr>
-      <p:sp>
-        <p:nvSpPr>
-          <p:cNvPr id="2" name="Title 1"/>
-          <p:cNvSpPr>
-            <a:spLocks noGrp="1"/>
-          </p:cNvSpPr>
-          <p:nvPr>
-            <p:ph type="title"/>
-          </p:nvPr>
-        </p:nvSpPr>
-        <p:spPr/>
-        <p:txBody>
-          <a:bodyPr/>
-          <a:lstStyle/>
-          <a:p>
-            <a:r>
-              <a:rPr lang="en-US" dirty="0" smtClean="0"/>
-              <a:t>Member operator</a:t>
-            </a:r>
-            <a:endParaRPr lang="en-US" dirty="0"/>
-          </a:p>
-        </p:txBody>
-      </p:sp>
-      <p:sp>
-        <p:nvSpPr>
-          <p:cNvPr id="3" name="Content Placeholder 2"/>
-          <p:cNvSpPr>
-            <a:spLocks noGrp="1"/>
-          </p:cNvSpPr>
-          <p:nvPr>
-            <p:ph idx="1"/>
-          </p:nvPr>
-        </p:nvSpPr>
-        <p:spPr/>
-        <p:txBody>
-          <a:bodyPr/>
-          <a:lstStyle/>
-          <a:p>
-            <a:pPr marL="342900" indent="-342900">
-              <a:buFont typeface="Arial" panose="020B0604020202020204" pitchFamily="34" charset="0"/>
-              <a:buChar char="•"/>
-            </a:pPr>
-            <a:r>
-              <a:rPr lang="en-US" dirty="0" smtClean="0"/>
-              <a:t>In array: </a:t>
-            </a:r>
-            <a:r>
-              <a:rPr lang="en-US" dirty="0" err="1" smtClean="0"/>
-              <a:t>arr</a:t>
-            </a:r>
-            <a:r>
-              <a:rPr lang="en-US" dirty="0" smtClean="0"/>
-              <a:t>[4]</a:t>
-            </a:r>
-          </a:p>
-          <a:p>
-            <a:pPr marL="342900" indent="-342900">
-              <a:buFont typeface="Arial" panose="020B0604020202020204" pitchFamily="34" charset="0"/>
-              <a:buChar char="•"/>
-            </a:pPr>
-            <a:endParaRPr lang="en-US" dirty="0"/>
-          </a:p>
-          <a:p>
-            <a:pPr marL="342900" indent="-342900">
-              <a:buFont typeface="Arial" panose="020B0604020202020204" pitchFamily="34" charset="0"/>
-              <a:buChar char="•"/>
-            </a:pPr>
-            <a:r>
-              <a:rPr lang="en-US" dirty="0" smtClean="0"/>
-              <a:t>In object:</a:t>
-            </a:r>
-          </a:p>
-          <a:p>
-            <a:pPr marL="608013" lvl="1" indent="-342900">
-              <a:buFont typeface="Arial" panose="020B0604020202020204" pitchFamily="34" charset="0"/>
-              <a:buChar char="•"/>
-            </a:pPr>
-            <a:r>
-              <a:rPr lang="en-US" dirty="0" err="1" smtClean="0"/>
-              <a:t>obj.someProperty</a:t>
-            </a:r>
-            <a:endParaRPr lang="en-US" dirty="0" smtClean="0"/>
-          </a:p>
-          <a:p>
-            <a:pPr marL="608013" lvl="1" indent="-342900">
-              <a:buFont typeface="Arial" panose="020B0604020202020204" pitchFamily="34" charset="0"/>
-              <a:buChar char="•"/>
-            </a:pPr>
-            <a:r>
-              <a:rPr lang="en-US" dirty="0" err="1" smtClean="0"/>
-              <a:t>obj</a:t>
-            </a:r>
-            <a:r>
-              <a:rPr lang="en-US" dirty="0" smtClean="0"/>
-              <a:t>[“</a:t>
-            </a:r>
-            <a:r>
-              <a:rPr lang="en-US" dirty="0" err="1" smtClean="0"/>
-              <a:t>someProperty</a:t>
-            </a:r>
-            <a:r>
-              <a:rPr lang="en-US" dirty="0" smtClean="0"/>
-              <a:t>”]</a:t>
-            </a:r>
-          </a:p>
-          <a:p>
-            <a:pPr marL="608013" lvl="1" indent="-342900">
-              <a:buFont typeface="Arial" panose="020B0604020202020204" pitchFamily="34" charset="0"/>
-              <a:buChar char="•"/>
-            </a:pPr>
-            <a:r>
-              <a:rPr lang="en-US" dirty="0" smtClean="0"/>
-              <a:t>Objects are hash maps as well</a:t>
-            </a:r>
-          </a:p>
-        </p:txBody>
-      </p:sp>
-      <p:sp>
-        <p:nvSpPr>
-          <p:cNvPr id="4" name="Date Placeholder 3"/>
-          <p:cNvSpPr>
-            <a:spLocks noGrp="1"/>
-          </p:cNvSpPr>
-          <p:nvPr>
-            <p:ph type="dt" sz="half" idx="10"/>
-          </p:nvPr>
-        </p:nvSpPr>
-        <p:spPr/>
-        <p:txBody>
-          <a:bodyPr/>
-          <a:lstStyle/>
-          <a:p>
-            <a:r>
-              <a:rPr lang="en-US" dirty="0" smtClean="0"/>
-              <a:t>14. August 2015</a:t>
-            </a:r>
-            <a:endParaRPr lang="en-US" dirty="0"/>
-          </a:p>
-        </p:txBody>
-      </p:sp>
-      <p:sp>
-        <p:nvSpPr>
-          <p:cNvPr id="6" name="Text Placeholder 5"/>
-          <p:cNvSpPr>
-            <a:spLocks noGrp="1"/>
-          </p:cNvSpPr>
-          <p:nvPr>
-            <p:ph type="body" sz="quarter" idx="13"/>
-          </p:nvPr>
-        </p:nvSpPr>
-        <p:spPr/>
-        <p:txBody>
-          <a:bodyPr/>
-          <a:lstStyle/>
-          <a:p>
-            <a:endParaRPr lang="en-US" dirty="0"/>
-          </a:p>
-        </p:txBody>
-      </p:sp>
-      <p:sp>
-        <p:nvSpPr>
-          <p:cNvPr id="7" name="Footer Placeholder 6"/>
-          <p:cNvSpPr>
-            <a:spLocks noGrp="1"/>
-          </p:cNvSpPr>
-          <p:nvPr>
-            <p:ph type="ftr" sz="quarter" idx="11"/>
-          </p:nvPr>
-        </p:nvSpPr>
-        <p:spPr/>
-        <p:txBody>
-          <a:bodyPr/>
-          <a:lstStyle/>
-          <a:p>
-            <a:r>
-              <a:rPr lang="en-US" dirty="0" err="1" smtClean="0"/>
-              <a:t>Javascript</a:t>
-            </a:r>
-            <a:r>
-              <a:rPr lang="en-US" dirty="0" smtClean="0"/>
-              <a:t> Basics | </a:t>
-            </a:r>
-            <a:r>
-              <a:rPr lang="en-US" dirty="0" err="1" smtClean="0"/>
-              <a:t>nesp</a:t>
-            </a:r>
-            <a:r>
-              <a:rPr lang="en-US" dirty="0" smtClean="0"/>
-              <a:t>, </a:t>
-            </a:r>
-            <a:r>
-              <a:rPr lang="en-US" dirty="0" err="1" smtClean="0"/>
-              <a:t>stmi</a:t>
-            </a:r>
-            <a:r>
-              <a:rPr lang="en-US" dirty="0" smtClean="0"/>
-              <a:t>, </a:t>
-            </a:r>
-            <a:r>
-              <a:rPr lang="en-US" dirty="0" err="1" smtClean="0"/>
-              <a:t>mabo</a:t>
-            </a:r>
-            <a:endParaRPr lang="en-US" dirty="0"/>
-          </a:p>
-        </p:txBody>
-      </p:sp>
-      <p:sp>
-        <p:nvSpPr>
-          <p:cNvPr id="9" name="Slide Number Placeholder 8"/>
-          <p:cNvSpPr>
-            <a:spLocks noGrp="1"/>
-          </p:cNvSpPr>
-          <p:nvPr>
-            <p:ph type="sldNum" sz="quarter" idx="12"/>
-          </p:nvPr>
-        </p:nvSpPr>
-        <p:spPr/>
-        <p:txBody>
-          <a:bodyPr/>
-          <a:lstStyle/>
-          <a:p>
-            <a:r>
-              <a:rPr lang="en-GB" smtClean="0"/>
-              <a:t>Slide </a:t>
-            </a:r>
-            <a:fld id="{B945A87F-2CE4-4B6D-B6BF-F6BF6C5CB292}" type="slidenum">
-              <a:rPr smtClean="0"/>
-              <a:pPr/>
-              <a:t>7</a:t>
-            </a:fld>
-            <a:endParaRPr dirty="0"/>
-          </a:p>
-        </p:txBody>
-      </p:sp>
-    </p:spTree>
-    <p:extLst>
-      <p:ext uri="{BB962C8B-B14F-4D97-AF65-F5344CB8AC3E}">
-        <p14:creationId xmlns:p14="http://schemas.microsoft.com/office/powerpoint/2010/main" val="2884851122"/>
-      </p:ext>
-    </p:extLst>
-  </p:cSld>
-  <p:clrMapOvr>
-    <a:masterClrMapping/>
-  </p:clrMapOvr>
-</p:sld>
-</file>
-
-<file path=ppt/slides/slide8.xml><?xml version="1.0" encoding="utf-8"?>
-<p:sld xmlns:a="http://schemas.openxmlformats.org/drawingml/2006/main" xmlns:r="http://schemas.openxmlformats.org/officeDocument/2006/relationships" xmlns:p="http://schemas.openxmlformats.org/presentationml/2006/main">
-  <p:cSld>
-    <p:spTree>
-      <p:nvGrpSpPr>
-        <p:cNvPr id="1" name=""/>
-        <p:cNvGrpSpPr/>
-        <p:nvPr/>
-      </p:nvGrpSpPr>
-      <p:grpSpPr>
-        <a:xfrm>
-          <a:off x="0" y="0"/>
-          <a:ext cx="0" cy="0"/>
-          <a:chOff x="0" y="0"/>
-          <a:chExt cx="0" cy="0"/>
-        </a:xfrm>
-      </p:grpSpPr>
-      <p:sp>
-        <p:nvSpPr>
-          <p:cNvPr id="2" name="Title 1"/>
-          <p:cNvSpPr>
-            <a:spLocks noGrp="1"/>
-          </p:cNvSpPr>
-          <p:nvPr>
-            <p:ph type="title"/>
-          </p:nvPr>
-        </p:nvSpPr>
-        <p:spPr/>
-        <p:txBody>
-          <a:bodyPr/>
-          <a:lstStyle/>
-          <a:p>
-            <a:r>
-              <a:rPr lang="en-GB" b="1" dirty="0" err="1" smtClean="0"/>
-              <a:t>typeof</a:t>
-            </a:r>
-            <a:r>
-              <a:rPr lang="en-GB" b="1" dirty="0" smtClean="0"/>
-              <a:t>  </a:t>
-            </a:r>
-            <a:r>
-              <a:rPr lang="en-GB" dirty="0" smtClean="0"/>
-              <a:t>operator</a:t>
-            </a:r>
-            <a:endParaRPr lang="en-US" b="1" dirty="0"/>
-          </a:p>
-        </p:txBody>
-      </p:sp>
-      <p:sp>
-        <p:nvSpPr>
-          <p:cNvPr id="3" name="Content Placeholder 2"/>
-          <p:cNvSpPr>
-            <a:spLocks noGrp="1"/>
-          </p:cNvSpPr>
-          <p:nvPr>
-            <p:ph idx="1"/>
-          </p:nvPr>
-        </p:nvSpPr>
-        <p:spPr/>
-        <p:txBody>
-          <a:bodyPr/>
-          <a:lstStyle/>
-          <a:p>
-            <a:pPr marL="342900" indent="-342900">
-              <a:buFont typeface="Arial" panose="020B0604020202020204" pitchFamily="34" charset="0"/>
-              <a:buChar char="•"/>
-            </a:pPr>
-            <a:r>
-              <a:rPr lang="en-US" dirty="0" smtClean="0"/>
-              <a:t>Returns a string</a:t>
-            </a:r>
-            <a:endParaRPr lang="en-US" dirty="0"/>
-          </a:p>
-          <a:p>
-            <a:pPr marL="342900" indent="-342900">
-              <a:buFont typeface="Arial" panose="020B0604020202020204" pitchFamily="34" charset="0"/>
-              <a:buChar char="•"/>
-            </a:pPr>
-            <a:r>
-              <a:rPr lang="en-US" dirty="0" err="1" smtClean="0"/>
-              <a:t>typeof</a:t>
-            </a:r>
-            <a:r>
-              <a:rPr lang="en-US" dirty="0" smtClean="0"/>
-              <a:t> </a:t>
-            </a:r>
-            <a:r>
-              <a:rPr lang="en-US" dirty="0"/>
-              <a:t>37 === 'number</a:t>
-            </a:r>
-            <a:r>
-              <a:rPr lang="en-US" dirty="0" smtClean="0"/>
-              <a:t>';</a:t>
-            </a:r>
-          </a:p>
-          <a:p>
-            <a:endParaRPr lang="en-US" dirty="0" smtClean="0"/>
-          </a:p>
-          <a:p>
-            <a:endParaRPr lang="en-US" dirty="0"/>
-          </a:p>
-          <a:p>
-            <a:endParaRPr lang="en-US" dirty="0"/>
-          </a:p>
-        </p:txBody>
-      </p:sp>
-      <p:sp>
-        <p:nvSpPr>
-          <p:cNvPr id="4" name="Date Placeholder 3"/>
-          <p:cNvSpPr>
-            <a:spLocks noGrp="1"/>
-          </p:cNvSpPr>
-          <p:nvPr>
-            <p:ph type="dt" sz="half" idx="10"/>
-          </p:nvPr>
-        </p:nvSpPr>
-        <p:spPr/>
-        <p:txBody>
-          <a:bodyPr/>
-          <a:lstStyle/>
-          <a:p>
-            <a:r>
-              <a:rPr lang="en-US" dirty="0" smtClean="0"/>
-              <a:t>14. August 2015</a:t>
-            </a:r>
-            <a:endParaRPr lang="en-US" dirty="0"/>
-          </a:p>
-        </p:txBody>
-      </p:sp>
-      <p:sp>
-        <p:nvSpPr>
-          <p:cNvPr id="6" name="Text Placeholder 5"/>
-          <p:cNvSpPr>
-            <a:spLocks noGrp="1"/>
-          </p:cNvSpPr>
-          <p:nvPr>
-            <p:ph type="body" sz="quarter" idx="13"/>
-          </p:nvPr>
-        </p:nvSpPr>
-        <p:spPr/>
-        <p:txBody>
-          <a:bodyPr/>
-          <a:lstStyle/>
-          <a:p>
-            <a:endParaRPr lang="en-US" dirty="0"/>
-          </a:p>
-        </p:txBody>
-      </p:sp>
-      <p:sp>
-        <p:nvSpPr>
-          <p:cNvPr id="7" name="Footer Placeholder 6"/>
-          <p:cNvSpPr>
-            <a:spLocks noGrp="1"/>
-          </p:cNvSpPr>
-          <p:nvPr>
-            <p:ph type="ftr" sz="quarter" idx="11"/>
-          </p:nvPr>
-        </p:nvSpPr>
-        <p:spPr/>
-        <p:txBody>
-          <a:bodyPr/>
-          <a:lstStyle/>
-          <a:p>
-            <a:r>
-              <a:rPr lang="en-US" dirty="0" err="1" smtClean="0"/>
-              <a:t>Javascript</a:t>
-            </a:r>
-            <a:r>
-              <a:rPr lang="en-US" dirty="0" smtClean="0"/>
-              <a:t> Basics | </a:t>
-            </a:r>
-            <a:r>
-              <a:rPr lang="en-US" dirty="0" err="1" smtClean="0"/>
-              <a:t>nesp</a:t>
-            </a:r>
-            <a:r>
-              <a:rPr lang="en-US" dirty="0" smtClean="0"/>
-              <a:t>, </a:t>
-            </a:r>
-            <a:r>
-              <a:rPr lang="en-US" dirty="0" err="1" smtClean="0"/>
-              <a:t>stmi</a:t>
-            </a:r>
-            <a:r>
-              <a:rPr lang="en-US" dirty="0" smtClean="0"/>
-              <a:t>, </a:t>
-            </a:r>
-            <a:r>
-              <a:rPr lang="en-US" dirty="0" err="1" smtClean="0"/>
-              <a:t>mabo</a:t>
-            </a:r>
-            <a:endParaRPr lang="en-US" dirty="0"/>
-          </a:p>
-        </p:txBody>
-      </p:sp>
-      <p:sp>
-        <p:nvSpPr>
-          <p:cNvPr id="9" name="Slide Number Placeholder 8"/>
-          <p:cNvSpPr>
-            <a:spLocks noGrp="1"/>
-          </p:cNvSpPr>
-          <p:nvPr>
-            <p:ph type="sldNum" sz="quarter" idx="12"/>
-          </p:nvPr>
-        </p:nvSpPr>
-        <p:spPr/>
-        <p:txBody>
-          <a:bodyPr/>
-          <a:lstStyle/>
-          <a:p>
-            <a:r>
-              <a:rPr lang="en-GB" smtClean="0"/>
-              <a:t>Slide </a:t>
-            </a:r>
-            <a:fld id="{B945A87F-2CE4-4B6D-B6BF-F6BF6C5CB292}" type="slidenum">
-              <a:rPr smtClean="0"/>
-              <a:pPr/>
               <a:t>8</a:t>
             </a:fld>
             <a:endParaRPr dirty="0"/>
           </a:p>
         </p:txBody>
       </p:sp>
-      <p:graphicFrame>
-        <p:nvGraphicFramePr>
-          <p:cNvPr id="11" name="Table 10"/>
-          <p:cNvGraphicFramePr>
-            <a:graphicFrameLocks noGrp="1"/>
-          </p:cNvGraphicFramePr>
-          <p:nvPr>
-            <p:extLst>
-              <p:ext uri="{D42A27DB-BD31-4B8C-83A1-F6EECF244321}">
-                <p14:modId xmlns:p14="http://schemas.microsoft.com/office/powerpoint/2010/main" val="2858567720"/>
-              </p:ext>
-            </p:extLst>
-          </p:nvPr>
-        </p:nvGraphicFramePr>
-        <p:xfrm>
-          <a:off x="4142805" y="2996952"/>
-          <a:ext cx="4563616" cy="3114154"/>
-        </p:xfrm>
-        <a:graphic>
-          <a:graphicData uri="http://schemas.openxmlformats.org/drawingml/2006/table">
-            <a:tbl>
-              <a:tblPr/>
-              <a:tblGrid>
-                <a:gridCol w="2281808"/>
-                <a:gridCol w="2281808"/>
-              </a:tblGrid>
-              <a:tr h="298651">
-                <a:tc>
-                  <a:txBody>
-                    <a:bodyPr/>
-                    <a:lstStyle/>
-                    <a:p>
-                      <a:pPr algn="l"/>
-                      <a:r>
-                        <a:rPr lang="en-GB" b="1" dirty="0" smtClean="0">
-                          <a:effectLst/>
-                          <a:latin typeface="Open Sans Light"/>
-                        </a:rPr>
-                        <a:t>Type</a:t>
-                      </a:r>
-                      <a:endParaRPr lang="en-GB" b="1" dirty="0">
-                        <a:effectLst/>
-                        <a:latin typeface="Open Sans Light"/>
-                      </a:endParaRPr>
-                    </a:p>
-                  </a:txBody>
-                  <a:tcPr marL="76200" marR="76200" marT="19050" marB="38100" anchor="ctr">
-                    <a:lnL w="19050" cap="flat" cmpd="sng" algn="ctr">
-                      <a:solidFill>
-                        <a:srgbClr val="FFFFFF"/>
-                      </a:solidFill>
-                      <a:prstDash val="solid"/>
-                      <a:round/>
-                      <a:headEnd type="none" w="med" len="med"/>
-                      <a:tailEnd type="none" w="med" len="med"/>
-                    </a:lnL>
-                    <a:lnR w="19050" cap="flat" cmpd="sng" algn="ctr">
-                      <a:solidFill>
-                        <a:srgbClr val="FFFFFF"/>
-                      </a:solidFill>
-                      <a:prstDash val="solid"/>
-                      <a:round/>
-                      <a:headEnd type="none" w="med" len="med"/>
-                      <a:tailEnd type="none" w="med" len="med"/>
-                    </a:lnR>
-                    <a:lnT w="19050" cap="flat" cmpd="sng" algn="ctr">
-                      <a:solidFill>
-                        <a:srgbClr val="FFFFFF"/>
-                      </a:solidFill>
-                      <a:prstDash val="solid"/>
-                      <a:round/>
-                      <a:headEnd type="none" w="med" len="med"/>
-                      <a:tailEnd type="none" w="med" len="med"/>
-                    </a:lnT>
-                    <a:lnB w="19050" cap="flat" cmpd="sng" algn="ctr">
-                      <a:solidFill>
-                        <a:srgbClr val="FFFFFF"/>
-                      </a:solidFill>
-                      <a:prstDash val="solid"/>
-                      <a:round/>
-                      <a:headEnd type="none" w="med" len="med"/>
-                      <a:tailEnd type="none" w="med" len="med"/>
-                    </a:lnB>
-                    <a:solidFill>
-                      <a:srgbClr val="FFFFFF"/>
-                    </a:solidFill>
-                  </a:tcPr>
-                </a:tc>
-                <a:tc>
-                  <a:txBody>
-                    <a:bodyPr/>
-                    <a:lstStyle/>
-                    <a:p>
-                      <a:pPr algn="l"/>
-                      <a:r>
-                        <a:rPr lang="en-GB" b="1" dirty="0">
-                          <a:effectLst/>
-                          <a:latin typeface="Open Sans Light"/>
-                        </a:rPr>
-                        <a:t>Result</a:t>
-                      </a:r>
-                    </a:p>
-                  </a:txBody>
-                  <a:tcPr marL="76200" marR="76200" marT="19050" marB="38100" anchor="ctr">
-                    <a:lnL w="19050" cap="flat" cmpd="sng" algn="ctr">
-                      <a:solidFill>
-                        <a:srgbClr val="FFFFFF"/>
-                      </a:solidFill>
-                      <a:prstDash val="solid"/>
-                      <a:round/>
-                      <a:headEnd type="none" w="med" len="med"/>
-                      <a:tailEnd type="none" w="med" len="med"/>
-                    </a:lnL>
-                    <a:lnR w="19050" cap="flat" cmpd="sng" algn="ctr">
-                      <a:solidFill>
-                        <a:srgbClr val="FFFFFF"/>
-                      </a:solidFill>
-                      <a:prstDash val="solid"/>
-                      <a:round/>
-                      <a:headEnd type="none" w="med" len="med"/>
-                      <a:tailEnd type="none" w="med" len="med"/>
-                    </a:lnR>
-                    <a:lnT w="19050" cap="flat" cmpd="sng" algn="ctr">
-                      <a:solidFill>
-                        <a:srgbClr val="FFFFFF"/>
-                      </a:solidFill>
-                      <a:prstDash val="solid"/>
-                      <a:round/>
-                      <a:headEnd type="none" w="med" len="med"/>
-                      <a:tailEnd type="none" w="med" len="med"/>
-                    </a:lnT>
-                    <a:lnB w="19050" cap="flat" cmpd="sng" algn="ctr">
-                      <a:solidFill>
-                        <a:srgbClr val="FFFFFF"/>
-                      </a:solidFill>
-                      <a:prstDash val="solid"/>
-                      <a:round/>
-                      <a:headEnd type="none" w="med" len="med"/>
-                      <a:tailEnd type="none" w="med" len="med"/>
-                    </a:lnB>
-                    <a:solidFill>
-                      <a:srgbClr val="FFFFFF"/>
-                    </a:solidFill>
-                  </a:tcPr>
-                </a:tc>
-              </a:tr>
-              <a:tr h="350142">
-                <a:tc>
-                  <a:txBody>
-                    <a:bodyPr/>
-                    <a:lstStyle/>
-                    <a:p>
-                      <a:pPr algn="l"/>
-                      <a:r>
-                        <a:rPr lang="en-GB">
-                          <a:effectLst/>
-                        </a:rPr>
-                        <a:t>Undefined</a:t>
-                      </a:r>
-                    </a:p>
-                  </a:txBody>
-                  <a:tcPr marL="76200" marR="76200" marT="57150" marB="57150" anchor="ctr">
-                    <a:lnL w="19050" cap="flat" cmpd="sng" algn="ctr">
-                      <a:solidFill>
-                        <a:srgbClr val="FFFFFF"/>
-                      </a:solidFill>
-                      <a:prstDash val="solid"/>
-                      <a:round/>
-                      <a:headEnd type="none" w="med" len="med"/>
-                      <a:tailEnd type="none" w="med" len="med"/>
-                    </a:lnL>
-                    <a:lnR w="19050" cap="flat" cmpd="sng" algn="ctr">
-                      <a:solidFill>
-                        <a:srgbClr val="FFFFFF"/>
-                      </a:solidFill>
-                      <a:prstDash val="solid"/>
-                      <a:round/>
-                      <a:headEnd type="none" w="med" len="med"/>
-                      <a:tailEnd type="none" w="med" len="med"/>
-                    </a:lnR>
-                    <a:lnT w="19050" cap="flat" cmpd="sng" algn="ctr">
-                      <a:solidFill>
-                        <a:srgbClr val="FFFFFF"/>
-                      </a:solidFill>
-                      <a:prstDash val="solid"/>
-                      <a:round/>
-                      <a:headEnd type="none" w="med" len="med"/>
-                      <a:tailEnd type="none" w="med" len="med"/>
-                    </a:lnT>
-                    <a:lnB w="19050" cap="flat" cmpd="sng" algn="ctr">
-                      <a:solidFill>
-                        <a:srgbClr val="FFFFFF"/>
-                      </a:solidFill>
-                      <a:prstDash val="solid"/>
-                      <a:round/>
-                      <a:headEnd type="none" w="med" len="med"/>
-                      <a:tailEnd type="none" w="med" len="med"/>
-                    </a:lnB>
-                    <a:solidFill>
-                      <a:srgbClr val="FFFFFF"/>
-                    </a:solidFill>
-                  </a:tcPr>
-                </a:tc>
-                <a:tc>
-                  <a:txBody>
-                    <a:bodyPr/>
-                    <a:lstStyle/>
-                    <a:p>
-                      <a:pPr algn="l"/>
-                      <a:r>
-                        <a:rPr lang="en-GB" dirty="0">
-                          <a:effectLst/>
-                        </a:rPr>
-                        <a:t>"undefined"</a:t>
-                      </a:r>
-                    </a:p>
-                  </a:txBody>
-                  <a:tcPr marL="76200" marR="76200" marT="57150" marB="57150" anchor="ctr">
-                    <a:lnL w="19050" cap="flat" cmpd="sng" algn="ctr">
-                      <a:solidFill>
-                        <a:srgbClr val="FFFFFF"/>
-                      </a:solidFill>
-                      <a:prstDash val="solid"/>
-                      <a:round/>
-                      <a:headEnd type="none" w="med" len="med"/>
-                      <a:tailEnd type="none" w="med" len="med"/>
-                    </a:lnL>
-                    <a:lnR w="19050" cap="flat" cmpd="sng" algn="ctr">
-                      <a:solidFill>
-                        <a:srgbClr val="FFFFFF"/>
-                      </a:solidFill>
-                      <a:prstDash val="solid"/>
-                      <a:round/>
-                      <a:headEnd type="none" w="med" len="med"/>
-                      <a:tailEnd type="none" w="med" len="med"/>
-                    </a:lnR>
-                    <a:lnT w="19050" cap="flat" cmpd="sng" algn="ctr">
-                      <a:solidFill>
-                        <a:srgbClr val="FFFFFF"/>
-                      </a:solidFill>
-                      <a:prstDash val="solid"/>
-                      <a:round/>
-                      <a:headEnd type="none" w="med" len="med"/>
-                      <a:tailEnd type="none" w="med" len="med"/>
-                    </a:lnT>
-                    <a:lnB w="19050" cap="flat" cmpd="sng" algn="ctr">
-                      <a:solidFill>
-                        <a:srgbClr val="FFFFFF"/>
-                      </a:solidFill>
-                      <a:prstDash val="solid"/>
-                      <a:round/>
-                      <a:headEnd type="none" w="med" len="med"/>
-                      <a:tailEnd type="none" w="med" len="med"/>
-                    </a:lnB>
-                    <a:solidFill>
-                      <a:srgbClr val="FFFFFF"/>
-                    </a:solidFill>
-                  </a:tcPr>
-                </a:tc>
-              </a:tr>
-              <a:tr h="350142">
-                <a:tc>
-                  <a:txBody>
-                    <a:bodyPr/>
-                    <a:lstStyle/>
-                    <a:p>
-                      <a:pPr algn="l"/>
-                      <a:r>
-                        <a:rPr lang="en-GB" dirty="0">
-                          <a:effectLst/>
-                        </a:rPr>
-                        <a:t>Null</a:t>
-                      </a:r>
-                    </a:p>
-                  </a:txBody>
-                  <a:tcPr marL="76200" marR="76200" marT="57150" marB="57150" anchor="ctr">
-                    <a:lnL w="19050" cap="flat" cmpd="sng" algn="ctr">
-                      <a:solidFill>
-                        <a:srgbClr val="FFFFFF"/>
-                      </a:solidFill>
-                      <a:prstDash val="solid"/>
-                      <a:round/>
-                      <a:headEnd type="none" w="med" len="med"/>
-                      <a:tailEnd type="none" w="med" len="med"/>
-                    </a:lnL>
-                    <a:lnR w="19050" cap="flat" cmpd="sng" algn="ctr">
-                      <a:solidFill>
-                        <a:srgbClr val="FFFFFF"/>
-                      </a:solidFill>
-                      <a:prstDash val="solid"/>
-                      <a:round/>
-                      <a:headEnd type="none" w="med" len="med"/>
-                      <a:tailEnd type="none" w="med" len="med"/>
-                    </a:lnR>
-                    <a:lnT w="19050" cap="flat" cmpd="sng" algn="ctr">
-                      <a:solidFill>
-                        <a:srgbClr val="FFFFFF"/>
-                      </a:solidFill>
-                      <a:prstDash val="solid"/>
-                      <a:round/>
-                      <a:headEnd type="none" w="med" len="med"/>
-                      <a:tailEnd type="none" w="med" len="med"/>
-                    </a:lnT>
-                    <a:lnB w="19050" cap="flat" cmpd="sng" algn="ctr">
-                      <a:solidFill>
-                        <a:srgbClr val="FFFFFF"/>
-                      </a:solidFill>
-                      <a:prstDash val="solid"/>
-                      <a:round/>
-                      <a:headEnd type="none" w="med" len="med"/>
-                      <a:tailEnd type="none" w="med" len="med"/>
-                    </a:lnB>
-                    <a:solidFill>
-                      <a:srgbClr val="FFFFFF"/>
-                    </a:solidFill>
-                  </a:tcPr>
-                </a:tc>
-                <a:tc>
-                  <a:txBody>
-                    <a:bodyPr/>
-                    <a:lstStyle/>
-                    <a:p>
-                      <a:pPr algn="l"/>
-                      <a:r>
-                        <a:rPr lang="en-GB" dirty="0">
-                          <a:effectLst/>
-                        </a:rPr>
-                        <a:t>"object</a:t>
-                      </a:r>
-                      <a:r>
-                        <a:rPr lang="en-GB" dirty="0" smtClean="0">
-                          <a:effectLst/>
-                        </a:rPr>
-                        <a:t>"</a:t>
-                      </a:r>
-                      <a:endParaRPr lang="en-GB" dirty="0">
-                        <a:effectLst/>
-                      </a:endParaRPr>
-                    </a:p>
-                  </a:txBody>
-                  <a:tcPr marL="76200" marR="76200" marT="57150" marB="57150" anchor="ctr">
-                    <a:lnL w="19050" cap="flat" cmpd="sng" algn="ctr">
-                      <a:solidFill>
-                        <a:srgbClr val="FFFFFF"/>
-                      </a:solidFill>
-                      <a:prstDash val="solid"/>
-                      <a:round/>
-                      <a:headEnd type="none" w="med" len="med"/>
-                      <a:tailEnd type="none" w="med" len="med"/>
-                    </a:lnL>
-                    <a:lnR w="19050" cap="flat" cmpd="sng" algn="ctr">
-                      <a:solidFill>
-                        <a:srgbClr val="FFFFFF"/>
-                      </a:solidFill>
-                      <a:prstDash val="solid"/>
-                      <a:round/>
-                      <a:headEnd type="none" w="med" len="med"/>
-                      <a:tailEnd type="none" w="med" len="med"/>
-                    </a:lnR>
-                    <a:lnT w="19050" cap="flat" cmpd="sng" algn="ctr">
-                      <a:solidFill>
-                        <a:srgbClr val="FFFFFF"/>
-                      </a:solidFill>
-                      <a:prstDash val="solid"/>
-                      <a:round/>
-                      <a:headEnd type="none" w="med" len="med"/>
-                      <a:tailEnd type="none" w="med" len="med"/>
-                    </a:lnT>
-                    <a:lnB w="19050" cap="flat" cmpd="sng" algn="ctr">
-                      <a:solidFill>
-                        <a:srgbClr val="FFFFFF"/>
-                      </a:solidFill>
-                      <a:prstDash val="solid"/>
-                      <a:round/>
-                      <a:headEnd type="none" w="med" len="med"/>
-                      <a:tailEnd type="none" w="med" len="med"/>
-                    </a:lnB>
-                    <a:solidFill>
-                      <a:srgbClr val="FFFFFF"/>
-                    </a:solidFill>
-                  </a:tcPr>
-                </a:tc>
-              </a:tr>
-              <a:tr h="350142">
-                <a:tc>
-                  <a:txBody>
-                    <a:bodyPr/>
-                    <a:lstStyle/>
-                    <a:p>
-                      <a:pPr algn="l"/>
-                      <a:r>
-                        <a:rPr lang="en-GB">
-                          <a:effectLst/>
-                        </a:rPr>
-                        <a:t>Boolean</a:t>
-                      </a:r>
-                    </a:p>
-                  </a:txBody>
-                  <a:tcPr marL="76200" marR="76200" marT="57150" marB="57150" anchor="ctr">
-                    <a:lnL w="19050" cap="flat" cmpd="sng" algn="ctr">
-                      <a:solidFill>
-                        <a:srgbClr val="FFFFFF"/>
-                      </a:solidFill>
-                      <a:prstDash val="solid"/>
-                      <a:round/>
-                      <a:headEnd type="none" w="med" len="med"/>
-                      <a:tailEnd type="none" w="med" len="med"/>
-                    </a:lnL>
-                    <a:lnR w="19050" cap="flat" cmpd="sng" algn="ctr">
-                      <a:solidFill>
-                        <a:srgbClr val="FFFFFF"/>
-                      </a:solidFill>
-                      <a:prstDash val="solid"/>
-                      <a:round/>
-                      <a:headEnd type="none" w="med" len="med"/>
-                      <a:tailEnd type="none" w="med" len="med"/>
-                    </a:lnR>
-                    <a:lnT w="19050" cap="flat" cmpd="sng" algn="ctr">
-                      <a:solidFill>
-                        <a:srgbClr val="FFFFFF"/>
-                      </a:solidFill>
-                      <a:prstDash val="solid"/>
-                      <a:round/>
-                      <a:headEnd type="none" w="med" len="med"/>
-                      <a:tailEnd type="none" w="med" len="med"/>
-                    </a:lnT>
-                    <a:lnB w="19050" cap="flat" cmpd="sng" algn="ctr">
-                      <a:solidFill>
-                        <a:srgbClr val="FFFFFF"/>
-                      </a:solidFill>
-                      <a:prstDash val="solid"/>
-                      <a:round/>
-                      <a:headEnd type="none" w="med" len="med"/>
-                      <a:tailEnd type="none" w="med" len="med"/>
-                    </a:lnB>
-                    <a:solidFill>
-                      <a:srgbClr val="FFFFFF"/>
-                    </a:solidFill>
-                  </a:tcPr>
-                </a:tc>
-                <a:tc>
-                  <a:txBody>
-                    <a:bodyPr/>
-                    <a:lstStyle/>
-                    <a:p>
-                      <a:pPr algn="l"/>
-                      <a:r>
-                        <a:rPr lang="en-GB">
-                          <a:effectLst/>
-                        </a:rPr>
-                        <a:t>"boolean"</a:t>
-                      </a:r>
-                    </a:p>
-                  </a:txBody>
-                  <a:tcPr marL="76200" marR="76200" marT="57150" marB="57150" anchor="ctr">
-                    <a:lnL w="19050" cap="flat" cmpd="sng" algn="ctr">
-                      <a:solidFill>
-                        <a:srgbClr val="FFFFFF"/>
-                      </a:solidFill>
-                      <a:prstDash val="solid"/>
-                      <a:round/>
-                      <a:headEnd type="none" w="med" len="med"/>
-                      <a:tailEnd type="none" w="med" len="med"/>
-                    </a:lnL>
-                    <a:lnR w="19050" cap="flat" cmpd="sng" algn="ctr">
-                      <a:solidFill>
-                        <a:srgbClr val="FFFFFF"/>
-                      </a:solidFill>
-                      <a:prstDash val="solid"/>
-                      <a:round/>
-                      <a:headEnd type="none" w="med" len="med"/>
-                      <a:tailEnd type="none" w="med" len="med"/>
-                    </a:lnR>
-                    <a:lnT w="19050" cap="flat" cmpd="sng" algn="ctr">
-                      <a:solidFill>
-                        <a:srgbClr val="FFFFFF"/>
-                      </a:solidFill>
-                      <a:prstDash val="solid"/>
-                      <a:round/>
-                      <a:headEnd type="none" w="med" len="med"/>
-                      <a:tailEnd type="none" w="med" len="med"/>
-                    </a:lnT>
-                    <a:lnB w="19050" cap="flat" cmpd="sng" algn="ctr">
-                      <a:solidFill>
-                        <a:srgbClr val="FFFFFF"/>
-                      </a:solidFill>
-                      <a:prstDash val="solid"/>
-                      <a:round/>
-                      <a:headEnd type="none" w="med" len="med"/>
-                      <a:tailEnd type="none" w="med" len="med"/>
-                    </a:lnB>
-                    <a:solidFill>
-                      <a:srgbClr val="FFFFFF"/>
-                    </a:solidFill>
-                  </a:tcPr>
-                </a:tc>
-              </a:tr>
-              <a:tr h="350142">
-                <a:tc>
-                  <a:txBody>
-                    <a:bodyPr/>
-                    <a:lstStyle/>
-                    <a:p>
-                      <a:pPr algn="l"/>
-                      <a:r>
-                        <a:rPr lang="en-GB">
-                          <a:effectLst/>
-                        </a:rPr>
-                        <a:t>Number</a:t>
-                      </a:r>
-                    </a:p>
-                  </a:txBody>
-                  <a:tcPr marL="76200" marR="76200" marT="57150" marB="57150" anchor="ctr">
-                    <a:lnL w="19050" cap="flat" cmpd="sng" algn="ctr">
-                      <a:solidFill>
-                        <a:srgbClr val="FFFFFF"/>
-                      </a:solidFill>
-                      <a:prstDash val="solid"/>
-                      <a:round/>
-                      <a:headEnd type="none" w="med" len="med"/>
-                      <a:tailEnd type="none" w="med" len="med"/>
-                    </a:lnL>
-                    <a:lnR w="19050" cap="flat" cmpd="sng" algn="ctr">
-                      <a:solidFill>
-                        <a:srgbClr val="FFFFFF"/>
-                      </a:solidFill>
-                      <a:prstDash val="solid"/>
-                      <a:round/>
-                      <a:headEnd type="none" w="med" len="med"/>
-                      <a:tailEnd type="none" w="med" len="med"/>
-                    </a:lnR>
-                    <a:lnT w="19050" cap="flat" cmpd="sng" algn="ctr">
-                      <a:solidFill>
-                        <a:srgbClr val="FFFFFF"/>
-                      </a:solidFill>
-                      <a:prstDash val="solid"/>
-                      <a:round/>
-                      <a:headEnd type="none" w="med" len="med"/>
-                      <a:tailEnd type="none" w="med" len="med"/>
-                    </a:lnT>
-                    <a:lnB w="19050" cap="flat" cmpd="sng" algn="ctr">
-                      <a:solidFill>
-                        <a:srgbClr val="FFFFFF"/>
-                      </a:solidFill>
-                      <a:prstDash val="solid"/>
-                      <a:round/>
-                      <a:headEnd type="none" w="med" len="med"/>
-                      <a:tailEnd type="none" w="med" len="med"/>
-                    </a:lnB>
-                    <a:solidFill>
-                      <a:srgbClr val="FFFFFF"/>
-                    </a:solidFill>
-                  </a:tcPr>
-                </a:tc>
-                <a:tc>
-                  <a:txBody>
-                    <a:bodyPr/>
-                    <a:lstStyle/>
-                    <a:p>
-                      <a:pPr algn="l"/>
-                      <a:r>
-                        <a:rPr lang="en-GB">
-                          <a:effectLst/>
-                        </a:rPr>
-                        <a:t>"number"</a:t>
-                      </a:r>
-                    </a:p>
-                  </a:txBody>
-                  <a:tcPr marL="76200" marR="76200" marT="57150" marB="57150" anchor="ctr">
-                    <a:lnL w="19050" cap="flat" cmpd="sng" algn="ctr">
-                      <a:solidFill>
-                        <a:srgbClr val="FFFFFF"/>
-                      </a:solidFill>
-                      <a:prstDash val="solid"/>
-                      <a:round/>
-                      <a:headEnd type="none" w="med" len="med"/>
-                      <a:tailEnd type="none" w="med" len="med"/>
-                    </a:lnL>
-                    <a:lnR w="19050" cap="flat" cmpd="sng" algn="ctr">
-                      <a:solidFill>
-                        <a:srgbClr val="FFFFFF"/>
-                      </a:solidFill>
-                      <a:prstDash val="solid"/>
-                      <a:round/>
-                      <a:headEnd type="none" w="med" len="med"/>
-                      <a:tailEnd type="none" w="med" len="med"/>
-                    </a:lnR>
-                    <a:lnT w="19050" cap="flat" cmpd="sng" algn="ctr">
-                      <a:solidFill>
-                        <a:srgbClr val="FFFFFF"/>
-                      </a:solidFill>
-                      <a:prstDash val="solid"/>
-                      <a:round/>
-                      <a:headEnd type="none" w="med" len="med"/>
-                      <a:tailEnd type="none" w="med" len="med"/>
-                    </a:lnT>
-                    <a:lnB w="19050" cap="flat" cmpd="sng" algn="ctr">
-                      <a:solidFill>
-                        <a:srgbClr val="FFFFFF"/>
-                      </a:solidFill>
-                      <a:prstDash val="solid"/>
-                      <a:round/>
-                      <a:headEnd type="none" w="med" len="med"/>
-                      <a:tailEnd type="none" w="med" len="med"/>
-                    </a:lnB>
-                    <a:solidFill>
-                      <a:srgbClr val="FFFFFF"/>
-                    </a:solidFill>
-                  </a:tcPr>
-                </a:tc>
-              </a:tr>
-              <a:tr h="407536">
-                <a:tc>
-                  <a:txBody>
-                    <a:bodyPr/>
-                    <a:lstStyle/>
-                    <a:p>
-                      <a:pPr algn="l"/>
-                      <a:r>
-                        <a:rPr lang="en-GB" dirty="0" smtClean="0">
-                          <a:effectLst/>
-                        </a:rPr>
-                        <a:t>String</a:t>
-                      </a:r>
-                      <a:endParaRPr lang="en-GB" dirty="0">
-                        <a:effectLst/>
-                      </a:endParaRPr>
-                    </a:p>
-                  </a:txBody>
-                  <a:tcPr marL="76200" marR="76200" marT="57150" marB="57150" anchor="ctr">
-                    <a:lnL w="19050" cap="flat" cmpd="sng" algn="ctr">
-                      <a:solidFill>
-                        <a:srgbClr val="FFFFFF"/>
-                      </a:solidFill>
-                      <a:prstDash val="solid"/>
-                      <a:round/>
-                      <a:headEnd type="none" w="med" len="med"/>
-                      <a:tailEnd type="none" w="med" len="med"/>
-                    </a:lnL>
-                    <a:lnR w="19050" cap="flat" cmpd="sng" algn="ctr">
-                      <a:solidFill>
-                        <a:srgbClr val="FFFFFF"/>
-                      </a:solidFill>
-                      <a:prstDash val="solid"/>
-                      <a:round/>
-                      <a:headEnd type="none" w="med" len="med"/>
-                      <a:tailEnd type="none" w="med" len="med"/>
-                    </a:lnR>
-                    <a:lnT w="19050" cap="flat" cmpd="sng" algn="ctr">
-                      <a:solidFill>
-                        <a:srgbClr val="FFFFFF"/>
-                      </a:solidFill>
-                      <a:prstDash val="solid"/>
-                      <a:round/>
-                      <a:headEnd type="none" w="med" len="med"/>
-                      <a:tailEnd type="none" w="med" len="med"/>
-                    </a:lnT>
-                    <a:lnB w="19050" cap="flat" cmpd="sng" algn="ctr">
-                      <a:solidFill>
-                        <a:srgbClr val="FFFFFF"/>
-                      </a:solidFill>
-                      <a:prstDash val="solid"/>
-                      <a:round/>
-                      <a:headEnd type="none" w="med" len="med"/>
-                      <a:tailEnd type="none" w="med" len="med"/>
-                    </a:lnB>
-                    <a:solidFill>
-                      <a:srgbClr val="FFFFFF"/>
-                    </a:solidFill>
-                  </a:tcPr>
-                </a:tc>
-                <a:tc>
-                  <a:txBody>
-                    <a:bodyPr/>
-                    <a:lstStyle/>
-                    <a:p>
-                      <a:pPr algn="l"/>
-                      <a:r>
-                        <a:rPr lang="en-GB" dirty="0">
-                          <a:effectLst/>
-                        </a:rPr>
-                        <a:t>"string"</a:t>
-                      </a:r>
-                    </a:p>
-                  </a:txBody>
-                  <a:tcPr marL="76200" marR="76200" marT="57150" marB="57150" anchor="ctr">
-                    <a:lnL w="19050" cap="flat" cmpd="sng" algn="ctr">
-                      <a:solidFill>
-                        <a:srgbClr val="FFFFFF"/>
-                      </a:solidFill>
-                      <a:prstDash val="solid"/>
-                      <a:round/>
-                      <a:headEnd type="none" w="med" len="med"/>
-                      <a:tailEnd type="none" w="med" len="med"/>
-                    </a:lnL>
-                    <a:lnR w="19050" cap="flat" cmpd="sng" algn="ctr">
-                      <a:solidFill>
-                        <a:srgbClr val="FFFFFF"/>
-                      </a:solidFill>
-                      <a:prstDash val="solid"/>
-                      <a:round/>
-                      <a:headEnd type="none" w="med" len="med"/>
-                      <a:tailEnd type="none" w="med" len="med"/>
-                    </a:lnR>
-                    <a:lnT w="19050" cap="flat" cmpd="sng" algn="ctr">
-                      <a:solidFill>
-                        <a:srgbClr val="FFFFFF"/>
-                      </a:solidFill>
-                      <a:prstDash val="solid"/>
-                      <a:round/>
-                      <a:headEnd type="none" w="med" len="med"/>
-                      <a:tailEnd type="none" w="med" len="med"/>
-                    </a:lnT>
-                    <a:lnB w="19050" cap="flat" cmpd="sng" algn="ctr">
-                      <a:solidFill>
-                        <a:srgbClr val="FFFFFF"/>
-                      </a:solidFill>
-                      <a:prstDash val="solid"/>
-                      <a:round/>
-                      <a:headEnd type="none" w="med" len="med"/>
-                      <a:tailEnd type="none" w="med" len="med"/>
-                    </a:lnB>
-                    <a:solidFill>
-                      <a:srgbClr val="FFFFFF"/>
-                    </a:solidFill>
-                  </a:tcPr>
-                </a:tc>
-              </a:tr>
-              <a:tr h="432048">
-                <a:tc>
-                  <a:txBody>
-                    <a:bodyPr/>
-                    <a:lstStyle/>
-                    <a:p>
-                      <a:pPr algn="l"/>
-                      <a:r>
-                        <a:rPr lang="en-US" dirty="0">
-                          <a:effectLst/>
-                        </a:rPr>
-                        <a:t>Function </a:t>
-                      </a:r>
-                      <a:r>
-                        <a:rPr lang="en-US" dirty="0" smtClean="0">
-                          <a:effectLst/>
-                        </a:rPr>
-                        <a:t>object</a:t>
-                      </a:r>
-                      <a:endParaRPr lang="en-US" dirty="0">
-                        <a:effectLst/>
-                      </a:endParaRPr>
-                    </a:p>
-                  </a:txBody>
-                  <a:tcPr marL="76200" marR="76200" marT="57150" marB="57150" anchor="ctr">
-                    <a:lnL w="19050" cap="flat" cmpd="sng" algn="ctr">
-                      <a:solidFill>
-                        <a:srgbClr val="FFFFFF"/>
-                      </a:solidFill>
-                      <a:prstDash val="solid"/>
-                      <a:round/>
-                      <a:headEnd type="none" w="med" len="med"/>
-                      <a:tailEnd type="none" w="med" len="med"/>
-                    </a:lnL>
-                    <a:lnR w="19050" cap="flat" cmpd="sng" algn="ctr">
-                      <a:solidFill>
-                        <a:srgbClr val="FFFFFF"/>
-                      </a:solidFill>
-                      <a:prstDash val="solid"/>
-                      <a:round/>
-                      <a:headEnd type="none" w="med" len="med"/>
-                      <a:tailEnd type="none" w="med" len="med"/>
-                    </a:lnR>
-                    <a:lnT w="19050" cap="flat" cmpd="sng" algn="ctr">
-                      <a:solidFill>
-                        <a:srgbClr val="FFFFFF"/>
-                      </a:solidFill>
-                      <a:prstDash val="solid"/>
-                      <a:round/>
-                      <a:headEnd type="none" w="med" len="med"/>
-                      <a:tailEnd type="none" w="med" len="med"/>
-                    </a:lnT>
-                    <a:lnB w="19050" cap="flat" cmpd="sng" algn="ctr">
-                      <a:solidFill>
-                        <a:srgbClr val="FFFFFF"/>
-                      </a:solidFill>
-                      <a:prstDash val="solid"/>
-                      <a:round/>
-                      <a:headEnd type="none" w="med" len="med"/>
-                      <a:tailEnd type="none" w="med" len="med"/>
-                    </a:lnB>
-                    <a:solidFill>
-                      <a:srgbClr val="FFFFFF"/>
-                    </a:solidFill>
-                  </a:tcPr>
-                </a:tc>
-                <a:tc>
-                  <a:txBody>
-                    <a:bodyPr/>
-                    <a:lstStyle/>
-                    <a:p>
-                      <a:pPr algn="l"/>
-                      <a:r>
-                        <a:rPr lang="en-GB" dirty="0">
-                          <a:effectLst/>
-                        </a:rPr>
-                        <a:t>"function"</a:t>
-                      </a:r>
-                    </a:p>
-                  </a:txBody>
-                  <a:tcPr marL="76200" marR="76200" marT="57150" marB="57150" anchor="ctr">
-                    <a:lnL w="19050" cap="flat" cmpd="sng" algn="ctr">
-                      <a:solidFill>
-                        <a:srgbClr val="FFFFFF"/>
-                      </a:solidFill>
-                      <a:prstDash val="solid"/>
-                      <a:round/>
-                      <a:headEnd type="none" w="med" len="med"/>
-                      <a:tailEnd type="none" w="med" len="med"/>
-                    </a:lnL>
-                    <a:lnR w="19050" cap="flat" cmpd="sng" algn="ctr">
-                      <a:solidFill>
-                        <a:srgbClr val="FFFFFF"/>
-                      </a:solidFill>
-                      <a:prstDash val="solid"/>
-                      <a:round/>
-                      <a:headEnd type="none" w="med" len="med"/>
-                      <a:tailEnd type="none" w="med" len="med"/>
-                    </a:lnR>
-                    <a:lnT w="19050" cap="flat" cmpd="sng" algn="ctr">
-                      <a:solidFill>
-                        <a:srgbClr val="FFFFFF"/>
-                      </a:solidFill>
-                      <a:prstDash val="solid"/>
-                      <a:round/>
-                      <a:headEnd type="none" w="med" len="med"/>
-                      <a:tailEnd type="none" w="med" len="med"/>
-                    </a:lnT>
-                    <a:lnB w="19050" cap="flat" cmpd="sng" algn="ctr">
-                      <a:solidFill>
-                        <a:srgbClr val="FFFFFF"/>
-                      </a:solidFill>
-                      <a:prstDash val="solid"/>
-                      <a:round/>
-                      <a:headEnd type="none" w="med" len="med"/>
-                      <a:tailEnd type="none" w="med" len="med"/>
-                    </a:lnB>
-                    <a:solidFill>
-                      <a:srgbClr val="FFFFFF"/>
-                    </a:solidFill>
-                  </a:tcPr>
-                </a:tc>
-              </a:tr>
-              <a:tr h="350142">
-                <a:tc>
-                  <a:txBody>
-                    <a:bodyPr/>
-                    <a:lstStyle/>
-                    <a:p>
-                      <a:pPr algn="l"/>
-                      <a:r>
-                        <a:rPr lang="en-GB" dirty="0">
-                          <a:effectLst/>
-                        </a:rPr>
-                        <a:t>Any other object</a:t>
-                      </a:r>
-                    </a:p>
-                  </a:txBody>
-                  <a:tcPr marL="76200" marR="76200" marT="57150" marB="57150" anchor="ctr">
-                    <a:lnL w="19050" cap="flat" cmpd="sng" algn="ctr">
-                      <a:solidFill>
-                        <a:srgbClr val="FFFFFF"/>
-                      </a:solidFill>
-                      <a:prstDash val="solid"/>
-                      <a:round/>
-                      <a:headEnd type="none" w="med" len="med"/>
-                      <a:tailEnd type="none" w="med" len="med"/>
-                    </a:lnL>
-                    <a:lnR w="19050" cap="flat" cmpd="sng" algn="ctr">
-                      <a:solidFill>
-                        <a:srgbClr val="FFFFFF"/>
-                      </a:solidFill>
-                      <a:prstDash val="solid"/>
-                      <a:round/>
-                      <a:headEnd type="none" w="med" len="med"/>
-                      <a:tailEnd type="none" w="med" len="med"/>
-                    </a:lnR>
-                    <a:lnT w="19050" cap="flat" cmpd="sng" algn="ctr">
-                      <a:solidFill>
-                        <a:srgbClr val="FFFFFF"/>
-                      </a:solidFill>
-                      <a:prstDash val="solid"/>
-                      <a:round/>
-                      <a:headEnd type="none" w="med" len="med"/>
-                      <a:tailEnd type="none" w="med" len="med"/>
-                    </a:lnT>
-                    <a:lnB w="19050" cap="flat" cmpd="sng" algn="ctr">
-                      <a:solidFill>
-                        <a:srgbClr val="FFFFFF"/>
-                      </a:solidFill>
-                      <a:prstDash val="solid"/>
-                      <a:round/>
-                      <a:headEnd type="none" w="med" len="med"/>
-                      <a:tailEnd type="none" w="med" len="med"/>
-                    </a:lnB>
-                    <a:solidFill>
-                      <a:srgbClr val="FFFFFF"/>
-                    </a:solidFill>
-                  </a:tcPr>
-                </a:tc>
-                <a:tc>
-                  <a:txBody>
-                    <a:bodyPr/>
-                    <a:lstStyle/>
-                    <a:p>
-                      <a:pPr algn="l"/>
-                      <a:r>
-                        <a:rPr lang="en-GB" dirty="0">
-                          <a:effectLst/>
-                        </a:rPr>
-                        <a:t>"object"</a:t>
-                      </a:r>
-                    </a:p>
-                  </a:txBody>
-                  <a:tcPr marL="76200" marR="76200" marT="57150" marB="57150" anchor="ctr">
-                    <a:lnL w="19050" cap="flat" cmpd="sng" algn="ctr">
-                      <a:solidFill>
-                        <a:srgbClr val="FFFFFF"/>
-                      </a:solidFill>
-                      <a:prstDash val="solid"/>
-                      <a:round/>
-                      <a:headEnd type="none" w="med" len="med"/>
-                      <a:tailEnd type="none" w="med" len="med"/>
-                    </a:lnL>
-                    <a:lnR w="19050" cap="flat" cmpd="sng" algn="ctr">
-                      <a:solidFill>
-                        <a:srgbClr val="FFFFFF"/>
-                      </a:solidFill>
-                      <a:prstDash val="solid"/>
-                      <a:round/>
-                      <a:headEnd type="none" w="med" len="med"/>
-                      <a:tailEnd type="none" w="med" len="med"/>
-                    </a:lnR>
-                    <a:lnT w="19050" cap="flat" cmpd="sng" algn="ctr">
-                      <a:solidFill>
-                        <a:srgbClr val="FFFFFF"/>
-                      </a:solidFill>
-                      <a:prstDash val="solid"/>
-                      <a:round/>
-                      <a:headEnd type="none" w="med" len="med"/>
-                      <a:tailEnd type="none" w="med" len="med"/>
-                    </a:lnT>
-                    <a:lnB w="19050" cap="flat" cmpd="sng" algn="ctr">
-                      <a:solidFill>
-                        <a:srgbClr val="FFFFFF"/>
-                      </a:solidFill>
-                      <a:prstDash val="solid"/>
-                      <a:round/>
-                      <a:headEnd type="none" w="med" len="med"/>
-                      <a:tailEnd type="none" w="med" len="med"/>
-                    </a:lnB>
-                    <a:solidFill>
-                      <a:srgbClr val="FFFFFF"/>
-                    </a:solidFill>
-                  </a:tcPr>
-                </a:tc>
-              </a:tr>
-            </a:tbl>
-          </a:graphicData>
-        </a:graphic>
-      </p:graphicFrame>
     </p:spTree>
     <p:extLst>
       <p:ext uri="{BB962C8B-B14F-4D97-AF65-F5344CB8AC3E}">
@@ -12612,18 +13942,10 @@
           <a:lstStyle/>
           <a:p>
             <a:r>
-              <a:rPr lang="en-US" b="1" dirty="0" smtClean="0"/>
-              <a:t>delete</a:t>
-            </a:r>
-            <a:r>
-              <a:rPr lang="en-US" dirty="0" smtClean="0"/>
-              <a:t>, </a:t>
-            </a:r>
-            <a:r>
-              <a:rPr lang="en-US" b="1" dirty="0" smtClean="0"/>
-              <a:t>in</a:t>
-            </a:r>
-            <a:endParaRPr lang="en-US" b="1" dirty="0"/>
+              <a:rPr lang="en-US" dirty="0" smtClean="0"/>
+              <a:t>Member operator</a:t>
+            </a:r>
+            <a:endParaRPr lang="en-US" dirty="0"/>
           </a:p>
         </p:txBody>
       </p:sp>
@@ -12647,14 +13969,34 @@
               <a:buChar char="•"/>
             </a:pPr>
             <a:r>
-              <a:rPr lang="en-US" b="1" dirty="0" smtClean="0"/>
-              <a:t>delete</a:t>
-            </a:r>
-            <a:r>
-              <a:rPr lang="en-US" dirty="0" smtClean="0"/>
-              <a:t> removes a property or an element from the array</a:t>
-            </a:r>
-            <a:endParaRPr lang="en-US" b="1" dirty="0" smtClean="0"/>
+              <a:rPr lang="en-US" dirty="0" smtClean="0"/>
+              <a:t>In array: </a:t>
+            </a:r>
+            <a:r>
+              <a:rPr lang="en-US" dirty="0" err="1" smtClean="0"/>
+              <a:t>arr</a:t>
+            </a:r>
+            <a:r>
+              <a:rPr lang="en-US" dirty="0" smtClean="0"/>
+              <a:t>[4]</a:t>
+            </a:r>
+          </a:p>
+          <a:p>
+            <a:pPr marL="342900" indent="-342900">
+              <a:buFont typeface="Arial" panose="020B0604020202020204" pitchFamily="34" charset="0"/>
+              <a:buChar char="•"/>
+            </a:pPr>
+            <a:endParaRPr lang="en-US" dirty="0"/>
+          </a:p>
+          <a:p>
+            <a:pPr marL="342900" indent="-342900">
+              <a:buFont typeface="Arial" panose="020B0604020202020204" pitchFamily="34" charset="0"/>
+              <a:buChar char="•"/>
+            </a:pPr>
+            <a:r>
+              <a:rPr lang="en-US" dirty="0" smtClean="0"/>
+              <a:t>In object:</a:t>
+            </a:r>
           </a:p>
           <a:p>
             <a:pPr marL="608013" lvl="1" indent="-342900">
@@ -12662,14 +14004,10 @@
               <a:buChar char="•"/>
             </a:pPr>
             <a:r>
-              <a:rPr lang="en-US" dirty="0" smtClean="0"/>
-              <a:t>delete </a:t>
-            </a:r>
-            <a:r>
-              <a:rPr lang="en-US" dirty="0" err="1"/>
-              <a:t>object.property</a:t>
-            </a:r>
-            <a:endParaRPr lang="en-US" dirty="0"/>
+              <a:rPr lang="en-US" dirty="0" err="1" smtClean="0"/>
+              <a:t>obj.someProperty</a:t>
+            </a:r>
+            <a:endParaRPr lang="en-US" dirty="0" smtClean="0"/>
           </a:p>
           <a:p>
             <a:pPr marL="608013" lvl="1" indent="-342900">
@@ -12677,33 +14015,20 @@
               <a:buChar char="•"/>
             </a:pPr>
             <a:r>
-              <a:rPr lang="en-US" dirty="0"/>
-              <a:t>delete object['property</a:t>
-            </a:r>
-            <a:r>
-              <a:rPr lang="en-US" dirty="0" smtClean="0"/>
-              <a:t>']</a:t>
-            </a:r>
-          </a:p>
-          <a:p>
-            <a:endParaRPr lang="en-US" dirty="0"/>
-          </a:p>
-          <a:p>
-            <a:pPr marL="342900" indent="-342900">
-              <a:buFont typeface="Arial" panose="020B0604020202020204" pitchFamily="34" charset="0"/>
-              <a:buChar char="•"/>
-            </a:pPr>
-            <a:r>
-              <a:rPr lang="en-US" b="1" dirty="0" smtClean="0"/>
-              <a:t>in</a:t>
-            </a:r>
-            <a:r>
-              <a:rPr lang="en-US" dirty="0" smtClean="0"/>
-              <a:t> checks if a property exists </a:t>
-            </a:r>
-            <a:r>
-              <a:rPr lang="en-US" dirty="0" smtClean="0"/>
-              <a:t>on an object, or if an element exists in an array</a:t>
+              <a:rPr lang="en-US" dirty="0" err="1" smtClean="0"/>
+              <a:t>obj</a:t>
+            </a:r>
+            <a:r>
+              <a:rPr lang="en-US" dirty="0" smtClean="0"/>
+              <a:t>[“</a:t>
+            </a:r>
+            <a:r>
+              <a:rPr lang="en-US" dirty="0" err="1" smtClean="0"/>
+              <a:t>someProperty</a:t>
+            </a:r>
+            <a:r>
+              <a:rPr lang="en-US" dirty="0" smtClean="0"/>
+              <a:t>”]</a:t>
             </a:r>
           </a:p>
           <a:p>
@@ -12713,19 +14038,8 @@
             </a:pPr>
             <a:r>
               <a:rPr lang="en-US" dirty="0" smtClean="0"/>
-              <a:t>if (property in object)</a:t>
-            </a:r>
-          </a:p>
-          <a:p>
-            <a:pPr marL="608013" lvl="1" indent="-342900">
-              <a:buFont typeface="Arial" panose="020B0604020202020204" pitchFamily="34" charset="0"/>
-              <a:buChar char="•"/>
-            </a:pPr>
-            <a:r>
-              <a:rPr lang="en-US" dirty="0" smtClean="0"/>
-              <a:t>if (item in array)</a:t>
-            </a:r>
-            <a:endParaRPr lang="en-US" dirty="0"/>
+              <a:t>Objects are hash maps as well</a:t>
+            </a:r>
           </a:p>
         </p:txBody>
       </p:sp>

--- a/javascript_basics/Javascript Basics - basics.pptx
+++ b/javascript_basics/Javascript Basics - basics.pptx
@@ -5,43 +5,45 @@
     <p:sldMasterId id="2147483648" r:id="rId1"/>
   </p:sldMasterIdLst>
   <p:notesMasterIdLst>
-    <p:notesMasterId r:id="rId21"/>
+    <p:notesMasterId r:id="rId23"/>
   </p:notesMasterIdLst>
   <p:handoutMasterIdLst>
-    <p:handoutMasterId r:id="rId22"/>
+    <p:handoutMasterId r:id="rId24"/>
   </p:handoutMasterIdLst>
   <p:sldIdLst>
     <p:sldId id="256" r:id="rId2"/>
     <p:sldId id="258" r:id="rId3"/>
-    <p:sldId id="278" r:id="rId4"/>
-    <p:sldId id="264" r:id="rId5"/>
-    <p:sldId id="265" r:id="rId6"/>
-    <p:sldId id="279" r:id="rId7"/>
-    <p:sldId id="259" r:id="rId8"/>
-    <p:sldId id="266" r:id="rId9"/>
-    <p:sldId id="267" r:id="rId10"/>
-    <p:sldId id="268" r:id="rId11"/>
-    <p:sldId id="269" r:id="rId12"/>
-    <p:sldId id="270" r:id="rId13"/>
-    <p:sldId id="271" r:id="rId14"/>
-    <p:sldId id="272" r:id="rId15"/>
-    <p:sldId id="274" r:id="rId16"/>
-    <p:sldId id="276" r:id="rId17"/>
-    <p:sldId id="273" r:id="rId18"/>
-    <p:sldId id="275" r:id="rId19"/>
-    <p:sldId id="277" r:id="rId20"/>
+    <p:sldId id="281" r:id="rId4"/>
+    <p:sldId id="278" r:id="rId5"/>
+    <p:sldId id="264" r:id="rId6"/>
+    <p:sldId id="265" r:id="rId7"/>
+    <p:sldId id="279" r:id="rId8"/>
+    <p:sldId id="259" r:id="rId9"/>
+    <p:sldId id="266" r:id="rId10"/>
+    <p:sldId id="267" r:id="rId11"/>
+    <p:sldId id="268" r:id="rId12"/>
+    <p:sldId id="269" r:id="rId13"/>
+    <p:sldId id="270" r:id="rId14"/>
+    <p:sldId id="271" r:id="rId15"/>
+    <p:sldId id="272" r:id="rId16"/>
+    <p:sldId id="274" r:id="rId17"/>
+    <p:sldId id="276" r:id="rId18"/>
+    <p:sldId id="273" r:id="rId19"/>
+    <p:sldId id="275" r:id="rId20"/>
+    <p:sldId id="277" r:id="rId21"/>
+    <p:sldId id="280" r:id="rId22"/>
   </p:sldIdLst>
   <p:sldSz cx="9144000" cy="6858000" type="screen4x3"/>
   <p:notesSz cx="6858000" cy="9144000"/>
   <p:embeddedFontLst>
     <p:embeddedFont>
       <p:font typeface="AA Zuehlke" panose="02000503060000020004" pitchFamily="2" charset="0"/>
-      <p:regular r:id="rId23"/>
-      <p:italic r:id="rId24"/>
+      <p:regular r:id="rId25"/>
+      <p:italic r:id="rId26"/>
     </p:embeddedFont>
   </p:embeddedFontLst>
   <p:custDataLst>
-    <p:tags r:id="rId25"/>
+    <p:tags r:id="rId27"/>
   </p:custDataLst>
   <p:defaultTextStyle>
     <a:defPPr>
@@ -145,6 +147,7 @@
           <p14:sldIdLst>
             <p14:sldId id="256"/>
             <p14:sldId id="258"/>
+            <p14:sldId id="281"/>
           </p14:sldIdLst>
         </p14:section>
         <p14:section name="Types" id="{163AC601-3CA3-4FE1-B276-1E050665EA92}">
@@ -178,6 +181,7 @@
             <p14:sldId id="273"/>
             <p14:sldId id="275"/>
             <p14:sldId id="277"/>
+            <p14:sldId id="280"/>
           </p14:sldIdLst>
         </p14:section>
       </p14:sectionLst>
@@ -325,7 +329,7 @@
               <a:rPr lang="de-DE" smtClean="0">
                 <a:latin typeface="AA Zuehlke" pitchFamily="2" charset="0"/>
               </a:rPr>
-              <a:t>18.08.2015</a:t>
+              <a:t>21.08.2015</a:t>
             </a:fld>
             <a:endParaRPr lang="de-DE">
               <a:latin typeface="AA Zuehlke" pitchFamily="2" charset="0"/>
@@ -503,7 +507,7 @@
             <a:fld id="{A6966AE6-B72D-4967-9CA3-8469D2863705}" type="datetimeFigureOut">
               <a:rPr lang="en-US" smtClean="0"/>
               <a:pPr/>
-              <a:t>8/18/2015</a:t>
+              <a:t>8/21/2015</a:t>
             </a:fld>
             <a:endParaRPr lang="en-US" dirty="0"/>
           </a:p>
@@ -5552,18 +5556,10 @@
           <a:lstStyle/>
           <a:p>
             <a:r>
-              <a:rPr lang="en-GB" b="1" dirty="0" err="1" smtClean="0"/>
-              <a:t>typeof</a:t>
-            </a:r>
-            <a:r>
-              <a:rPr lang="en-GB" b="1" dirty="0" smtClean="0"/>
-              <a:t>  </a:t>
-            </a:r>
-            <a:r>
-              <a:rPr lang="en-GB" dirty="0" smtClean="0"/>
-              <a:t>operator</a:t>
-            </a:r>
-            <a:endParaRPr lang="en-US" b="1" dirty="0"/>
+              <a:rPr lang="en-US" dirty="0" smtClean="0"/>
+              <a:t>Member operator []</a:t>
+            </a:r>
+            <a:endParaRPr lang="en-US" dirty="0"/>
           </a:p>
         </p:txBody>
       </p:sp>
@@ -5588,40 +5584,76 @@
             </a:pPr>
             <a:r>
               <a:rPr lang="en-US" dirty="0" smtClean="0"/>
-              <a:t>Returns a string</a:t>
-            </a:r>
-            <a:endParaRPr lang="en-US" dirty="0"/>
+              <a:t>In array: </a:t>
+            </a:r>
+            <a:r>
+              <a:rPr lang="en-US" dirty="0" err="1" smtClean="0"/>
+              <a:t>arr</a:t>
+            </a:r>
+            <a:r>
+              <a:rPr lang="en-US" dirty="0" smtClean="0"/>
+              <a:t>[4]</a:t>
+            </a:r>
           </a:p>
           <a:p>
             <a:pPr marL="342900" indent="-342900">
               <a:buFont typeface="Arial" panose="020B0604020202020204" pitchFamily="34" charset="0"/>
               <a:buChar char="•"/>
             </a:pPr>
+            <a:endParaRPr lang="en-US" dirty="0"/>
+          </a:p>
+          <a:p>
+            <a:pPr marL="342900" indent="-342900">
+              <a:buFont typeface="Arial" panose="020B0604020202020204" pitchFamily="34" charset="0"/>
+              <a:buChar char="•"/>
+            </a:pPr>
+            <a:r>
+              <a:rPr lang="en-US" dirty="0" smtClean="0"/>
+              <a:t>In object:</a:t>
+            </a:r>
+          </a:p>
+          <a:p>
+            <a:pPr marL="608013" lvl="1" indent="-342900">
+              <a:buFont typeface="Arial" panose="020B0604020202020204" pitchFamily="34" charset="0"/>
+              <a:buChar char="•"/>
+            </a:pPr>
             <a:r>
               <a:rPr lang="en-US" dirty="0" err="1" smtClean="0"/>
-              <a:t>typeof</a:t>
-            </a:r>
-            <a:r>
-              <a:rPr lang="en-US" dirty="0" smtClean="0"/>
-              <a:t> </a:t>
-            </a:r>
-            <a:r>
-              <a:rPr lang="en-US" dirty="0"/>
-              <a:t>37 === 'number</a:t>
-            </a:r>
-            <a:r>
-              <a:rPr lang="en-US" dirty="0" smtClean="0"/>
-              <a:t>';</a:t>
-            </a:r>
-          </a:p>
-          <a:p>
+              <a:t>obj.someProperty</a:t>
+            </a:r>
             <a:endParaRPr lang="en-US" dirty="0" smtClean="0"/>
           </a:p>
           <a:p>
-            <a:endParaRPr lang="en-US" dirty="0"/>
-          </a:p>
-          <a:p>
-            <a:endParaRPr lang="en-US" dirty="0"/>
+            <a:pPr marL="608013" lvl="1" indent="-342900">
+              <a:buFont typeface="Arial" panose="020B0604020202020204" pitchFamily="34" charset="0"/>
+              <a:buChar char="•"/>
+            </a:pPr>
+            <a:r>
+              <a:rPr lang="en-US" dirty="0" err="1" smtClean="0"/>
+              <a:t>obj</a:t>
+            </a:r>
+            <a:r>
+              <a:rPr lang="en-US" dirty="0" smtClean="0"/>
+              <a:t>[“</a:t>
+            </a:r>
+            <a:r>
+              <a:rPr lang="en-US" dirty="0" err="1" smtClean="0"/>
+              <a:t>someProperty</a:t>
+            </a:r>
+            <a:r>
+              <a:rPr lang="en-US" dirty="0" smtClean="0"/>
+              <a:t>”]</a:t>
+            </a:r>
+          </a:p>
+          <a:p>
+            <a:pPr marL="608013" lvl="1" indent="-342900">
+              <a:buFont typeface="Arial" panose="020B0604020202020204" pitchFamily="34" charset="0"/>
+              <a:buChar char="•"/>
+            </a:pPr>
+            <a:r>
+              <a:rPr lang="en-US" dirty="0" smtClean="0"/>
+              <a:t>Objects are hash maps as well</a:t>
+            </a:r>
           </a:p>
         </p:txBody>
       </p:sp>
@@ -5737,6 +5769,242 @@
               <a:rPr smtClean="0"/>
               <a:pPr/>
               <a:t>10</a:t>
+            </a:fld>
+            <a:endParaRPr dirty="0"/>
+          </a:p>
+        </p:txBody>
+      </p:sp>
+    </p:spTree>
+    <p:extLst>
+      <p:ext uri="{BB962C8B-B14F-4D97-AF65-F5344CB8AC3E}">
+        <p14:creationId xmlns:p14="http://schemas.microsoft.com/office/powerpoint/2010/main" val="2884851122"/>
+      </p:ext>
+    </p:extLst>
+  </p:cSld>
+  <p:clrMapOvr>
+    <a:masterClrMapping/>
+  </p:clrMapOvr>
+</p:sld>
+</file>
+
+<file path=ppt/slides/slide11.xml><?xml version="1.0" encoding="utf-8"?>
+<p:sld xmlns:a="http://schemas.openxmlformats.org/drawingml/2006/main" xmlns:r="http://schemas.openxmlformats.org/officeDocument/2006/relationships" xmlns:p="http://schemas.openxmlformats.org/presentationml/2006/main">
+  <p:cSld>
+    <p:spTree>
+      <p:nvGrpSpPr>
+        <p:cNvPr id="1" name=""/>
+        <p:cNvGrpSpPr/>
+        <p:nvPr/>
+      </p:nvGrpSpPr>
+      <p:grpSpPr>
+        <a:xfrm>
+          <a:off x="0" y="0"/>
+          <a:ext cx="0" cy="0"/>
+          <a:chOff x="0" y="0"/>
+          <a:chExt cx="0" cy="0"/>
+        </a:xfrm>
+      </p:grpSpPr>
+      <p:sp>
+        <p:nvSpPr>
+          <p:cNvPr id="2" name="Title 1"/>
+          <p:cNvSpPr>
+            <a:spLocks noGrp="1"/>
+          </p:cNvSpPr>
+          <p:nvPr>
+            <p:ph type="title"/>
+          </p:nvPr>
+        </p:nvSpPr>
+        <p:spPr/>
+        <p:txBody>
+          <a:bodyPr/>
+          <a:lstStyle/>
+          <a:p>
+            <a:r>
+              <a:rPr lang="en-GB" b="1" dirty="0" err="1" smtClean="0"/>
+              <a:t>typeof</a:t>
+            </a:r>
+            <a:r>
+              <a:rPr lang="en-GB" b="1" dirty="0" smtClean="0"/>
+              <a:t> </a:t>
+            </a:r>
+            <a:r>
+              <a:rPr lang="en-GB" dirty="0" smtClean="0"/>
+              <a:t>operator</a:t>
+            </a:r>
+            <a:endParaRPr lang="en-US" b="1" dirty="0"/>
+          </a:p>
+        </p:txBody>
+      </p:sp>
+      <p:sp>
+        <p:nvSpPr>
+          <p:cNvPr id="3" name="Content Placeholder 2"/>
+          <p:cNvSpPr>
+            <a:spLocks noGrp="1"/>
+          </p:cNvSpPr>
+          <p:nvPr>
+            <p:ph idx="1"/>
+          </p:nvPr>
+        </p:nvSpPr>
+        <p:spPr/>
+        <p:txBody>
+          <a:bodyPr/>
+          <a:lstStyle/>
+          <a:p>
+            <a:pPr marL="342900" indent="-342900">
+              <a:buFont typeface="Arial" panose="020B0604020202020204" pitchFamily="34" charset="0"/>
+              <a:buChar char="•"/>
+            </a:pPr>
+            <a:r>
+              <a:rPr lang="en-US" dirty="0" smtClean="0"/>
+              <a:t>Returns a string</a:t>
+            </a:r>
+            <a:endParaRPr lang="en-US" dirty="0"/>
+          </a:p>
+          <a:p>
+            <a:pPr marL="342900" indent="-342900">
+              <a:buFont typeface="Arial" panose="020B0604020202020204" pitchFamily="34" charset="0"/>
+              <a:buChar char="•"/>
+            </a:pPr>
+            <a:r>
+              <a:rPr lang="en-US" dirty="0" err="1" smtClean="0"/>
+              <a:t>typeof</a:t>
+            </a:r>
+            <a:r>
+              <a:rPr lang="en-US" dirty="0" smtClean="0"/>
+              <a:t> </a:t>
+            </a:r>
+            <a:r>
+              <a:rPr lang="en-US" dirty="0"/>
+              <a:t>37 === 'number</a:t>
+            </a:r>
+            <a:r>
+              <a:rPr lang="en-US" dirty="0" smtClean="0"/>
+              <a:t>';</a:t>
+            </a:r>
+          </a:p>
+          <a:p>
+            <a:endParaRPr lang="en-US" dirty="0" smtClean="0"/>
+          </a:p>
+          <a:p>
+            <a:endParaRPr lang="en-US" dirty="0"/>
+          </a:p>
+          <a:p>
+            <a:endParaRPr lang="en-US" dirty="0"/>
+          </a:p>
+        </p:txBody>
+      </p:sp>
+      <p:sp>
+        <p:nvSpPr>
+          <p:cNvPr id="4" name="Date Placeholder 3"/>
+          <p:cNvSpPr>
+            <a:spLocks noGrp="1"/>
+          </p:cNvSpPr>
+          <p:nvPr>
+            <p:ph type="dt" sz="half" idx="10"/>
+          </p:nvPr>
+        </p:nvSpPr>
+        <p:spPr/>
+        <p:txBody>
+          <a:bodyPr/>
+          <a:lstStyle/>
+          <a:p>
+            <a:r>
+              <a:rPr lang="en-US" dirty="0" smtClean="0"/>
+              <a:t>14. August 2015</a:t>
+            </a:r>
+            <a:endParaRPr lang="en-US" dirty="0"/>
+          </a:p>
+        </p:txBody>
+      </p:sp>
+      <p:sp>
+        <p:nvSpPr>
+          <p:cNvPr id="6" name="Text Placeholder 5"/>
+          <p:cNvSpPr>
+            <a:spLocks noGrp="1"/>
+          </p:cNvSpPr>
+          <p:nvPr>
+            <p:ph type="body" sz="quarter" idx="13"/>
+          </p:nvPr>
+        </p:nvSpPr>
+        <p:spPr/>
+        <p:txBody>
+          <a:bodyPr/>
+          <a:lstStyle/>
+          <a:p>
+            <a:endParaRPr lang="en-US" dirty="0"/>
+          </a:p>
+        </p:txBody>
+      </p:sp>
+      <p:sp>
+        <p:nvSpPr>
+          <p:cNvPr id="7" name="Footer Placeholder 6"/>
+          <p:cNvSpPr>
+            <a:spLocks noGrp="1"/>
+          </p:cNvSpPr>
+          <p:nvPr>
+            <p:ph type="ftr" sz="quarter" idx="11"/>
+          </p:nvPr>
+        </p:nvSpPr>
+        <p:spPr/>
+        <p:txBody>
+          <a:bodyPr/>
+          <a:lstStyle/>
+          <a:p>
+            <a:r>
+              <a:rPr lang="en-US" dirty="0" err="1" smtClean="0"/>
+              <a:t>Javascript</a:t>
+            </a:r>
+            <a:r>
+              <a:rPr lang="en-US" dirty="0" smtClean="0"/>
+              <a:t> Basics | </a:t>
+            </a:r>
+            <a:r>
+              <a:rPr lang="en-US" dirty="0" err="1" smtClean="0"/>
+              <a:t>nesp</a:t>
+            </a:r>
+            <a:r>
+              <a:rPr lang="en-US" dirty="0" smtClean="0"/>
+              <a:t>, </a:t>
+            </a:r>
+            <a:r>
+              <a:rPr lang="en-US" dirty="0" err="1" smtClean="0"/>
+              <a:t>stmi</a:t>
+            </a:r>
+            <a:r>
+              <a:rPr lang="en-US" dirty="0" smtClean="0"/>
+              <a:t>, </a:t>
+            </a:r>
+            <a:r>
+              <a:rPr lang="en-US" dirty="0" err="1" smtClean="0"/>
+              <a:t>mabo</a:t>
+            </a:r>
+            <a:endParaRPr lang="en-US" dirty="0"/>
+          </a:p>
+        </p:txBody>
+      </p:sp>
+      <p:sp>
+        <p:nvSpPr>
+          <p:cNvPr id="9" name="Slide Number Placeholder 8"/>
+          <p:cNvSpPr>
+            <a:spLocks noGrp="1"/>
+          </p:cNvSpPr>
+          <p:nvPr>
+            <p:ph type="sldNum" sz="quarter" idx="12"/>
+          </p:nvPr>
+        </p:nvSpPr>
+        <p:spPr/>
+        <p:txBody>
+          <a:bodyPr/>
+          <a:lstStyle/>
+          <a:p>
+            <a:r>
+              <a:rPr lang="en-GB" smtClean="0"/>
+              <a:t>Slide </a:t>
+            </a:r>
+            <a:fld id="{B945A87F-2CE4-4B6D-B6BF-F6BF6C5CB292}" type="slidenum">
+              <a:rPr smtClean="0"/>
+              <a:pPr/>
+              <a:t>11</a:t>
             </a:fld>
             <a:endParaRPr dirty="0"/>
           </a:p>
@@ -6724,306 +6992,6 @@
 </p:sld>
 </file>
 
-<file path=ppt/slides/slide11.xml><?xml version="1.0" encoding="utf-8"?>
-<p:sld xmlns:a="http://schemas.openxmlformats.org/drawingml/2006/main" xmlns:r="http://schemas.openxmlformats.org/officeDocument/2006/relationships" xmlns:p="http://schemas.openxmlformats.org/presentationml/2006/main">
-  <p:cSld>
-    <p:spTree>
-      <p:nvGrpSpPr>
-        <p:cNvPr id="1" name=""/>
-        <p:cNvGrpSpPr/>
-        <p:nvPr/>
-      </p:nvGrpSpPr>
-      <p:grpSpPr>
-        <a:xfrm>
-          <a:off x="0" y="0"/>
-          <a:ext cx="0" cy="0"/>
-          <a:chOff x="0" y="0"/>
-          <a:chExt cx="0" cy="0"/>
-        </a:xfrm>
-      </p:grpSpPr>
-      <p:sp>
-        <p:nvSpPr>
-          <p:cNvPr id="2" name="Title 1"/>
-          <p:cNvSpPr>
-            <a:spLocks noGrp="1"/>
-          </p:cNvSpPr>
-          <p:nvPr>
-            <p:ph type="title"/>
-          </p:nvPr>
-        </p:nvSpPr>
-        <p:spPr/>
-        <p:txBody>
-          <a:bodyPr/>
-          <a:lstStyle/>
-          <a:p>
-            <a:r>
-              <a:rPr lang="en-US" b="1" dirty="0" smtClean="0"/>
-              <a:t>delete</a:t>
-            </a:r>
-            <a:r>
-              <a:rPr lang="en-US" dirty="0" smtClean="0"/>
-              <a:t>, </a:t>
-            </a:r>
-            <a:r>
-              <a:rPr lang="en-US" b="1" dirty="0" smtClean="0"/>
-              <a:t>in</a:t>
-            </a:r>
-            <a:endParaRPr lang="en-US" b="1" dirty="0"/>
-          </a:p>
-        </p:txBody>
-      </p:sp>
-      <p:sp>
-        <p:nvSpPr>
-          <p:cNvPr id="3" name="Content Placeholder 2"/>
-          <p:cNvSpPr>
-            <a:spLocks noGrp="1"/>
-          </p:cNvSpPr>
-          <p:nvPr>
-            <p:ph idx="1"/>
-          </p:nvPr>
-        </p:nvSpPr>
-        <p:spPr/>
-        <p:txBody>
-          <a:bodyPr/>
-          <a:lstStyle/>
-          <a:p>
-            <a:pPr marL="342900" indent="-342900">
-              <a:buFont typeface="Arial" panose="020B0604020202020204" pitchFamily="34" charset="0"/>
-              <a:buChar char="•"/>
-            </a:pPr>
-            <a:r>
-              <a:rPr lang="en-US" b="1" dirty="0" smtClean="0"/>
-              <a:t>delete</a:t>
-            </a:r>
-            <a:r>
-              <a:rPr lang="en-US" dirty="0" smtClean="0"/>
-              <a:t> removes a property or an element from the array</a:t>
-            </a:r>
-            <a:endParaRPr lang="en-US" b="1" dirty="0" smtClean="0"/>
-          </a:p>
-          <a:p>
-            <a:pPr marL="608013" lvl="1" indent="-342900">
-              <a:buFont typeface="Arial" panose="020B0604020202020204" pitchFamily="34" charset="0"/>
-              <a:buChar char="•"/>
-            </a:pPr>
-            <a:r>
-              <a:rPr lang="en-US" b="1" dirty="0" smtClean="0"/>
-              <a:t>delete</a:t>
-            </a:r>
-            <a:r>
-              <a:rPr lang="en-US" dirty="0" smtClean="0"/>
-              <a:t> </a:t>
-            </a:r>
-            <a:r>
-              <a:rPr lang="en-US" dirty="0" err="1"/>
-              <a:t>object.property</a:t>
-            </a:r>
-            <a:endParaRPr lang="en-US" dirty="0"/>
-          </a:p>
-          <a:p>
-            <a:pPr marL="608013" lvl="1" indent="-342900">
-              <a:buFont typeface="Arial" panose="020B0604020202020204" pitchFamily="34" charset="0"/>
-              <a:buChar char="•"/>
-            </a:pPr>
-            <a:r>
-              <a:rPr lang="en-US" b="1" dirty="0"/>
-              <a:t>delete</a:t>
-            </a:r>
-            <a:r>
-              <a:rPr lang="en-US" dirty="0"/>
-              <a:t> object['property</a:t>
-            </a:r>
-            <a:r>
-              <a:rPr lang="en-US" dirty="0" smtClean="0"/>
-              <a:t>']</a:t>
-            </a:r>
-          </a:p>
-          <a:p>
-            <a:endParaRPr lang="en-US" dirty="0"/>
-          </a:p>
-          <a:p>
-            <a:pPr marL="342900" indent="-342900">
-              <a:buFont typeface="Arial" panose="020B0604020202020204" pitchFamily="34" charset="0"/>
-              <a:buChar char="•"/>
-            </a:pPr>
-            <a:r>
-              <a:rPr lang="en-US" b="1" dirty="0" smtClean="0"/>
-              <a:t>in</a:t>
-            </a:r>
-            <a:r>
-              <a:rPr lang="en-US" dirty="0" smtClean="0"/>
-              <a:t> checks if a property exists on an object, or if an element exists in an array</a:t>
-            </a:r>
-          </a:p>
-          <a:p>
-            <a:pPr marL="608013" lvl="1" indent="-342900">
-              <a:buFont typeface="Arial" panose="020B0604020202020204" pitchFamily="34" charset="0"/>
-              <a:buChar char="•"/>
-            </a:pPr>
-            <a:r>
-              <a:rPr lang="en-US" dirty="0" smtClean="0"/>
-              <a:t>if (property </a:t>
-            </a:r>
-            <a:r>
-              <a:rPr lang="en-US" b="1" dirty="0" smtClean="0"/>
-              <a:t>in</a:t>
-            </a:r>
-            <a:r>
-              <a:rPr lang="en-US" dirty="0" smtClean="0"/>
-              <a:t> object)</a:t>
-            </a:r>
-          </a:p>
-          <a:p>
-            <a:pPr marL="608013" lvl="1" indent="-342900">
-              <a:buFont typeface="Arial" panose="020B0604020202020204" pitchFamily="34" charset="0"/>
-              <a:buChar char="•"/>
-            </a:pPr>
-            <a:r>
-              <a:rPr lang="en-US" dirty="0" smtClean="0"/>
-              <a:t>if (item </a:t>
-            </a:r>
-            <a:r>
-              <a:rPr lang="en-US" b="1" dirty="0" smtClean="0"/>
-              <a:t>in</a:t>
-            </a:r>
-            <a:r>
-              <a:rPr lang="en-US" dirty="0" smtClean="0"/>
-              <a:t> array)</a:t>
-            </a:r>
-            <a:endParaRPr lang="en-US" dirty="0"/>
-          </a:p>
-        </p:txBody>
-      </p:sp>
-      <p:sp>
-        <p:nvSpPr>
-          <p:cNvPr id="4" name="Date Placeholder 3"/>
-          <p:cNvSpPr>
-            <a:spLocks noGrp="1"/>
-          </p:cNvSpPr>
-          <p:nvPr>
-            <p:ph type="dt" sz="half" idx="10"/>
-          </p:nvPr>
-        </p:nvSpPr>
-        <p:spPr/>
-        <p:txBody>
-          <a:bodyPr/>
-          <a:lstStyle/>
-          <a:p>
-            <a:r>
-              <a:rPr lang="en-US" dirty="0" smtClean="0"/>
-              <a:t>14. August 2015</a:t>
-            </a:r>
-            <a:endParaRPr lang="en-US" dirty="0"/>
-          </a:p>
-        </p:txBody>
-      </p:sp>
-      <p:sp>
-        <p:nvSpPr>
-          <p:cNvPr id="6" name="Text Placeholder 5"/>
-          <p:cNvSpPr>
-            <a:spLocks noGrp="1"/>
-          </p:cNvSpPr>
-          <p:nvPr>
-            <p:ph type="body" sz="quarter" idx="13"/>
-          </p:nvPr>
-        </p:nvSpPr>
-        <p:spPr/>
-        <p:txBody>
-          <a:bodyPr/>
-          <a:lstStyle/>
-          <a:p>
-            <a:endParaRPr lang="en-US" dirty="0"/>
-          </a:p>
-        </p:txBody>
-      </p:sp>
-      <p:sp>
-        <p:nvSpPr>
-          <p:cNvPr id="7" name="Footer Placeholder 6"/>
-          <p:cNvSpPr>
-            <a:spLocks noGrp="1"/>
-          </p:cNvSpPr>
-          <p:nvPr>
-            <p:ph type="ftr" sz="quarter" idx="11"/>
-          </p:nvPr>
-        </p:nvSpPr>
-        <p:spPr/>
-        <p:txBody>
-          <a:bodyPr/>
-          <a:lstStyle/>
-          <a:p>
-            <a:r>
-              <a:rPr lang="en-US" dirty="0" err="1" smtClean="0"/>
-              <a:t>Javascript</a:t>
-            </a:r>
-            <a:r>
-              <a:rPr lang="en-US" dirty="0" smtClean="0"/>
-              <a:t> Basics | </a:t>
-            </a:r>
-            <a:r>
-              <a:rPr lang="en-US" dirty="0" err="1" smtClean="0"/>
-              <a:t>nesp</a:t>
-            </a:r>
-            <a:r>
-              <a:rPr lang="en-US" dirty="0" smtClean="0"/>
-              <a:t>, </a:t>
-            </a:r>
-            <a:r>
-              <a:rPr lang="en-US" dirty="0" err="1" smtClean="0"/>
-              <a:t>stmi</a:t>
-            </a:r>
-            <a:r>
-              <a:rPr lang="en-US" dirty="0" smtClean="0"/>
-              <a:t>, </a:t>
-            </a:r>
-            <a:r>
-              <a:rPr lang="en-US" dirty="0" err="1" smtClean="0"/>
-              <a:t>mabo</a:t>
-            </a:r>
-            <a:endParaRPr lang="en-US" dirty="0"/>
-          </a:p>
-        </p:txBody>
-      </p:sp>
-      <p:sp>
-        <p:nvSpPr>
-          <p:cNvPr id="9" name="Slide Number Placeholder 8"/>
-          <p:cNvSpPr>
-            <a:spLocks noGrp="1"/>
-          </p:cNvSpPr>
-          <p:nvPr>
-            <p:ph type="sldNum" sz="quarter" idx="12"/>
-          </p:nvPr>
-        </p:nvSpPr>
-        <p:spPr/>
-        <p:txBody>
-          <a:bodyPr/>
-          <a:lstStyle/>
-          <a:p>
-            <a:r>
-              <a:rPr lang="en-GB" smtClean="0"/>
-              <a:t>Slide </a:t>
-            </a:r>
-            <a:fld id="{B945A87F-2CE4-4B6D-B6BF-F6BF6C5CB292}" type="slidenum">
-              <a:rPr smtClean="0"/>
-              <a:pPr/>
-              <a:t>11</a:t>
-            </a:fld>
-            <a:endParaRPr dirty="0"/>
-          </a:p>
-        </p:txBody>
-      </p:sp>
-    </p:spTree>
-    <p:extLst>
-      <p:ext uri="{BB962C8B-B14F-4D97-AF65-F5344CB8AC3E}">
-        <p14:creationId xmlns:p14="http://schemas.microsoft.com/office/powerpoint/2010/main" val="2884851122"/>
-      </p:ext>
-    </p:extLst>
-  </p:cSld>
-  <p:clrMapOvr>
-    <a:masterClrMapping/>
-  </p:clrMapOvr>
-</p:sld>
-</file>
-
 <file path=ppt/slides/slide12.xml><?xml version="1.0" encoding="utf-8"?>
 <p:sld xmlns:a="http://schemas.openxmlformats.org/drawingml/2006/main" xmlns:r="http://schemas.openxmlformats.org/officeDocument/2006/relationships" xmlns:p="http://schemas.openxmlformats.org/presentationml/2006/main">
   <p:cSld>
@@ -7057,8 +7025,16 @@
           <a:lstStyle/>
           <a:p>
             <a:r>
-              <a:rPr lang="en-US" b="1" dirty="0" err="1" smtClean="0"/>
-              <a:t>instanceof</a:t>
+              <a:rPr lang="en-US" b="1" dirty="0" smtClean="0"/>
+              <a:t>delete</a:t>
+            </a:r>
+            <a:r>
+              <a:rPr lang="en-US" dirty="0" smtClean="0"/>
+              <a:t>, </a:t>
+            </a:r>
+            <a:r>
+              <a:rPr lang="en-US" b="1" dirty="0" smtClean="0"/>
+              <a:t>in</a:t>
             </a:r>
             <a:endParaRPr lang="en-US" b="1" dirty="0"/>
           </a:p>
@@ -7084,8 +7060,46 @@
               <a:buChar char="•"/>
             </a:pPr>
             <a:r>
-              <a:rPr lang="en-US" dirty="0" smtClean="0"/>
-              <a:t>Checks if an object is in the prototype chain of a constructor</a:t>
+              <a:rPr lang="en-US" b="1" dirty="0" smtClean="0"/>
+              <a:t>delete</a:t>
+            </a:r>
+            <a:r>
+              <a:rPr lang="en-US" dirty="0" smtClean="0"/>
+              <a:t> removes a property from an object or an element from the array</a:t>
+            </a:r>
+            <a:endParaRPr lang="en-US" b="1" dirty="0" smtClean="0"/>
+          </a:p>
+          <a:p>
+            <a:pPr marL="608013" lvl="1" indent="-342900">
+              <a:buFont typeface="Arial" panose="020B0604020202020204" pitchFamily="34" charset="0"/>
+              <a:buChar char="•"/>
+            </a:pPr>
+            <a:r>
+              <a:rPr lang="en-US" b="1" dirty="0" smtClean="0"/>
+              <a:t>delete</a:t>
+            </a:r>
+            <a:r>
+              <a:rPr lang="en-US" dirty="0" smtClean="0"/>
+              <a:t> </a:t>
+            </a:r>
+            <a:r>
+              <a:rPr lang="en-US" dirty="0" err="1"/>
+              <a:t>object.property</a:t>
+            </a:r>
+            <a:endParaRPr lang="en-US" dirty="0"/>
+          </a:p>
+          <a:p>
+            <a:pPr marL="608013" lvl="1" indent="-342900">
+              <a:buFont typeface="Arial" panose="020B0604020202020204" pitchFamily="34" charset="0"/>
+              <a:buChar char="•"/>
+            </a:pPr>
+            <a:r>
+              <a:rPr lang="en-US" b="1" dirty="0" smtClean="0"/>
+              <a:t>delete</a:t>
+            </a:r>
+            <a:r>
+              <a:rPr lang="en-US" dirty="0" smtClean="0"/>
+              <a:t> array[index]</a:t>
             </a:r>
           </a:p>
           <a:p>
@@ -7094,145 +7108,67 @@
               <a:buChar char="•"/>
             </a:pPr>
             <a:r>
-              <a:rPr lang="en-US" dirty="0" smtClean="0"/>
-              <a:t>If an object inherits a certain (anywhere in hierarchy)</a:t>
-            </a:r>
+              <a:rPr lang="en-US" b="1" dirty="0" smtClean="0"/>
+              <a:t>delete</a:t>
+            </a:r>
+            <a:r>
+              <a:rPr lang="en-US" dirty="0" smtClean="0"/>
+              <a:t> will make a variable undefined</a:t>
+            </a:r>
+            <a:endParaRPr lang="en-US" b="1" dirty="0" smtClean="0"/>
+          </a:p>
+          <a:p>
+            <a:endParaRPr lang="en-US" dirty="0"/>
           </a:p>
           <a:p>
             <a:pPr marL="342900" indent="-342900">
               <a:buFont typeface="Arial" panose="020B0604020202020204" pitchFamily="34" charset="0"/>
               <a:buChar char="•"/>
             </a:pPr>
-            <a:endParaRPr lang="en-US" dirty="0" smtClean="0"/>
-          </a:p>
-          <a:p>
-            <a:pPr marL="342900" indent="-342900">
+            <a:r>
+              <a:rPr lang="en-US" b="1" dirty="0" smtClean="0"/>
+              <a:t>in</a:t>
+            </a:r>
+            <a:r>
+              <a:rPr lang="en-US" dirty="0" smtClean="0"/>
+              <a:t> checks if a property exists on an object, or if an element exists in an array</a:t>
+            </a:r>
+          </a:p>
+          <a:p>
+            <a:pPr marL="608013" lvl="1" indent="-342900">
               <a:buFont typeface="Arial" panose="020B0604020202020204" pitchFamily="34" charset="0"/>
               <a:buChar char="•"/>
             </a:pPr>
             <a:r>
               <a:rPr lang="en-US" dirty="0" smtClean="0"/>
-              <a:t>if (object </a:t>
-            </a:r>
-            <a:r>
-              <a:rPr lang="en-US" b="1" dirty="0" err="1"/>
-              <a:t>instanceof</a:t>
-            </a:r>
-            <a:r>
-              <a:rPr lang="en-US" dirty="0"/>
-              <a:t> </a:t>
-            </a:r>
-            <a:r>
-              <a:rPr lang="en-US" dirty="0" smtClean="0"/>
-              <a:t>constructor)</a:t>
-            </a:r>
-            <a:endParaRPr lang="en-US" dirty="0" smtClean="0"/>
-          </a:p>
-          <a:p>
-            <a:endParaRPr lang="en-US" dirty="0"/>
-          </a:p>
-          <a:p>
-            <a:pPr>
-              <a:spcBef>
-                <a:spcPts val="0"/>
-              </a:spcBef>
-            </a:pPr>
-            <a:r>
-              <a:rPr lang="en-US" dirty="0" err="1"/>
-              <a:t>var</a:t>
-            </a:r>
-            <a:r>
-              <a:rPr lang="en-US" dirty="0"/>
-              <a:t> </a:t>
-            </a:r>
-            <a:r>
-              <a:rPr lang="en-US" dirty="0" err="1"/>
-              <a:t>myDate</a:t>
-            </a:r>
-            <a:r>
-              <a:rPr lang="en-US" dirty="0"/>
-              <a:t> </a:t>
-            </a:r>
-            <a:r>
-              <a:rPr lang="en-US" dirty="0" smtClean="0"/>
-              <a:t> </a:t>
-            </a:r>
-            <a:r>
-              <a:rPr lang="en-US" dirty="0"/>
-              <a:t>= new Date</a:t>
-            </a:r>
-            <a:r>
-              <a:rPr lang="en-US" dirty="0" smtClean="0"/>
-              <a:t>();</a:t>
-            </a:r>
-          </a:p>
-          <a:p>
-            <a:pPr>
-              <a:spcBef>
-                <a:spcPts val="0"/>
-              </a:spcBef>
-            </a:pPr>
-            <a:r>
-              <a:rPr lang="en-US" dirty="0" smtClean="0"/>
-              <a:t>if (</a:t>
-            </a:r>
-            <a:r>
-              <a:rPr lang="en-US" dirty="0" err="1" smtClean="0"/>
-              <a:t>myDate</a:t>
-            </a:r>
-            <a:r>
-              <a:rPr lang="en-US" dirty="0" smtClean="0"/>
-              <a:t> </a:t>
-            </a:r>
-            <a:r>
-              <a:rPr lang="en-US" dirty="0" err="1"/>
-              <a:t>instanceof</a:t>
-            </a:r>
-            <a:r>
-              <a:rPr lang="en-US" dirty="0"/>
-              <a:t> </a:t>
-            </a:r>
-            <a:r>
-              <a:rPr lang="en-US" dirty="0" smtClean="0"/>
-              <a:t>Date) {</a:t>
-            </a:r>
-          </a:p>
-          <a:p>
-            <a:pPr>
-              <a:spcBef>
-                <a:spcPts val="0"/>
-              </a:spcBef>
-            </a:pPr>
-            <a:r>
-              <a:rPr lang="en-US" dirty="0"/>
-              <a:t>	</a:t>
-            </a:r>
-            <a:r>
-              <a:rPr lang="en-US" dirty="0" smtClean="0"/>
-              <a:t>// </a:t>
-            </a:r>
-            <a:r>
-              <a:rPr lang="en-US" dirty="0" smtClean="0"/>
-              <a:t>will execute</a:t>
-            </a:r>
-            <a:endParaRPr lang="en-US" dirty="0" smtClean="0"/>
-          </a:p>
-          <a:p>
-            <a:pPr>
-              <a:spcBef>
-                <a:spcPts val="0"/>
-              </a:spcBef>
-            </a:pPr>
-            <a:r>
-              <a:rPr lang="en-US" dirty="0"/>
-              <a:t>}</a:t>
-            </a:r>
-            <a:endParaRPr lang="en-US" dirty="0" smtClean="0"/>
-          </a:p>
-          <a:p>
-            <a:endParaRPr lang="en-US" dirty="0"/>
-          </a:p>
-          <a:p>
+              <a:t>if (property </a:t>
+            </a:r>
+            <a:r>
+              <a:rPr lang="en-US" b="1" dirty="0" smtClean="0"/>
+              <a:t>in</a:t>
+            </a:r>
+            <a:r>
+              <a:rPr lang="en-US" dirty="0" smtClean="0"/>
+              <a:t> object)</a:t>
+            </a:r>
+          </a:p>
+          <a:p>
+            <a:pPr marL="608013" lvl="1" indent="-342900">
+              <a:buFont typeface="Arial" panose="020B0604020202020204" pitchFamily="34" charset="0"/>
+              <a:buChar char="•"/>
+            </a:pPr>
+            <a:r>
+              <a:rPr lang="en-US" dirty="0" smtClean="0"/>
+              <a:t>if (index </a:t>
+            </a:r>
+            <a:r>
+              <a:rPr lang="en-US" b="1" dirty="0" smtClean="0"/>
+              <a:t>in</a:t>
+            </a:r>
+            <a:r>
+              <a:rPr lang="en-US" dirty="0" smtClean="0"/>
+              <a:t> array)</a:t>
+            </a:r>
             <a:endParaRPr lang="en-US" dirty="0"/>
           </a:p>
         </p:txBody>
@@ -7400,10 +7336,10 @@
           <a:lstStyle/>
           <a:p>
             <a:r>
-              <a:rPr lang="en-US" dirty="0" smtClean="0"/>
-              <a:t>Flow control &amp; loops</a:t>
-            </a:r>
-            <a:endParaRPr lang="en-US" dirty="0"/>
+              <a:rPr lang="en-US" b="1" dirty="0" err="1" smtClean="0"/>
+              <a:t>instanceof</a:t>
+            </a:r>
+            <a:endParaRPr lang="en-US" b="1" dirty="0"/>
           </a:p>
         </p:txBody>
       </p:sp>
@@ -7417,12 +7353,7 @@
             <p:ph idx="1"/>
           </p:nvPr>
         </p:nvSpPr>
-        <p:spPr>
-          <a:xfrm>
-            <a:off x="579438" y="1052737"/>
-            <a:ext cx="8412161" cy="5513164"/>
-          </a:xfrm>
-        </p:spPr>
+        <p:spPr/>
         <p:txBody>
           <a:bodyPr/>
           <a:lstStyle/>
@@ -7433,49 +7364,8 @@
             </a:pPr>
             <a:r>
               <a:rPr lang="en-US" dirty="0" smtClean="0"/>
-              <a:t>Flow control:</a:t>
-            </a:r>
-          </a:p>
-          <a:p>
-            <a:pPr marL="608013" lvl="1" indent="-342900">
-              <a:buFont typeface="Arial" panose="020B0604020202020204" pitchFamily="34" charset="0"/>
-              <a:buChar char="•"/>
-            </a:pPr>
-            <a:r>
-              <a:rPr lang="en-US" dirty="0" smtClean="0"/>
-              <a:t>if…else   </a:t>
-            </a:r>
-            <a:r>
-              <a:rPr lang="en-US" dirty="0" smtClean="0"/>
-              <a:t>(remember == vs ===)</a:t>
-            </a:r>
-          </a:p>
-          <a:p>
-            <a:pPr marL="608013" lvl="1" indent="-342900">
-              <a:buFont typeface="Arial" panose="020B0604020202020204" pitchFamily="34" charset="0"/>
-              <a:buChar char="•"/>
-            </a:pPr>
-            <a:r>
-              <a:rPr lang="en-US" dirty="0" smtClean="0"/>
-              <a:t>switch</a:t>
-            </a:r>
-          </a:p>
-          <a:p>
-            <a:pPr marL="608013" lvl="1" indent="-342900">
-              <a:buFont typeface="Arial" panose="020B0604020202020204" pitchFamily="34" charset="0"/>
-              <a:buChar char="•"/>
-            </a:pPr>
-            <a:r>
-              <a:rPr lang="en-US" dirty="0" smtClean="0"/>
-              <a:t>?:</a:t>
-            </a:r>
-          </a:p>
-          <a:p>
-            <a:pPr marL="608013" lvl="1" indent="-342900">
-              <a:buFont typeface="Arial" panose="020B0604020202020204" pitchFamily="34" charset="0"/>
-              <a:buChar char="•"/>
-            </a:pPr>
-            <a:endParaRPr lang="en-US" dirty="0" smtClean="0"/>
+              <a:t>Checks if an object is in the prototype chain of a constructor</a:t>
+            </a:r>
           </a:p>
           <a:p>
             <a:pPr marL="342900" indent="-342900">
@@ -7484,7 +7374,7 @@
             </a:pPr>
             <a:r>
               <a:rPr lang="en-US" dirty="0" smtClean="0"/>
-              <a:t>Loops: for, while, do…while</a:t>
+              <a:t>If an object inherits a certain (anywhere in hierarchy)</a:t>
             </a:r>
           </a:p>
           <a:p>
@@ -7501,37 +7391,123 @@
             </a:pPr>
             <a:r>
               <a:rPr lang="en-US" dirty="0" smtClean="0"/>
-              <a:t>Exception handling:</a:t>
-            </a:r>
-          </a:p>
-          <a:p>
-            <a:pPr marL="608013" lvl="1" indent="-342900">
-              <a:buFont typeface="Arial" panose="020B0604020202020204" pitchFamily="34" charset="0"/>
-              <a:buChar char="•"/>
-            </a:pPr>
-            <a:r>
-              <a:rPr lang="en-US" dirty="0" smtClean="0"/>
-              <a:t>throw, try…catch…finally</a:t>
-            </a:r>
-          </a:p>
-          <a:p>
-            <a:pPr marL="608013" lvl="1" indent="-342900">
-              <a:buFont typeface="Arial" panose="020B0604020202020204" pitchFamily="34" charset="0"/>
-              <a:buChar char="•"/>
-            </a:pPr>
+              <a:t>if (object </a:t>
+            </a:r>
+            <a:r>
+              <a:rPr lang="en-US" b="1" dirty="0" err="1"/>
+              <a:t>instanceof</a:t>
+            </a:r>
+            <a:r>
+              <a:rPr lang="en-US" dirty="0"/>
+              <a:t> </a:t>
+            </a:r>
+            <a:r>
+              <a:rPr lang="en-US" dirty="0" smtClean="0"/>
+              <a:t>constructor)</a:t>
+            </a:r>
+          </a:p>
+          <a:p>
             <a:endParaRPr lang="en-US" dirty="0"/>
           </a:p>
           <a:p>
-            <a:pPr marL="342900" indent="-342900">
-              <a:buFont typeface="Arial" panose="020B0604020202020204" pitchFamily="34" charset="0"/>
-              <a:buChar char="•"/>
-            </a:pPr>
-            <a:r>
-              <a:rPr lang="en-US" dirty="0" smtClean="0"/>
-              <a:t>Promises (when doing asynchronous work)</a:t>
-            </a:r>
+            <a:pPr>
+              <a:spcBef>
+                <a:spcPts val="0"/>
+              </a:spcBef>
+            </a:pPr>
+            <a:r>
+              <a:rPr lang="en-US" dirty="0" err="1"/>
+              <a:t>var</a:t>
+            </a:r>
+            <a:r>
+              <a:rPr lang="en-US" dirty="0"/>
+              <a:t> </a:t>
+            </a:r>
+            <a:r>
+              <a:rPr lang="en-US" dirty="0" err="1"/>
+              <a:t>myDate</a:t>
+            </a:r>
+            <a:r>
+              <a:rPr lang="en-US" dirty="0"/>
+              <a:t> </a:t>
+            </a:r>
+            <a:r>
+              <a:rPr lang="en-US" dirty="0" smtClean="0"/>
+              <a:t> </a:t>
+            </a:r>
+            <a:r>
+              <a:rPr lang="en-US" dirty="0"/>
+              <a:t>= new Date</a:t>
+            </a:r>
+            <a:r>
+              <a:rPr lang="en-US" dirty="0" smtClean="0"/>
+              <a:t>();</a:t>
+            </a:r>
+          </a:p>
+          <a:p>
+            <a:pPr>
+              <a:spcBef>
+                <a:spcPts val="0"/>
+              </a:spcBef>
+            </a:pPr>
+            <a:r>
+              <a:rPr lang="en-US" dirty="0" smtClean="0"/>
+              <a:t>if (</a:t>
+            </a:r>
+            <a:r>
+              <a:rPr lang="en-US" dirty="0" err="1" smtClean="0"/>
+              <a:t>myDate</a:t>
+            </a:r>
+            <a:r>
+              <a:rPr lang="en-US" dirty="0" smtClean="0"/>
+              <a:t> </a:t>
+            </a:r>
+            <a:r>
+              <a:rPr lang="en-US" dirty="0" err="1"/>
+              <a:t>instanceof</a:t>
+            </a:r>
+            <a:r>
+              <a:rPr lang="en-US" dirty="0"/>
+              <a:t> </a:t>
+            </a:r>
+            <a:r>
+              <a:rPr lang="en-US" dirty="0" smtClean="0"/>
+              <a:t>Date) {</a:t>
+            </a:r>
+          </a:p>
+          <a:p>
+            <a:pPr>
+              <a:spcBef>
+                <a:spcPts val="0"/>
+              </a:spcBef>
+            </a:pPr>
+            <a:r>
+              <a:rPr lang="en-US" dirty="0"/>
+              <a:t>	</a:t>
+            </a:r>
+            <a:r>
+              <a:rPr lang="en-US" dirty="0" smtClean="0"/>
+              <a:t>// will execute</a:t>
+            </a:r>
+          </a:p>
+          <a:p>
+            <a:pPr>
+              <a:spcBef>
+                <a:spcPts val="0"/>
+              </a:spcBef>
+            </a:pPr>
+            <a:r>
+              <a:rPr lang="en-US" dirty="0"/>
+              <a:t>}</a:t>
+            </a:r>
+            <a:endParaRPr lang="en-US" dirty="0" smtClean="0"/>
+          </a:p>
+          <a:p>
             <a:endParaRPr lang="en-US" dirty="0"/>
           </a:p>
+          <a:p>
+            <a:endParaRPr lang="en-US" dirty="0"/>
+          </a:p>
         </p:txBody>
       </p:sp>
       <p:sp>
@@ -7553,6 +7529,25 @@
               <a:rPr lang="en-US" dirty="0" smtClean="0"/>
               <a:t>14. August 2015</a:t>
             </a:r>
+            <a:endParaRPr lang="en-US" dirty="0"/>
+          </a:p>
+        </p:txBody>
+      </p:sp>
+      <p:sp>
+        <p:nvSpPr>
+          <p:cNvPr id="6" name="Text Placeholder 5"/>
+          <p:cNvSpPr>
+            <a:spLocks noGrp="1"/>
+          </p:cNvSpPr>
+          <p:nvPr>
+            <p:ph type="body" sz="quarter" idx="13"/>
+          </p:nvPr>
+        </p:nvSpPr>
+        <p:spPr/>
+        <p:txBody>
+          <a:bodyPr/>
+          <a:lstStyle/>
+          <a:p>
             <a:endParaRPr lang="en-US" dirty="0"/>
           </a:p>
         </p:txBody>
@@ -7678,42 +7673,10 @@
           <a:lstStyle/>
           <a:p>
             <a:r>
-              <a:rPr lang="en-US" b="1" dirty="0"/>
-              <a:t>f</a:t>
-            </a:r>
-            <a:r>
-              <a:rPr lang="en-US" b="1" dirty="0" smtClean="0"/>
-              <a:t>or</a:t>
-            </a:r>
-            <a:r>
-              <a:rPr lang="en-US" dirty="0" smtClean="0"/>
-              <a:t> vs </a:t>
-            </a:r>
-            <a:r>
-              <a:rPr lang="en-US" b="1" dirty="0" err="1" smtClean="0"/>
-              <a:t>forEach</a:t>
-            </a:r>
-            <a:r>
-              <a:rPr lang="en-US" b="1" dirty="0" smtClean="0"/>
-              <a:t>()</a:t>
-            </a:r>
-            <a:r>
-              <a:rPr lang="en-US" dirty="0" smtClean="0"/>
-              <a:t> vs </a:t>
-            </a:r>
-            <a:r>
-              <a:rPr lang="en-US" b="1" dirty="0" smtClean="0"/>
-              <a:t>for</a:t>
-            </a:r>
-            <a:r>
-              <a:rPr lang="en-US" dirty="0" smtClean="0"/>
-              <a:t>-</a:t>
-            </a:r>
-            <a:r>
-              <a:rPr lang="en-US" b="1" dirty="0" smtClean="0"/>
-              <a:t>in</a:t>
-            </a:r>
-            <a:endParaRPr lang="en-US" b="1" dirty="0"/>
+              <a:rPr lang="en-US" dirty="0" smtClean="0"/>
+              <a:t>Flow control &amp; loops</a:t>
+            </a:r>
+            <a:endParaRPr lang="en-US" dirty="0"/>
           </a:p>
         </p:txBody>
       </p:sp>
@@ -7729,297 +7692,112 @@
         </p:nvSpPr>
         <p:spPr>
           <a:xfrm>
-            <a:off x="579438" y="933885"/>
-            <a:ext cx="8412161" cy="5632015"/>
+            <a:off x="579438" y="1052737"/>
+            <a:ext cx="8412161" cy="5513164"/>
           </a:xfrm>
         </p:spPr>
         <p:txBody>
           <a:bodyPr/>
           <a:lstStyle/>
           <a:p>
-            <a:r>
-              <a:rPr lang="en-GB" b="1" dirty="0"/>
-              <a:t>for</a:t>
-            </a:r>
-            <a:r>
-              <a:rPr lang="en-GB" dirty="0"/>
-              <a:t> (</a:t>
-            </a:r>
-            <a:r>
-              <a:rPr lang="en-GB" dirty="0" err="1"/>
-              <a:t>i</a:t>
-            </a:r>
-            <a:r>
-              <a:rPr lang="en-GB" dirty="0"/>
-              <a:t> = 0; </a:t>
-            </a:r>
-            <a:r>
-              <a:rPr lang="en-GB" dirty="0" err="1"/>
-              <a:t>i</a:t>
-            </a:r>
-            <a:r>
-              <a:rPr lang="en-GB" dirty="0"/>
-              <a:t> &lt; </a:t>
-            </a:r>
-            <a:r>
-              <a:rPr lang="en-GB" dirty="0" err="1" smtClean="0"/>
-              <a:t>array.length</a:t>
-            </a:r>
-            <a:r>
-              <a:rPr lang="en-GB" dirty="0"/>
-              <a:t>; </a:t>
-            </a:r>
-            <a:r>
-              <a:rPr lang="en-GB" dirty="0" err="1"/>
-              <a:t>i</a:t>
-            </a:r>
-            <a:r>
-              <a:rPr lang="en-GB" dirty="0"/>
-              <a:t>++) { </a:t>
-            </a:r>
-            <a:br>
-              <a:rPr lang="en-GB" dirty="0"/>
-            </a:br>
-            <a:r>
-              <a:rPr lang="en-GB" dirty="0"/>
-              <a:t>    text += </a:t>
-            </a:r>
-            <a:r>
-              <a:rPr lang="en-GB" dirty="0" smtClean="0"/>
-              <a:t>array[</a:t>
-            </a:r>
-            <a:r>
-              <a:rPr lang="en-GB" dirty="0" err="1" smtClean="0"/>
-              <a:t>i</a:t>
-            </a:r>
-            <a:r>
-              <a:rPr lang="en-GB" dirty="0" smtClean="0"/>
-              <a:t>];</a:t>
-            </a:r>
-            <a:r>
-              <a:rPr lang="en-GB" dirty="0"/>
-              <a:t/>
-            </a:r>
-            <a:br>
-              <a:rPr lang="en-GB" dirty="0"/>
-            </a:br>
-            <a:r>
-              <a:rPr lang="en-GB" dirty="0" smtClean="0"/>
-              <a:t>}</a:t>
-            </a:r>
-          </a:p>
-          <a:p>
-            <a:endParaRPr lang="en-GB" dirty="0" smtClean="0"/>
-          </a:p>
-          <a:p>
-            <a:pPr>
-              <a:spcBef>
-                <a:spcPts val="0"/>
-              </a:spcBef>
-            </a:pPr>
-            <a:r>
-              <a:rPr lang="en-GB" dirty="0" smtClean="0"/>
-              <a:t>array.</a:t>
-            </a:r>
-            <a:r>
-              <a:rPr lang="en-US" b="1" dirty="0" err="1" smtClean="0"/>
-              <a:t>forEach</a:t>
-            </a:r>
-            <a:r>
-              <a:rPr lang="en-US" b="1" dirty="0" smtClean="0"/>
-              <a:t>(</a:t>
-            </a:r>
-            <a:r>
-              <a:rPr lang="en-GB" dirty="0"/>
-              <a:t>function (value, index, </a:t>
-            </a:r>
-            <a:r>
-              <a:rPr lang="en-GB" dirty="0" err="1" smtClean="0"/>
-              <a:t>arr</a:t>
-            </a:r>
-            <a:r>
-              <a:rPr lang="en-GB" dirty="0" smtClean="0"/>
-              <a:t>) </a:t>
-            </a:r>
-            <a:r>
-              <a:rPr lang="en-GB" dirty="0"/>
-              <a:t>{</a:t>
-            </a:r>
-          </a:p>
-          <a:p>
-            <a:pPr>
-              <a:spcBef>
-                <a:spcPts val="0"/>
-              </a:spcBef>
-            </a:pPr>
-            <a:r>
-              <a:rPr lang="en-GB" dirty="0"/>
-              <a:t> </a:t>
-            </a:r>
-            <a:r>
-              <a:rPr lang="en-GB" dirty="0" smtClean="0"/>
-              <a:t>     text </a:t>
-            </a:r>
-            <a:r>
-              <a:rPr lang="en-GB" dirty="0"/>
-              <a:t>+= value</a:t>
-            </a:r>
-            <a:r>
-              <a:rPr lang="en-GB" dirty="0" smtClean="0"/>
-              <a:t>;</a:t>
-            </a:r>
-            <a:endParaRPr lang="en-GB" dirty="0"/>
-          </a:p>
-          <a:p>
-            <a:pPr>
-              <a:spcBef>
-                <a:spcPts val="0"/>
-              </a:spcBef>
-            </a:pPr>
-            <a:r>
-              <a:rPr lang="en-GB" dirty="0" smtClean="0"/>
-              <a:t>}</a:t>
-            </a:r>
-            <a:r>
-              <a:rPr lang="en-US" dirty="0" smtClean="0"/>
-              <a:t>);</a:t>
-            </a:r>
-          </a:p>
-          <a:p>
-            <a:pPr>
-              <a:spcBef>
-                <a:spcPts val="0"/>
-              </a:spcBef>
-            </a:pPr>
-            <a:endParaRPr lang="en-US" dirty="0"/>
-          </a:p>
-          <a:p>
-            <a:pPr>
-              <a:spcBef>
-                <a:spcPts val="0"/>
-              </a:spcBef>
-            </a:pPr>
-            <a:endParaRPr lang="en-US" dirty="0" smtClean="0"/>
-          </a:p>
-          <a:p>
             <a:pPr marL="342900" indent="-342900">
-              <a:spcBef>
-                <a:spcPts val="0"/>
-              </a:spcBef>
               <a:buFont typeface="Arial" panose="020B0604020202020204" pitchFamily="34" charset="0"/>
               <a:buChar char="•"/>
             </a:pPr>
             <a:r>
               <a:rPr lang="en-US" dirty="0" smtClean="0"/>
-              <a:t>for…in iterating through properties </a:t>
-            </a:r>
-            <a:r>
-              <a:rPr lang="en-US" dirty="0" smtClean="0"/>
-              <a:t>of </a:t>
-            </a:r>
-            <a:r>
-              <a:rPr lang="en-US" dirty="0" smtClean="0"/>
-              <a:t>an </a:t>
-            </a:r>
-            <a:r>
-              <a:rPr lang="en-US" dirty="0" smtClean="0"/>
-              <a:t>object</a:t>
-            </a:r>
-          </a:p>
-          <a:p>
-            <a:pPr>
-              <a:spcBef>
-                <a:spcPts val="0"/>
-              </a:spcBef>
+              <a:t>Flow control:</a:t>
+            </a:r>
+          </a:p>
+          <a:p>
+            <a:pPr marL="608013" lvl="1" indent="-342900">
+              <a:buFont typeface="Arial" panose="020B0604020202020204" pitchFamily="34" charset="0"/>
+              <a:buChar char="•"/>
+            </a:pPr>
+            <a:r>
+              <a:rPr lang="en-US" dirty="0" smtClean="0"/>
+              <a:t>if…else   (remember == vs ===)</a:t>
+            </a:r>
+          </a:p>
+          <a:p>
+            <a:pPr marL="608013" lvl="1" indent="-342900">
+              <a:buFont typeface="Arial" panose="020B0604020202020204" pitchFamily="34" charset="0"/>
+              <a:buChar char="•"/>
+            </a:pPr>
+            <a:r>
+              <a:rPr lang="en-US" dirty="0" smtClean="0"/>
+              <a:t>switch</a:t>
+            </a:r>
+          </a:p>
+          <a:p>
+            <a:pPr marL="608013" lvl="1" indent="-342900">
+              <a:buFont typeface="Arial" panose="020B0604020202020204" pitchFamily="34" charset="0"/>
+              <a:buChar char="•"/>
+            </a:pPr>
+            <a:r>
+              <a:rPr lang="en-US" dirty="0" smtClean="0"/>
+              <a:t>?:</a:t>
+            </a:r>
+          </a:p>
+          <a:p>
+            <a:pPr marL="608013" lvl="1" indent="-342900">
+              <a:buFont typeface="Arial" panose="020B0604020202020204" pitchFamily="34" charset="0"/>
+              <a:buChar char="•"/>
             </a:pPr>
             <a:endParaRPr lang="en-US" dirty="0" smtClean="0"/>
           </a:p>
           <a:p>
-            <a:pPr>
-              <a:spcBef>
-                <a:spcPts val="0"/>
-              </a:spcBef>
-            </a:pPr>
-            <a:r>
-              <a:rPr lang="en-US" b="1" dirty="0"/>
-              <a:t>for</a:t>
-            </a:r>
-            <a:r>
-              <a:rPr lang="en-US" dirty="0"/>
-              <a:t> </a:t>
-            </a:r>
-            <a:r>
-              <a:rPr lang="en-US" dirty="0" smtClean="0"/>
-              <a:t>(</a:t>
-            </a:r>
-            <a:r>
-              <a:rPr lang="en-US" dirty="0" smtClean="0"/>
-              <a:t>prop </a:t>
-            </a:r>
-            <a:r>
-              <a:rPr lang="en-US" b="1" dirty="0" smtClean="0"/>
-              <a:t>in</a:t>
-            </a:r>
-            <a:r>
-              <a:rPr lang="en-US" dirty="0" smtClean="0"/>
-              <a:t> </a:t>
-            </a:r>
-            <a:r>
-              <a:rPr lang="en-US" dirty="0"/>
-              <a:t>object) </a:t>
-            </a:r>
-            <a:r>
-              <a:rPr lang="en-US" dirty="0" smtClean="0"/>
-              <a:t>{</a:t>
-            </a:r>
-          </a:p>
-          <a:p>
-            <a:pPr>
-              <a:spcBef>
-                <a:spcPts val="0"/>
-              </a:spcBef>
-            </a:pPr>
-            <a:r>
-              <a:rPr lang="en-US" dirty="0"/>
-              <a:t> </a:t>
-            </a:r>
-            <a:r>
-              <a:rPr lang="en-US" dirty="0" smtClean="0"/>
-              <a:t>   console.log(prop); // outputs property </a:t>
-            </a:r>
-            <a:r>
-              <a:rPr lang="en-US" b="1" dirty="0" smtClean="0"/>
-              <a:t>name</a:t>
-            </a:r>
-          </a:p>
-          <a:p>
-            <a:pPr>
-              <a:spcBef>
-                <a:spcPts val="0"/>
-              </a:spcBef>
-            </a:pPr>
-            <a:r>
-              <a:rPr lang="en-US" dirty="0"/>
-              <a:t> </a:t>
-            </a:r>
-            <a:r>
-              <a:rPr lang="en-US" dirty="0" smtClean="0"/>
-              <a:t>   console.log(object[prop]); // outputs property </a:t>
-            </a:r>
-            <a:r>
-              <a:rPr lang="en-US" b="1" dirty="0" smtClean="0"/>
-              <a:t>value</a:t>
-            </a:r>
-          </a:p>
-          <a:p>
-            <a:pPr>
-              <a:spcBef>
-                <a:spcPts val="0"/>
-              </a:spcBef>
-            </a:pPr>
-            <a:r>
-              <a:rPr lang="en-US" dirty="0" smtClean="0"/>
-              <a:t>}</a:t>
+            <a:pPr marL="342900" indent="-342900">
+              <a:buFont typeface="Arial" panose="020B0604020202020204" pitchFamily="34" charset="0"/>
+              <a:buChar char="•"/>
+            </a:pPr>
+            <a:r>
+              <a:rPr lang="en-US" dirty="0" smtClean="0"/>
+              <a:t>Loops: for, while, do…while</a:t>
+            </a:r>
+          </a:p>
+          <a:p>
+            <a:pPr marL="342900" indent="-342900">
+              <a:buFont typeface="Arial" panose="020B0604020202020204" pitchFamily="34" charset="0"/>
+              <a:buChar char="•"/>
+            </a:pPr>
+            <a:endParaRPr lang="en-US" dirty="0" smtClean="0"/>
+          </a:p>
+          <a:p>
+            <a:pPr marL="342900" indent="-342900">
+              <a:buFont typeface="Arial" panose="020B0604020202020204" pitchFamily="34" charset="0"/>
+              <a:buChar char="•"/>
+            </a:pPr>
+            <a:r>
+              <a:rPr lang="en-US" dirty="0" smtClean="0"/>
+              <a:t>Exception handling:</a:t>
+            </a:r>
+          </a:p>
+          <a:p>
+            <a:pPr marL="608013" lvl="1" indent="-342900">
+              <a:buFont typeface="Arial" panose="020B0604020202020204" pitchFamily="34" charset="0"/>
+              <a:buChar char="•"/>
+            </a:pPr>
+            <a:r>
+              <a:rPr lang="en-US" dirty="0" smtClean="0"/>
+              <a:t>throw, try…catch…finally</a:t>
+            </a:r>
+          </a:p>
+          <a:p>
+            <a:pPr marL="608013" lvl="1" indent="-342900">
+              <a:buFont typeface="Arial" panose="020B0604020202020204" pitchFamily="34" charset="0"/>
+              <a:buChar char="•"/>
+            </a:pPr>
+            <a:endParaRPr lang="en-US" dirty="0"/>
+          </a:p>
+          <a:p>
+            <a:pPr marL="342900" indent="-342900">
+              <a:buFont typeface="Arial" panose="020B0604020202020204" pitchFamily="34" charset="0"/>
+              <a:buChar char="•"/>
+            </a:pPr>
+            <a:r>
+              <a:rPr lang="en-US" dirty="0" smtClean="0"/>
+              <a:t>Promises (for asynchronous work)</a:t>
             </a:r>
             <a:endParaRPr lang="en-US" dirty="0"/>
           </a:p>
@@ -8169,10 +7947,42 @@
           <a:lstStyle/>
           <a:p>
             <a:r>
-              <a:rPr lang="en-US" dirty="0" smtClean="0"/>
-              <a:t>Exception handling</a:t>
-            </a:r>
-            <a:endParaRPr lang="en-US" dirty="0"/>
+              <a:rPr lang="en-US" b="1" dirty="0"/>
+              <a:t>f</a:t>
+            </a:r>
+            <a:r>
+              <a:rPr lang="en-US" b="1" dirty="0" smtClean="0"/>
+              <a:t>or</a:t>
+            </a:r>
+            <a:r>
+              <a:rPr lang="en-US" dirty="0" smtClean="0"/>
+              <a:t> vs </a:t>
+            </a:r>
+            <a:r>
+              <a:rPr lang="en-US" b="1" dirty="0" err="1" smtClean="0"/>
+              <a:t>forEach</a:t>
+            </a:r>
+            <a:r>
+              <a:rPr lang="en-US" b="1" dirty="0" smtClean="0"/>
+              <a:t>()</a:t>
+            </a:r>
+            <a:r>
+              <a:rPr lang="en-US" dirty="0" smtClean="0"/>
+              <a:t> vs </a:t>
+            </a:r>
+            <a:r>
+              <a:rPr lang="en-US" b="1" dirty="0" smtClean="0"/>
+              <a:t>for</a:t>
+            </a:r>
+            <a:r>
+              <a:rPr lang="en-US" dirty="0" smtClean="0"/>
+              <a:t>-</a:t>
+            </a:r>
+            <a:r>
+              <a:rPr lang="en-US" b="1" dirty="0" smtClean="0"/>
+              <a:t>in</a:t>
+            </a:r>
+            <a:endParaRPr lang="en-US" b="1" dirty="0"/>
           </a:p>
         </p:txBody>
       </p:sp>
@@ -8196,6 +8006,171 @@
           <a:bodyPr/>
           <a:lstStyle/>
           <a:p>
+            <a:r>
+              <a:rPr lang="en-GB" b="1" dirty="0"/>
+              <a:t>for</a:t>
+            </a:r>
+            <a:r>
+              <a:rPr lang="en-GB" dirty="0"/>
+              <a:t> (</a:t>
+            </a:r>
+            <a:r>
+              <a:rPr lang="en-GB" dirty="0" err="1"/>
+              <a:t>i</a:t>
+            </a:r>
+            <a:r>
+              <a:rPr lang="en-GB" dirty="0"/>
+              <a:t> = 0; </a:t>
+            </a:r>
+            <a:r>
+              <a:rPr lang="en-GB" dirty="0" err="1"/>
+              <a:t>i</a:t>
+            </a:r>
+            <a:r>
+              <a:rPr lang="en-GB" dirty="0"/>
+              <a:t> &lt; </a:t>
+            </a:r>
+            <a:r>
+              <a:rPr lang="en-GB" dirty="0" err="1" smtClean="0"/>
+              <a:t>array.length</a:t>
+            </a:r>
+            <a:r>
+              <a:rPr lang="en-GB" dirty="0"/>
+              <a:t>; </a:t>
+            </a:r>
+            <a:r>
+              <a:rPr lang="en-GB" dirty="0" err="1"/>
+              <a:t>i</a:t>
+            </a:r>
+            <a:r>
+              <a:rPr lang="en-GB" dirty="0"/>
+              <a:t>++) { </a:t>
+            </a:r>
+            <a:br>
+              <a:rPr lang="en-GB" dirty="0"/>
+            </a:br>
+            <a:r>
+              <a:rPr lang="en-GB" dirty="0"/>
+              <a:t>    text += </a:t>
+            </a:r>
+            <a:r>
+              <a:rPr lang="en-GB" dirty="0" smtClean="0"/>
+              <a:t>array[</a:t>
+            </a:r>
+            <a:r>
+              <a:rPr lang="en-GB" dirty="0" err="1" smtClean="0"/>
+              <a:t>i</a:t>
+            </a:r>
+            <a:r>
+              <a:rPr lang="en-GB" dirty="0" smtClean="0"/>
+              <a:t>];</a:t>
+            </a:r>
+            <a:r>
+              <a:rPr lang="en-GB" dirty="0"/>
+              <a:t/>
+            </a:r>
+            <a:br>
+              <a:rPr lang="en-GB" dirty="0"/>
+            </a:br>
+            <a:r>
+              <a:rPr lang="en-GB" dirty="0" smtClean="0"/>
+              <a:t>}</a:t>
+            </a:r>
+          </a:p>
+          <a:p>
+            <a:endParaRPr lang="en-GB" dirty="0" smtClean="0"/>
+          </a:p>
+          <a:p>
+            <a:pPr>
+              <a:spcBef>
+                <a:spcPts val="0"/>
+              </a:spcBef>
+            </a:pPr>
+            <a:r>
+              <a:rPr lang="en-GB" dirty="0" smtClean="0"/>
+              <a:t>array.</a:t>
+            </a:r>
+            <a:r>
+              <a:rPr lang="en-US" b="1" dirty="0" err="1" smtClean="0"/>
+              <a:t>forEach</a:t>
+            </a:r>
+            <a:r>
+              <a:rPr lang="en-US" b="1" dirty="0" smtClean="0"/>
+              <a:t>(</a:t>
+            </a:r>
+            <a:r>
+              <a:rPr lang="en-GB" dirty="0"/>
+              <a:t>function (value, index, </a:t>
+            </a:r>
+            <a:r>
+              <a:rPr lang="en-GB" dirty="0" err="1" smtClean="0"/>
+              <a:t>arr</a:t>
+            </a:r>
+            <a:r>
+              <a:rPr lang="en-GB" dirty="0" smtClean="0"/>
+              <a:t>) </a:t>
+            </a:r>
+            <a:r>
+              <a:rPr lang="en-GB" dirty="0"/>
+              <a:t>{</a:t>
+            </a:r>
+          </a:p>
+          <a:p>
+            <a:pPr>
+              <a:spcBef>
+                <a:spcPts val="0"/>
+              </a:spcBef>
+            </a:pPr>
+            <a:r>
+              <a:rPr lang="en-GB" dirty="0"/>
+              <a:t> </a:t>
+            </a:r>
+            <a:r>
+              <a:rPr lang="en-GB" dirty="0" smtClean="0"/>
+              <a:t>     text </a:t>
+            </a:r>
+            <a:r>
+              <a:rPr lang="en-GB" dirty="0"/>
+              <a:t>+= value</a:t>
+            </a:r>
+            <a:r>
+              <a:rPr lang="en-GB" dirty="0" smtClean="0"/>
+              <a:t>;</a:t>
+            </a:r>
+            <a:endParaRPr lang="en-GB" dirty="0"/>
+          </a:p>
+          <a:p>
+            <a:pPr>
+              <a:spcBef>
+                <a:spcPts val="0"/>
+              </a:spcBef>
+            </a:pPr>
+            <a:r>
+              <a:rPr lang="en-GB" dirty="0" smtClean="0"/>
+              <a:t>}</a:t>
+            </a:r>
+            <a:r>
+              <a:rPr lang="en-US" dirty="0" smtClean="0"/>
+              <a:t>);</a:t>
+            </a:r>
+          </a:p>
+          <a:p>
+            <a:pPr>
+              <a:spcBef>
+                <a:spcPts val="0"/>
+              </a:spcBef>
+            </a:pPr>
+            <a:endParaRPr lang="en-US" dirty="0"/>
+          </a:p>
+          <a:p>
+            <a:pPr>
+              <a:spcBef>
+                <a:spcPts val="0"/>
+              </a:spcBef>
+            </a:pPr>
+            <a:endParaRPr lang="en-US" dirty="0" smtClean="0"/>
+          </a:p>
+          <a:p>
             <a:pPr marL="342900" indent="-342900">
               <a:spcBef>
                 <a:spcPts val="0"/>
@@ -8205,18 +8180,8 @@
             </a:pPr>
             <a:r>
               <a:rPr lang="en-US" dirty="0" smtClean="0"/>
-              <a:t>Throw short circuits the code and “bubbles up” through code until it reaches a catch.</a:t>
-            </a:r>
-          </a:p>
-          <a:p>
-            <a:pPr marL="342900" indent="-342900">
-              <a:spcBef>
-                <a:spcPts val="0"/>
-              </a:spcBef>
-              <a:buFont typeface="Arial" panose="020B0604020202020204" pitchFamily="34" charset="0"/>
-              <a:buChar char="•"/>
-            </a:pPr>
-            <a:endParaRPr lang="en-US" dirty="0" smtClean="0"/>
+              <a:t>for…in iterating through properties of an object</a:t>
+            </a:r>
           </a:p>
           <a:p>
             <a:pPr>
@@ -8233,35 +8198,32 @@
               </a:spcBef>
             </a:pPr>
             <a:r>
-              <a:rPr lang="en-US" dirty="0" smtClean="0"/>
-              <a:t>try </a:t>
+              <a:rPr lang="en-US" b="1" dirty="0"/>
+              <a:t>for</a:t>
             </a:r>
             <a:r>
               <a:rPr lang="en-US" dirty="0"/>
+              <a:t> </a:t>
+            </a:r>
+            <a:r>
+              <a:rPr lang="en-US" dirty="0" smtClean="0"/>
+              <a:t>(prop </a:t>
+            </a:r>
+            <a:r>
+              <a:rPr lang="en-US" b="1" dirty="0" smtClean="0"/>
+              <a:t>in</a:t>
+            </a:r>
+            <a:r>
+              <a:rPr lang="en-US" dirty="0" smtClean="0"/>
+              <a:t> </a:t>
+            </a:r>
+            <a:r>
+              <a:rPr lang="en-US" dirty="0"/>
+              <a:t>object) </a:t>
+            </a:r>
+            <a:r>
+              <a:rPr lang="en-US" dirty="0" smtClean="0"/>
               <a:t>{</a:t>
-            </a:r>
-            <a:br>
-              <a:rPr lang="en-US" dirty="0"/>
-            </a:br>
-            <a:r>
-              <a:rPr lang="en-US" dirty="0"/>
-              <a:t>    </a:t>
-            </a:r>
-            <a:r>
-              <a:rPr lang="en-US" dirty="0" smtClean="0"/>
-              <a:t>// </a:t>
-            </a:r>
-            <a:r>
-              <a:rPr lang="en-US" i="1" dirty="0" smtClean="0"/>
-              <a:t>Block </a:t>
-            </a:r>
-            <a:r>
-              <a:rPr lang="en-US" i="1" dirty="0"/>
-              <a:t>of code to </a:t>
-            </a:r>
-            <a:r>
-              <a:rPr lang="en-US" i="1" dirty="0" smtClean="0"/>
-              <a:t>try execute. Throws an error object.</a:t>
             </a:r>
           </a:p>
           <a:p>
@@ -8271,96 +8233,16 @@
               </a:spcBef>
             </a:pPr>
             <a:r>
-              <a:rPr lang="en-US" dirty="0" smtClean="0"/>
-              <a:t>    throw </a:t>
-            </a:r>
-            <a:r>
               <a:rPr lang="en-US" dirty="0"/>
-              <a:t>new Error(message, </a:t>
-            </a:r>
-            <a:r>
-              <a:rPr lang="en-US" dirty="0" err="1"/>
-              <a:t>fileName</a:t>
-            </a:r>
-            <a:r>
-              <a:rPr lang="en-US" dirty="0"/>
-              <a:t>, </a:t>
-            </a:r>
-            <a:r>
-              <a:rPr lang="en-US" dirty="0" err="1"/>
-              <a:t>lineNumber</a:t>
-            </a:r>
-            <a:r>
-              <a:rPr lang="en-US" dirty="0" smtClean="0"/>
-              <a:t>)</a:t>
-            </a:r>
-            <a:r>
-              <a:rPr lang="en-US" i="1" dirty="0"/>
-              <a:t/>
-            </a:r>
-            <a:br>
-              <a:rPr lang="en-US" i="1" dirty="0"/>
-            </a:br>
-            <a:r>
-              <a:rPr lang="en-US" dirty="0"/>
-              <a:t>}</a:t>
-            </a:r>
-            <a:br>
-              <a:rPr lang="en-US" dirty="0"/>
-            </a:br>
-            <a:r>
-              <a:rPr lang="en-US" dirty="0"/>
-              <a:t>catch(err) {</a:t>
-            </a:r>
-            <a:br>
-              <a:rPr lang="en-US" dirty="0"/>
-            </a:br>
-            <a:r>
-              <a:rPr lang="en-US" dirty="0"/>
-              <a:t>   </a:t>
-            </a:r>
-            <a:r>
-              <a:rPr lang="en-US" dirty="0" smtClean="0"/>
-              <a:t>// </a:t>
-            </a:r>
-            <a:r>
-              <a:rPr lang="en-US" i="1" dirty="0" smtClean="0"/>
-              <a:t>Block </a:t>
-            </a:r>
-            <a:r>
-              <a:rPr lang="en-US" i="1" dirty="0"/>
-              <a:t>of code to handle </a:t>
-            </a:r>
-            <a:r>
-              <a:rPr lang="en-US" i="1" dirty="0" smtClean="0"/>
-              <a:t>errors. Executes only if block in </a:t>
-            </a:r>
-            <a:r>
-              <a:rPr lang="en-US" b="1" i="1" dirty="0" smtClean="0"/>
-              <a:t>try</a:t>
-            </a:r>
-            <a:r>
-              <a:rPr lang="en-US" i="1" dirty="0" smtClean="0"/>
               <a:t> </a:t>
             </a:r>
             <a:r>
-              <a:rPr lang="en-US" b="1" i="1" dirty="0" smtClean="0"/>
-              <a:t>throws</a:t>
-            </a:r>
-            <a:r>
-              <a:rPr lang="en-US" i="1" dirty="0" smtClean="0"/>
-              <a:t>.</a:t>
-            </a:r>
-            <a:r>
-              <a:rPr lang="en-US" i="1" dirty="0"/>
-              <a:t/>
-            </a:r>
-            <a:br>
-              <a:rPr lang="en-US" i="1" dirty="0"/>
-            </a:br>
-            <a:r>
-              <a:rPr lang="en-US" dirty="0" smtClean="0"/>
-              <a:t>}</a:t>
+              <a:rPr lang="en-US" dirty="0" smtClean="0"/>
+              <a:t>   console.log(prop); // outputs property </a:t>
+            </a:r>
+            <a:r>
+              <a:rPr lang="en-US" b="1" dirty="0" smtClean="0"/>
+              <a:t>name</a:t>
             </a:r>
           </a:p>
           <a:p>
@@ -8371,7 +8253,15 @@
             </a:pPr>
             <a:r>
               <a:rPr lang="en-US" dirty="0"/>
-              <a:t>finally {</a:t>
+              <a:t> </a:t>
+            </a:r>
+            <a:r>
+              <a:rPr lang="en-US" dirty="0" smtClean="0"/>
+              <a:t>   console.log(object[prop]); // outputs property </a:t>
+            </a:r>
+            <a:r>
+              <a:rPr lang="en-US" b="1" dirty="0" smtClean="0"/>
+              <a:t>value</a:t>
             </a:r>
           </a:p>
           <a:p>
@@ -8381,48 +8271,10 @@
               </a:spcBef>
             </a:pPr>
             <a:r>
-              <a:rPr lang="en-US" i="1" dirty="0"/>
-              <a:t>    </a:t>
-            </a:r>
-            <a:r>
-              <a:rPr lang="en-US" i="1" dirty="0" smtClean="0"/>
-              <a:t>// Block </a:t>
-            </a:r>
-            <a:r>
-              <a:rPr lang="en-US" i="1" dirty="0"/>
-              <a:t>of code to be executed regardless of the </a:t>
-            </a:r>
-            <a:r>
-              <a:rPr lang="en-US" b="1" i="1" dirty="0" smtClean="0"/>
-              <a:t>try</a:t>
-            </a:r>
-            <a:r>
-              <a:rPr lang="en-US" i="1" dirty="0" smtClean="0"/>
-              <a:t>/</a:t>
-            </a:r>
-            <a:r>
-              <a:rPr lang="en-US" b="1" i="1" dirty="0" smtClean="0"/>
-              <a:t>catch</a:t>
-            </a:r>
-            <a:r>
-              <a:rPr lang="en-US" i="1" dirty="0" smtClean="0"/>
-              <a:t> </a:t>
-            </a:r>
-            <a:r>
-              <a:rPr lang="en-US" i="1" dirty="0"/>
-              <a:t>result</a:t>
-            </a:r>
-          </a:p>
-          <a:p>
-            <a:pPr>
-              <a:spcBef>
-                <a:spcPts val="0"/>
-              </a:spcBef>
-            </a:pPr>
-            <a:r>
               <a:rPr lang="en-US" dirty="0" smtClean="0"/>
               <a:t>}</a:t>
             </a:r>
+            <a:endParaRPr lang="en-US" dirty="0"/>
           </a:p>
         </p:txBody>
       </p:sp>
@@ -8587,63 +8439,242 @@
             <p:ph idx="1"/>
           </p:nvPr>
         </p:nvSpPr>
-        <p:spPr/>
+        <p:spPr>
+          <a:xfrm>
+            <a:off x="579438" y="933885"/>
+            <a:ext cx="8412161" cy="5632015"/>
+          </a:xfrm>
+        </p:spPr>
         <p:txBody>
           <a:bodyPr/>
           <a:lstStyle/>
           <a:p>
             <a:pPr marL="342900" indent="-342900">
+              <a:spcBef>
+                <a:spcPts val="0"/>
+              </a:spcBef>
               <a:buFont typeface="Arial" panose="020B0604020202020204" pitchFamily="34" charset="0"/>
               <a:buChar char="•"/>
             </a:pPr>
             <a:r>
               <a:rPr lang="en-US" dirty="0" smtClean="0"/>
-              <a:t>Handle </a:t>
-            </a:r>
-            <a:r>
-              <a:rPr lang="en-US" b="1" dirty="0" smtClean="0"/>
-              <a:t>all</a:t>
-            </a:r>
-            <a:r>
-              <a:rPr lang="en-US" dirty="0" smtClean="0"/>
-              <a:t> exceptions that may occur and influence users workflow</a:t>
+              <a:t>Throw short circuits the code and “bubbles up” through code until it reaches a catch.</a:t>
             </a:r>
           </a:p>
           <a:p>
             <a:pPr marL="342900" indent="-342900">
+              <a:spcBef>
+                <a:spcPts val="0"/>
+              </a:spcBef>
               <a:buFont typeface="Arial" panose="020B0604020202020204" pitchFamily="34" charset="0"/>
               <a:buChar char="•"/>
             </a:pPr>
-            <a:r>
-              <a:rPr lang="en-US" dirty="0" smtClean="0"/>
-              <a:t>Do not use exceptions for non-exceptional control flow</a:t>
-            </a:r>
-          </a:p>
-          <a:p>
-            <a:pPr marL="342900" indent="-342900">
-              <a:buFont typeface="Arial" panose="020B0604020202020204" pitchFamily="34" charset="0"/>
-              <a:buChar char="•"/>
-            </a:pPr>
-            <a:endParaRPr lang="en-US" dirty="0"/>
-          </a:p>
-          <a:p>
-            <a:pPr marL="342900" indent="-342900">
-              <a:buFont typeface="Arial" panose="020B0604020202020204" pitchFamily="34" charset="0"/>
-              <a:buChar char="•"/>
-            </a:pPr>
-            <a:r>
-              <a:rPr lang="en-US" dirty="0" smtClean="0"/>
-              <a:t>Prefer exceptions to error codes (e.g. -1, false, 0x3343…)</a:t>
-            </a:r>
-          </a:p>
-          <a:p>
-            <a:pPr marL="342900" indent="-342900">
-              <a:buFont typeface="Arial" panose="020B0604020202020204" pitchFamily="34" charset="0"/>
-              <a:buChar char="•"/>
-            </a:pPr>
-            <a:r>
-              <a:rPr lang="en-US" dirty="0" smtClean="0"/>
-              <a:t>Create own exception type</a:t>
+            <a:endParaRPr lang="en-US" dirty="0" smtClean="0"/>
+          </a:p>
+          <a:p>
+            <a:pPr>
+              <a:spcBef>
+                <a:spcPts val="0"/>
+              </a:spcBef>
+            </a:pPr>
+            <a:endParaRPr lang="en-US" dirty="0" smtClean="0"/>
+          </a:p>
+          <a:p>
+            <a:pPr>
+              <a:spcBef>
+                <a:spcPts val="0"/>
+              </a:spcBef>
+            </a:pPr>
+            <a:r>
+              <a:rPr lang="en-US" dirty="0" smtClean="0"/>
+              <a:t>try </a:t>
+            </a:r>
+            <a:r>
+              <a:rPr lang="en-US" dirty="0"/>
+              <a:t>{</a:t>
+            </a:r>
+            <a:br>
+              <a:rPr lang="en-US" dirty="0"/>
+            </a:br>
+            <a:r>
+              <a:rPr lang="en-US" dirty="0"/>
+              <a:t>    </a:t>
+            </a:r>
+            <a:r>
+              <a:rPr lang="en-US" dirty="0" smtClean="0"/>
+              <a:t>// </a:t>
+            </a:r>
+            <a:r>
+              <a:rPr lang="en-US" i="1" dirty="0" smtClean="0"/>
+              <a:t>Block </a:t>
+            </a:r>
+            <a:r>
+              <a:rPr lang="en-US" i="1" dirty="0"/>
+              <a:t>of code to </a:t>
+            </a:r>
+            <a:r>
+              <a:rPr lang="en-US" i="1" dirty="0" smtClean="0"/>
+              <a:t>try execute. Throws an error object.</a:t>
+            </a:r>
+          </a:p>
+          <a:p>
+            <a:pPr>
+              <a:spcBef>
+                <a:spcPts val="0"/>
+              </a:spcBef>
+            </a:pPr>
+            <a:r>
+              <a:rPr lang="en-US" dirty="0" smtClean="0"/>
+              <a:t>    throw </a:t>
+            </a:r>
+            <a:r>
+              <a:rPr lang="en-US" dirty="0"/>
+              <a:t>new Error(message, </a:t>
+            </a:r>
+            <a:r>
+              <a:rPr lang="en-US" dirty="0" err="1"/>
+              <a:t>fileName</a:t>
+            </a:r>
+            <a:r>
+              <a:rPr lang="en-US" dirty="0"/>
+              <a:t>, </a:t>
+            </a:r>
+            <a:r>
+              <a:rPr lang="en-US" dirty="0" err="1"/>
+              <a:t>lineNumber</a:t>
+            </a:r>
+            <a:r>
+              <a:rPr lang="en-US" dirty="0" smtClean="0"/>
+              <a:t>)</a:t>
+            </a:r>
+            <a:r>
+              <a:rPr lang="en-US" i="1" dirty="0"/>
+              <a:t/>
+            </a:r>
+            <a:br>
+              <a:rPr lang="en-US" i="1" dirty="0"/>
+            </a:br>
+            <a:r>
+              <a:rPr lang="en-US" dirty="0"/>
+              <a:t>}</a:t>
+            </a:r>
+            <a:br>
+              <a:rPr lang="en-US" dirty="0"/>
+            </a:br>
+            <a:r>
+              <a:rPr lang="en-US" dirty="0"/>
+              <a:t>catch(err) {</a:t>
+            </a:r>
+            <a:br>
+              <a:rPr lang="en-US" dirty="0"/>
+            </a:br>
+            <a:r>
+              <a:rPr lang="en-US" dirty="0"/>
+              <a:t>   </a:t>
+            </a:r>
+            <a:r>
+              <a:rPr lang="en-US" dirty="0" smtClean="0"/>
+              <a:t>// </a:t>
+            </a:r>
+            <a:r>
+              <a:rPr lang="en-US" i="1" dirty="0" smtClean="0"/>
+              <a:t>Block </a:t>
+            </a:r>
+            <a:r>
+              <a:rPr lang="en-US" i="1" dirty="0"/>
+              <a:t>of code to handle </a:t>
+            </a:r>
+            <a:r>
+              <a:rPr lang="en-US" i="1" dirty="0" smtClean="0"/>
+              <a:t>errors. Executes only if block in </a:t>
+            </a:r>
+            <a:r>
+              <a:rPr lang="en-US" b="1" i="1" dirty="0" smtClean="0"/>
+              <a:t>try</a:t>
+            </a:r>
+            <a:r>
+              <a:rPr lang="en-US" i="1" dirty="0" smtClean="0"/>
+              <a:t> </a:t>
+            </a:r>
+            <a:r>
+              <a:rPr lang="en-US" b="1" i="1" dirty="0" smtClean="0"/>
+              <a:t>throws</a:t>
+            </a:r>
+            <a:r>
+              <a:rPr lang="en-US" i="1" dirty="0" smtClean="0"/>
+              <a:t>.</a:t>
+            </a:r>
+            <a:r>
+              <a:rPr lang="en-US" i="1" dirty="0"/>
+              <a:t/>
+            </a:r>
+            <a:br>
+              <a:rPr lang="en-US" i="1" dirty="0"/>
+            </a:br>
+            <a:r>
+              <a:rPr lang="en-US" dirty="0" smtClean="0"/>
+              <a:t>}</a:t>
+            </a:r>
+          </a:p>
+          <a:p>
+            <a:pPr>
+              <a:spcBef>
+                <a:spcPts val="0"/>
+              </a:spcBef>
+            </a:pPr>
+            <a:r>
+              <a:rPr lang="en-US" dirty="0"/>
+              <a:t>finally {</a:t>
+            </a:r>
+          </a:p>
+          <a:p>
+            <a:pPr>
+              <a:spcBef>
+                <a:spcPts val="0"/>
+              </a:spcBef>
+            </a:pPr>
+            <a:r>
+              <a:rPr lang="en-US" i="1" dirty="0"/>
+              <a:t>    </a:t>
+            </a:r>
+            <a:r>
+              <a:rPr lang="en-US" i="1" dirty="0" smtClean="0"/>
+              <a:t>// Block </a:t>
+            </a:r>
+            <a:r>
+              <a:rPr lang="en-US" i="1" dirty="0"/>
+              <a:t>of code to be executed regardless of the </a:t>
+            </a:r>
+            <a:r>
+              <a:rPr lang="en-US" b="1" i="1" dirty="0" smtClean="0"/>
+              <a:t>try</a:t>
+            </a:r>
+            <a:r>
+              <a:rPr lang="en-US" i="1" dirty="0" smtClean="0"/>
+              <a:t>/</a:t>
+            </a:r>
+            <a:r>
+              <a:rPr lang="en-US" b="1" i="1" dirty="0" smtClean="0"/>
+              <a:t>catch</a:t>
+            </a:r>
+            <a:r>
+              <a:rPr lang="en-US" i="1" dirty="0" smtClean="0"/>
+              <a:t> </a:t>
+            </a:r>
+            <a:r>
+              <a:rPr lang="en-US" i="1" dirty="0"/>
+              <a:t>result</a:t>
+            </a:r>
+          </a:p>
+          <a:p>
+            <a:pPr>
+              <a:spcBef>
+                <a:spcPts val="0"/>
+              </a:spcBef>
+            </a:pPr>
+            <a:r>
+              <a:rPr lang="en-US" dirty="0" smtClean="0"/>
+              <a:t>}</a:t>
             </a:r>
           </a:p>
         </p:txBody>
@@ -8666,29 +8697,6 @@
             <a:r>
               <a:rPr lang="en-US" dirty="0" smtClean="0"/>
               <a:t>14. August 2015</a:t>
-            </a:r>
-            <a:endParaRPr lang="en-US" dirty="0"/>
-          </a:p>
-        </p:txBody>
-      </p:sp>
-      <p:sp>
-        <p:nvSpPr>
-          <p:cNvPr id="6" name="Text Placeholder 5"/>
-          <p:cNvSpPr>
-            <a:spLocks noGrp="1"/>
-          </p:cNvSpPr>
-          <p:nvPr>
-            <p:ph type="body" sz="quarter" idx="13"/>
-          </p:nvPr>
-        </p:nvSpPr>
-        <p:spPr/>
-        <p:txBody>
-          <a:bodyPr/>
-          <a:lstStyle/>
-          <a:p>
-            <a:r>
-              <a:rPr lang="en-US" dirty="0" smtClean="0"/>
-              <a:t>Best practices</a:t>
             </a:r>
             <a:endParaRPr lang="en-US" dirty="0"/>
           </a:p>
@@ -8816,7 +8824,7 @@
           <a:p>
             <a:r>
               <a:rPr lang="en-US" dirty="0" smtClean="0"/>
-              <a:t>Scopes of variables</a:t>
+              <a:t>Exception handling</a:t>
             </a:r>
             <a:endParaRPr lang="en-US" dirty="0"/>
           </a:p>
@@ -8832,200 +8840,64 @@
             <p:ph idx="1"/>
           </p:nvPr>
         </p:nvSpPr>
-        <p:spPr>
-          <a:xfrm>
-            <a:off x="539552" y="1052736"/>
-            <a:ext cx="8412161" cy="4776787"/>
-          </a:xfrm>
-        </p:spPr>
+        <p:spPr/>
         <p:txBody>
           <a:bodyPr/>
           <a:lstStyle/>
           <a:p>
             <a:pPr marL="342900" indent="-342900">
-              <a:spcAft>
-                <a:spcPts val="1800"/>
-              </a:spcAft>
               <a:buFont typeface="Arial" panose="020B0604020202020204" pitchFamily="34" charset="0"/>
               <a:buChar char="•"/>
             </a:pPr>
             <a:r>
               <a:rPr lang="en-US" dirty="0" smtClean="0"/>
-              <a:t>Global scope is reachable everywhere.</a:t>
-            </a:r>
-          </a:p>
-          <a:p>
-            <a:pPr>
-              <a:spcBef>
-                <a:spcPts val="0"/>
-              </a:spcBef>
-            </a:pPr>
-            <a:r>
-              <a:rPr lang="en-US" dirty="0" err="1"/>
-              <a:t>var</a:t>
-            </a:r>
-            <a:r>
-              <a:rPr lang="en-US" dirty="0"/>
-              <a:t> a = 1</a:t>
-            </a:r>
-            <a:r>
-              <a:rPr lang="en-US" dirty="0" smtClean="0"/>
-              <a:t>;</a:t>
-            </a:r>
-          </a:p>
-          <a:p>
-            <a:pPr>
-              <a:spcBef>
-                <a:spcPts val="0"/>
-              </a:spcBef>
-            </a:pPr>
-            <a:endParaRPr lang="en-US" dirty="0"/>
-          </a:p>
-          <a:p>
-            <a:pPr>
-              <a:spcBef>
-                <a:spcPts val="0"/>
-              </a:spcBef>
-            </a:pPr>
-            <a:r>
-              <a:rPr lang="en-US" dirty="0" smtClean="0"/>
-              <a:t>function </a:t>
-            </a:r>
-            <a:r>
-              <a:rPr lang="en-US" dirty="0"/>
-              <a:t>one() {</a:t>
-            </a:r>
-          </a:p>
-          <a:p>
-            <a:pPr>
-              <a:spcBef>
-                <a:spcPts val="0"/>
-              </a:spcBef>
-            </a:pPr>
-            <a:r>
-              <a:rPr lang="en-US" dirty="0" smtClean="0"/>
-              <a:t>     console.log(a);</a:t>
-            </a:r>
-          </a:p>
-          <a:p>
-            <a:pPr>
-              <a:spcBef>
-                <a:spcPts val="0"/>
-              </a:spcBef>
-            </a:pPr>
-            <a:r>
-              <a:rPr lang="en-US" dirty="0" smtClean="0"/>
-              <a:t>     a++;</a:t>
-            </a:r>
-            <a:endParaRPr lang="en-US" dirty="0"/>
-          </a:p>
-          <a:p>
-            <a:pPr>
-              <a:spcBef>
-                <a:spcPts val="0"/>
-              </a:spcBef>
-            </a:pPr>
-            <a:r>
-              <a:rPr lang="en-US" dirty="0" smtClean="0"/>
-              <a:t>}</a:t>
-            </a:r>
-          </a:p>
-          <a:p>
-            <a:pPr>
-              <a:spcBef>
-                <a:spcPts val="0"/>
-              </a:spcBef>
-            </a:pPr>
-            <a:endParaRPr lang="en-US" dirty="0"/>
-          </a:p>
-          <a:p>
-            <a:pPr>
-              <a:spcBef>
-                <a:spcPts val="0"/>
-              </a:spcBef>
-            </a:pPr>
-            <a:r>
-              <a:rPr lang="en-US" dirty="0" smtClean="0"/>
-              <a:t>Function two() {</a:t>
-            </a:r>
-          </a:p>
-          <a:p>
-            <a:pPr>
-              <a:spcBef>
-                <a:spcPts val="0"/>
-              </a:spcBef>
-            </a:pPr>
-            <a:r>
-              <a:rPr lang="en-US" dirty="0" smtClean="0"/>
-              <a:t>    console.log(a);</a:t>
-            </a:r>
-          </a:p>
-          <a:p>
-            <a:pPr>
-              <a:spcBef>
-                <a:spcPts val="0"/>
-              </a:spcBef>
-            </a:pPr>
-            <a:r>
-              <a:rPr lang="en-US" dirty="0" smtClean="0"/>
-              <a:t>}</a:t>
-            </a:r>
-          </a:p>
-          <a:p>
-            <a:pPr>
-              <a:spcBef>
-                <a:spcPts val="0"/>
-              </a:spcBef>
-            </a:pPr>
-            <a:endParaRPr lang="en-US" dirty="0"/>
-          </a:p>
-          <a:p>
-            <a:pPr>
-              <a:spcBef>
-                <a:spcPts val="0"/>
-              </a:spcBef>
-            </a:pPr>
-            <a:r>
-              <a:rPr lang="en-US" dirty="0" smtClean="0"/>
-              <a:t>one(); // outputs 1</a:t>
-            </a:r>
-          </a:p>
-          <a:p>
-            <a:pPr>
-              <a:spcBef>
-                <a:spcPts val="0"/>
-              </a:spcBef>
-            </a:pPr>
-            <a:r>
-              <a:rPr lang="en-US" dirty="0" smtClean="0"/>
-              <a:t>two(); // outputs </a:t>
-            </a:r>
-            <a:r>
-              <a:rPr lang="en-US" dirty="0" smtClean="0"/>
-              <a:t>2</a:t>
-            </a:r>
-          </a:p>
-          <a:p>
-            <a:pPr>
-              <a:spcBef>
-                <a:spcPts val="0"/>
-              </a:spcBef>
-            </a:pPr>
-            <a:endParaRPr lang="en-US" dirty="0"/>
+              <a:t>Handle </a:t>
+            </a:r>
+            <a:r>
+              <a:rPr lang="en-US" b="1" dirty="0" smtClean="0"/>
+              <a:t>all</a:t>
+            </a:r>
+            <a:r>
+              <a:rPr lang="en-US" dirty="0" smtClean="0"/>
+              <a:t> exceptions that may occur and influence users workflow</a:t>
+            </a:r>
           </a:p>
           <a:p>
             <a:pPr marL="342900" indent="-342900">
-              <a:spcBef>
-                <a:spcPts val="0"/>
-              </a:spcBef>
               <a:buFont typeface="Arial" panose="020B0604020202020204" pitchFamily="34" charset="0"/>
               <a:buChar char="•"/>
             </a:pPr>
             <a:r>
-              <a:rPr lang="en-US" b="1" u="sng" dirty="0" smtClean="0"/>
-              <a:t>Try to avoid global scope completely!</a:t>
-            </a:r>
-            <a:endParaRPr lang="en-US" b="1" u="sng" dirty="0" smtClean="0"/>
+              <a:rPr lang="en-US" dirty="0" smtClean="0"/>
+              <a:t>Do not use exceptions for non-exceptional control flow</a:t>
+            </a:r>
+          </a:p>
+          <a:p>
+            <a:pPr marL="342900" indent="-342900">
+              <a:buFont typeface="Arial" panose="020B0604020202020204" pitchFamily="34" charset="0"/>
+              <a:buChar char="•"/>
+            </a:pPr>
+            <a:endParaRPr lang="en-US" dirty="0"/>
+          </a:p>
+          <a:p>
+            <a:pPr marL="342900" indent="-342900">
+              <a:buFont typeface="Arial" panose="020B0604020202020204" pitchFamily="34" charset="0"/>
+              <a:buChar char="•"/>
+            </a:pPr>
+            <a:r>
+              <a:rPr lang="en-US" dirty="0" smtClean="0"/>
+              <a:t>Prefer exceptions to error codes (e.g. -1, false, 0x3343…)</a:t>
+            </a:r>
+          </a:p>
+          <a:p>
+            <a:pPr marL="342900" indent="-342900">
+              <a:buFont typeface="Arial" panose="020B0604020202020204" pitchFamily="34" charset="0"/>
+              <a:buChar char="•"/>
+            </a:pPr>
+            <a:r>
+              <a:rPr lang="en-US" dirty="0" smtClean="0"/>
+              <a:t>Create own exception type</a:t>
+            </a:r>
           </a:p>
         </p:txBody>
       </p:sp>
@@ -9047,6 +8919,29 @@
             <a:r>
               <a:rPr lang="en-US" dirty="0" smtClean="0"/>
               <a:t>14. August 2015</a:t>
+            </a:r>
+            <a:endParaRPr lang="en-US" dirty="0"/>
+          </a:p>
+        </p:txBody>
+      </p:sp>
+      <p:sp>
+        <p:nvSpPr>
+          <p:cNvPr id="6" name="Text Placeholder 5"/>
+          <p:cNvSpPr>
+            <a:spLocks noGrp="1"/>
+          </p:cNvSpPr>
+          <p:nvPr>
+            <p:ph type="body" sz="quarter" idx="13"/>
+          </p:nvPr>
+        </p:nvSpPr>
+        <p:spPr/>
+        <p:txBody>
+          <a:bodyPr/>
+          <a:lstStyle/>
+          <a:p>
+            <a:r>
+              <a:rPr lang="en-US" dirty="0" smtClean="0"/>
+              <a:t>Best practices</a:t>
             </a:r>
             <a:endParaRPr lang="en-US" dirty="0"/>
           </a:p>
@@ -9173,9 +9068,10 @@
           <a:lstStyle/>
           <a:p>
             <a:r>
-              <a:rPr lang="en-US" dirty="0"/>
+              <a:rPr lang="en-US" dirty="0" smtClean="0"/>
               <a:t>Scopes of variables</a:t>
             </a:r>
+            <a:endParaRPr lang="en-US" dirty="0"/>
           </a:p>
         </p:txBody>
       </p:sp>
@@ -9189,7 +9085,12 @@
             <p:ph idx="1"/>
           </p:nvPr>
         </p:nvSpPr>
-        <p:spPr/>
+        <p:spPr>
+          <a:xfrm>
+            <a:off x="539552" y="1052736"/>
+            <a:ext cx="8412161" cy="4776787"/>
+          </a:xfrm>
+        </p:spPr>
         <p:txBody>
           <a:bodyPr/>
           <a:lstStyle/>
@@ -9203,70 +9104,8 @@
             </a:pPr>
             <a:r>
               <a:rPr lang="en-US" dirty="0" smtClean="0"/>
-              <a:t>Local scope </a:t>
-            </a:r>
-            <a:r>
-              <a:rPr lang="en-US" dirty="0" smtClean="0"/>
-              <a:t>is </a:t>
-            </a:r>
-            <a:r>
-              <a:rPr lang="en-US" dirty="0"/>
-              <a:t>reachable</a:t>
-            </a:r>
-            <a:r>
-              <a:rPr lang="en-US" dirty="0" smtClean="0"/>
-              <a:t> </a:t>
-            </a:r>
-            <a:r>
-              <a:rPr lang="en-US" dirty="0" smtClean="0"/>
-              <a:t>only </a:t>
-            </a:r>
-            <a:r>
-              <a:rPr lang="en-US" dirty="0"/>
-              <a:t>in a </a:t>
-            </a:r>
-            <a:r>
-              <a:rPr lang="en-US" dirty="0" smtClean="0"/>
-              <a:t>function (&amp; an object).</a:t>
-            </a:r>
-            <a:endParaRPr lang="en-US" dirty="0" smtClean="0"/>
-          </a:p>
-          <a:p>
-            <a:pPr marL="342900" indent="-342900">
-              <a:spcAft>
-                <a:spcPts val="1800"/>
-              </a:spcAft>
-              <a:buFont typeface="Arial" panose="020B0604020202020204" pitchFamily="34" charset="0"/>
-              <a:buChar char="•"/>
-            </a:pPr>
-            <a:r>
-              <a:rPr lang="en-US" dirty="0" smtClean="0"/>
-              <a:t>Hides a global variable if it has the same name</a:t>
-            </a:r>
-            <a:r>
-              <a:rPr lang="en-US" dirty="0" smtClean="0"/>
-              <a:t>.</a:t>
-            </a:r>
-          </a:p>
-          <a:p>
-            <a:pPr>
-              <a:spcAft>
-                <a:spcPts val="1800"/>
-              </a:spcAft>
-            </a:pPr>
-            <a:r>
-              <a:rPr lang="en-US" dirty="0" err="1"/>
-              <a:t>v</a:t>
-            </a:r>
-            <a:r>
-              <a:rPr lang="en-US" dirty="0" err="1" smtClean="0"/>
-              <a:t>ar</a:t>
-            </a:r>
-            <a:r>
-              <a:rPr lang="en-US" dirty="0" smtClean="0"/>
-              <a:t> a = 2;</a:t>
-            </a:r>
-            <a:endParaRPr lang="en-US" dirty="0" smtClean="0"/>
+              <a:t>Global scope is reachable everywhere.</a:t>
+            </a:r>
           </a:p>
           <a:p>
             <a:pPr>
@@ -9275,12 +9114,16 @@
               </a:spcBef>
             </a:pPr>
             <a:r>
-              <a:rPr lang="en-US" dirty="0" smtClean="0"/>
-              <a:t>function </a:t>
+              <a:rPr lang="en-US" dirty="0" err="1"/>
+              <a:t>var</a:t>
             </a:r>
             <a:r>
               <a:rPr lang="en-US" dirty="0"/>
-              <a:t>three() {</a:t>
+              <a:t> a = 1</a:t>
+            </a:r>
+            <a:r>
+              <a:rPr lang="en-US" dirty="0" smtClean="0"/>
+              <a:t>;</a:t>
             </a:r>
           </a:p>
           <a:p>
@@ -9289,18 +9132,7 @@
                 <a:spcPts val="0"/>
               </a:spcBef>
             </a:pPr>
-            <a:r>
-              <a:rPr lang="en-US" dirty="0"/>
-              <a:t>  </a:t>
-            </a:r>
-            <a:r>
-              <a:rPr lang="en-US" dirty="0" err="1"/>
-              <a:t>var</a:t>
-            </a:r>
-            <a:r>
-              <a:rPr lang="en-US" dirty="0"/>
-              <a:t> a = 3;</a:t>
-            </a:r>
+            <a:endParaRPr lang="en-US" dirty="0"/>
           </a:p>
           <a:p>
             <a:pPr>
@@ -9309,14 +9141,13 @@
               </a:spcBef>
             </a:pPr>
             <a:r>
+              <a:rPr lang="en-US" dirty="0" smtClean="0"/>
+              <a:t>function </a:t>
+            </a:r>
+            <a:r>
               <a:rPr lang="en-US" dirty="0"/>
-              <a:t>  alert(a</a:t>
-            </a:r>
-            <a:r>
-              <a:rPr lang="en-US" dirty="0" smtClean="0"/>
-              <a:t>); // outputs 3 always</a:t>
-            </a:r>
-            <a:endParaRPr lang="en-US" dirty="0"/>
+              <a:t>one() {</a:t>
+            </a:r>
           </a:p>
           <a:p>
             <a:pPr>
@@ -9325,8 +9156,8 @@
               </a:spcBef>
             </a:pPr>
             <a:r>
-              <a:rPr lang="en-US" dirty="0"/>
-              <a:t>}</a:t>
+              <a:rPr lang="en-US" dirty="0" smtClean="0"/>
+              <a:t>     console.log(a);</a:t>
             </a:r>
           </a:p>
           <a:p>
@@ -9335,7 +9166,93 @@
                 <a:spcPts val="0"/>
               </a:spcBef>
             </a:pPr>
-            <a:endParaRPr lang="en-US" dirty="0" smtClean="0"/>
+            <a:r>
+              <a:rPr lang="en-US" dirty="0" smtClean="0"/>
+              <a:t>     a++;</a:t>
+            </a:r>
+            <a:endParaRPr lang="en-US" dirty="0"/>
+          </a:p>
+          <a:p>
+            <a:pPr>
+              <a:spcBef>
+                <a:spcPts val="0"/>
+              </a:spcBef>
+            </a:pPr>
+            <a:r>
+              <a:rPr lang="en-US" dirty="0" smtClean="0"/>
+              <a:t>}</a:t>
+            </a:r>
+          </a:p>
+          <a:p>
+            <a:pPr>
+              <a:spcBef>
+                <a:spcPts val="0"/>
+              </a:spcBef>
+            </a:pPr>
+            <a:endParaRPr lang="en-US" dirty="0"/>
+          </a:p>
+          <a:p>
+            <a:pPr>
+              <a:spcBef>
+                <a:spcPts val="0"/>
+              </a:spcBef>
+            </a:pPr>
+            <a:r>
+              <a:rPr lang="en-US" dirty="0" smtClean="0"/>
+              <a:t>Function two() {</a:t>
+            </a:r>
+          </a:p>
+          <a:p>
+            <a:pPr>
+              <a:spcBef>
+                <a:spcPts val="0"/>
+              </a:spcBef>
+            </a:pPr>
+            <a:r>
+              <a:rPr lang="en-US" dirty="0" smtClean="0"/>
+              <a:t>    console.log(a);</a:t>
+            </a:r>
+          </a:p>
+          <a:p>
+            <a:pPr>
+              <a:spcBef>
+                <a:spcPts val="0"/>
+              </a:spcBef>
+            </a:pPr>
+            <a:r>
+              <a:rPr lang="en-US" dirty="0" smtClean="0"/>
+              <a:t>}</a:t>
+            </a:r>
+          </a:p>
+          <a:p>
+            <a:pPr>
+              <a:spcBef>
+                <a:spcPts val="0"/>
+              </a:spcBef>
+            </a:pPr>
+            <a:endParaRPr lang="en-US" dirty="0"/>
+          </a:p>
+          <a:p>
+            <a:pPr>
+              <a:spcBef>
+                <a:spcPts val="0"/>
+              </a:spcBef>
+            </a:pPr>
+            <a:r>
+              <a:rPr lang="en-US" dirty="0" smtClean="0"/>
+              <a:t>one(); // outputs 1</a:t>
+            </a:r>
+          </a:p>
+          <a:p>
+            <a:pPr>
+              <a:spcBef>
+                <a:spcPts val="0"/>
+              </a:spcBef>
+            </a:pPr>
+            <a:r>
+              <a:rPr lang="en-US" dirty="0" smtClean="0"/>
+              <a:t>two(); // outputs 2</a:t>
+            </a:r>
           </a:p>
           <a:p>
             <a:pPr>
@@ -9354,56 +9271,9 @@
               <a:buChar char="•"/>
             </a:pPr>
             <a:r>
-              <a:rPr lang="en-US" b="1" dirty="0"/>
-              <a:t>Careful</a:t>
-            </a:r>
-            <a:r>
-              <a:rPr lang="en-US" dirty="0"/>
-              <a:t>: </a:t>
-            </a:r>
-            <a:r>
-              <a:rPr lang="en-US" dirty="0" smtClean="0"/>
-              <a:t>There are no new scopes </a:t>
-            </a:r>
-            <a:r>
-              <a:rPr lang="en-US" dirty="0"/>
-              <a:t>for blocks of </a:t>
-            </a:r>
-            <a:r>
-              <a:rPr lang="en-US" b="1" dirty="0"/>
-              <a:t>if</a:t>
-            </a:r>
-            <a:r>
-              <a:rPr lang="en-US" dirty="0"/>
-              <a:t>,</a:t>
-            </a:r>
-            <a:r>
-              <a:rPr lang="en-US" b="1" dirty="0"/>
-              <a:t> for</a:t>
-            </a:r>
-            <a:r>
-              <a:rPr lang="en-US" dirty="0"/>
-              <a:t>,</a:t>
-            </a:r>
-            <a:r>
-              <a:rPr lang="en-US" b="1" dirty="0"/>
-              <a:t> </a:t>
-            </a:r>
-            <a:r>
-              <a:rPr lang="en-US" b="1" dirty="0" smtClean="0"/>
-              <a:t>while, switch…</a:t>
-            </a:r>
-            <a:endParaRPr lang="en-US" b="1" dirty="0" smtClean="0"/>
-          </a:p>
-          <a:p>
-            <a:pPr marL="342900" indent="-342900">
-              <a:spcBef>
-                <a:spcPts val="0"/>
-              </a:spcBef>
-              <a:buFont typeface="Arial" panose="020B0604020202020204" pitchFamily="34" charset="0"/>
-              <a:buChar char="•"/>
-            </a:pPr>
-            <a:endParaRPr lang="en-US" b="1" dirty="0" smtClean="0"/>
+              <a:rPr lang="en-US" b="1" u="sng" dirty="0" smtClean="0"/>
+              <a:t>Try to avoid global scope completely!</a:t>
+            </a:r>
           </a:p>
         </p:txBody>
       </p:sp>
@@ -9423,16 +9293,16 @@
           <a:lstStyle/>
           <a:p>
             <a:r>
-              <a:rPr lang="de-CH" smtClean="0"/>
+              <a:rPr lang="en-US" dirty="0" smtClean="0"/>
               <a:t>14. August 2015</a:t>
             </a:r>
-            <a:endParaRPr lang="de-CH" dirty="0"/>
-          </a:p>
-        </p:txBody>
-      </p:sp>
-      <p:sp>
-        <p:nvSpPr>
-          <p:cNvPr id="5" name="Footer Placeholder 4"/>
+            <a:endParaRPr lang="en-US" dirty="0"/>
+          </a:p>
+        </p:txBody>
+      </p:sp>
+      <p:sp>
+        <p:nvSpPr>
+          <p:cNvPr id="7" name="Footer Placeholder 6"/>
           <p:cNvSpPr>
             <a:spLocks noGrp="1"/>
           </p:cNvSpPr>
@@ -9446,35 +9316,40 @@
           <a:lstStyle/>
           <a:p>
             <a:r>
-              <a:rPr lang="de-CH" smtClean="0"/>
-              <a:t>Javascript Basics | nesp, stmi, mabo</a:t>
-            </a:r>
-            <a:endParaRPr lang="de-CH" dirty="0"/>
-          </a:p>
-        </p:txBody>
-      </p:sp>
-      <p:sp>
-        <p:nvSpPr>
-          <p:cNvPr id="7" name="Text Placeholder 6"/>
-          <p:cNvSpPr>
-            <a:spLocks noGrp="1"/>
-          </p:cNvSpPr>
-          <p:nvPr>
-            <p:ph type="body" sz="quarter" idx="13"/>
-          </p:nvPr>
-        </p:nvSpPr>
-        <p:spPr/>
-        <p:txBody>
-          <a:bodyPr/>
-          <a:lstStyle/>
-          <a:p>
-            <a:endParaRPr lang="en-US"/>
-          </a:p>
-        </p:txBody>
-      </p:sp>
-      <p:sp>
-        <p:nvSpPr>
-          <p:cNvPr id="8" name="Slide Number Placeholder 7"/>
+              <a:rPr lang="en-US" dirty="0" err="1" smtClean="0"/>
+              <a:t>Javascript</a:t>
+            </a:r>
+            <a:r>
+              <a:rPr lang="en-US" dirty="0" smtClean="0"/>
+              <a:t> Basics | </a:t>
+            </a:r>
+            <a:r>
+              <a:rPr lang="en-US" dirty="0" err="1" smtClean="0"/>
+              <a:t>nesp</a:t>
+            </a:r>
+            <a:r>
+              <a:rPr lang="en-US" dirty="0" smtClean="0"/>
+              <a:t>, </a:t>
+            </a:r>
+            <a:r>
+              <a:rPr lang="en-US" dirty="0" err="1" smtClean="0"/>
+              <a:t>stmi</a:t>
+            </a:r>
+            <a:r>
+              <a:rPr lang="en-US" dirty="0" smtClean="0"/>
+              <a:t>, </a:t>
+            </a:r>
+            <a:r>
+              <a:rPr lang="en-US" dirty="0" err="1" smtClean="0"/>
+              <a:t>mabo</a:t>
+            </a:r>
+            <a:endParaRPr lang="en-US" dirty="0"/>
+          </a:p>
+        </p:txBody>
+      </p:sp>
+      <p:sp>
+        <p:nvSpPr>
+          <p:cNvPr id="9" name="Slide Number Placeholder 8"/>
           <p:cNvSpPr>
             <a:spLocks noGrp="1"/>
           </p:cNvSpPr>
@@ -9503,7 +9378,7 @@
     </p:spTree>
     <p:extLst>
       <p:ext uri="{BB962C8B-B14F-4D97-AF65-F5344CB8AC3E}">
-        <p14:creationId xmlns:p14="http://schemas.microsoft.com/office/powerpoint/2010/main" val="3322228320"/>
+        <p14:creationId xmlns:p14="http://schemas.microsoft.com/office/powerpoint/2010/main" val="2884851122"/>
       </p:ext>
     </p:extLst>
   </p:cSld>
@@ -9546,10 +9421,9 @@
           <a:lstStyle/>
           <a:p>
             <a:r>
-              <a:rPr lang="en-US" dirty="0" smtClean="0"/>
-              <a:t>Lifetime of scopes</a:t>
-            </a:r>
-            <a:endParaRPr lang="en-US" dirty="0"/>
+              <a:rPr lang="en-US" dirty="0"/>
+              <a:t>Scopes of variables</a:t>
+            </a:r>
           </a:p>
         </p:txBody>
       </p:sp>
@@ -9569,116 +9443,200 @@
           <a:lstStyle/>
           <a:p>
             <a:pPr marL="342900" indent="-342900">
+              <a:spcAft>
+                <a:spcPts val="1800"/>
+              </a:spcAft>
               <a:buFont typeface="Arial" panose="020B0604020202020204" pitchFamily="34" charset="0"/>
               <a:buChar char="•"/>
             </a:pPr>
             <a:r>
+              <a:rPr lang="en-US" dirty="0" smtClean="0"/>
+              <a:t>Local scope is </a:t>
+            </a:r>
+            <a:r>
               <a:rPr lang="en-US" dirty="0"/>
-              <a:t>Local variables are deleted when the function is completed</a:t>
-            </a:r>
-            <a:r>
-              <a:rPr lang="en-US" dirty="0" smtClean="0"/>
-              <a:t>.</a:t>
+              <a:t>reachable</a:t>
+            </a:r>
+            <a:r>
+              <a:rPr lang="en-US" dirty="0" smtClean="0"/>
+              <a:t> only </a:t>
+            </a:r>
+            <a:r>
+              <a:rPr lang="en-US" dirty="0"/>
+              <a:t>in a </a:t>
+            </a:r>
+            <a:r>
+              <a:rPr lang="en-US" dirty="0" smtClean="0"/>
+              <a:t>function (&amp; an object).</a:t>
             </a:r>
           </a:p>
           <a:p>
             <a:pPr marL="342900" indent="-342900">
+              <a:spcAft>
+                <a:spcPts val="1800"/>
+              </a:spcAft>
               <a:buFont typeface="Arial" panose="020B0604020202020204" pitchFamily="34" charset="0"/>
               <a:buChar char="•"/>
             </a:pPr>
             <a:r>
+              <a:rPr lang="en-US" dirty="0" smtClean="0"/>
+              <a:t>Hides a global variable if it has the same name.</a:t>
+            </a:r>
+          </a:p>
+          <a:p>
+            <a:pPr>
+              <a:spcAft>
+                <a:spcPts val="1800"/>
+              </a:spcAft>
+            </a:pPr>
+            <a:r>
+              <a:rPr lang="en-US" dirty="0" err="1"/>
+              <a:t>v</a:t>
+            </a:r>
+            <a:r>
+              <a:rPr lang="en-US" dirty="0" err="1" smtClean="0"/>
+              <a:t>ar</a:t>
+            </a:r>
+            <a:r>
+              <a:rPr lang="en-US" dirty="0" smtClean="0"/>
+              <a:t> a = 2;</a:t>
+            </a:r>
+          </a:p>
+          <a:p>
+            <a:pPr>
+              <a:spcBef>
+                <a:spcPts val="0"/>
+              </a:spcBef>
+            </a:pPr>
+            <a:r>
+              <a:rPr lang="en-US" dirty="0" smtClean="0"/>
+              <a:t>function </a:t>
+            </a:r>
+            <a:r>
               <a:rPr lang="en-US" dirty="0"/>
-              <a:t>Global variables are deleted when you close the page</a:t>
-            </a:r>
-            <a:r>
-              <a:rPr lang="en-US" dirty="0" smtClean="0"/>
-              <a:t>.</a:t>
-            </a:r>
+              <a:t>three() {</a:t>
+            </a:r>
+          </a:p>
+          <a:p>
+            <a:pPr>
+              <a:spcBef>
+                <a:spcPts val="0"/>
+              </a:spcBef>
+            </a:pPr>
+            <a:r>
+              <a:rPr lang="en-US" dirty="0"/>
+              <a:t>  </a:t>
+            </a:r>
+            <a:r>
+              <a:rPr lang="en-US" dirty="0" err="1"/>
+              <a:t>var</a:t>
+            </a:r>
+            <a:r>
+              <a:rPr lang="en-US" dirty="0"/>
+              <a:t> a = 3;</a:t>
+            </a:r>
+          </a:p>
+          <a:p>
+            <a:pPr>
+              <a:spcBef>
+                <a:spcPts val="0"/>
+              </a:spcBef>
+            </a:pPr>
+            <a:r>
+              <a:rPr lang="en-US" dirty="0"/>
+              <a:t>  alert(a</a:t>
+            </a:r>
+            <a:r>
+              <a:rPr lang="en-US" dirty="0" smtClean="0"/>
+              <a:t>); // outputs 3 always</a:t>
+            </a:r>
+            <a:endParaRPr lang="en-US" dirty="0"/>
+          </a:p>
+          <a:p>
+            <a:pPr>
+              <a:spcBef>
+                <a:spcPts val="0"/>
+              </a:spcBef>
+            </a:pPr>
+            <a:r>
+              <a:rPr lang="en-US" dirty="0"/>
+              <a:t>}</a:t>
+            </a:r>
+          </a:p>
+          <a:p>
+            <a:pPr>
+              <a:spcBef>
+                <a:spcPts val="0"/>
+              </a:spcBef>
+            </a:pPr>
+            <a:endParaRPr lang="en-US" dirty="0" smtClean="0"/>
+          </a:p>
+          <a:p>
+            <a:pPr>
+              <a:spcBef>
+                <a:spcPts val="0"/>
+              </a:spcBef>
+            </a:pPr>
+            <a:endParaRPr lang="en-US" dirty="0"/>
           </a:p>
           <a:p>
             <a:pPr marL="342900" indent="-342900">
+              <a:spcBef>
+                <a:spcPts val="0"/>
+              </a:spcBef>
               <a:buFont typeface="Arial" panose="020B0604020202020204" pitchFamily="34" charset="0"/>
               <a:buChar char="•"/>
             </a:pPr>
-            <a:endParaRPr lang="en-US" dirty="0"/>
+            <a:r>
+              <a:rPr lang="en-US" b="1" dirty="0"/>
+              <a:t>Careful</a:t>
+            </a:r>
+            <a:r>
+              <a:rPr lang="en-US" dirty="0"/>
+              <a:t>: </a:t>
+            </a:r>
+            <a:r>
+              <a:rPr lang="en-US" dirty="0" smtClean="0"/>
+              <a:t>There are no new scopes </a:t>
+            </a:r>
+            <a:r>
+              <a:rPr lang="en-US" dirty="0"/>
+              <a:t>for blocks of </a:t>
+            </a:r>
+            <a:r>
+              <a:rPr lang="en-US" b="1" dirty="0"/>
+              <a:t>if</a:t>
+            </a:r>
+            <a:r>
+              <a:rPr lang="en-US" dirty="0"/>
+              <a:t>,</a:t>
+            </a:r>
+            <a:r>
+              <a:rPr lang="en-US" b="1" dirty="0"/>
+              <a:t> for</a:t>
+            </a:r>
+            <a:r>
+              <a:rPr lang="en-US" dirty="0"/>
+              <a:t>,</a:t>
+            </a:r>
+            <a:r>
+              <a:rPr lang="en-US" b="1" dirty="0"/>
+              <a:t> </a:t>
+            </a:r>
+            <a:r>
+              <a:rPr lang="en-US" b="1" dirty="0" smtClean="0"/>
+              <a:t>while, switch…</a:t>
+            </a:r>
           </a:p>
           <a:p>
             <a:pPr marL="342900" indent="-342900">
+              <a:spcBef>
+                <a:spcPts val="0"/>
+              </a:spcBef>
               <a:buFont typeface="Arial" panose="020B0604020202020204" pitchFamily="34" charset="0"/>
               <a:buChar char="•"/>
             </a:pPr>
-            <a:r>
-              <a:rPr lang="en-US" b="1" dirty="0" smtClean="0"/>
-              <a:t>Beware</a:t>
-            </a:r>
-            <a:r>
-              <a:rPr lang="en-US" b="1" dirty="0"/>
-              <a:t> </a:t>
-            </a:r>
-            <a:r>
-              <a:rPr lang="en-US" b="1" dirty="0" smtClean="0"/>
-              <a:t>of automatically global scopes.</a:t>
-            </a:r>
-          </a:p>
-          <a:p>
-            <a:pPr marL="342900" indent="-342900">
-              <a:buFont typeface="Arial" panose="020B0604020202020204" pitchFamily="34" charset="0"/>
-              <a:buChar char="•"/>
-            </a:pPr>
-            <a:endParaRPr lang="en-US" b="1" dirty="0"/>
-          </a:p>
-          <a:p>
-            <a:r>
-              <a:rPr lang="en-GB" dirty="0"/>
-              <a:t>function </a:t>
-            </a:r>
-            <a:r>
-              <a:rPr lang="en-GB" dirty="0" err="1"/>
-              <a:t>myFunction</a:t>
-            </a:r>
-            <a:r>
-              <a:rPr lang="en-GB" dirty="0"/>
-              <a:t>() {</a:t>
-            </a:r>
-            <a:r>
-              <a:rPr lang="en-GB" dirty="0"/>
-              <a:t/>
-            </a:r>
-            <a:br>
-              <a:rPr lang="en-GB" dirty="0"/>
-            </a:br>
-            <a:r>
-              <a:rPr lang="en-GB" dirty="0"/>
-              <a:t>    </a:t>
-            </a:r>
-            <a:r>
-              <a:rPr lang="en-GB" dirty="0" err="1"/>
-              <a:t>carName</a:t>
-            </a:r>
-            <a:r>
-              <a:rPr lang="en-GB" dirty="0"/>
-              <a:t> = "Volvo</a:t>
-            </a:r>
-            <a:r>
-              <a:rPr lang="en-GB" dirty="0" smtClean="0"/>
-              <a:t>"; // will be declared globally if no </a:t>
-            </a:r>
-            <a:r>
-              <a:rPr lang="en-GB" b="1" dirty="0" err="1" smtClean="0"/>
-              <a:t>var</a:t>
-            </a:r>
-            <a:r>
-              <a:rPr lang="en-GB" dirty="0"/>
-              <a:t/>
-            </a:r>
-            <a:br>
-              <a:rPr lang="en-GB" dirty="0"/>
-            </a:br>
-            <a:r>
-              <a:rPr lang="en-GB" dirty="0"/>
-              <a:t>}</a:t>
-            </a:r>
-            <a:endParaRPr lang="en-US" b="1" dirty="0"/>
+            <a:endParaRPr lang="en-US" b="1" dirty="0" smtClean="0"/>
           </a:p>
         </p:txBody>
       </p:sp>
@@ -9698,16 +9656,39 @@
           <a:lstStyle/>
           <a:p>
             <a:r>
-              <a:rPr lang="en-US" dirty="0" smtClean="0"/>
+              <a:rPr lang="de-CH" smtClean="0"/>
               <a:t>14. August 2015</a:t>
             </a:r>
-            <a:endParaRPr lang="en-US" dirty="0"/>
-          </a:p>
-        </p:txBody>
-      </p:sp>
-      <p:sp>
-        <p:nvSpPr>
-          <p:cNvPr id="6" name="Text Placeholder 5"/>
+            <a:endParaRPr lang="de-CH" dirty="0"/>
+          </a:p>
+        </p:txBody>
+      </p:sp>
+      <p:sp>
+        <p:nvSpPr>
+          <p:cNvPr id="5" name="Footer Placeholder 4"/>
+          <p:cNvSpPr>
+            <a:spLocks noGrp="1"/>
+          </p:cNvSpPr>
+          <p:nvPr>
+            <p:ph type="ftr" sz="quarter" idx="11"/>
+          </p:nvPr>
+        </p:nvSpPr>
+        <p:spPr/>
+        <p:txBody>
+          <a:bodyPr/>
+          <a:lstStyle/>
+          <a:p>
+            <a:r>
+              <a:rPr lang="de-CH" smtClean="0"/>
+              <a:t>Javascript Basics | nesp, stmi, mabo</a:t>
+            </a:r>
+            <a:endParaRPr lang="de-CH" dirty="0"/>
+          </a:p>
+        </p:txBody>
+      </p:sp>
+      <p:sp>
+        <p:nvSpPr>
+          <p:cNvPr id="7" name="Text Placeholder 6"/>
           <p:cNvSpPr>
             <a:spLocks noGrp="1"/>
           </p:cNvSpPr>
@@ -9720,60 +9701,13 @@
           <a:bodyPr/>
           <a:lstStyle/>
           <a:p>
-            <a:endParaRPr lang="en-US" dirty="0"/>
-          </a:p>
-        </p:txBody>
-      </p:sp>
-      <p:sp>
-        <p:nvSpPr>
-          <p:cNvPr id="7" name="Footer Placeholder 6"/>
-          <p:cNvSpPr>
-            <a:spLocks noGrp="1"/>
-          </p:cNvSpPr>
-          <p:nvPr>
-            <p:ph type="ftr" sz="quarter" idx="11"/>
-          </p:nvPr>
-        </p:nvSpPr>
-        <p:spPr/>
-        <p:txBody>
-          <a:bodyPr/>
-          <a:lstStyle/>
-          <a:p>
-            <a:r>
-              <a:rPr lang="en-US" dirty="0" err="1" smtClean="0"/>
-              <a:t>Javascript</a:t>
-            </a:r>
-            <a:r>
-              <a:rPr lang="en-US" dirty="0" smtClean="0"/>
-              <a:t> Basics | </a:t>
-            </a:r>
-            <a:r>
-              <a:rPr lang="en-US" dirty="0" err="1" smtClean="0"/>
-              <a:t>nesp</a:t>
-            </a:r>
-            <a:r>
-              <a:rPr lang="en-US" dirty="0" smtClean="0"/>
-              <a:t>, </a:t>
-            </a:r>
-            <a:r>
-              <a:rPr lang="en-US" dirty="0" err="1" smtClean="0"/>
-              <a:t>stmi</a:t>
-            </a:r>
-            <a:r>
-              <a:rPr lang="en-US" dirty="0" smtClean="0"/>
-              <a:t>, </a:t>
-            </a:r>
-            <a:r>
-              <a:rPr lang="en-US" dirty="0" err="1" smtClean="0"/>
-              <a:t>mabo</a:t>
-            </a:r>
-            <a:endParaRPr lang="en-US" dirty="0"/>
-          </a:p>
-        </p:txBody>
-      </p:sp>
-      <p:sp>
-        <p:nvSpPr>
-          <p:cNvPr id="9" name="Slide Number Placeholder 8"/>
+            <a:endParaRPr lang="en-US"/>
+          </a:p>
+        </p:txBody>
+      </p:sp>
+      <p:sp>
+        <p:nvSpPr>
+          <p:cNvPr id="8" name="Slide Number Placeholder 7"/>
           <p:cNvSpPr>
             <a:spLocks noGrp="1"/>
           </p:cNvSpPr>
@@ -9802,7 +9736,7 @@
     </p:spTree>
     <p:extLst>
       <p:ext uri="{BB962C8B-B14F-4D97-AF65-F5344CB8AC3E}">
-        <p14:creationId xmlns:p14="http://schemas.microsoft.com/office/powerpoint/2010/main" val="2884851122"/>
+        <p14:creationId xmlns:p14="http://schemas.microsoft.com/office/powerpoint/2010/main" val="3322228320"/>
       </p:ext>
     </p:extLst>
   </p:cSld>
@@ -9988,7 +9922,7 @@
             </a:pPr>
             <a:r>
               <a:rPr lang="en-US" dirty="0" smtClean="0"/>
-              <a:t>Run in web browser script engine</a:t>
+              <a:t>Runs in web browser script engine</a:t>
             </a:r>
             <a:endParaRPr lang="en-US" dirty="0"/>
           </a:p>
@@ -10094,6 +10028,622 @@
               <a:t>2</a:t>
             </a:fld>
             <a:endParaRPr lang="de-CH" dirty="0"/>
+          </a:p>
+        </p:txBody>
+      </p:sp>
+    </p:spTree>
+    <p:extLst>
+      <p:ext uri="{BB962C8B-B14F-4D97-AF65-F5344CB8AC3E}">
+        <p14:creationId xmlns:p14="http://schemas.microsoft.com/office/powerpoint/2010/main" val="2884851122"/>
+      </p:ext>
+    </p:extLst>
+  </p:cSld>
+  <p:clrMapOvr>
+    <a:masterClrMapping/>
+  </p:clrMapOvr>
+</p:sld>
+</file>
+
+<file path=ppt/slides/slide20.xml><?xml version="1.0" encoding="utf-8"?>
+<p:sld xmlns:a="http://schemas.openxmlformats.org/drawingml/2006/main" xmlns:r="http://schemas.openxmlformats.org/officeDocument/2006/relationships" xmlns:p="http://schemas.openxmlformats.org/presentationml/2006/main">
+  <p:cSld>
+    <p:spTree>
+      <p:nvGrpSpPr>
+        <p:cNvPr id="1" name=""/>
+        <p:cNvGrpSpPr/>
+        <p:nvPr/>
+      </p:nvGrpSpPr>
+      <p:grpSpPr>
+        <a:xfrm>
+          <a:off x="0" y="0"/>
+          <a:ext cx="0" cy="0"/>
+          <a:chOff x="0" y="0"/>
+          <a:chExt cx="0" cy="0"/>
+        </a:xfrm>
+      </p:grpSpPr>
+      <p:sp>
+        <p:nvSpPr>
+          <p:cNvPr id="2" name="Title 1"/>
+          <p:cNvSpPr>
+            <a:spLocks noGrp="1"/>
+          </p:cNvSpPr>
+          <p:nvPr>
+            <p:ph type="title"/>
+          </p:nvPr>
+        </p:nvSpPr>
+        <p:spPr/>
+        <p:txBody>
+          <a:bodyPr/>
+          <a:lstStyle/>
+          <a:p>
+            <a:r>
+              <a:rPr lang="en-US" dirty="0" smtClean="0"/>
+              <a:t>Lifetime of scopes</a:t>
+            </a:r>
+            <a:endParaRPr lang="en-US" dirty="0"/>
+          </a:p>
+        </p:txBody>
+      </p:sp>
+      <p:sp>
+        <p:nvSpPr>
+          <p:cNvPr id="3" name="Content Placeholder 2"/>
+          <p:cNvSpPr>
+            <a:spLocks noGrp="1"/>
+          </p:cNvSpPr>
+          <p:nvPr>
+            <p:ph idx="1"/>
+          </p:nvPr>
+        </p:nvSpPr>
+        <p:spPr/>
+        <p:txBody>
+          <a:bodyPr/>
+          <a:lstStyle/>
+          <a:p>
+            <a:pPr marL="342900" indent="-342900">
+              <a:buFont typeface="Arial" panose="020B0604020202020204" pitchFamily="34" charset="0"/>
+              <a:buChar char="•"/>
+            </a:pPr>
+            <a:r>
+              <a:rPr lang="en-US" dirty="0"/>
+              <a:t>Local variables are deleted when the function is completed</a:t>
+            </a:r>
+            <a:r>
+              <a:rPr lang="en-US" dirty="0" smtClean="0"/>
+              <a:t>.</a:t>
+            </a:r>
+          </a:p>
+          <a:p>
+            <a:pPr marL="342900" indent="-342900">
+              <a:buFont typeface="Arial" panose="020B0604020202020204" pitchFamily="34" charset="0"/>
+              <a:buChar char="•"/>
+            </a:pPr>
+            <a:r>
+              <a:rPr lang="en-US" dirty="0"/>
+              <a:t>Global variables are deleted when you close the page</a:t>
+            </a:r>
+            <a:r>
+              <a:rPr lang="en-US" dirty="0" smtClean="0"/>
+              <a:t>.</a:t>
+            </a:r>
+          </a:p>
+          <a:p>
+            <a:pPr marL="342900" indent="-342900">
+              <a:buFont typeface="Arial" panose="020B0604020202020204" pitchFamily="34" charset="0"/>
+              <a:buChar char="•"/>
+            </a:pPr>
+            <a:endParaRPr lang="en-US" dirty="0"/>
+          </a:p>
+          <a:p>
+            <a:pPr marL="342900" indent="-342900">
+              <a:buFont typeface="Arial" panose="020B0604020202020204" pitchFamily="34" charset="0"/>
+              <a:buChar char="•"/>
+            </a:pPr>
+            <a:r>
+              <a:rPr lang="en-US" b="1" dirty="0" smtClean="0"/>
+              <a:t>Beware</a:t>
+            </a:r>
+            <a:r>
+              <a:rPr lang="en-US" b="1" dirty="0"/>
+              <a:t> </a:t>
+            </a:r>
+            <a:r>
+              <a:rPr lang="en-US" b="1" dirty="0" smtClean="0"/>
+              <a:t>of automatically global scopes.</a:t>
+            </a:r>
+          </a:p>
+          <a:p>
+            <a:pPr marL="342900" indent="-342900">
+              <a:buFont typeface="Arial" panose="020B0604020202020204" pitchFamily="34" charset="0"/>
+              <a:buChar char="•"/>
+            </a:pPr>
+            <a:endParaRPr lang="en-US" b="1" dirty="0"/>
+          </a:p>
+          <a:p>
+            <a:r>
+              <a:rPr lang="en-GB" dirty="0"/>
+              <a:t>function </a:t>
+            </a:r>
+            <a:r>
+              <a:rPr lang="en-GB" dirty="0" err="1"/>
+              <a:t>myFunction</a:t>
+            </a:r>
+            <a:r>
+              <a:rPr lang="en-GB" dirty="0"/>
+              <a:t>() {</a:t>
+            </a:r>
+            <a:br>
+              <a:rPr lang="en-GB" dirty="0"/>
+            </a:br>
+            <a:r>
+              <a:rPr lang="en-GB" dirty="0"/>
+              <a:t>    </a:t>
+            </a:r>
+            <a:r>
+              <a:rPr lang="en-GB" dirty="0" err="1"/>
+              <a:t>carName</a:t>
+            </a:r>
+            <a:r>
+              <a:rPr lang="en-GB" dirty="0"/>
+              <a:t> = "Volvo</a:t>
+            </a:r>
+            <a:r>
+              <a:rPr lang="en-GB" dirty="0" smtClean="0"/>
+              <a:t>"; // will be declared globally if no </a:t>
+            </a:r>
+            <a:r>
+              <a:rPr lang="en-GB" b="1" dirty="0" err="1" smtClean="0"/>
+              <a:t>var</a:t>
+            </a:r>
+            <a:r>
+              <a:rPr lang="en-GB" dirty="0"/>
+              <a:t/>
+            </a:r>
+            <a:br>
+              <a:rPr lang="en-GB" dirty="0"/>
+            </a:br>
+            <a:r>
+              <a:rPr lang="en-GB" dirty="0"/>
+              <a:t>}</a:t>
+            </a:r>
+            <a:endParaRPr lang="en-US" b="1" dirty="0"/>
+          </a:p>
+        </p:txBody>
+      </p:sp>
+      <p:sp>
+        <p:nvSpPr>
+          <p:cNvPr id="4" name="Date Placeholder 3"/>
+          <p:cNvSpPr>
+            <a:spLocks noGrp="1"/>
+          </p:cNvSpPr>
+          <p:nvPr>
+            <p:ph type="dt" sz="half" idx="10"/>
+          </p:nvPr>
+        </p:nvSpPr>
+        <p:spPr/>
+        <p:txBody>
+          <a:bodyPr/>
+          <a:lstStyle/>
+          <a:p>
+            <a:r>
+              <a:rPr lang="en-US" dirty="0" smtClean="0"/>
+              <a:t>14. August 2015</a:t>
+            </a:r>
+            <a:endParaRPr lang="en-US" dirty="0"/>
+          </a:p>
+        </p:txBody>
+      </p:sp>
+      <p:sp>
+        <p:nvSpPr>
+          <p:cNvPr id="6" name="Text Placeholder 5"/>
+          <p:cNvSpPr>
+            <a:spLocks noGrp="1"/>
+          </p:cNvSpPr>
+          <p:nvPr>
+            <p:ph type="body" sz="quarter" idx="13"/>
+          </p:nvPr>
+        </p:nvSpPr>
+        <p:spPr/>
+        <p:txBody>
+          <a:bodyPr/>
+          <a:lstStyle/>
+          <a:p>
+            <a:endParaRPr lang="en-US" dirty="0"/>
+          </a:p>
+        </p:txBody>
+      </p:sp>
+      <p:sp>
+        <p:nvSpPr>
+          <p:cNvPr id="7" name="Footer Placeholder 6"/>
+          <p:cNvSpPr>
+            <a:spLocks noGrp="1"/>
+          </p:cNvSpPr>
+          <p:nvPr>
+            <p:ph type="ftr" sz="quarter" idx="11"/>
+          </p:nvPr>
+        </p:nvSpPr>
+        <p:spPr/>
+        <p:txBody>
+          <a:bodyPr/>
+          <a:lstStyle/>
+          <a:p>
+            <a:r>
+              <a:rPr lang="en-US" dirty="0" err="1" smtClean="0"/>
+              <a:t>Javascript</a:t>
+            </a:r>
+            <a:r>
+              <a:rPr lang="en-US" dirty="0" smtClean="0"/>
+              <a:t> Basics | </a:t>
+            </a:r>
+            <a:r>
+              <a:rPr lang="en-US" dirty="0" err="1" smtClean="0"/>
+              <a:t>nesp</a:t>
+            </a:r>
+            <a:r>
+              <a:rPr lang="en-US" dirty="0" smtClean="0"/>
+              <a:t>, </a:t>
+            </a:r>
+            <a:r>
+              <a:rPr lang="en-US" dirty="0" err="1" smtClean="0"/>
+              <a:t>stmi</a:t>
+            </a:r>
+            <a:r>
+              <a:rPr lang="en-US" dirty="0" smtClean="0"/>
+              <a:t>, </a:t>
+            </a:r>
+            <a:r>
+              <a:rPr lang="en-US" dirty="0" err="1" smtClean="0"/>
+              <a:t>mabo</a:t>
+            </a:r>
+            <a:endParaRPr lang="en-US" dirty="0"/>
+          </a:p>
+        </p:txBody>
+      </p:sp>
+      <p:sp>
+        <p:nvSpPr>
+          <p:cNvPr id="9" name="Slide Number Placeholder 8"/>
+          <p:cNvSpPr>
+            <a:spLocks noGrp="1"/>
+          </p:cNvSpPr>
+          <p:nvPr>
+            <p:ph type="sldNum" sz="quarter" idx="12"/>
+          </p:nvPr>
+        </p:nvSpPr>
+        <p:spPr/>
+        <p:txBody>
+          <a:bodyPr/>
+          <a:lstStyle/>
+          <a:p>
+            <a:r>
+              <a:rPr lang="en-GB" smtClean="0"/>
+              <a:t>Slide </a:t>
+            </a:r>
+            <a:fld id="{B945A87F-2CE4-4B6D-B6BF-F6BF6C5CB292}" type="slidenum">
+              <a:rPr smtClean="0"/>
+              <a:pPr/>
+              <a:t>20</a:t>
+            </a:fld>
+            <a:endParaRPr dirty="0"/>
+          </a:p>
+        </p:txBody>
+      </p:sp>
+    </p:spTree>
+    <p:extLst>
+      <p:ext uri="{BB962C8B-B14F-4D97-AF65-F5344CB8AC3E}">
+        <p14:creationId xmlns:p14="http://schemas.microsoft.com/office/powerpoint/2010/main" val="2884851122"/>
+      </p:ext>
+    </p:extLst>
+  </p:cSld>
+  <p:clrMapOvr>
+    <a:masterClrMapping/>
+  </p:clrMapOvr>
+</p:sld>
+</file>
+
+<file path=ppt/slides/slide21.xml><?xml version="1.0" encoding="utf-8"?>
+<p:sld xmlns:a="http://schemas.openxmlformats.org/drawingml/2006/main" xmlns:r="http://schemas.openxmlformats.org/officeDocument/2006/relationships" xmlns:p="http://schemas.openxmlformats.org/presentationml/2006/main">
+  <p:cSld>
+    <p:spTree>
+      <p:nvGrpSpPr>
+        <p:cNvPr id="1" name=""/>
+        <p:cNvGrpSpPr/>
+        <p:nvPr/>
+      </p:nvGrpSpPr>
+      <p:grpSpPr>
+        <a:xfrm>
+          <a:off x="0" y="0"/>
+          <a:ext cx="0" cy="0"/>
+          <a:chOff x="0" y="0"/>
+          <a:chExt cx="0" cy="0"/>
+        </a:xfrm>
+      </p:grpSpPr>
+      <p:sp>
+        <p:nvSpPr>
+          <p:cNvPr id="2" name="Title 1"/>
+          <p:cNvSpPr>
+            <a:spLocks noGrp="1"/>
+          </p:cNvSpPr>
+          <p:nvPr>
+            <p:ph type="title"/>
+          </p:nvPr>
+        </p:nvSpPr>
+        <p:spPr/>
+        <p:txBody>
+          <a:bodyPr/>
+          <a:lstStyle/>
+          <a:p>
+            <a:r>
+              <a:rPr lang="en-US" dirty="0" smtClean="0"/>
+              <a:t>Example - </a:t>
+            </a:r>
+            <a:r>
+              <a:rPr lang="en-US" dirty="0"/>
+              <a:t>Guessing Game</a:t>
+            </a:r>
+            <a:br>
+              <a:rPr lang="en-US" dirty="0"/>
+            </a:br>
+            <a:endParaRPr lang="en-US" dirty="0"/>
+          </a:p>
+        </p:txBody>
+      </p:sp>
+      <p:sp>
+        <p:nvSpPr>
+          <p:cNvPr id="3" name="Content Placeholder 2"/>
+          <p:cNvSpPr>
+            <a:spLocks noGrp="1"/>
+          </p:cNvSpPr>
+          <p:nvPr>
+            <p:ph idx="1"/>
+          </p:nvPr>
+        </p:nvSpPr>
+        <p:spPr>
+          <a:xfrm>
+            <a:off x="579440" y="836712"/>
+            <a:ext cx="8412161" cy="5688632"/>
+          </a:xfrm>
+        </p:spPr>
+        <p:txBody>
+          <a:bodyPr/>
+          <a:lstStyle/>
+          <a:p>
+            <a:pPr marL="342900" indent="-342900">
+              <a:buFont typeface="Arial" panose="020B0604020202020204" pitchFamily="34" charset="0"/>
+              <a:buChar char="•"/>
+            </a:pPr>
+            <a:r>
+              <a:rPr lang="en-US" dirty="0" smtClean="0"/>
+              <a:t>User is asked if he knows “the answer to everything”</a:t>
+            </a:r>
+          </a:p>
+          <a:p>
+            <a:pPr marL="342900" indent="-342900">
+              <a:buFont typeface="Arial" panose="020B0604020202020204" pitchFamily="34" charset="0"/>
+              <a:buChar char="•"/>
+            </a:pPr>
+            <a:r>
+              <a:rPr lang="en-US" dirty="0" smtClean="0"/>
+              <a:t>They can press ESC, and will get a response:</a:t>
+            </a:r>
+          </a:p>
+          <a:p>
+            <a:pPr marL="608013" lvl="1" indent="-342900">
+              <a:buFont typeface="Arial" panose="020B0604020202020204" pitchFamily="34" charset="0"/>
+              <a:buChar char="•"/>
+            </a:pPr>
+            <a:r>
+              <a:rPr lang="en-US" dirty="0"/>
+              <a:t>"You must enter something! Nothing is not an answer</a:t>
+            </a:r>
+            <a:r>
+              <a:rPr lang="en-US" dirty="0" smtClean="0"/>
+              <a:t>!“</a:t>
+            </a:r>
+          </a:p>
+          <a:p>
+            <a:pPr marL="342900" indent="-342900">
+              <a:buFont typeface="Arial" panose="020B0604020202020204" pitchFamily="34" charset="0"/>
+              <a:buChar char="•"/>
+            </a:pPr>
+            <a:r>
+              <a:rPr lang="en-US" dirty="0" smtClean="0"/>
+              <a:t>They can answer with a non number, and will get a hint:</a:t>
+            </a:r>
+          </a:p>
+          <a:p>
+            <a:pPr marL="608013" lvl="1" indent="-342900">
+              <a:buFont typeface="Arial" panose="020B0604020202020204" pitchFamily="34" charset="0"/>
+              <a:buChar char="•"/>
+            </a:pPr>
+            <a:r>
+              <a:rPr lang="en-US" dirty="0"/>
+              <a:t>"The answer is a </a:t>
+            </a:r>
+            <a:r>
+              <a:rPr lang="en-US" dirty="0" smtClean="0"/>
+              <a:t>number.“</a:t>
+            </a:r>
+          </a:p>
+          <a:p>
+            <a:pPr marL="342900" indent="-342900">
+              <a:buFont typeface="Arial" panose="020B0604020202020204" pitchFamily="34" charset="0"/>
+              <a:buChar char="•"/>
+            </a:pPr>
+            <a:r>
+              <a:rPr lang="en-US" dirty="0" smtClean="0"/>
+              <a:t>They can miss the number, and will get a hint:</a:t>
+            </a:r>
+          </a:p>
+          <a:p>
+            <a:pPr marL="608013" lvl="1" indent="-342900">
+              <a:buFont typeface="Arial" panose="020B0604020202020204" pitchFamily="34" charset="0"/>
+              <a:buChar char="•"/>
+            </a:pPr>
+            <a:r>
+              <a:rPr lang="en-US" dirty="0"/>
+              <a:t>"Your closest guess so far </a:t>
+            </a:r>
+            <a:r>
+              <a:rPr lang="en-US" dirty="0" smtClean="0"/>
+              <a:t>was: “, with the closest guess.</a:t>
+            </a:r>
+          </a:p>
+          <a:p>
+            <a:pPr marL="342900" indent="-342900">
+              <a:buFont typeface="Arial" panose="020B0604020202020204" pitchFamily="34" charset="0"/>
+              <a:buChar char="•"/>
+            </a:pPr>
+            <a:r>
+              <a:rPr lang="en-US" dirty="0" smtClean="0"/>
+              <a:t>They can guess a maximum number of 10 times, and if they don’t make it, they get a notification:</a:t>
+            </a:r>
+          </a:p>
+          <a:p>
+            <a:pPr marL="608013" lvl="1" indent="-342900">
+              <a:buFont typeface="Arial" panose="020B0604020202020204" pitchFamily="34" charset="0"/>
+              <a:buChar char="•"/>
+            </a:pPr>
+            <a:r>
+              <a:rPr lang="en-US" dirty="0"/>
+              <a:t>"You reached your limit of </a:t>
+            </a:r>
+            <a:r>
+              <a:rPr lang="en-US" dirty="0" smtClean="0"/>
+              <a:t>10 </a:t>
+            </a:r>
+            <a:r>
+              <a:rPr lang="en-US" dirty="0"/>
+              <a:t>guesses and cannot guess anymore</a:t>
+            </a:r>
+            <a:r>
+              <a:rPr lang="en-US" dirty="0" smtClean="0"/>
+              <a:t>.“</a:t>
+            </a:r>
+          </a:p>
+          <a:p>
+            <a:pPr marL="342900" indent="-342900">
+              <a:buFont typeface="Arial" panose="020B0604020202020204" pitchFamily="34" charset="0"/>
+              <a:buChar char="•"/>
+            </a:pPr>
+            <a:r>
+              <a:rPr lang="en-US" dirty="0" smtClean="0"/>
+              <a:t>If they guess correctly, they get a response:</a:t>
+            </a:r>
+          </a:p>
+          <a:p>
+            <a:pPr marL="608013" lvl="1" indent="-342900">
+              <a:buFont typeface="Arial" panose="020B0604020202020204" pitchFamily="34" charset="0"/>
+              <a:buChar char="•"/>
+            </a:pPr>
+            <a:r>
+              <a:rPr lang="en-US" dirty="0"/>
+              <a:t>"Good guess! </a:t>
+            </a:r>
+            <a:r>
+              <a:rPr lang="en-US" dirty="0" smtClean="0"/>
+              <a:t>42 is </a:t>
+            </a:r>
+            <a:r>
+              <a:rPr lang="en-US" dirty="0"/>
+              <a:t>the answer to everything!"</a:t>
+            </a:r>
+          </a:p>
+        </p:txBody>
+      </p:sp>
+      <p:sp>
+        <p:nvSpPr>
+          <p:cNvPr id="4" name="Date Placeholder 3"/>
+          <p:cNvSpPr>
+            <a:spLocks noGrp="1"/>
+          </p:cNvSpPr>
+          <p:nvPr>
+            <p:ph type="dt" sz="half" idx="10"/>
+          </p:nvPr>
+        </p:nvSpPr>
+        <p:spPr/>
+        <p:txBody>
+          <a:bodyPr/>
+          <a:lstStyle/>
+          <a:p>
+            <a:r>
+              <a:rPr lang="en-US" dirty="0" smtClean="0"/>
+              <a:t>14. August 2015</a:t>
+            </a:r>
+            <a:endParaRPr lang="en-US" dirty="0"/>
+          </a:p>
+        </p:txBody>
+      </p:sp>
+      <p:sp>
+        <p:nvSpPr>
+          <p:cNvPr id="7" name="Footer Placeholder 6"/>
+          <p:cNvSpPr>
+            <a:spLocks noGrp="1"/>
+          </p:cNvSpPr>
+          <p:nvPr>
+            <p:ph type="ftr" sz="quarter" idx="11"/>
+          </p:nvPr>
+        </p:nvSpPr>
+        <p:spPr/>
+        <p:txBody>
+          <a:bodyPr/>
+          <a:lstStyle/>
+          <a:p>
+            <a:r>
+              <a:rPr lang="en-US" dirty="0" err="1" smtClean="0"/>
+              <a:t>Javascript</a:t>
+            </a:r>
+            <a:r>
+              <a:rPr lang="en-US" dirty="0" smtClean="0"/>
+              <a:t> Basics | </a:t>
+            </a:r>
+            <a:r>
+              <a:rPr lang="en-US" dirty="0" err="1" smtClean="0"/>
+              <a:t>nesp</a:t>
+            </a:r>
+            <a:r>
+              <a:rPr lang="en-US" dirty="0" smtClean="0"/>
+              <a:t>, </a:t>
+            </a:r>
+            <a:r>
+              <a:rPr lang="en-US" dirty="0" err="1" smtClean="0"/>
+              <a:t>stmi</a:t>
+            </a:r>
+            <a:r>
+              <a:rPr lang="en-US" dirty="0" smtClean="0"/>
+              <a:t>, </a:t>
+            </a:r>
+            <a:r>
+              <a:rPr lang="en-US" dirty="0" err="1" smtClean="0"/>
+              <a:t>mabo</a:t>
+            </a:r>
+            <a:endParaRPr lang="en-US" dirty="0"/>
+          </a:p>
+        </p:txBody>
+      </p:sp>
+      <p:sp>
+        <p:nvSpPr>
+          <p:cNvPr id="9" name="Slide Number Placeholder 8"/>
+          <p:cNvSpPr>
+            <a:spLocks noGrp="1"/>
+          </p:cNvSpPr>
+          <p:nvPr>
+            <p:ph type="sldNum" sz="quarter" idx="12"/>
+          </p:nvPr>
+        </p:nvSpPr>
+        <p:spPr/>
+        <p:txBody>
+          <a:bodyPr/>
+          <a:lstStyle/>
+          <a:p>
+            <a:r>
+              <a:rPr lang="en-GB" smtClean="0"/>
+              <a:t>Slide </a:t>
+            </a:r>
+            <a:fld id="{B945A87F-2CE4-4B6D-B6BF-F6BF6C5CB292}" type="slidenum">
+              <a:rPr smtClean="0"/>
+              <a:pPr/>
+              <a:t>21</a:t>
+            </a:fld>
+            <a:endParaRPr dirty="0"/>
           </a:p>
         </p:txBody>
       </p:sp>
@@ -10144,23 +10694,77 @@
           <a:p>
             <a:r>
               <a:rPr lang="en-US" dirty="0" smtClean="0"/>
-              <a:t>Declaring a variable</a:t>
+              <a:t>Including JS file in HTML</a:t>
             </a:r>
             <a:endParaRPr lang="en-US" dirty="0"/>
           </a:p>
         </p:txBody>
       </p:sp>
-      <p:sp>
-        <p:nvSpPr>
-          <p:cNvPr id="3" name="Content Placeholder 2"/>
-          <p:cNvSpPr>
-            <a:spLocks noGrp="1"/>
-          </p:cNvSpPr>
+      <p:pic>
+        <p:nvPicPr>
+          <p:cNvPr id="10" name="Content Placeholder 9"/>
+          <p:cNvPicPr>
+            <a:picLocks noGrp="1" noChangeAspect="1"/>
+          </p:cNvPicPr>
           <p:nvPr>
             <p:ph idx="1"/>
           </p:nvPr>
+        </p:nvPicPr>
+        <p:blipFill>
+          <a:blip r:embed="rId2"/>
+          <a:stretch>
+            <a:fillRect/>
+          </a:stretch>
+        </p:blipFill>
+        <p:spPr>
+          <a:xfrm>
+            <a:off x="971600" y="3757175"/>
+            <a:ext cx="5229225" cy="2181225"/>
+          </a:xfrm>
+          <a:prstGeom prst="rect">
+            <a:avLst/>
+          </a:prstGeom>
+        </p:spPr>
+      </p:pic>
+      <p:sp>
+        <p:nvSpPr>
+          <p:cNvPr id="4" name="Date Placeholder 3"/>
+          <p:cNvSpPr>
+            <a:spLocks noGrp="1"/>
+          </p:cNvSpPr>
+          <p:nvPr>
+            <p:ph type="dt" sz="half" idx="10"/>
+          </p:nvPr>
         </p:nvSpPr>
         <p:spPr/>
+        <p:txBody>
+          <a:bodyPr/>
+          <a:lstStyle/>
+          <a:p>
+            <a:r>
+              <a:rPr lang="en-US" dirty="0" smtClean="0"/>
+              <a:t>14. August 2015</a:t>
+            </a:r>
+            <a:endParaRPr lang="en-US" dirty="0"/>
+          </a:p>
+        </p:txBody>
+      </p:sp>
+      <p:sp>
+        <p:nvSpPr>
+          <p:cNvPr id="6" name="Text Placeholder 5"/>
+          <p:cNvSpPr>
+            <a:spLocks noGrp="1"/>
+          </p:cNvSpPr>
+          <p:nvPr>
+            <p:ph type="body" sz="quarter" idx="13"/>
+          </p:nvPr>
+        </p:nvSpPr>
+        <p:spPr>
+          <a:xfrm>
+            <a:off x="579438" y="1412776"/>
+            <a:ext cx="8412161" cy="1800200"/>
+          </a:xfrm>
+        </p:spPr>
         <p:txBody>
           <a:bodyPr/>
           <a:lstStyle/>
@@ -10171,15 +10775,15 @@
             </a:pPr>
             <a:r>
               <a:rPr lang="en-US" dirty="0" smtClean="0"/>
-              <a:t>Variables are declared using the </a:t>
-            </a:r>
-            <a:r>
-              <a:rPr lang="en-US" b="1" dirty="0" err="1" smtClean="0"/>
-              <a:t>var</a:t>
-            </a:r>
-            <a:r>
-              <a:rPr lang="en-US" dirty="0" smtClean="0"/>
-              <a:t> keyword.</a:t>
+              <a:t>Use the &lt;script&gt; tag with </a:t>
+            </a:r>
+            <a:r>
+              <a:rPr lang="en-US" dirty="0" err="1" smtClean="0"/>
+              <a:t>src</a:t>
+            </a:r>
+            <a:r>
+              <a:rPr lang="en-US" dirty="0" smtClean="0"/>
+              <a:t> attribute</a:t>
             </a:r>
           </a:p>
           <a:p>
@@ -10187,48 +10791,30 @@
               <a:buFont typeface="Arial" panose="020B0604020202020204" pitchFamily="34" charset="0"/>
               <a:buChar char="•"/>
             </a:pPr>
-            <a:endParaRPr lang="en-US" dirty="0"/>
-          </a:p>
-          <a:p>
-            <a:r>
-              <a:rPr lang="en-US" dirty="0" err="1" smtClean="0"/>
-              <a:t>var</a:t>
-            </a:r>
-            <a:r>
-              <a:rPr lang="en-US" dirty="0" smtClean="0"/>
-              <a:t> a = 5;</a:t>
-            </a:r>
-          </a:p>
-          <a:p>
-            <a:r>
-              <a:rPr lang="en-US" dirty="0" err="1" smtClean="0"/>
-              <a:t>var</a:t>
-            </a:r>
-            <a:r>
-              <a:rPr lang="en-US" dirty="0" smtClean="0"/>
-              <a:t> text = “Some message”;</a:t>
-            </a:r>
-          </a:p>
-          <a:p>
-            <a:endParaRPr lang="en-US" dirty="0"/>
+            <a:r>
+              <a:rPr lang="en-US" dirty="0" smtClean="0"/>
+              <a:t>JavaScript file have </a:t>
+            </a:r>
+            <a:r>
+              <a:rPr lang="en-US" b="1" dirty="0" smtClean="0"/>
+              <a:t>.</a:t>
+            </a:r>
+            <a:r>
+              <a:rPr lang="en-US" b="1" dirty="0" err="1" smtClean="0"/>
+              <a:t>js</a:t>
+            </a:r>
+            <a:r>
+              <a:rPr lang="en-US" dirty="0" smtClean="0"/>
+              <a:t> extension</a:t>
+            </a:r>
+            <a:endParaRPr lang="en-US" dirty="0" smtClean="0"/>
           </a:p>
           <a:p>
             <a:pPr marL="342900" indent="-342900">
               <a:buFont typeface="Arial" panose="020B0604020202020204" pitchFamily="34" charset="0"/>
               <a:buChar char="•"/>
             </a:pPr>
-            <a:r>
-              <a:rPr lang="en-US" b="1" u="sng" dirty="0" smtClean="0"/>
-              <a:t>Never declare a variable without the </a:t>
-            </a:r>
-            <a:r>
-              <a:rPr lang="en-US" b="1" u="sng" dirty="0" err="1" smtClean="0"/>
-              <a:t>var</a:t>
-            </a:r>
-            <a:r>
-              <a:rPr lang="en-US" b="1" u="sng" dirty="0" smtClean="0"/>
-              <a:t> keyword!</a:t>
-            </a:r>
+            <a:endParaRPr lang="en-US" dirty="0" smtClean="0"/>
           </a:p>
           <a:p>
             <a:pPr marL="342900" indent="-342900">
@@ -10236,52 +10822,19 @@
               <a:buChar char="•"/>
             </a:pPr>
             <a:r>
-              <a:rPr lang="en-US" dirty="0" smtClean="0"/>
-              <a:t>It will automatically become global and can cause problems.</a:t>
-            </a:r>
-            <a:endParaRPr lang="en-US" dirty="0"/>
-          </a:p>
-        </p:txBody>
-      </p:sp>
-      <p:sp>
-        <p:nvSpPr>
-          <p:cNvPr id="4" name="Date Placeholder 3"/>
-          <p:cNvSpPr>
-            <a:spLocks noGrp="1"/>
-          </p:cNvSpPr>
-          <p:nvPr>
-            <p:ph type="dt" sz="half" idx="10"/>
-          </p:nvPr>
-        </p:nvSpPr>
-        <p:spPr/>
-        <p:txBody>
-          <a:bodyPr/>
-          <a:lstStyle/>
-          <a:p>
-            <a:r>
-              <a:rPr lang="en-US" dirty="0" smtClean="0"/>
-              <a:t>14. August 2015</a:t>
-            </a:r>
-            <a:endParaRPr lang="en-US" dirty="0"/>
-          </a:p>
-        </p:txBody>
-      </p:sp>
-      <p:sp>
-        <p:nvSpPr>
-          <p:cNvPr id="6" name="Text Placeholder 5"/>
-          <p:cNvSpPr>
-            <a:spLocks noGrp="1"/>
-          </p:cNvSpPr>
-          <p:nvPr>
-            <p:ph type="body" sz="quarter" idx="13"/>
-          </p:nvPr>
-        </p:nvSpPr>
-        <p:spPr/>
-        <p:txBody>
-          <a:bodyPr/>
-          <a:lstStyle/>
-          <a:p>
-            <a:endParaRPr lang="en-US" dirty="0"/>
+              <a:rPr lang="en-US" b="1" dirty="0" smtClean="0"/>
+              <a:t>Always include script references at the end of the &lt;body&gt;</a:t>
+            </a:r>
+          </a:p>
+          <a:p>
+            <a:pPr marL="342900" indent="-342900">
+              <a:buFont typeface="Arial" panose="020B0604020202020204" pitchFamily="34" charset="0"/>
+              <a:buChar char="•"/>
+            </a:pPr>
+            <a:r>
+              <a:rPr lang="en-US" dirty="0" smtClean="0"/>
+              <a:t>This will load first the HTML, and then script</a:t>
+            </a:r>
           </a:p>
         </p:txBody>
       </p:sp>
@@ -10407,7 +10960,7 @@
           <a:p>
             <a:r>
               <a:rPr lang="en-US" dirty="0" smtClean="0"/>
-              <a:t>Data types</a:t>
+              <a:t>Declaring a variable</a:t>
             </a:r>
             <a:endParaRPr lang="en-US" dirty="0"/>
           </a:p>
@@ -10434,7 +10987,63 @@
             </a:pPr>
             <a:r>
               <a:rPr lang="en-US" dirty="0" smtClean="0"/>
-              <a:t>Primitives:</a:t>
+              <a:t>Variables are declared using the </a:t>
+            </a:r>
+            <a:r>
+              <a:rPr lang="en-US" b="1" dirty="0" err="1" smtClean="0"/>
+              <a:t>var</a:t>
+            </a:r>
+            <a:r>
+              <a:rPr lang="en-US" dirty="0" smtClean="0"/>
+              <a:t> keyword.</a:t>
+            </a:r>
+          </a:p>
+          <a:p>
+            <a:pPr marL="342900" indent="-342900">
+              <a:buFont typeface="Arial" panose="020B0604020202020204" pitchFamily="34" charset="0"/>
+              <a:buChar char="•"/>
+            </a:pPr>
+            <a:endParaRPr lang="en-US" dirty="0"/>
+          </a:p>
+          <a:p>
+            <a:r>
+              <a:rPr lang="en-US" dirty="0" err="1" smtClean="0"/>
+              <a:t>var</a:t>
+            </a:r>
+            <a:r>
+              <a:rPr lang="en-US" dirty="0" smtClean="0"/>
+              <a:t> a = 5;</a:t>
+            </a:r>
+          </a:p>
+          <a:p>
+            <a:r>
+              <a:rPr lang="en-US" dirty="0" err="1" smtClean="0"/>
+              <a:t>var</a:t>
+            </a:r>
+            <a:r>
+              <a:rPr lang="en-US" dirty="0" smtClean="0"/>
+              <a:t> text = “Some message”;</a:t>
+            </a:r>
+          </a:p>
+          <a:p>
+            <a:endParaRPr lang="en-US" dirty="0"/>
+          </a:p>
+          <a:p>
+            <a:pPr marL="342900" indent="-342900">
+              <a:buFont typeface="Arial" panose="020B0604020202020204" pitchFamily="34" charset="0"/>
+              <a:buChar char="•"/>
+            </a:pPr>
+            <a:r>
+              <a:rPr lang="en-US" b="1" u="sng" dirty="0" smtClean="0"/>
+              <a:t>Never declare a variable without the </a:t>
+            </a:r>
+            <a:r>
+              <a:rPr lang="en-US" b="1" u="sng" dirty="0" err="1" smtClean="0"/>
+              <a:t>var</a:t>
+            </a:r>
+            <a:r>
+              <a:rPr lang="en-US" b="1" u="sng" dirty="0" smtClean="0"/>
+              <a:t> keyword!</a:t>
             </a:r>
           </a:p>
           <a:p>
@@ -10444,75 +11053,8 @@
             </a:pPr>
             <a:r>
               <a:rPr lang="en-US" dirty="0" smtClean="0"/>
-              <a:t>Boolean</a:t>
-            </a:r>
-          </a:p>
-          <a:p>
-            <a:pPr marL="608013" lvl="1" indent="-342900">
-              <a:buFont typeface="Arial" panose="020B0604020202020204" pitchFamily="34" charset="0"/>
-              <a:buChar char="•"/>
-            </a:pPr>
-            <a:r>
-              <a:rPr lang="en-US" dirty="0" smtClean="0"/>
-              <a:t>Number (float)</a:t>
-            </a:r>
-            <a:endParaRPr lang="en-US" dirty="0" smtClean="0"/>
-          </a:p>
-          <a:p>
-            <a:pPr marL="608013" lvl="1" indent="-342900">
-              <a:buFont typeface="Arial" panose="020B0604020202020204" pitchFamily="34" charset="0"/>
-              <a:buChar char="•"/>
-            </a:pPr>
-            <a:r>
-              <a:rPr lang="en-US" dirty="0" smtClean="0"/>
-              <a:t>String</a:t>
-            </a:r>
-          </a:p>
-          <a:p>
-            <a:pPr marL="608013" lvl="1" indent="-342900">
-              <a:buFont typeface="Arial" panose="020B0604020202020204" pitchFamily="34" charset="0"/>
-              <a:buChar char="•"/>
-            </a:pPr>
-            <a:r>
-              <a:rPr lang="en-US" dirty="0" smtClean="0"/>
-              <a:t>Null</a:t>
-            </a:r>
-          </a:p>
-          <a:p>
-            <a:pPr marL="608013" lvl="1" indent="-342900">
-              <a:buFont typeface="Arial" panose="020B0604020202020204" pitchFamily="34" charset="0"/>
-              <a:buChar char="•"/>
-            </a:pPr>
-            <a:r>
-              <a:rPr lang="en-US" dirty="0" smtClean="0"/>
-              <a:t>Undefined</a:t>
-            </a:r>
-          </a:p>
-          <a:p>
-            <a:pPr marL="342900" indent="-342900">
-              <a:buFont typeface="Arial" panose="020B0604020202020204" pitchFamily="34" charset="0"/>
-              <a:buChar char="•"/>
-            </a:pPr>
-            <a:r>
-              <a:rPr lang="en-US" dirty="0" smtClean="0"/>
-              <a:t>Function</a:t>
-            </a:r>
-          </a:p>
-          <a:p>
-            <a:pPr marL="342900" indent="-342900">
-              <a:buFont typeface="Arial" panose="020B0604020202020204" pitchFamily="34" charset="0"/>
-              <a:buChar char="•"/>
-            </a:pPr>
-            <a:r>
-              <a:rPr lang="en-US" dirty="0" smtClean="0"/>
-              <a:t>Object</a:t>
-            </a:r>
-          </a:p>
-          <a:p>
-            <a:pPr marL="342900" indent="-342900">
-              <a:buFont typeface="Arial" panose="020B0604020202020204" pitchFamily="34" charset="0"/>
-              <a:buChar char="•"/>
-            </a:pPr>
+              <a:t>It will automatically become global and can cause problems.</a:t>
+            </a:r>
             <a:endParaRPr lang="en-US" dirty="0"/>
           </a:p>
         </p:txBody>
@@ -10681,7 +11223,7 @@
           <a:p>
             <a:r>
               <a:rPr lang="en-US" dirty="0" smtClean="0"/>
-              <a:t>Equality</a:t>
+              <a:t>Data types</a:t>
             </a:r>
             <a:endParaRPr lang="en-US" dirty="0"/>
           </a:p>
@@ -10708,7 +11250,7 @@
             </a:pPr>
             <a:r>
               <a:rPr lang="en-US" dirty="0" smtClean="0"/>
-              <a:t>Equality</a:t>
+              <a:t>Primitives:</a:t>
             </a:r>
           </a:p>
           <a:p>
@@ -10718,11 +11260,7 @@
             </a:pPr>
             <a:r>
               <a:rPr lang="en-US" dirty="0" smtClean="0"/>
-              <a:t>True</a:t>
-            </a:r>
-            <a:r>
-              <a:rPr lang="en-US" dirty="0" smtClean="0"/>
-              <a:t>: 4 == “4”</a:t>
+              <a:t>Boolean</a:t>
             </a:r>
           </a:p>
           <a:p>
@@ -10732,11 +11270,7 @@
             </a:pPr>
             <a:r>
               <a:rPr lang="en-US" dirty="0" smtClean="0"/>
-              <a:t>False: 4 === “4</a:t>
-            </a:r>
-            <a:r>
-              <a:rPr lang="en-US" dirty="0" smtClean="0"/>
-              <a:t>”</a:t>
+              <a:t>Number (float)</a:t>
             </a:r>
           </a:p>
           <a:p>
@@ -10746,7 +11280,27 @@
             </a:pPr>
             <a:r>
               <a:rPr lang="en-US" dirty="0" smtClean="0"/>
-              <a:t>True: 4 !== “4”</a:t>
+              <a:t>String</a:t>
+            </a:r>
+          </a:p>
+          <a:p>
+            <a:pPr marL="608013" lvl="1" indent="-342900">
+              <a:buFont typeface="Arial" panose="020B0604020202020204" pitchFamily="34" charset="0"/>
+              <a:buChar char="•"/>
+            </a:pPr>
+            <a:r>
+              <a:rPr lang="en-US" dirty="0" smtClean="0"/>
+              <a:t>Null (object is null)</a:t>
+            </a:r>
+          </a:p>
+          <a:p>
+            <a:pPr marL="608013" lvl="1" indent="-342900">
+              <a:buFont typeface="Arial" panose="020B0604020202020204" pitchFamily="34" charset="0"/>
+              <a:buChar char="•"/>
+            </a:pPr>
+            <a:r>
+              <a:rPr lang="en-US" dirty="0" smtClean="0"/>
+              <a:t>Undefined (variable doesn’t exist)</a:t>
             </a:r>
           </a:p>
           <a:p>
@@ -10755,17 +11309,19 @@
               <a:buChar char="•"/>
             </a:pPr>
             <a:r>
-              <a:rPr lang="en-US" b="1" u="sng" dirty="0" smtClean="0"/>
-              <a:t>Always try to use triple equals === !</a:t>
-            </a:r>
-            <a:endParaRPr lang="en-US" b="1" u="sng" dirty="0" smtClean="0"/>
+              <a:rPr lang="en-US" dirty="0" smtClean="0"/>
+              <a:t>Function</a:t>
+            </a:r>
           </a:p>
           <a:p>
             <a:pPr marL="342900" indent="-342900">
               <a:buFont typeface="Arial" panose="020B0604020202020204" pitchFamily="34" charset="0"/>
               <a:buChar char="•"/>
             </a:pPr>
-            <a:endParaRPr lang="en-US" dirty="0" smtClean="0"/>
+            <a:r>
+              <a:rPr lang="en-US" dirty="0" smtClean="0"/>
+              <a:t>Object</a:t>
+            </a:r>
           </a:p>
           <a:p>
             <a:pPr marL="342900" indent="-342900">
@@ -10792,16 +11348,35 @@
           <a:lstStyle/>
           <a:p>
             <a:r>
-              <a:rPr lang="de-CH" smtClean="0"/>
+              <a:rPr lang="en-US" dirty="0" smtClean="0"/>
               <a:t>14. August 2015</a:t>
             </a:r>
-            <a:endParaRPr lang="de-CH" dirty="0"/>
-          </a:p>
-        </p:txBody>
-      </p:sp>
-      <p:sp>
-        <p:nvSpPr>
-          <p:cNvPr id="5" name="Footer Placeholder 4"/>
+            <a:endParaRPr lang="en-US" dirty="0"/>
+          </a:p>
+        </p:txBody>
+      </p:sp>
+      <p:sp>
+        <p:nvSpPr>
+          <p:cNvPr id="6" name="Text Placeholder 5"/>
+          <p:cNvSpPr>
+            <a:spLocks noGrp="1"/>
+          </p:cNvSpPr>
+          <p:nvPr>
+            <p:ph type="body" sz="quarter" idx="13"/>
+          </p:nvPr>
+        </p:nvSpPr>
+        <p:spPr/>
+        <p:txBody>
+          <a:bodyPr/>
+          <a:lstStyle/>
+          <a:p>
+            <a:endParaRPr lang="en-US" dirty="0"/>
+          </a:p>
+        </p:txBody>
+      </p:sp>
+      <p:sp>
+        <p:nvSpPr>
+          <p:cNvPr id="7" name="Footer Placeholder 6"/>
           <p:cNvSpPr>
             <a:spLocks noGrp="1"/>
           </p:cNvSpPr>
@@ -10815,31 +11390,32 @@
           <a:lstStyle/>
           <a:p>
             <a:r>
-              <a:rPr lang="de-CH" smtClean="0"/>
-              <a:t>Javascript Basics | nesp, stmi, mabo</a:t>
-            </a:r>
-            <a:endParaRPr lang="de-CH" dirty="0"/>
-          </a:p>
-        </p:txBody>
-      </p:sp>
-      <p:sp>
-        <p:nvSpPr>
-          <p:cNvPr id="7" name="Text Placeholder 6"/>
-          <p:cNvSpPr>
-            <a:spLocks noGrp="1"/>
-          </p:cNvSpPr>
-          <p:nvPr>
-            <p:ph type="body" sz="quarter" idx="13"/>
-          </p:nvPr>
-        </p:nvSpPr>
-        <p:spPr/>
-        <p:txBody>
-          <a:bodyPr/>
-          <a:lstStyle/>
-          <a:p>
-            <a:r>
-              <a:rPr lang="en-US" dirty="0" smtClean="0"/>
-              <a:t>Strict “===“ vs Loose “==“</a:t>
+              <a:rPr lang="en-US" dirty="0" err="1" smtClean="0"/>
+              <a:t>Javascript</a:t>
+            </a:r>
+            <a:r>
+              <a:rPr lang="en-US" dirty="0" smtClean="0"/>
+              <a:t> Basics | </a:t>
+            </a:r>
+            <a:r>
+              <a:rPr lang="en-US" dirty="0" err="1" smtClean="0"/>
+              <a:t>nesp</a:t>
+            </a:r>
+            <a:r>
+              <a:rPr lang="en-US" dirty="0" smtClean="0"/>
+              <a:t>, </a:t>
+            </a:r>
+            <a:r>
+              <a:rPr lang="en-US" dirty="0" err="1" smtClean="0"/>
+              <a:t>stmi</a:t>
+            </a:r>
+            <a:r>
+              <a:rPr lang="en-US" dirty="0" smtClean="0"/>
+              <a:t>, </a:t>
+            </a:r>
+            <a:r>
+              <a:rPr lang="en-US" dirty="0" err="1" smtClean="0"/>
+              <a:t>mabo</a:t>
             </a:r>
             <a:endParaRPr lang="en-US" dirty="0"/>
           </a:p>
@@ -10847,7 +11423,7 @@
       </p:sp>
       <p:sp>
         <p:nvSpPr>
-          <p:cNvPr id="8" name="Slide Number Placeholder 7"/>
+          <p:cNvPr id="9" name="Slide Number Placeholder 8"/>
           <p:cNvSpPr>
             <a:spLocks noGrp="1"/>
           </p:cNvSpPr>
@@ -10876,7 +11452,7 @@
     </p:spTree>
     <p:extLst>
       <p:ext uri="{BB962C8B-B14F-4D97-AF65-F5344CB8AC3E}">
-        <p14:creationId xmlns:p14="http://schemas.microsoft.com/office/powerpoint/2010/main" val="4036073287"/>
+        <p14:creationId xmlns:p14="http://schemas.microsoft.com/office/powerpoint/2010/main" val="2884851122"/>
       </p:ext>
     </p:extLst>
   </p:cSld>
@@ -10920,7 +11496,7 @@
           <a:p>
             <a:r>
               <a:rPr lang="en-US" dirty="0" smtClean="0"/>
-              <a:t>Casting</a:t>
+              <a:t>Equality</a:t>
             </a:r>
             <a:endParaRPr lang="en-US" dirty="0"/>
           </a:p>
@@ -10936,12 +11512,7 @@
             <p:ph idx="1"/>
           </p:nvPr>
         </p:nvSpPr>
-        <p:spPr>
-          <a:xfrm>
-            <a:off x="579440" y="1095071"/>
-            <a:ext cx="8412161" cy="5472607"/>
-          </a:xfrm>
-        </p:spPr>
+        <p:spPr/>
         <p:txBody>
           <a:bodyPr/>
           <a:lstStyle/>
@@ -10952,76 +11523,45 @@
             </a:pPr>
             <a:r>
               <a:rPr lang="en-US" dirty="0" smtClean="0"/>
-              <a:t>Explicit casting is done with corresponding functions.</a:t>
-            </a:r>
-          </a:p>
-          <a:p>
-            <a:r>
-              <a:rPr lang="en-US" dirty="0" err="1" smtClean="0"/>
-              <a:t>var</a:t>
-            </a:r>
-            <a:r>
-              <a:rPr lang="en-US" dirty="0" smtClean="0"/>
-              <a:t> </a:t>
-            </a:r>
-            <a:r>
-              <a:rPr lang="en-US" dirty="0"/>
-              <a:t>a = Number(“</a:t>
-            </a:r>
-            <a:r>
-              <a:rPr lang="en-US" dirty="0" smtClean="0"/>
-              <a:t>4”)</a:t>
-            </a:r>
-          </a:p>
-          <a:p>
-            <a:r>
-              <a:rPr lang="en-US" dirty="0" smtClean="0"/>
-              <a:t>if (a === 4) { // will execute }</a:t>
-            </a:r>
-          </a:p>
-          <a:p>
-            <a:endParaRPr lang="en-US" dirty="0" smtClean="0"/>
+              <a:t>Equality</a:t>
+            </a:r>
+          </a:p>
+          <a:p>
+            <a:pPr marL="608013" lvl="1" indent="-342900">
+              <a:buFont typeface="Arial" panose="020B0604020202020204" pitchFamily="34" charset="0"/>
+              <a:buChar char="•"/>
+            </a:pPr>
+            <a:r>
+              <a:rPr lang="en-US" dirty="0" smtClean="0"/>
+              <a:t>True: 4 == “4”</a:t>
+            </a:r>
+          </a:p>
+          <a:p>
+            <a:pPr marL="608013" lvl="1" indent="-342900">
+              <a:buFont typeface="Arial" panose="020B0604020202020204" pitchFamily="34" charset="0"/>
+              <a:buChar char="•"/>
+            </a:pPr>
+            <a:r>
+              <a:rPr lang="en-US" dirty="0" smtClean="0"/>
+              <a:t>False: 4 === “4”</a:t>
+            </a:r>
+          </a:p>
+          <a:p>
+            <a:pPr marL="608013" lvl="1" indent="-342900">
+              <a:buFont typeface="Arial" panose="020B0604020202020204" pitchFamily="34" charset="0"/>
+              <a:buChar char="•"/>
+            </a:pPr>
+            <a:r>
+              <a:rPr lang="en-US" dirty="0" smtClean="0"/>
+              <a:t>True: 4 !== “4”</a:t>
+            </a:r>
           </a:p>
           <a:p>
             <a:pPr marL="342900" indent="-342900">
               <a:buFont typeface="Arial" panose="020B0604020202020204" pitchFamily="34" charset="0"/>
               <a:buChar char="•"/>
             </a:pPr>
-            <a:r>
-              <a:rPr lang="en-US" dirty="0" smtClean="0"/>
-              <a:t>Implicit casting is done </a:t>
-            </a:r>
-            <a:r>
-              <a:rPr lang="en-US" b="1" dirty="0" smtClean="0"/>
-              <a:t>whenever</a:t>
-            </a:r>
-            <a:r>
-              <a:rPr lang="en-US" dirty="0" smtClean="0"/>
-              <a:t> possible.</a:t>
-            </a:r>
-          </a:p>
-          <a:p>
-            <a:r>
-              <a:rPr lang="en-US" dirty="0" err="1" smtClean="0"/>
-              <a:t>var</a:t>
-            </a:r>
-            <a:r>
-              <a:rPr lang="en-US" dirty="0" smtClean="0"/>
-              <a:t> no = 42;</a:t>
-            </a:r>
-          </a:p>
-          <a:p>
-            <a:r>
-              <a:rPr lang="en-US" dirty="0" err="1" smtClean="0"/>
-              <a:t>var</a:t>
-            </a:r>
-            <a:r>
-              <a:rPr lang="en-US" dirty="0" smtClean="0"/>
-              <a:t> text = “Answer to everything: “ + no;</a:t>
-            </a:r>
-          </a:p>
-          <a:p>
-            <a:endParaRPr lang="en-US" dirty="0"/>
+            <a:endParaRPr lang="en-US" b="1" u="sng" dirty="0" smtClean="0"/>
           </a:p>
           <a:p>
             <a:pPr marL="342900" indent="-342900">
@@ -11029,18 +11569,8 @@
               <a:buChar char="•"/>
             </a:pPr>
             <a:r>
-              <a:rPr lang="en-US" b="1" dirty="0" smtClean="0"/>
-              <a:t>Careful</a:t>
-            </a:r>
-            <a:r>
-              <a:rPr lang="en-US" dirty="0" smtClean="0"/>
-              <a:t>:</a:t>
-            </a:r>
-          </a:p>
-          <a:p>
-            <a:r>
-              <a:rPr lang="en-US" dirty="0" smtClean="0"/>
-              <a:t>“Sum: ” + 4 + 6; // will result in “Sum: 46”</a:t>
+              <a:rPr lang="en-US" b="1" u="sng" dirty="0" smtClean="0"/>
+              <a:t>Always try to use triple equals === !</a:t>
             </a:r>
           </a:p>
           <a:p>
@@ -11048,14 +11578,14 @@
               <a:buFont typeface="Arial" panose="020B0604020202020204" pitchFamily="34" charset="0"/>
               <a:buChar char="•"/>
             </a:pPr>
-            <a:r>
-              <a:rPr lang="en-US" b="1" dirty="0" smtClean="0"/>
-              <a:t>Use brackets</a:t>
-            </a:r>
-            <a:r>
-              <a:rPr lang="en-US" dirty="0" smtClean="0"/>
-              <a:t>: “Sum: “ + (4 + 6)</a:t>
-            </a:r>
+            <a:endParaRPr lang="en-US" dirty="0" smtClean="0"/>
+          </a:p>
+          <a:p>
+            <a:pPr marL="342900" indent="-342900">
+              <a:buFont typeface="Arial" panose="020B0604020202020204" pitchFamily="34" charset="0"/>
+              <a:buChar char="•"/>
+            </a:pPr>
+            <a:endParaRPr lang="en-US" dirty="0"/>
           </a:p>
         </p:txBody>
       </p:sp>
@@ -11075,63 +11605,62 @@
           <a:lstStyle/>
           <a:p>
             <a:r>
-              <a:rPr lang="en-US" dirty="0" smtClean="0"/>
+              <a:rPr lang="de-CH" smtClean="0"/>
               <a:t>14. August 2015</a:t>
             </a:r>
+            <a:endParaRPr lang="de-CH" dirty="0"/>
+          </a:p>
+        </p:txBody>
+      </p:sp>
+      <p:sp>
+        <p:nvSpPr>
+          <p:cNvPr id="5" name="Footer Placeholder 4"/>
+          <p:cNvSpPr>
+            <a:spLocks noGrp="1"/>
+          </p:cNvSpPr>
+          <p:nvPr>
+            <p:ph type="ftr" sz="quarter" idx="11"/>
+          </p:nvPr>
+        </p:nvSpPr>
+        <p:spPr/>
+        <p:txBody>
+          <a:bodyPr/>
+          <a:lstStyle/>
+          <a:p>
+            <a:r>
+              <a:rPr lang="de-CH" smtClean="0"/>
+              <a:t>Javascript Basics | nesp, stmi, mabo</a:t>
+            </a:r>
+            <a:endParaRPr lang="de-CH" dirty="0"/>
+          </a:p>
+        </p:txBody>
+      </p:sp>
+      <p:sp>
+        <p:nvSpPr>
+          <p:cNvPr id="7" name="Text Placeholder 6"/>
+          <p:cNvSpPr>
+            <a:spLocks noGrp="1"/>
+          </p:cNvSpPr>
+          <p:nvPr>
+            <p:ph type="body" sz="quarter" idx="13"/>
+          </p:nvPr>
+        </p:nvSpPr>
+        <p:spPr/>
+        <p:txBody>
+          <a:bodyPr/>
+          <a:lstStyle/>
+          <a:p>
+            <a:r>
+              <a:rPr lang="en-US" dirty="0" smtClean="0"/>
+              <a:t>Strict “===“ vs Loose “==“</a:t>
+            </a:r>
             <a:endParaRPr lang="en-US" dirty="0"/>
           </a:p>
         </p:txBody>
       </p:sp>
       <p:sp>
         <p:nvSpPr>
-          <p:cNvPr id="7" name="Footer Placeholder 6"/>
-          <p:cNvSpPr>
-            <a:spLocks noGrp="1"/>
-          </p:cNvSpPr>
-          <p:nvPr>
-            <p:ph type="ftr" sz="quarter" idx="11"/>
-          </p:nvPr>
-        </p:nvSpPr>
-        <p:spPr/>
-        <p:txBody>
-          <a:bodyPr/>
-          <a:lstStyle/>
-          <a:p>
-            <a:r>
-              <a:rPr lang="en-US" dirty="0" err="1" smtClean="0"/>
-              <a:t>Javascript</a:t>
-            </a:r>
-            <a:r>
-              <a:rPr lang="en-US" dirty="0" smtClean="0"/>
-              <a:t> Basics | </a:t>
-            </a:r>
-            <a:r>
-              <a:rPr lang="en-US" dirty="0" err="1" smtClean="0"/>
-              <a:t>nesp</a:t>
-            </a:r>
-            <a:r>
-              <a:rPr lang="en-US" dirty="0" smtClean="0"/>
-              <a:t>, </a:t>
-            </a:r>
-            <a:r>
-              <a:rPr lang="en-US" dirty="0" err="1" smtClean="0"/>
-              <a:t>stmi</a:t>
-            </a:r>
-            <a:r>
-              <a:rPr lang="en-US" dirty="0" smtClean="0"/>
-              <a:t>, </a:t>
-            </a:r>
-            <a:r>
-              <a:rPr lang="en-US" dirty="0" err="1" smtClean="0"/>
-              <a:t>mabo</a:t>
-            </a:r>
-            <a:endParaRPr lang="en-US" dirty="0"/>
-          </a:p>
-        </p:txBody>
-      </p:sp>
-      <p:sp>
-        <p:nvSpPr>
-          <p:cNvPr id="9" name="Slide Number Placeholder 8"/>
+          <p:cNvPr id="8" name="Slide Number Placeholder 7"/>
           <p:cNvSpPr>
             <a:spLocks noGrp="1"/>
           </p:cNvSpPr>
@@ -11160,7 +11689,7 @@
     </p:spTree>
     <p:extLst>
       <p:ext uri="{BB962C8B-B14F-4D97-AF65-F5344CB8AC3E}">
-        <p14:creationId xmlns:p14="http://schemas.microsoft.com/office/powerpoint/2010/main" val="2884851122"/>
+        <p14:creationId xmlns:p14="http://schemas.microsoft.com/office/powerpoint/2010/main" val="4036073287"/>
       </p:ext>
     </p:extLst>
   </p:cSld>
@@ -11203,6 +11732,282 @@
           <a:lstStyle/>
           <a:p>
             <a:r>
+              <a:rPr lang="en-US" dirty="0" smtClean="0"/>
+              <a:t>Casting</a:t>
+            </a:r>
+            <a:endParaRPr lang="en-US" dirty="0"/>
+          </a:p>
+        </p:txBody>
+      </p:sp>
+      <p:sp>
+        <p:nvSpPr>
+          <p:cNvPr id="3" name="Content Placeholder 2"/>
+          <p:cNvSpPr>
+            <a:spLocks noGrp="1"/>
+          </p:cNvSpPr>
+          <p:nvPr>
+            <p:ph idx="1"/>
+          </p:nvPr>
+        </p:nvSpPr>
+        <p:spPr>
+          <a:xfrm>
+            <a:off x="579440" y="1095071"/>
+            <a:ext cx="8412161" cy="5472607"/>
+          </a:xfrm>
+        </p:spPr>
+        <p:txBody>
+          <a:bodyPr/>
+          <a:lstStyle/>
+          <a:p>
+            <a:pPr marL="342900" indent="-342900">
+              <a:buFont typeface="Arial" panose="020B0604020202020204" pitchFamily="34" charset="0"/>
+              <a:buChar char="•"/>
+            </a:pPr>
+            <a:r>
+              <a:rPr lang="en-US" dirty="0" smtClean="0"/>
+              <a:t>Explicit casting is done with corresponding functions.</a:t>
+            </a:r>
+          </a:p>
+          <a:p>
+            <a:r>
+              <a:rPr lang="en-US" dirty="0" err="1" smtClean="0"/>
+              <a:t>var</a:t>
+            </a:r>
+            <a:r>
+              <a:rPr lang="en-US" dirty="0" smtClean="0"/>
+              <a:t> </a:t>
+            </a:r>
+            <a:r>
+              <a:rPr lang="en-US" dirty="0"/>
+              <a:t>a = Number(“</a:t>
+            </a:r>
+            <a:r>
+              <a:rPr lang="en-US" dirty="0" smtClean="0"/>
+              <a:t>4”)</a:t>
+            </a:r>
+          </a:p>
+          <a:p>
+            <a:r>
+              <a:rPr lang="en-US" dirty="0" smtClean="0"/>
+              <a:t>if (a === 4) { // will execute }</a:t>
+            </a:r>
+          </a:p>
+          <a:p>
+            <a:endParaRPr lang="en-US" dirty="0" smtClean="0"/>
+          </a:p>
+          <a:p>
+            <a:pPr marL="342900" indent="-342900">
+              <a:buFont typeface="Arial" panose="020B0604020202020204" pitchFamily="34" charset="0"/>
+              <a:buChar char="•"/>
+            </a:pPr>
+            <a:r>
+              <a:rPr lang="en-US" dirty="0" smtClean="0"/>
+              <a:t>Implicit casting is done </a:t>
+            </a:r>
+            <a:r>
+              <a:rPr lang="en-US" b="1" dirty="0" smtClean="0"/>
+              <a:t>whenever</a:t>
+            </a:r>
+            <a:r>
+              <a:rPr lang="en-US" dirty="0" smtClean="0"/>
+              <a:t> possible.</a:t>
+            </a:r>
+          </a:p>
+          <a:p>
+            <a:r>
+              <a:rPr lang="en-US" dirty="0" err="1" smtClean="0"/>
+              <a:t>var</a:t>
+            </a:r>
+            <a:r>
+              <a:rPr lang="en-US" dirty="0" smtClean="0"/>
+              <a:t> no = 42;</a:t>
+            </a:r>
+          </a:p>
+          <a:p>
+            <a:r>
+              <a:rPr lang="en-US" dirty="0" err="1" smtClean="0"/>
+              <a:t>var</a:t>
+            </a:r>
+            <a:r>
+              <a:rPr lang="en-US" dirty="0" smtClean="0"/>
+              <a:t> text = “Answer to everything: “ + no;</a:t>
+            </a:r>
+          </a:p>
+          <a:p>
+            <a:endParaRPr lang="en-US" dirty="0"/>
+          </a:p>
+          <a:p>
+            <a:pPr marL="342900" indent="-342900">
+              <a:buFont typeface="Arial" panose="020B0604020202020204" pitchFamily="34" charset="0"/>
+              <a:buChar char="•"/>
+            </a:pPr>
+            <a:r>
+              <a:rPr lang="en-US" b="1" dirty="0" smtClean="0"/>
+              <a:t>Careful</a:t>
+            </a:r>
+            <a:r>
+              <a:rPr lang="en-US" dirty="0" smtClean="0"/>
+              <a:t>, use brackets during concatenation:</a:t>
+            </a:r>
+          </a:p>
+          <a:p>
+            <a:r>
+              <a:rPr lang="en-US" dirty="0" smtClean="0"/>
+              <a:t>“Sum: ” + 4 + 6;  // results in “Sum: 46”</a:t>
+            </a:r>
+          </a:p>
+          <a:p>
+            <a:r>
+              <a:rPr lang="en-US" dirty="0" smtClean="0"/>
+              <a:t>“Sum: “ + (4 + 6) // results in “Sum: 10”</a:t>
+            </a:r>
+          </a:p>
+        </p:txBody>
+      </p:sp>
+      <p:sp>
+        <p:nvSpPr>
+          <p:cNvPr id="4" name="Date Placeholder 3"/>
+          <p:cNvSpPr>
+            <a:spLocks noGrp="1"/>
+          </p:cNvSpPr>
+          <p:nvPr>
+            <p:ph type="dt" sz="half" idx="10"/>
+          </p:nvPr>
+        </p:nvSpPr>
+        <p:spPr/>
+        <p:txBody>
+          <a:bodyPr/>
+          <a:lstStyle/>
+          <a:p>
+            <a:r>
+              <a:rPr lang="en-US" dirty="0" smtClean="0"/>
+              <a:t>14. August 2015</a:t>
+            </a:r>
+            <a:endParaRPr lang="en-US" dirty="0"/>
+          </a:p>
+        </p:txBody>
+      </p:sp>
+      <p:sp>
+        <p:nvSpPr>
+          <p:cNvPr id="7" name="Footer Placeholder 6"/>
+          <p:cNvSpPr>
+            <a:spLocks noGrp="1"/>
+          </p:cNvSpPr>
+          <p:nvPr>
+            <p:ph type="ftr" sz="quarter" idx="11"/>
+          </p:nvPr>
+        </p:nvSpPr>
+        <p:spPr/>
+        <p:txBody>
+          <a:bodyPr/>
+          <a:lstStyle/>
+          <a:p>
+            <a:r>
+              <a:rPr lang="en-US" dirty="0" err="1" smtClean="0"/>
+              <a:t>Javascript</a:t>
+            </a:r>
+            <a:r>
+              <a:rPr lang="en-US" dirty="0" smtClean="0"/>
+              <a:t> Basics | </a:t>
+            </a:r>
+            <a:r>
+              <a:rPr lang="en-US" dirty="0" err="1" smtClean="0"/>
+              <a:t>nesp</a:t>
+            </a:r>
+            <a:r>
+              <a:rPr lang="en-US" dirty="0" smtClean="0"/>
+              <a:t>, </a:t>
+            </a:r>
+            <a:r>
+              <a:rPr lang="en-US" dirty="0" err="1" smtClean="0"/>
+              <a:t>stmi</a:t>
+            </a:r>
+            <a:r>
+              <a:rPr lang="en-US" dirty="0" smtClean="0"/>
+              <a:t>, </a:t>
+            </a:r>
+            <a:r>
+              <a:rPr lang="en-US" dirty="0" err="1" smtClean="0"/>
+              <a:t>mabo</a:t>
+            </a:r>
+            <a:endParaRPr lang="en-US" dirty="0"/>
+          </a:p>
+        </p:txBody>
+      </p:sp>
+      <p:sp>
+        <p:nvSpPr>
+          <p:cNvPr id="9" name="Slide Number Placeholder 8"/>
+          <p:cNvSpPr>
+            <a:spLocks noGrp="1"/>
+          </p:cNvSpPr>
+          <p:nvPr>
+            <p:ph type="sldNum" sz="quarter" idx="12"/>
+          </p:nvPr>
+        </p:nvSpPr>
+        <p:spPr/>
+        <p:txBody>
+          <a:bodyPr/>
+          <a:lstStyle/>
+          <a:p>
+            <a:r>
+              <a:rPr lang="en-GB" smtClean="0"/>
+              <a:t>Slide </a:t>
+            </a:r>
+            <a:fld id="{B945A87F-2CE4-4B6D-B6BF-F6BF6C5CB292}" type="slidenum">
+              <a:rPr smtClean="0"/>
+              <a:pPr/>
+              <a:t>7</a:t>
+            </a:fld>
+            <a:endParaRPr dirty="0"/>
+          </a:p>
+        </p:txBody>
+      </p:sp>
+    </p:spTree>
+    <p:extLst>
+      <p:ext uri="{BB962C8B-B14F-4D97-AF65-F5344CB8AC3E}">
+        <p14:creationId xmlns:p14="http://schemas.microsoft.com/office/powerpoint/2010/main" val="2884851122"/>
+      </p:ext>
+    </p:extLst>
+  </p:cSld>
+  <p:clrMapOvr>
+    <a:masterClrMapping/>
+  </p:clrMapOvr>
+</p:sld>
+</file>
+
+<file path=ppt/slides/slide8.xml><?xml version="1.0" encoding="utf-8"?>
+<p:sld xmlns:a="http://schemas.openxmlformats.org/drawingml/2006/main" xmlns:r="http://schemas.openxmlformats.org/officeDocument/2006/relationships" xmlns:p="http://schemas.openxmlformats.org/presentationml/2006/main">
+  <p:cSld>
+    <p:spTree>
+      <p:nvGrpSpPr>
+        <p:cNvPr id="1" name=""/>
+        <p:cNvGrpSpPr/>
+        <p:nvPr/>
+      </p:nvGrpSpPr>
+      <p:grpSpPr>
+        <a:xfrm>
+          <a:off x="0" y="0"/>
+          <a:ext cx="0" cy="0"/>
+          <a:chOff x="0" y="0"/>
+          <a:chExt cx="0" cy="0"/>
+        </a:xfrm>
+      </p:grpSpPr>
+      <p:sp>
+        <p:nvSpPr>
+          <p:cNvPr id="2" name="Title 1"/>
+          <p:cNvSpPr>
+            <a:spLocks noGrp="1"/>
+          </p:cNvSpPr>
+          <p:nvPr>
+            <p:ph type="title"/>
+          </p:nvPr>
+        </p:nvSpPr>
+        <p:spPr/>
+        <p:txBody>
+          <a:bodyPr/>
+          <a:lstStyle/>
+          <a:p>
+            <a:r>
               <a:rPr lang="en-US" dirty="0" err="1" smtClean="0"/>
               <a:t>Truthy</a:t>
             </a:r>
@@ -11440,7 +12245,7 @@
             </a:r>
             <a:fld id="{FB565871-C227-4467-8A69-9EBAF738B0FF}" type="slidenum">
               <a:rPr lang="de-CH" smtClean="0"/>
-              <a:t>7</a:t>
+              <a:t>8</a:t>
             </a:fld>
             <a:endParaRPr lang="de-CH" dirty="0"/>
           </a:p>
@@ -11693,11 +12498,7 @@
             </a:r>
             <a:r>
               <a:rPr lang="en-US" dirty="0" smtClean="0"/>
-              <a:t> </a:t>
-            </a:r>
-            <a:r>
-              <a:rPr lang="en-US" dirty="0" smtClean="0"/>
-              <a:t>a = null;</a:t>
+              <a:t> a = null;</a:t>
             </a:r>
           </a:p>
           <a:p>
@@ -11730,13 +12531,8 @@
             </a:pPr>
             <a:r>
               <a:rPr lang="en-US" dirty="0" smtClean="0"/>
-              <a:t>    </a:t>
-            </a:r>
-            <a:r>
-              <a:rPr lang="en-US" dirty="0" smtClean="0"/>
-              <a:t>// will not execute</a:t>
-            </a:r>
-            <a:endParaRPr lang="en-US" dirty="0" smtClean="0"/>
+              <a:t>    // will not execute</a:t>
+            </a:r>
           </a:p>
           <a:p>
             <a:pPr lvl="1" indent="0">
@@ -11749,7 +12545,6 @@
               <a:rPr lang="en-US" dirty="0" smtClean="0"/>
               <a:t>}</a:t>
             </a:r>
-            <a:endParaRPr lang="en-US" dirty="0" smtClean="0"/>
           </a:p>
         </p:txBody>
       </p:sp>
@@ -11766,7 +12561,7 @@
 </p:sld>
 </file>
 
-<file path=ppt/slides/slide8.xml><?xml version="1.0" encoding="utf-8"?>
+<file path=ppt/slides/slide9.xml><?xml version="1.0" encoding="utf-8"?>
 <p:sld xmlns:a="http://schemas.openxmlformats.org/drawingml/2006/main" xmlns:r="http://schemas.openxmlformats.org/officeDocument/2006/relationships" xmlns:p="http://schemas.openxmlformats.org/presentationml/2006/main">
   <p:cSld>
     <p:spTree>
@@ -13817,270 +14612,6 @@
               <a:rPr lang="en-US" dirty="0" smtClean="0"/>
               <a:t>14. August 2015</a:t>
             </a:r>
-            <a:endParaRPr lang="en-US" dirty="0"/>
-          </a:p>
-        </p:txBody>
-      </p:sp>
-      <p:sp>
-        <p:nvSpPr>
-          <p:cNvPr id="7" name="Footer Placeholder 6"/>
-          <p:cNvSpPr>
-            <a:spLocks noGrp="1"/>
-          </p:cNvSpPr>
-          <p:nvPr>
-            <p:ph type="ftr" sz="quarter" idx="11"/>
-          </p:nvPr>
-        </p:nvSpPr>
-        <p:spPr/>
-        <p:txBody>
-          <a:bodyPr/>
-          <a:lstStyle/>
-          <a:p>
-            <a:r>
-              <a:rPr lang="en-US" dirty="0" err="1" smtClean="0"/>
-              <a:t>Javascript</a:t>
-            </a:r>
-            <a:r>
-              <a:rPr lang="en-US" dirty="0" smtClean="0"/>
-              <a:t> Basics | </a:t>
-            </a:r>
-            <a:r>
-              <a:rPr lang="en-US" dirty="0" err="1" smtClean="0"/>
-              <a:t>nesp</a:t>
-            </a:r>
-            <a:r>
-              <a:rPr lang="en-US" dirty="0" smtClean="0"/>
-              <a:t>, </a:t>
-            </a:r>
-            <a:r>
-              <a:rPr lang="en-US" dirty="0" err="1" smtClean="0"/>
-              <a:t>stmi</a:t>
-            </a:r>
-            <a:r>
-              <a:rPr lang="en-US" dirty="0" smtClean="0"/>
-              <a:t>, </a:t>
-            </a:r>
-            <a:r>
-              <a:rPr lang="en-US" dirty="0" err="1" smtClean="0"/>
-              <a:t>mabo</a:t>
-            </a:r>
-            <a:endParaRPr lang="en-US" dirty="0"/>
-          </a:p>
-        </p:txBody>
-      </p:sp>
-      <p:sp>
-        <p:nvSpPr>
-          <p:cNvPr id="9" name="Slide Number Placeholder 8"/>
-          <p:cNvSpPr>
-            <a:spLocks noGrp="1"/>
-          </p:cNvSpPr>
-          <p:nvPr>
-            <p:ph type="sldNum" sz="quarter" idx="12"/>
-          </p:nvPr>
-        </p:nvSpPr>
-        <p:spPr/>
-        <p:txBody>
-          <a:bodyPr/>
-          <a:lstStyle/>
-          <a:p>
-            <a:r>
-              <a:rPr lang="en-GB" smtClean="0"/>
-              <a:t>Slide </a:t>
-            </a:r>
-            <a:fld id="{B945A87F-2CE4-4B6D-B6BF-F6BF6C5CB292}" type="slidenum">
-              <a:rPr smtClean="0"/>
-              <a:pPr/>
-              <a:t>8</a:t>
-            </a:fld>
-            <a:endParaRPr dirty="0"/>
-          </a:p>
-        </p:txBody>
-      </p:sp>
-    </p:spTree>
-    <p:extLst>
-      <p:ext uri="{BB962C8B-B14F-4D97-AF65-F5344CB8AC3E}">
-        <p14:creationId xmlns:p14="http://schemas.microsoft.com/office/powerpoint/2010/main" val="2884851122"/>
-      </p:ext>
-    </p:extLst>
-  </p:cSld>
-  <p:clrMapOvr>
-    <a:masterClrMapping/>
-  </p:clrMapOvr>
-</p:sld>
-</file>
-
-<file path=ppt/slides/slide9.xml><?xml version="1.0" encoding="utf-8"?>
-<p:sld xmlns:a="http://schemas.openxmlformats.org/drawingml/2006/main" xmlns:r="http://schemas.openxmlformats.org/officeDocument/2006/relationships" xmlns:p="http://schemas.openxmlformats.org/presentationml/2006/main">
-  <p:cSld>
-    <p:spTree>
-      <p:nvGrpSpPr>
-        <p:cNvPr id="1" name=""/>
-        <p:cNvGrpSpPr/>
-        <p:nvPr/>
-      </p:nvGrpSpPr>
-      <p:grpSpPr>
-        <a:xfrm>
-          <a:off x="0" y="0"/>
-          <a:ext cx="0" cy="0"/>
-          <a:chOff x="0" y="0"/>
-          <a:chExt cx="0" cy="0"/>
-        </a:xfrm>
-      </p:grpSpPr>
-      <p:sp>
-        <p:nvSpPr>
-          <p:cNvPr id="2" name="Title 1"/>
-          <p:cNvSpPr>
-            <a:spLocks noGrp="1"/>
-          </p:cNvSpPr>
-          <p:nvPr>
-            <p:ph type="title"/>
-          </p:nvPr>
-        </p:nvSpPr>
-        <p:spPr/>
-        <p:txBody>
-          <a:bodyPr/>
-          <a:lstStyle/>
-          <a:p>
-            <a:r>
-              <a:rPr lang="en-US" dirty="0" smtClean="0"/>
-              <a:t>Member operator</a:t>
-            </a:r>
-            <a:endParaRPr lang="en-US" dirty="0"/>
-          </a:p>
-        </p:txBody>
-      </p:sp>
-      <p:sp>
-        <p:nvSpPr>
-          <p:cNvPr id="3" name="Content Placeholder 2"/>
-          <p:cNvSpPr>
-            <a:spLocks noGrp="1"/>
-          </p:cNvSpPr>
-          <p:nvPr>
-            <p:ph idx="1"/>
-          </p:nvPr>
-        </p:nvSpPr>
-        <p:spPr/>
-        <p:txBody>
-          <a:bodyPr/>
-          <a:lstStyle/>
-          <a:p>
-            <a:pPr marL="342900" indent="-342900">
-              <a:buFont typeface="Arial" panose="020B0604020202020204" pitchFamily="34" charset="0"/>
-              <a:buChar char="•"/>
-            </a:pPr>
-            <a:r>
-              <a:rPr lang="en-US" dirty="0" smtClean="0"/>
-              <a:t>In array: </a:t>
-            </a:r>
-            <a:r>
-              <a:rPr lang="en-US" dirty="0" err="1" smtClean="0"/>
-              <a:t>arr</a:t>
-            </a:r>
-            <a:r>
-              <a:rPr lang="en-US" dirty="0" smtClean="0"/>
-              <a:t>[4]</a:t>
-            </a:r>
-          </a:p>
-          <a:p>
-            <a:pPr marL="342900" indent="-342900">
-              <a:buFont typeface="Arial" panose="020B0604020202020204" pitchFamily="34" charset="0"/>
-              <a:buChar char="•"/>
-            </a:pPr>
-            <a:endParaRPr lang="en-US" dirty="0"/>
-          </a:p>
-          <a:p>
-            <a:pPr marL="342900" indent="-342900">
-              <a:buFont typeface="Arial" panose="020B0604020202020204" pitchFamily="34" charset="0"/>
-              <a:buChar char="•"/>
-            </a:pPr>
-            <a:r>
-              <a:rPr lang="en-US" dirty="0" smtClean="0"/>
-              <a:t>In object:</a:t>
-            </a:r>
-          </a:p>
-          <a:p>
-            <a:pPr marL="608013" lvl="1" indent="-342900">
-              <a:buFont typeface="Arial" panose="020B0604020202020204" pitchFamily="34" charset="0"/>
-              <a:buChar char="•"/>
-            </a:pPr>
-            <a:r>
-              <a:rPr lang="en-US" dirty="0" err="1" smtClean="0"/>
-              <a:t>obj.someProperty</a:t>
-            </a:r>
-            <a:endParaRPr lang="en-US" dirty="0" smtClean="0"/>
-          </a:p>
-          <a:p>
-            <a:pPr marL="608013" lvl="1" indent="-342900">
-              <a:buFont typeface="Arial" panose="020B0604020202020204" pitchFamily="34" charset="0"/>
-              <a:buChar char="•"/>
-            </a:pPr>
-            <a:r>
-              <a:rPr lang="en-US" dirty="0" err="1" smtClean="0"/>
-              <a:t>obj</a:t>
-            </a:r>
-            <a:r>
-              <a:rPr lang="en-US" dirty="0" smtClean="0"/>
-              <a:t>[“</a:t>
-            </a:r>
-            <a:r>
-              <a:rPr lang="en-US" dirty="0" err="1" smtClean="0"/>
-              <a:t>someProperty</a:t>
-            </a:r>
-            <a:r>
-              <a:rPr lang="en-US" dirty="0" smtClean="0"/>
-              <a:t>”]</a:t>
-            </a:r>
-          </a:p>
-          <a:p>
-            <a:pPr marL="608013" lvl="1" indent="-342900">
-              <a:buFont typeface="Arial" panose="020B0604020202020204" pitchFamily="34" charset="0"/>
-              <a:buChar char="•"/>
-            </a:pPr>
-            <a:r>
-              <a:rPr lang="en-US" dirty="0" smtClean="0"/>
-              <a:t>Objects are hash maps as well</a:t>
-            </a:r>
-          </a:p>
-        </p:txBody>
-      </p:sp>
-      <p:sp>
-        <p:nvSpPr>
-          <p:cNvPr id="4" name="Date Placeholder 3"/>
-          <p:cNvSpPr>
-            <a:spLocks noGrp="1"/>
-          </p:cNvSpPr>
-          <p:nvPr>
-            <p:ph type="dt" sz="half" idx="10"/>
-          </p:nvPr>
-        </p:nvSpPr>
-        <p:spPr/>
-        <p:txBody>
-          <a:bodyPr/>
-          <a:lstStyle/>
-          <a:p>
-            <a:r>
-              <a:rPr lang="en-US" dirty="0" smtClean="0"/>
-              <a:t>14. August 2015</a:t>
-            </a:r>
-            <a:endParaRPr lang="en-US" dirty="0"/>
-          </a:p>
-        </p:txBody>
-      </p:sp>
-      <p:sp>
-        <p:nvSpPr>
-          <p:cNvPr id="6" name="Text Placeholder 5"/>
-          <p:cNvSpPr>
-            <a:spLocks noGrp="1"/>
-          </p:cNvSpPr>
-          <p:nvPr>
-            <p:ph type="body" sz="quarter" idx="13"/>
-          </p:nvPr>
-        </p:nvSpPr>
-        <p:spPr/>
-        <p:txBody>
-          <a:bodyPr/>
-          <a:lstStyle/>
-          <a:p>
             <a:endParaRPr lang="en-US" dirty="0"/>
           </a:p>
         </p:txBody>
